--- a/Vortrag/Vortrag.pptx
+++ b/Vortrag/Vortrag.pptx
@@ -4751,7 +4751,7 @@
         </p:blipFill>
         <p:spPr>
           <a:xfrm>
-            <a:off x="5724128" y="3356992"/>
+            <a:off x="5724128" y="3352018"/>
             <a:ext cx="2952328" cy="2867216"/>
           </a:xfrm>
           <a:prstGeom prst="rect">
@@ -4759,6 +4759,86 @@
           </a:prstGeom>
         </p:spPr>
       </p:pic>
+      <p:sp>
+        <p:nvSpPr>
+          <p:cNvPr id="3" name="Textfeld 2">
+            <a:extLst>
+              <a:ext uri="{FF2B5EF4-FFF2-40B4-BE49-F238E27FC236}">
+                <a16:creationId xmlns:a16="http://schemas.microsoft.com/office/drawing/2014/main" id="{32F6377F-86F0-4F80-9515-FD7E21BDC8B1}"/>
+              </a:ext>
+            </a:extLst>
+          </p:cNvPr>
+          <p:cNvSpPr txBox="1"/>
+          <p:nvPr/>
+        </p:nvSpPr>
+        <p:spPr>
+          <a:xfrm>
+            <a:off x="6588224" y="6104329"/>
+            <a:ext cx="2448272" cy="276999"/>
+          </a:xfrm>
+          <a:prstGeom prst="rect">
+            <a:avLst/>
+          </a:prstGeom>
+          <a:noFill/>
+        </p:spPr>
+        <p:txBody>
+          <a:bodyPr wrap="square" rtlCol="0">
+            <a:spAutoFit/>
+          </a:bodyPr>
+          <a:lstStyle/>
+          <a:p>
+            <a:r>
+              <a:rPr lang="de-DE" sz="1200" dirty="0"/>
+              <a:t>SSSA-</a:t>
+            </a:r>
+            <a:r>
+              <a:rPr lang="de-DE" sz="1200" dirty="0" err="1"/>
+              <a:t>MyHand</a:t>
+            </a:r>
+            <a:r>
+              <a:rPr lang="de-DE" sz="1200" dirty="0"/>
+              <a:t> [1]</a:t>
+            </a:r>
+            <a:endParaRPr lang="en-US" sz="1200" dirty="0"/>
+          </a:p>
+        </p:txBody>
+      </p:sp>
+      <p:sp>
+        <p:nvSpPr>
+          <p:cNvPr id="4" name="Textfeld 3">
+            <a:extLst>
+              <a:ext uri="{FF2B5EF4-FFF2-40B4-BE49-F238E27FC236}">
+                <a16:creationId xmlns:a16="http://schemas.microsoft.com/office/drawing/2014/main" id="{DC9C2B02-FDED-43DA-B10D-FC25424E8246}"/>
+              </a:ext>
+            </a:extLst>
+          </p:cNvPr>
+          <p:cNvSpPr txBox="1"/>
+          <p:nvPr/>
+        </p:nvSpPr>
+        <p:spPr>
+          <a:xfrm>
+            <a:off x="467544" y="6106032"/>
+            <a:ext cx="4181475" cy="276999"/>
+          </a:xfrm>
+          <a:prstGeom prst="rect">
+            <a:avLst/>
+          </a:prstGeom>
+          <a:noFill/>
+        </p:spPr>
+        <p:txBody>
+          <a:bodyPr wrap="square" rtlCol="0">
+            <a:spAutoFit/>
+          </a:bodyPr>
+          <a:lstStyle/>
+          <a:p>
+            <a:r>
+              <a:rPr lang="de-DE" sz="1200" dirty="0"/>
+              <a:t>[1] http://ieeexplore.ieee.org/abstract/document/7488269/</a:t>
+            </a:r>
+            <a:endParaRPr lang="en-US" sz="1200" dirty="0"/>
+          </a:p>
+        </p:txBody>
+      </p:sp>
     </p:spTree>
     <p:extLst>
       <p:ext uri="{BB962C8B-B14F-4D97-AF65-F5344CB8AC3E}">

--- a/Vortrag/Vortrag.pptx
+++ b/Vortrag/Vortrag.pptx
@@ -15,7 +15,7 @@
     <p:sldId id="1232" r:id="rId3"/>
     <p:sldId id="1233" r:id="rId4"/>
     <p:sldId id="1235" r:id="rId5"/>
-    <p:sldId id="1234" r:id="rId6"/>
+    <p:sldId id="1236" r:id="rId6"/>
   </p:sldIdLst>
   <p:sldSz cx="9144000" cy="6858000" type="screen4x3"/>
   <p:notesSz cx="7099300" cy="10234613"/>
@@ -3638,20 +3638,28 @@
           <a:lstStyle/>
           <a:p>
             <a:r>
-              <a:rPr lang="en-US" sz="1600" b="1" u="sng" dirty="0">
-                <a:solidFill>
-                  <a:srgbClr val="000000"/>
-                </a:solidFill>
-              </a:rPr>
-              <a:t>Tobias Stocker</a:t>
-            </a:r>
-            <a:r>
               <a:rPr lang="en-US" sz="1600" b="1" dirty="0">
                 <a:solidFill>
                   <a:srgbClr val="000000"/>
                 </a:solidFill>
               </a:rPr>
-              <a:t>, Pascal Weiner and Tamim Asfour</a:t>
+              <a:t>Tobias Stocker (</a:t>
+            </a:r>
+            <a:r>
+              <a:rPr lang="en-US" sz="1600" b="1" dirty="0" err="1">
+                <a:solidFill>
+                  <a:srgbClr val="000000"/>
+                </a:solidFill>
+              </a:rPr>
+              <a:t>Betreuer</a:t>
+            </a:r>
+            <a:r>
+              <a:rPr lang="en-US" sz="1600" b="1" dirty="0">
+                <a:solidFill>
+                  <a:srgbClr val="000000"/>
+                </a:solidFill>
+              </a:rPr>
+              <a:t>: Pascal Weiner)</a:t>
             </a:r>
           </a:p>
           <a:p>
@@ -3668,23 +3676,7 @@
                   <a:srgbClr val="000000"/>
                 </a:solidFill>
               </a:rPr>
-              <a:t>Seminar: Humanoide </a:t>
-            </a:r>
-            <a:r>
-              <a:rPr lang="en-US" sz="1200" dirty="0" err="1">
-                <a:solidFill>
-                  <a:srgbClr val="000000"/>
-                </a:solidFill>
-              </a:rPr>
-              <a:t>Roboter</a:t>
-            </a:r>
-            <a:r>
-              <a:rPr lang="en-US" sz="1200" dirty="0">
-                <a:solidFill>
-                  <a:srgbClr val="000000"/>
-                </a:solidFill>
-              </a:rPr>
-              <a:t>, WS 2017/18</a:t>
+              <a:t>Seminar: Humanoid Robotics, WS 2017/18</a:t>
             </a:r>
           </a:p>
         </p:txBody>
@@ -3758,7 +3750,16 @@
           <a:p>
             <a:r>
               <a:rPr lang="en-US" dirty="0"/>
-              <a:t>Research of modern intelligent hand prostheses of the last 2-3 years</a:t>
+              <a:t>Research of recent developments of intelligent hand prostheses </a:t>
+            </a:r>
+          </a:p>
+          <a:p>
+            <a:pPr marL="0" indent="0">
+              <a:buNone/>
+            </a:pPr>
+            <a:r>
+              <a:rPr lang="en-US" dirty="0"/>
+              <a:t>      of the last 2-3 years</a:t>
             </a:r>
           </a:p>
           <a:p>
@@ -3767,7 +3768,7 @@
           <a:p>
             <a:r>
               <a:rPr lang="en-US" dirty="0"/>
-              <a:t>Overview of the important properties</a:t>
+              <a:t>Overview of important properties</a:t>
             </a:r>
           </a:p>
           <a:p>
@@ -3801,7 +3802,7 @@
           <a:p>
             <a:r>
               <a:rPr lang="en-US" dirty="0"/>
-              <a:t>Comparison of the prostheses</a:t>
+              <a:t>Comparison of different prostheses</a:t>
             </a:r>
           </a:p>
           <a:p>
@@ -3819,7 +3820,7 @@
             <a:pPr lvl="1"/>
             <a:r>
               <a:rPr lang="en-US" dirty="0"/>
-              <a:t>What are special features of the different hands?</a:t>
+              <a:t>What are special features of different hands?</a:t>
             </a:r>
           </a:p>
           <a:p>
@@ -3927,162 +3928,36 @@
           <a:bodyPr/>
           <a:lstStyle/>
           <a:p>
-            <a:endParaRPr lang="de-DE"/>
+            <a:endParaRPr lang="en-GB" dirty="0"/>
           </a:p>
           <a:p>
             <a:pPr marL="0" indent="0">
               <a:buNone/>
             </a:pPr>
-            <a:endParaRPr lang="de-DE" dirty="0"/>
-          </a:p>
-          <a:p>
-            <a:r>
-              <a:rPr lang="de-DE" dirty="0" err="1"/>
-              <a:t>Searching</a:t>
-            </a:r>
-            <a:r>
-              <a:rPr lang="de-DE" dirty="0"/>
-              <a:t> </a:t>
-            </a:r>
-            <a:r>
-              <a:rPr lang="de-DE" dirty="0" err="1"/>
-              <a:t>for</a:t>
-            </a:r>
-            <a:r>
-              <a:rPr lang="de-DE" dirty="0"/>
-              <a:t> </a:t>
-            </a:r>
-            <a:r>
-              <a:rPr lang="de-DE" dirty="0" err="1"/>
-              <a:t>papers</a:t>
-            </a:r>
-            <a:r>
-              <a:rPr lang="de-DE" dirty="0"/>
-              <a:t> </a:t>
-            </a:r>
-            <a:r>
-              <a:rPr lang="de-DE" dirty="0" err="1"/>
-              <a:t>with</a:t>
-            </a:r>
-            <a:r>
-              <a:rPr lang="de-DE" dirty="0"/>
-              <a:t> </a:t>
-            </a:r>
-            <a:r>
-              <a:rPr lang="de-DE" dirty="0" err="1"/>
-              <a:t>prosthetic</a:t>
-            </a:r>
-            <a:r>
-              <a:rPr lang="de-DE" dirty="0"/>
-              <a:t> </a:t>
-            </a:r>
-            <a:r>
-              <a:rPr lang="de-DE" dirty="0" err="1"/>
-              <a:t>hands</a:t>
-            </a:r>
-            <a:endParaRPr lang="de-DE" dirty="0"/>
-          </a:p>
-          <a:p>
-            <a:endParaRPr lang="de-DE" dirty="0"/>
-          </a:p>
-          <a:p>
-            <a:r>
-              <a:rPr lang="de-DE" dirty="0" err="1"/>
-              <a:t>Summarizing</a:t>
-            </a:r>
-            <a:r>
-              <a:rPr lang="de-DE" dirty="0"/>
-              <a:t> </a:t>
-            </a:r>
-            <a:r>
-              <a:rPr lang="de-DE" dirty="0" err="1"/>
-              <a:t>the</a:t>
-            </a:r>
-            <a:r>
-              <a:rPr lang="de-DE" dirty="0"/>
-              <a:t> </a:t>
-            </a:r>
-            <a:r>
-              <a:rPr lang="de-DE" dirty="0" err="1"/>
-              <a:t>important</a:t>
-            </a:r>
-            <a:r>
-              <a:rPr lang="de-DE" dirty="0"/>
-              <a:t> </a:t>
-            </a:r>
-            <a:r>
-              <a:rPr lang="de-DE" dirty="0" err="1"/>
-              <a:t>information</a:t>
-            </a:r>
-            <a:r>
-              <a:rPr lang="de-DE" dirty="0"/>
-              <a:t> </a:t>
-            </a:r>
-            <a:r>
-              <a:rPr lang="de-DE" dirty="0" err="1"/>
-              <a:t>for</a:t>
-            </a:r>
-            <a:r>
-              <a:rPr lang="de-DE" dirty="0"/>
-              <a:t> </a:t>
-            </a:r>
-            <a:r>
-              <a:rPr lang="de-DE" dirty="0" err="1"/>
-              <a:t>each</a:t>
-            </a:r>
-            <a:r>
-              <a:rPr lang="de-DE" dirty="0"/>
-              <a:t> </a:t>
-            </a:r>
-            <a:r>
-              <a:rPr lang="de-DE" dirty="0" err="1"/>
-              <a:t>hand</a:t>
-            </a:r>
-            <a:endParaRPr lang="de-DE" dirty="0"/>
-          </a:p>
-          <a:p>
-            <a:endParaRPr lang="de-DE" dirty="0"/>
-          </a:p>
-          <a:p>
-            <a:r>
-              <a:rPr lang="de-DE" dirty="0" err="1"/>
-              <a:t>Creating</a:t>
-            </a:r>
-            <a:r>
-              <a:rPr lang="de-DE" dirty="0"/>
-              <a:t> a </a:t>
-            </a:r>
-            <a:r>
-              <a:rPr lang="de-DE" dirty="0" err="1"/>
-              <a:t>table</a:t>
-            </a:r>
-            <a:r>
-              <a:rPr lang="de-DE" dirty="0"/>
-              <a:t> </a:t>
-            </a:r>
-            <a:r>
-              <a:rPr lang="de-DE" dirty="0" err="1"/>
-              <a:t>with</a:t>
-            </a:r>
-            <a:r>
-              <a:rPr lang="de-DE" dirty="0"/>
-              <a:t> </a:t>
-            </a:r>
-            <a:r>
-              <a:rPr lang="de-DE" dirty="0" err="1"/>
-              <a:t>important</a:t>
-            </a:r>
-            <a:r>
-              <a:rPr lang="de-DE" dirty="0"/>
-              <a:t> </a:t>
-            </a:r>
-            <a:r>
-              <a:rPr lang="de-DE" dirty="0" err="1"/>
-              <a:t>properties</a:t>
-            </a:r>
-            <a:r>
-              <a:rPr lang="de-DE" dirty="0"/>
-              <a:t> </a:t>
+            <a:endParaRPr lang="en-GB" dirty="0"/>
+          </a:p>
+          <a:p>
+            <a:r>
+              <a:rPr lang="en-GB" dirty="0"/>
+              <a:t>Searching for papers with prosthetic hands</a:t>
+            </a:r>
+          </a:p>
+          <a:p>
+            <a:endParaRPr lang="en-GB" dirty="0"/>
+          </a:p>
+          <a:p>
+            <a:r>
+              <a:rPr lang="en-GB" dirty="0"/>
+              <a:t>Summarizing the important information for each hand</a:t>
+            </a:r>
+          </a:p>
+          <a:p>
+            <a:endParaRPr lang="en-GB" dirty="0"/>
+          </a:p>
+          <a:p>
+            <a:r>
+              <a:rPr lang="en-GB" dirty="0"/>
+              <a:t>Creating a table with important properties </a:t>
             </a:r>
           </a:p>
         </p:txBody>
@@ -4150,6 +4025,14 @@
               <a:rPr lang="de-DE" dirty="0" err="1"/>
               <a:t>MyHand</a:t>
             </a:r>
+            <a:r>
+              <a:rPr lang="de-DE" dirty="0"/>
+              <a:t> and </a:t>
+            </a:r>
+            <a:r>
+              <a:rPr lang="de-DE" dirty="0" err="1"/>
+              <a:t>Tact</a:t>
+            </a:r>
             <a:endParaRPr lang="en-US" dirty="0"/>
           </a:p>
         </p:txBody>
@@ -4170,14 +4053,14 @@
             <p:ph idx="1"/>
             <p:extLst>
               <p:ext uri="{D42A27DB-BD31-4B8C-83A1-F6EECF244321}">
-                <p14:modId xmlns:p14="http://schemas.microsoft.com/office/powerpoint/2010/main" val="3929939046"/>
+                <p14:modId xmlns:p14="http://schemas.microsoft.com/office/powerpoint/2010/main" val="3270410075"/>
               </p:ext>
             </p:extLst>
           </p:nvPr>
         </p:nvGraphicFramePr>
         <p:xfrm>
-          <a:off x="390525" y="1412776"/>
-          <a:ext cx="8356351" cy="741680"/>
+          <a:off x="393824" y="1308368"/>
+          <a:ext cx="8356351" cy="1112520"/>
         </p:xfrm>
         <a:graphic>
           <a:graphicData uri="http://schemas.openxmlformats.org/drawingml/2006/table">
@@ -4286,7 +4169,7 @@
                     <a:p>
                       <a:r>
                         <a:rPr lang="de-DE" dirty="0" err="1"/>
-                        <a:t>Weight</a:t>
+                        <a:t>Mass</a:t>
                       </a:r>
                       <a:endParaRPr lang="en-US" dirty="0"/>
                     </a:p>
@@ -4313,8 +4196,8 @@
                     <a:lstStyle/>
                     <a:p>
                       <a:r>
-                        <a:rPr lang="de-DE" dirty="0"/>
-                        <a:t>Joints</a:t>
+                        <a:rPr lang="de-DE" dirty="0" err="1"/>
+                        <a:t>DoFs</a:t>
                       </a:r>
                       <a:endParaRPr lang="en-US" dirty="0"/>
                     </a:p>
@@ -4419,7 +4302,7 @@
                     <a:p>
                       <a:r>
                         <a:rPr lang="de-DE" dirty="0"/>
-                        <a:t>10</a:t>
+                        <a:t>4</a:t>
                       </a:r>
                       <a:endParaRPr lang="en-US" dirty="0"/>
                     </a:p>
@@ -4443,6 +4326,111 @@
                 <a:extLst>
                   <a:ext uri="{0D108BD9-81ED-4DB2-BD59-A6C34878D82A}">
                     <a16:rowId xmlns:a16="http://schemas.microsoft.com/office/drawing/2014/main" val="2425291000"/>
+                  </a:ext>
+                </a:extLst>
+              </a:tr>
+              <a:tr h="370840">
+                <a:tc>
+                  <a:txBody>
+                    <a:bodyPr/>
+                    <a:lstStyle/>
+                    <a:p>
+                      <a:r>
+                        <a:rPr lang="de-DE" dirty="0" err="1"/>
+                        <a:t>Tact</a:t>
+                      </a:r>
+                      <a:endParaRPr lang="en-US" dirty="0"/>
+                    </a:p>
+                  </a:txBody>
+                  <a:tcPr/>
+                </a:tc>
+                <a:tc>
+                  <a:txBody>
+                    <a:bodyPr/>
+                    <a:lstStyle/>
+                    <a:p>
+                      <a:r>
+                        <a:rPr lang="de-DE" dirty="0"/>
+                        <a:t>Slide et al.</a:t>
+                      </a:r>
+                      <a:endParaRPr lang="en-US" dirty="0"/>
+                    </a:p>
+                  </a:txBody>
+                  <a:tcPr/>
+                </a:tc>
+                <a:tc>
+                  <a:txBody>
+                    <a:bodyPr/>
+                    <a:lstStyle/>
+                    <a:p>
+                      <a:r>
+                        <a:rPr lang="de-DE" dirty="0"/>
+                        <a:t>2015</a:t>
+                      </a:r>
+                      <a:endParaRPr lang="en-US" dirty="0"/>
+                    </a:p>
+                  </a:txBody>
+                  <a:tcPr/>
+                </a:tc>
+                <a:tc>
+                  <a:txBody>
+                    <a:bodyPr/>
+                    <a:lstStyle/>
+                    <a:p>
+                      <a:r>
+                        <a:rPr lang="de-DE" dirty="0"/>
+                        <a:t>350 g</a:t>
+                      </a:r>
+                      <a:endParaRPr lang="en-US" dirty="0"/>
+                    </a:p>
+                  </a:txBody>
+                  <a:tcPr/>
+                </a:tc>
+                <a:tc>
+                  <a:txBody>
+                    <a:bodyPr/>
+                    <a:lstStyle/>
+                    <a:p>
+                      <a:r>
+                        <a:rPr lang="de-DE" dirty="0"/>
+                        <a:t>200x98x27 mm</a:t>
+                      </a:r>
+                      <a:endParaRPr lang="en-US" dirty="0"/>
+                    </a:p>
+                  </a:txBody>
+                  <a:tcPr/>
+                </a:tc>
+                <a:tc>
+                  <a:txBody>
+                    <a:bodyPr/>
+                    <a:lstStyle/>
+                    <a:p>
+                      <a:r>
+                        <a:rPr lang="de-DE" dirty="0"/>
+                        <a:t>6</a:t>
+                      </a:r>
+                      <a:endParaRPr lang="en-US" dirty="0"/>
+                    </a:p>
+                  </a:txBody>
+                  <a:tcPr/>
+                </a:tc>
+                <a:tc>
+                  <a:txBody>
+                    <a:bodyPr/>
+                    <a:lstStyle/>
+                    <a:p>
+                      <a:r>
+                        <a:rPr lang="de-DE" dirty="0"/>
+                        <a:t>6</a:t>
+                      </a:r>
+                      <a:endParaRPr lang="en-US" dirty="0"/>
+                    </a:p>
+                  </a:txBody>
+                  <a:tcPr/>
+                </a:tc>
+                <a:extLst>
+                  <a:ext uri="{0D108BD9-81ED-4DB2-BD59-A6C34878D82A}">
+                    <a16:rowId xmlns:a16="http://schemas.microsoft.com/office/drawing/2014/main" val="3345057968"/>
                   </a:ext>
                 </a:extLst>
               </a:tr>
@@ -4465,14 +4453,14 @@
           <p:nvPr>
             <p:extLst>
               <p:ext uri="{D42A27DB-BD31-4B8C-83A1-F6EECF244321}">
-                <p14:modId xmlns:p14="http://schemas.microsoft.com/office/powerpoint/2010/main" val="2181677065"/>
+                <p14:modId xmlns:p14="http://schemas.microsoft.com/office/powerpoint/2010/main" val="1562993807"/>
               </p:ext>
             </p:extLst>
           </p:nvPr>
         </p:nvGraphicFramePr>
         <p:xfrm>
-          <a:off x="390525" y="2348880"/>
-          <a:ext cx="8357939" cy="1280160"/>
+          <a:off x="385760" y="4437112"/>
+          <a:ext cx="8357939" cy="1651000"/>
         </p:xfrm>
         <a:graphic>
           <a:graphicData uri="http://schemas.openxmlformats.org/drawingml/2006/table">
@@ -4566,6 +4554,12 @@
                         <a:rPr lang="de-DE" dirty="0"/>
                         <a:t>Transmission</a:t>
                       </a:r>
+                    </a:p>
+                    <a:p>
+                      <a:r>
+                        <a:rPr lang="de-DE" dirty="0"/>
+                        <a:t>System</a:t>
+                      </a:r>
                       <a:endParaRPr lang="en-US" dirty="0"/>
                     </a:p>
                   </a:txBody>
@@ -4687,7 +4681,7 @@
                     <a:p>
                       <a:r>
                         <a:rPr lang="de-DE" dirty="0"/>
-                        <a:t>12-31N</a:t>
+                        <a:t>12-31 N</a:t>
                       </a:r>
                       <a:endParaRPr lang="en-US" dirty="0"/>
                     </a:p>
@@ -4701,7 +4695,7 @@
                     <a:p>
                       <a:r>
                         <a:rPr lang="de-DE" dirty="0"/>
-                        <a:t>160-250°</a:t>
+                        <a:t>160-250 °</a:t>
                       </a:r>
                       <a:r>
                         <a:rPr lang="de-DE" b="0" dirty="0"/>
@@ -4720,125 +4714,439 @@
                   </a:ext>
                 </a:extLst>
               </a:tr>
+              <a:tr h="370840">
+                <a:tc>
+                  <a:txBody>
+                    <a:bodyPr/>
+                    <a:lstStyle/>
+                    <a:p>
+                      <a:r>
+                        <a:rPr lang="de-DE" dirty="0" err="1"/>
+                        <a:t>Tact</a:t>
+                      </a:r>
+                      <a:endParaRPr lang="en-US" dirty="0"/>
+                    </a:p>
+                  </a:txBody>
+                  <a:tcPr/>
+                </a:tc>
+                <a:tc>
+                  <a:txBody>
+                    <a:bodyPr/>
+                    <a:lstStyle/>
+                    <a:p>
+                      <a:r>
+                        <a:rPr lang="de-DE" dirty="0"/>
+                        <a:t>Yes</a:t>
+                      </a:r>
+                      <a:endParaRPr lang="en-US" dirty="0"/>
+                    </a:p>
+                  </a:txBody>
+                  <a:tcPr/>
+                </a:tc>
+                <a:tc>
+                  <a:txBody>
+                    <a:bodyPr/>
+                    <a:lstStyle/>
+                    <a:p>
+                      <a:r>
+                        <a:rPr lang="de-DE" dirty="0" err="1"/>
+                        <a:t>Tendons</a:t>
+                      </a:r>
+                      <a:endParaRPr lang="en-US" dirty="0"/>
+                    </a:p>
+                  </a:txBody>
+                  <a:tcPr/>
+                </a:tc>
+                <a:tc>
+                  <a:txBody>
+                    <a:bodyPr/>
+                    <a:lstStyle/>
+                    <a:p>
+                      <a:endParaRPr lang="en-US" dirty="0"/>
+                    </a:p>
+                  </a:txBody>
+                  <a:tcPr/>
+                </a:tc>
+                <a:tc>
+                  <a:txBody>
+                    <a:bodyPr/>
+                    <a:lstStyle/>
+                    <a:p>
+                      <a:r>
+                        <a:rPr lang="de-DE" dirty="0"/>
+                        <a:t>4.21 N</a:t>
+                      </a:r>
+                      <a:endParaRPr lang="en-US" dirty="0"/>
+                    </a:p>
+                  </a:txBody>
+                  <a:tcPr/>
+                </a:tc>
+                <a:tc>
+                  <a:txBody>
+                    <a:bodyPr/>
+                    <a:lstStyle/>
+                    <a:p>
+                      <a:r>
+                        <a:rPr lang="de-DE" dirty="0"/>
+                        <a:t>249.8 °/s</a:t>
+                      </a:r>
+                      <a:endParaRPr lang="en-US" dirty="0"/>
+                    </a:p>
+                  </a:txBody>
+                  <a:tcPr/>
+                </a:tc>
+                <a:extLst>
+                  <a:ext uri="{0D108BD9-81ED-4DB2-BD59-A6C34878D82A}">
+                    <a16:rowId xmlns:a16="http://schemas.microsoft.com/office/drawing/2014/main" val="3390426556"/>
+                  </a:ext>
+                </a:extLst>
+              </a:tr>
             </a:tbl>
           </a:graphicData>
         </a:graphic>
       </p:graphicFrame>
-      <p:pic>
-        <p:nvPicPr>
-          <p:cNvPr id="10" name="Grafik 9">
+      <p:graphicFrame>
+        <p:nvGraphicFramePr>
+          <p:cNvPr id="6" name="Tabelle 5">
             <a:extLst>
               <a:ext uri="{FF2B5EF4-FFF2-40B4-BE49-F238E27FC236}">
-                <a16:creationId xmlns:a16="http://schemas.microsoft.com/office/drawing/2014/main" id="{7BC26B29-4150-4AA1-930C-FB3231A41441}"/>
+                <a16:creationId xmlns:a16="http://schemas.microsoft.com/office/drawing/2014/main" id="{A6469E07-E009-4CB0-A870-5A50F5DAEB0C}"/>
               </a:ext>
             </a:extLst>
           </p:cNvPr>
-          <p:cNvPicPr>
-            <a:picLocks noChangeAspect="1"/>
-          </p:cNvPicPr>
-          <p:nvPr/>
-        </p:nvPicPr>
-        <p:blipFill rotWithShape="1">
-          <a:blip r:embed="rId2" cstate="print">
-            <a:extLst>
-              <a:ext uri="{28A0092B-C50C-407E-A947-70E740481C1C}">
-                <a14:useLocalDpi xmlns:a14="http://schemas.microsoft.com/office/drawing/2010/main" val="0"/>
-              </a:ext>
-            </a:extLst>
-          </a:blip>
-          <a:srcRect l="2327" t="49737" r="2275"/>
-          <a:stretch/>
-        </p:blipFill>
-        <p:spPr>
-          <a:xfrm>
-            <a:off x="5724128" y="3352018"/>
-            <a:ext cx="2952328" cy="2867216"/>
-          </a:xfrm>
-          <a:prstGeom prst="rect">
-            <a:avLst/>
-          </a:prstGeom>
-        </p:spPr>
-      </p:pic>
-      <p:sp>
-        <p:nvSpPr>
-          <p:cNvPr id="3" name="Textfeld 2">
-            <a:extLst>
-              <a:ext uri="{FF2B5EF4-FFF2-40B4-BE49-F238E27FC236}">
-                <a16:creationId xmlns:a16="http://schemas.microsoft.com/office/drawing/2014/main" id="{32F6377F-86F0-4F80-9515-FD7E21BDC8B1}"/>
-              </a:ext>
-            </a:extLst>
-          </p:cNvPr>
-          <p:cNvSpPr txBox="1"/>
-          <p:nvPr/>
-        </p:nvSpPr>
-        <p:spPr>
-          <a:xfrm>
-            <a:off x="6588224" y="6104329"/>
-            <a:ext cx="2448272" cy="276999"/>
-          </a:xfrm>
-          <a:prstGeom prst="rect">
-            <a:avLst/>
-          </a:prstGeom>
-          <a:noFill/>
-        </p:spPr>
-        <p:txBody>
-          <a:bodyPr wrap="square" rtlCol="0">
-            <a:spAutoFit/>
-          </a:bodyPr>
-          <a:lstStyle/>
-          <a:p>
-            <a:r>
-              <a:rPr lang="de-DE" sz="1200" dirty="0"/>
-              <a:t>SSSA-</a:t>
-            </a:r>
-            <a:r>
-              <a:rPr lang="de-DE" sz="1200" dirty="0" err="1"/>
-              <a:t>MyHand</a:t>
-            </a:r>
-            <a:r>
-              <a:rPr lang="de-DE" sz="1200" dirty="0"/>
-              <a:t> [1]</a:t>
-            </a:r>
-            <a:endParaRPr lang="en-US" sz="1200" dirty="0"/>
-          </a:p>
-        </p:txBody>
-      </p:sp>
-      <p:sp>
-        <p:nvSpPr>
-          <p:cNvPr id="4" name="Textfeld 3">
-            <a:extLst>
-              <a:ext uri="{FF2B5EF4-FFF2-40B4-BE49-F238E27FC236}">
-                <a16:creationId xmlns:a16="http://schemas.microsoft.com/office/drawing/2014/main" id="{DC9C2B02-FDED-43DA-B10D-FC25424E8246}"/>
-              </a:ext>
-            </a:extLst>
-          </p:cNvPr>
-          <p:cNvSpPr txBox="1"/>
-          <p:nvPr/>
-        </p:nvSpPr>
-        <p:spPr>
-          <a:xfrm>
-            <a:off x="467544" y="6106032"/>
-            <a:ext cx="4181475" cy="276999"/>
-          </a:xfrm>
-          <a:prstGeom prst="rect">
-            <a:avLst/>
-          </a:prstGeom>
-          <a:noFill/>
-        </p:spPr>
-        <p:txBody>
-          <a:bodyPr wrap="square" rtlCol="0">
-            <a:spAutoFit/>
-          </a:bodyPr>
-          <a:lstStyle/>
-          <a:p>
-            <a:r>
-              <a:rPr lang="de-DE" sz="1200" dirty="0"/>
-              <a:t>[1] http://ieeexplore.ieee.org/abstract/document/7488269/</a:t>
-            </a:r>
-            <a:endParaRPr lang="en-US" sz="1200" dirty="0"/>
-          </a:p>
-        </p:txBody>
-      </p:sp>
+          <p:cNvGraphicFramePr>
+            <a:graphicFrameLocks noGrp="1"/>
+          </p:cNvGraphicFramePr>
+          <p:nvPr>
+            <p:extLst>
+              <p:ext uri="{D42A27DB-BD31-4B8C-83A1-F6EECF244321}">
+                <p14:modId xmlns:p14="http://schemas.microsoft.com/office/powerpoint/2010/main" val="3854094169"/>
+              </p:ext>
+            </p:extLst>
+          </p:nvPr>
+        </p:nvGraphicFramePr>
+        <p:xfrm>
+          <a:off x="387349" y="2738120"/>
+          <a:ext cx="8356350" cy="1381760"/>
+        </p:xfrm>
+        <a:graphic>
+          <a:graphicData uri="http://schemas.openxmlformats.org/drawingml/2006/table">
+            <a:tbl>
+              <a:tblPr firstRow="1" bandRow="1">
+                <a:tableStyleId>{5C22544A-7EE6-4342-B048-85BDC9FD1C3A}</a:tableStyleId>
+              </a:tblPr>
+              <a:tblGrid>
+                <a:gridCol w="1085132">
+                  <a:extLst>
+                    <a:ext uri="{9D8B030D-6E8A-4147-A177-3AD203B41FA5}">
+                      <a16:colId xmlns:a16="http://schemas.microsoft.com/office/drawing/2014/main" val="136575834"/>
+                    </a:ext>
+                  </a:extLst>
+                </a:gridCol>
+                <a:gridCol w="1368152">
+                  <a:extLst>
+                    <a:ext uri="{9D8B030D-6E8A-4147-A177-3AD203B41FA5}">
+                      <a16:colId xmlns:a16="http://schemas.microsoft.com/office/drawing/2014/main" val="946257059"/>
+                    </a:ext>
+                  </a:extLst>
+                </a:gridCol>
+                <a:gridCol w="1368152">
+                  <a:extLst>
+                    <a:ext uri="{9D8B030D-6E8A-4147-A177-3AD203B41FA5}">
+                      <a16:colId xmlns:a16="http://schemas.microsoft.com/office/drawing/2014/main" val="2909058437"/>
+                    </a:ext>
+                  </a:extLst>
+                </a:gridCol>
+                <a:gridCol w="2016224">
+                  <a:extLst>
+                    <a:ext uri="{9D8B030D-6E8A-4147-A177-3AD203B41FA5}">
+                      <a16:colId xmlns:a16="http://schemas.microsoft.com/office/drawing/2014/main" val="2609269716"/>
+                    </a:ext>
+                  </a:extLst>
+                </a:gridCol>
+                <a:gridCol w="2518690">
+                  <a:extLst>
+                    <a:ext uri="{9D8B030D-6E8A-4147-A177-3AD203B41FA5}">
+                      <a16:colId xmlns:a16="http://schemas.microsoft.com/office/drawing/2014/main" val="1604115979"/>
+                    </a:ext>
+                  </a:extLst>
+                </a:gridCol>
+              </a:tblGrid>
+              <a:tr h="370840">
+                <a:tc>
+                  <a:txBody>
+                    <a:bodyPr/>
+                    <a:lstStyle/>
+                    <a:p>
+                      <a:r>
+                        <a:rPr lang="de-DE" dirty="0"/>
+                        <a:t>Name</a:t>
+                      </a:r>
+                      <a:endParaRPr lang="en-US" dirty="0"/>
+                    </a:p>
+                  </a:txBody>
+                  <a:tcPr/>
+                </a:tc>
+                <a:tc>
+                  <a:txBody>
+                    <a:bodyPr/>
+                    <a:lstStyle/>
+                    <a:p>
+                      <a:r>
+                        <a:rPr lang="de-DE" dirty="0" err="1"/>
+                        <a:t>Number</a:t>
+                      </a:r>
+                      <a:r>
+                        <a:rPr lang="de-DE" dirty="0"/>
+                        <a:t> </a:t>
+                      </a:r>
+                      <a:r>
+                        <a:rPr lang="de-DE" dirty="0" err="1"/>
+                        <a:t>of</a:t>
+                      </a:r>
+                      <a:r>
+                        <a:rPr lang="de-DE" dirty="0"/>
+                        <a:t> Fingers</a:t>
+                      </a:r>
+                      <a:endParaRPr lang="en-US" dirty="0"/>
+                    </a:p>
+                  </a:txBody>
+                  <a:tcPr/>
+                </a:tc>
+                <a:tc>
+                  <a:txBody>
+                    <a:bodyPr/>
+                    <a:lstStyle/>
+                    <a:p>
+                      <a:r>
+                        <a:rPr lang="de-DE" dirty="0" err="1"/>
+                        <a:t>Number</a:t>
+                      </a:r>
+                      <a:r>
+                        <a:rPr lang="de-DE" dirty="0"/>
+                        <a:t> </a:t>
+                      </a:r>
+                      <a:r>
+                        <a:rPr lang="de-DE" dirty="0" err="1"/>
+                        <a:t>of</a:t>
+                      </a:r>
+                      <a:r>
+                        <a:rPr lang="de-DE" dirty="0"/>
+                        <a:t> </a:t>
+                      </a:r>
+                      <a:r>
+                        <a:rPr lang="de-DE" dirty="0" err="1"/>
+                        <a:t>joints</a:t>
+                      </a:r>
+                      <a:endParaRPr lang="en-US" dirty="0"/>
+                    </a:p>
+                  </a:txBody>
+                  <a:tcPr/>
+                </a:tc>
+                <a:tc>
+                  <a:txBody>
+                    <a:bodyPr/>
+                    <a:lstStyle/>
+                    <a:p>
+                      <a:r>
+                        <a:rPr lang="de-DE" dirty="0"/>
+                        <a:t>Joints per </a:t>
+                      </a:r>
+                      <a:r>
+                        <a:rPr lang="de-DE" dirty="0" err="1"/>
+                        <a:t>finger</a:t>
+                      </a:r>
+                      <a:endParaRPr lang="en-US" dirty="0"/>
+                    </a:p>
+                  </a:txBody>
+                  <a:tcPr/>
+                </a:tc>
+                <a:tc>
+                  <a:txBody>
+                    <a:bodyPr/>
+                    <a:lstStyle/>
+                    <a:p>
+                      <a:r>
+                        <a:rPr lang="de-DE" dirty="0" err="1"/>
+                        <a:t>Actuator</a:t>
+                      </a:r>
+                      <a:r>
+                        <a:rPr lang="de-DE" dirty="0"/>
+                        <a:t> type</a:t>
+                      </a:r>
+                      <a:endParaRPr lang="en-US" dirty="0"/>
+                    </a:p>
+                  </a:txBody>
+                  <a:tcPr/>
+                </a:tc>
+                <a:extLst>
+                  <a:ext uri="{0D108BD9-81ED-4DB2-BD59-A6C34878D82A}">
+                    <a16:rowId xmlns:a16="http://schemas.microsoft.com/office/drawing/2014/main" val="1812341770"/>
+                  </a:ext>
+                </a:extLst>
+              </a:tr>
+              <a:tr h="370840">
+                <a:tc>
+                  <a:txBody>
+                    <a:bodyPr/>
+                    <a:lstStyle/>
+                    <a:p>
+                      <a:r>
+                        <a:rPr lang="de-DE" dirty="0" err="1"/>
+                        <a:t>MyHand</a:t>
+                      </a:r>
+                      <a:endParaRPr lang="en-US" dirty="0"/>
+                    </a:p>
+                  </a:txBody>
+                  <a:tcPr/>
+                </a:tc>
+                <a:tc>
+                  <a:txBody>
+                    <a:bodyPr/>
+                    <a:lstStyle/>
+                    <a:p>
+                      <a:r>
+                        <a:rPr lang="de-DE" dirty="0"/>
+                        <a:t>5</a:t>
+                      </a:r>
+                      <a:endParaRPr lang="en-US" dirty="0"/>
+                    </a:p>
+                  </a:txBody>
+                  <a:tcPr/>
+                </a:tc>
+                <a:tc>
+                  <a:txBody>
+                    <a:bodyPr/>
+                    <a:lstStyle/>
+                    <a:p>
+                      <a:r>
+                        <a:rPr lang="de-DE" dirty="0"/>
+                        <a:t>10</a:t>
+                      </a:r>
+                      <a:endParaRPr lang="en-US" dirty="0"/>
+                    </a:p>
+                  </a:txBody>
+                  <a:tcPr/>
+                </a:tc>
+                <a:tc>
+                  <a:txBody>
+                    <a:bodyPr/>
+                    <a:lstStyle/>
+                    <a:p>
+                      <a:r>
+                        <a:rPr lang="de-DE" dirty="0"/>
+                        <a:t>2/2</a:t>
+                      </a:r>
+                      <a:endParaRPr lang="en-US" dirty="0"/>
+                    </a:p>
+                  </a:txBody>
+                  <a:tcPr/>
+                </a:tc>
+                <a:tc>
+                  <a:txBody>
+                    <a:bodyPr/>
+                    <a:lstStyle/>
+                    <a:p>
+                      <a:r>
+                        <a:rPr lang="de-DE" dirty="0" err="1"/>
+                        <a:t>Brushless</a:t>
+                      </a:r>
+                      <a:r>
+                        <a:rPr lang="de-DE" dirty="0"/>
+                        <a:t> DC Motor</a:t>
+                      </a:r>
+                      <a:endParaRPr lang="en-US" dirty="0"/>
+                    </a:p>
+                  </a:txBody>
+                  <a:tcPr/>
+                </a:tc>
+                <a:extLst>
+                  <a:ext uri="{0D108BD9-81ED-4DB2-BD59-A6C34878D82A}">
+                    <a16:rowId xmlns:a16="http://schemas.microsoft.com/office/drawing/2014/main" val="4173037987"/>
+                  </a:ext>
+                </a:extLst>
+              </a:tr>
+              <a:tr h="370840">
+                <a:tc>
+                  <a:txBody>
+                    <a:bodyPr/>
+                    <a:lstStyle/>
+                    <a:p>
+                      <a:r>
+                        <a:rPr lang="de-DE" dirty="0" err="1"/>
+                        <a:t>Tact</a:t>
+                      </a:r>
+                      <a:endParaRPr lang="en-US" dirty="0"/>
+                    </a:p>
+                  </a:txBody>
+                  <a:tcPr/>
+                </a:tc>
+                <a:tc>
+                  <a:txBody>
+                    <a:bodyPr/>
+                    <a:lstStyle/>
+                    <a:p>
+                      <a:r>
+                        <a:rPr lang="de-DE" dirty="0"/>
+                        <a:t>5</a:t>
+                      </a:r>
+                      <a:endParaRPr lang="en-US" dirty="0"/>
+                    </a:p>
+                  </a:txBody>
+                  <a:tcPr/>
+                </a:tc>
+                <a:tc>
+                  <a:txBody>
+                    <a:bodyPr/>
+                    <a:lstStyle/>
+                    <a:p>
+                      <a:r>
+                        <a:rPr lang="de-DE" dirty="0"/>
+                        <a:t>11</a:t>
+                      </a:r>
+                      <a:endParaRPr lang="en-US" dirty="0"/>
+                    </a:p>
+                  </a:txBody>
+                  <a:tcPr/>
+                </a:tc>
+                <a:tc>
+                  <a:txBody>
+                    <a:bodyPr/>
+                    <a:lstStyle/>
+                    <a:p>
+                      <a:r>
+                        <a:rPr lang="de-DE" dirty="0"/>
+                        <a:t>3/2</a:t>
+                      </a:r>
+                      <a:endParaRPr lang="en-US" dirty="0"/>
+                    </a:p>
+                  </a:txBody>
+                  <a:tcPr/>
+                </a:tc>
+                <a:tc>
+                  <a:txBody>
+                    <a:bodyPr/>
+                    <a:lstStyle/>
+                    <a:p>
+                      <a:r>
+                        <a:rPr lang="de-DE" dirty="0"/>
+                        <a:t>DC Motor</a:t>
+                      </a:r>
+                      <a:endParaRPr lang="en-US" dirty="0"/>
+                    </a:p>
+                  </a:txBody>
+                  <a:tcPr/>
+                </a:tc>
+                <a:extLst>
+                  <a:ext uri="{0D108BD9-81ED-4DB2-BD59-A6C34878D82A}">
+                    <a16:rowId xmlns:a16="http://schemas.microsoft.com/office/drawing/2014/main" val="1145709195"/>
+                  </a:ext>
+                </a:extLst>
+              </a:tr>
+            </a:tbl>
+          </a:graphicData>
+        </a:graphic>
+      </p:graphicFrame>
     </p:spTree>
     <p:extLst>
       <p:ext uri="{BB962C8B-B14F-4D97-AF65-F5344CB8AC3E}">
@@ -4871,13 +5179,7 @@
       </p:grpSpPr>
       <p:sp>
         <p:nvSpPr>
-          <p:cNvPr id="2" name="Titel 1">
-            <a:extLst>
-              <a:ext uri="{FF2B5EF4-FFF2-40B4-BE49-F238E27FC236}">
-                <a16:creationId xmlns:a16="http://schemas.microsoft.com/office/drawing/2014/main" id="{8A3F0175-64B3-4F77-8DE1-BDC589889DC1}"/>
-              </a:ext>
-            </a:extLst>
-          </p:cNvPr>
+          <p:cNvPr id="2" name="Titel 1"/>
           <p:cNvSpPr>
             <a:spLocks noGrp="1"/>
           </p:cNvSpPr>
@@ -4891,38 +5193,15 @@
           <a:lstStyle/>
           <a:p>
             <a:r>
-              <a:rPr lang="de-DE" dirty="0" err="1"/>
-              <a:t>My</a:t>
-            </a:r>
-            <a:r>
-              <a:rPr lang="de-DE" dirty="0"/>
-              <a:t> </a:t>
-            </a:r>
-            <a:r>
-              <a:rPr lang="de-DE" dirty="0" err="1"/>
-              <a:t>future</a:t>
-            </a:r>
-            <a:r>
-              <a:rPr lang="de-DE" dirty="0"/>
-              <a:t> </a:t>
-            </a:r>
-            <a:r>
-              <a:rPr lang="de-DE" dirty="0" err="1"/>
-              <a:t>work</a:t>
-            </a:r>
-            <a:endParaRPr lang="en-US" dirty="0"/>
+              <a:rPr lang="en-US" dirty="0"/>
+              <a:t>My future work</a:t>
+            </a:r>
           </a:p>
         </p:txBody>
       </p:sp>
       <p:sp>
         <p:nvSpPr>
-          <p:cNvPr id="3" name="Inhaltsplatzhalter 2">
-            <a:extLst>
-              <a:ext uri="{FF2B5EF4-FFF2-40B4-BE49-F238E27FC236}">
-                <a16:creationId xmlns:a16="http://schemas.microsoft.com/office/drawing/2014/main" id="{0558C8D6-130C-4EAA-B279-3F301C17C1B9}"/>
-              </a:ext>
-            </a:extLst>
-          </p:cNvPr>
+          <p:cNvPr id="3" name="Inhaltsplatzhalter 2"/>
           <p:cNvSpPr>
             <a:spLocks noGrp="1"/>
           </p:cNvSpPr>
@@ -4935,166 +5214,82 @@
           <a:bodyPr/>
           <a:lstStyle/>
           <a:p>
-            <a:endParaRPr lang="de-DE" dirty="0"/>
-          </a:p>
-          <a:p>
-            <a:r>
-              <a:rPr lang="de-DE" dirty="0" err="1"/>
-              <a:t>Collecting</a:t>
-            </a:r>
-            <a:r>
-              <a:rPr lang="de-DE" dirty="0"/>
-              <a:t> </a:t>
-            </a:r>
-            <a:r>
-              <a:rPr lang="de-DE" dirty="0" err="1"/>
-              <a:t>more</a:t>
-            </a:r>
-            <a:r>
-              <a:rPr lang="de-DE" dirty="0"/>
-              <a:t> </a:t>
-            </a:r>
-            <a:r>
-              <a:rPr lang="de-DE" dirty="0" err="1"/>
-              <a:t>information</a:t>
-            </a:r>
-            <a:r>
-              <a:rPr lang="de-DE" dirty="0"/>
-              <a:t> </a:t>
-            </a:r>
-            <a:r>
-              <a:rPr lang="de-DE" dirty="0" err="1"/>
-              <a:t>about</a:t>
-            </a:r>
-            <a:endParaRPr lang="de-DE" dirty="0"/>
-          </a:p>
-          <a:p>
-            <a:pPr lvl="1"/>
-            <a:r>
-              <a:rPr lang="de-DE" dirty="0" err="1"/>
-              <a:t>Underactuation</a:t>
-            </a:r>
-            <a:endParaRPr lang="de-DE" dirty="0"/>
-          </a:p>
-          <a:p>
-            <a:pPr lvl="1"/>
-            <a:r>
-              <a:rPr lang="de-DE" dirty="0"/>
-              <a:t>Sensor </a:t>
-            </a:r>
-            <a:r>
-              <a:rPr lang="de-DE" dirty="0" err="1"/>
-              <a:t>feedback</a:t>
-            </a:r>
-            <a:r>
-              <a:rPr lang="de-DE" dirty="0"/>
-              <a:t> </a:t>
-            </a:r>
-            <a:r>
-              <a:rPr lang="de-DE" dirty="0" err="1"/>
-              <a:t>systems</a:t>
-            </a:r>
-            <a:endParaRPr lang="de-DE" dirty="0"/>
-          </a:p>
-          <a:p>
-            <a:pPr lvl="1"/>
-            <a:r>
-              <a:rPr lang="de-DE" dirty="0"/>
-              <a:t>Embedded </a:t>
-            </a:r>
-            <a:r>
-              <a:rPr lang="de-DE" dirty="0" err="1"/>
-              <a:t>systems</a:t>
-            </a:r>
-            <a:endParaRPr lang="de-DE" dirty="0"/>
-          </a:p>
-          <a:p>
-            <a:endParaRPr lang="de-DE" dirty="0"/>
-          </a:p>
-          <a:p>
             <a:pPr marL="0" indent="0">
               <a:buNone/>
             </a:pPr>
-            <a:endParaRPr lang="de-DE" dirty="0"/>
-          </a:p>
-          <a:p>
-            <a:r>
-              <a:rPr lang="de-DE" dirty="0" err="1"/>
-              <a:t>Comparison</a:t>
-            </a:r>
-            <a:r>
-              <a:rPr lang="de-DE" dirty="0"/>
-              <a:t> </a:t>
-            </a:r>
-            <a:r>
-              <a:rPr lang="de-DE" dirty="0" err="1"/>
-              <a:t>of</a:t>
-            </a:r>
-            <a:r>
-              <a:rPr lang="de-DE" dirty="0"/>
-              <a:t> </a:t>
-            </a:r>
-            <a:r>
-              <a:rPr lang="de-DE" dirty="0" err="1"/>
-              <a:t>the</a:t>
-            </a:r>
-            <a:r>
-              <a:rPr lang="de-DE" dirty="0"/>
-              <a:t> </a:t>
-            </a:r>
-            <a:r>
-              <a:rPr lang="de-DE" dirty="0" err="1"/>
-              <a:t>prostheses</a:t>
-            </a:r>
-            <a:endParaRPr lang="de-DE" dirty="0"/>
+            <a:endParaRPr lang="en-US" dirty="0"/>
+          </a:p>
+          <a:p>
+            <a:r>
+              <a:rPr lang="en-US" dirty="0"/>
+              <a:t>Overview of important properties</a:t>
+            </a:r>
           </a:p>
           <a:p>
             <a:pPr lvl="1"/>
-            <a:r>
-              <a:rPr lang="de-DE" dirty="0"/>
-              <a:t>Common </a:t>
-            </a:r>
-            <a:r>
-              <a:rPr lang="de-DE" dirty="0" err="1"/>
-              <a:t>properties</a:t>
-            </a:r>
-            <a:r>
-              <a:rPr lang="de-DE" dirty="0"/>
-              <a:t> / </a:t>
-            </a:r>
-            <a:r>
-              <a:rPr lang="de-DE" dirty="0" err="1"/>
-              <a:t>features</a:t>
-            </a:r>
-            <a:endParaRPr lang="de-DE" dirty="0"/>
+            <a:endParaRPr lang="en-US" dirty="0"/>
           </a:p>
           <a:p>
             <a:pPr lvl="1"/>
             <a:r>
-              <a:rPr lang="de-DE" dirty="0"/>
-              <a:t>Unique </a:t>
-            </a:r>
-            <a:r>
-              <a:rPr lang="de-DE" dirty="0" err="1"/>
-              <a:t>features</a:t>
-            </a:r>
-            <a:endParaRPr lang="de-DE" dirty="0"/>
-          </a:p>
-          <a:p>
-            <a:endParaRPr lang="de-DE" dirty="0"/>
-          </a:p>
-          <a:p>
-            <a:endParaRPr lang="de-DE" dirty="0"/>
-          </a:p>
-          <a:p>
-            <a:endParaRPr lang="de-DE" dirty="0"/>
+              <a:rPr lang="en-US" strike="sngStrike" dirty="0"/>
+              <a:t>Design / structure</a:t>
+            </a:r>
+          </a:p>
+          <a:p>
+            <a:pPr lvl="1"/>
+            <a:r>
+              <a:rPr lang="en-US" strike="sngStrike" dirty="0"/>
+              <a:t>Kinematic / dynamic characteristics</a:t>
+            </a:r>
+          </a:p>
+          <a:p>
+            <a:pPr lvl="1"/>
+            <a:r>
+              <a:rPr lang="en-US" dirty="0"/>
+              <a:t>Sensor feedback / embedded systems</a:t>
+            </a:r>
+          </a:p>
+          <a:p>
+            <a:endParaRPr lang="en-US" dirty="0"/>
+          </a:p>
+          <a:p>
+            <a:r>
+              <a:rPr lang="en-US" dirty="0"/>
+              <a:t>Comparison of different prostheses</a:t>
+            </a:r>
+          </a:p>
+          <a:p>
+            <a:pPr lvl="1"/>
+            <a:endParaRPr lang="en-US" dirty="0"/>
+          </a:p>
+          <a:p>
+            <a:pPr lvl="1"/>
+            <a:r>
+              <a:rPr lang="en-US" dirty="0"/>
+              <a:t>What do they have in common?</a:t>
+            </a:r>
+          </a:p>
+          <a:p>
+            <a:pPr lvl="1"/>
+            <a:r>
+              <a:rPr lang="en-US" dirty="0"/>
+              <a:t>What are special features of different hands?</a:t>
+            </a:r>
+          </a:p>
+          <a:p>
+            <a:pPr lvl="1"/>
+            <a:r>
+              <a:rPr lang="en-US" dirty="0"/>
+              <a:t>Do they provide intelligent functions?</a:t>
+            </a:r>
           </a:p>
         </p:txBody>
       </p:sp>
     </p:spTree>
     <p:extLst>
       <p:ext uri="{BB962C8B-B14F-4D97-AF65-F5344CB8AC3E}">
-        <p14:creationId xmlns:p14="http://schemas.microsoft.com/office/powerpoint/2010/main" val="2094044925"/>
+        <p14:creationId xmlns:p14="http://schemas.microsoft.com/office/powerpoint/2010/main" val="2332825293"/>
       </p:ext>
     </p:extLst>
   </p:cSld>

--- a/Vortrag/Vortrag.pptx
+++ b/Vortrag/Vortrag.pptx
@@ -3643,15 +3643,15 @@
                   <a:srgbClr val="000000"/>
                 </a:solidFill>
               </a:rPr>
-              <a:t>Tobias Stocker (</a:t>
-            </a:r>
-            <a:r>
-              <a:rPr lang="en-US" sz="1600" b="1" dirty="0" err="1">
+              <a:t>Tobias Stocker </a:t>
+            </a:r>
+            <a:r>
+              <a:rPr lang="en-US" sz="1600" b="1">
                 <a:solidFill>
                   <a:srgbClr val="000000"/>
                 </a:solidFill>
               </a:rPr>
-              <a:t>Betreuer</a:t>
+              <a:t>(Advisor: </a:t>
             </a:r>
             <a:r>
               <a:rPr lang="en-US" sz="1600" b="1" dirty="0">
@@ -3659,7 +3659,7 @@
                   <a:srgbClr val="000000"/>
                 </a:solidFill>
               </a:rPr>
-              <a:t>: Pascal Weiner)</a:t>
+              <a:t>Pascal Weiner)</a:t>
             </a:r>
           </a:p>
           <a:p>
@@ -3750,7 +3750,7 @@
           <a:p>
             <a:r>
               <a:rPr lang="en-US" dirty="0"/>
-              <a:t>Research of recent developments of intelligent hand prostheses </a:t>
+              <a:t>Research of recent developments in intelligent hand prostheses </a:t>
             </a:r>
           </a:p>
           <a:p>
@@ -3759,7 +3759,7 @@
             </a:pPr>
             <a:r>
               <a:rPr lang="en-US" dirty="0"/>
-              <a:t>      of the last 2-3 years</a:t>
+              <a:t>      in the last 2-3 years</a:t>
             </a:r>
           </a:p>
           <a:p>
@@ -3893,15 +3893,15 @@
             </a:r>
             <a:r>
               <a:rPr lang="de-DE" dirty="0" err="1"/>
-              <a:t>previous</a:t>
+              <a:t>work</a:t>
             </a:r>
             <a:r>
               <a:rPr lang="de-DE" dirty="0"/>
-              <a:t> </a:t>
+              <a:t> so </a:t>
             </a:r>
             <a:r>
               <a:rPr lang="de-DE" dirty="0" err="1"/>
-              <a:t>work</a:t>
+              <a:t>far</a:t>
             </a:r>
             <a:endParaRPr lang="de-DE" dirty="0"/>
           </a:p>
@@ -5194,7 +5194,7 @@
           <a:p>
             <a:r>
               <a:rPr lang="en-US" dirty="0"/>
-              <a:t>My future work</a:t>
+              <a:t>The next steps</a:t>
             </a:r>
           </a:p>
         </p:txBody>

--- a/Vortrag/Vortrag.pptx
+++ b/Vortrag/Vortrag.pptx
@@ -5,17 +5,16 @@
     <p:sldMasterId id="2147483648" r:id="rId1"/>
   </p:sldMasterIdLst>
   <p:notesMasterIdLst>
-    <p:notesMasterId r:id="rId7"/>
+    <p:notesMasterId r:id="rId6"/>
   </p:notesMasterIdLst>
   <p:handoutMasterIdLst>
-    <p:handoutMasterId r:id="rId8"/>
+    <p:handoutMasterId r:id="rId7"/>
   </p:handoutMasterIdLst>
   <p:sldIdLst>
     <p:sldId id="1231" r:id="rId2"/>
     <p:sldId id="1232" r:id="rId3"/>
     <p:sldId id="1233" r:id="rId4"/>
-    <p:sldId id="1235" r:id="rId5"/>
-    <p:sldId id="1236" r:id="rId6"/>
+    <p:sldId id="1234" r:id="rId5"/>
   </p:sldIdLst>
   <p:sldSz cx="9144000" cy="6858000" type="screen4x3"/>
   <p:notesSz cx="7099300" cy="10234613"/>
@@ -3727,9 +3726,14 @@
           <a:lstStyle/>
           <a:p>
             <a:r>
-              <a:rPr lang="en-US" dirty="0"/>
-              <a:t>The Task</a:t>
-            </a:r>
+              <a:rPr lang="de-DE" dirty="0"/>
+              <a:t>M</a:t>
+            </a:r>
+            <a:r>
+              <a:rPr lang="en-US" dirty="0" err="1"/>
+              <a:t>otivation</a:t>
+            </a:r>
+            <a:endParaRPr lang="en-US" dirty="0"/>
           </a:p>
         </p:txBody>
       </p:sp>
@@ -3748,87 +3752,152 @@
           <a:bodyPr/>
           <a:lstStyle/>
           <a:p>
-            <a:r>
-              <a:rPr lang="en-US" dirty="0"/>
-              <a:t>Research of recent developments in intelligent hand prostheses </a:t>
-            </a:r>
-          </a:p>
-          <a:p>
-            <a:pPr marL="0" indent="0">
-              <a:buNone/>
-            </a:pPr>
-            <a:r>
-              <a:rPr lang="en-US" dirty="0"/>
-              <a:t>      in the last 2-3 years</a:t>
-            </a:r>
-          </a:p>
-          <a:p>
-            <a:endParaRPr lang="en-US" dirty="0"/>
-          </a:p>
-          <a:p>
-            <a:r>
-              <a:rPr lang="en-US" dirty="0"/>
-              <a:t>Overview of important properties</a:t>
+            <a:endParaRPr lang="de-DE" dirty="0"/>
+          </a:p>
+          <a:p>
+            <a:r>
+              <a:rPr lang="de-DE" dirty="0" err="1"/>
+              <a:t>Why</a:t>
+            </a:r>
+            <a:r>
+              <a:rPr lang="de-DE" dirty="0"/>
+              <a:t> </a:t>
+            </a:r>
+            <a:r>
+              <a:rPr lang="de-DE" dirty="0" err="1"/>
+              <a:t>hand</a:t>
+            </a:r>
+            <a:r>
+              <a:rPr lang="de-DE" dirty="0"/>
+              <a:t> </a:t>
+            </a:r>
+            <a:r>
+              <a:rPr lang="de-DE" dirty="0" err="1"/>
+              <a:t>prostheses</a:t>
+            </a:r>
+            <a:r>
+              <a:rPr lang="de-DE" dirty="0"/>
+              <a:t>?</a:t>
             </a:r>
           </a:p>
           <a:p>
             <a:pPr lvl="1"/>
-            <a:endParaRPr lang="en-US" dirty="0"/>
+            <a:r>
+              <a:rPr lang="de-DE" dirty="0" err="1"/>
+              <a:t>Replace</a:t>
+            </a:r>
+            <a:r>
+              <a:rPr lang="de-DE" dirty="0"/>
+              <a:t> </a:t>
+            </a:r>
+            <a:r>
+              <a:rPr lang="de-DE" dirty="0" err="1"/>
+              <a:t>missing</a:t>
+            </a:r>
+            <a:r>
+              <a:rPr lang="de-DE" dirty="0"/>
+              <a:t> </a:t>
+            </a:r>
+            <a:r>
+              <a:rPr lang="de-DE" dirty="0" err="1"/>
+              <a:t>hands</a:t>
+            </a:r>
+            <a:endParaRPr lang="de-DE" dirty="0"/>
           </a:p>
           <a:p>
             <a:pPr lvl="1"/>
             <a:r>
-              <a:rPr lang="en-US" dirty="0"/>
-              <a:t>Design / structure</a:t>
-            </a:r>
+              <a:rPr lang="de-DE" dirty="0" err="1"/>
+              <a:t>Make</a:t>
+            </a:r>
+            <a:r>
+              <a:rPr lang="de-DE" dirty="0"/>
+              <a:t> a normal </a:t>
+            </a:r>
+            <a:r>
+              <a:rPr lang="de-DE" dirty="0" err="1"/>
+              <a:t>life</a:t>
+            </a:r>
+            <a:r>
+              <a:rPr lang="de-DE" dirty="0"/>
+              <a:t> possible </a:t>
+            </a:r>
+            <a:r>
+              <a:rPr lang="de-DE" dirty="0" err="1"/>
+              <a:t>for</a:t>
+            </a:r>
+            <a:r>
+              <a:rPr lang="de-DE" dirty="0"/>
+              <a:t> </a:t>
+            </a:r>
+            <a:r>
+              <a:rPr lang="de-DE" dirty="0" err="1"/>
+              <a:t>amputees</a:t>
+            </a:r>
+            <a:endParaRPr lang="de-DE" dirty="0"/>
           </a:p>
           <a:p>
             <a:pPr lvl="1"/>
             <a:r>
-              <a:rPr lang="en-US" dirty="0"/>
-              <a:t>Kinematic / dynamic characteristics</a:t>
+              <a:rPr lang="de-DE" dirty="0" err="1"/>
+              <a:t>Enable</a:t>
+            </a:r>
+            <a:r>
+              <a:rPr lang="de-DE" dirty="0"/>
+              <a:t> </a:t>
+            </a:r>
+            <a:r>
+              <a:rPr lang="de-DE" dirty="0" err="1"/>
+              <a:t>amputees</a:t>
+            </a:r>
+            <a:r>
+              <a:rPr lang="de-DE" dirty="0"/>
+              <a:t> </a:t>
+            </a:r>
+            <a:r>
+              <a:rPr lang="de-DE" dirty="0" err="1"/>
+              <a:t>to</a:t>
+            </a:r>
+            <a:r>
+              <a:rPr lang="de-DE" dirty="0"/>
+              <a:t> perform </a:t>
+            </a:r>
+            <a:r>
+              <a:rPr lang="de-DE" dirty="0" err="1"/>
+              <a:t>activities</a:t>
+            </a:r>
+            <a:r>
+              <a:rPr lang="de-DE" dirty="0"/>
+              <a:t> </a:t>
+            </a:r>
+            <a:r>
+              <a:rPr lang="de-DE" dirty="0" err="1"/>
+              <a:t>of</a:t>
+            </a:r>
+            <a:r>
+              <a:rPr lang="de-DE" dirty="0"/>
+              <a:t> </a:t>
+            </a:r>
+            <a:r>
+              <a:rPr lang="de-DE" dirty="0" err="1"/>
+              <a:t>daily</a:t>
+            </a:r>
+            <a:r>
+              <a:rPr lang="de-DE" dirty="0"/>
+              <a:t> </a:t>
+            </a:r>
+            <a:r>
+              <a:rPr lang="de-DE" dirty="0" err="1"/>
+              <a:t>living</a:t>
+            </a:r>
+            <a:r>
+              <a:rPr lang="de-DE" dirty="0"/>
+              <a:t> (ADLs)</a:t>
             </a:r>
           </a:p>
           <a:p>
             <a:pPr lvl="1"/>
-            <a:r>
-              <a:rPr lang="en-US" dirty="0"/>
-              <a:t>Sensor feedback / embedded systems</a:t>
-            </a:r>
-          </a:p>
-          <a:p>
-            <a:endParaRPr lang="en-US" dirty="0"/>
-          </a:p>
-          <a:p>
-            <a:r>
-              <a:rPr lang="en-US" dirty="0"/>
-              <a:t>Comparison of different prostheses</a:t>
-            </a:r>
-          </a:p>
-          <a:p>
-            <a:pPr lvl="1"/>
-            <a:endParaRPr lang="en-US" dirty="0"/>
-          </a:p>
-          <a:p>
-            <a:pPr lvl="1"/>
-            <a:r>
-              <a:rPr lang="en-US" dirty="0"/>
-              <a:t>What do they have in common?</a:t>
-            </a:r>
-          </a:p>
-          <a:p>
-            <a:pPr lvl="1"/>
-            <a:r>
-              <a:rPr lang="en-US" dirty="0"/>
-              <a:t>What are special features of different hands?</a:t>
-            </a:r>
-          </a:p>
-          <a:p>
-            <a:pPr lvl="1"/>
-            <a:r>
-              <a:rPr lang="en-US" dirty="0"/>
-              <a:t>Do they provide intelligent functions?</a:t>
-            </a:r>
+            <a:endParaRPr lang="de-DE" dirty="0"/>
           </a:p>
         </p:txBody>
       </p:sp>
@@ -3867,7 +3936,7 @@
           <p:cNvPr id="2" name="Titel 1">
             <a:extLst>
               <a:ext uri="{FF2B5EF4-FFF2-40B4-BE49-F238E27FC236}">
-                <a16:creationId xmlns:a16="http://schemas.microsoft.com/office/drawing/2014/main" id="{EC1B6252-BB44-4219-A2D3-1CDF3B042FC6}"/>
+                <a16:creationId xmlns:a16="http://schemas.microsoft.com/office/drawing/2014/main" id="{D5A118D2-93FE-4548-A558-D09856C4F053}"/>
               </a:ext>
             </a:extLst>
           </p:cNvPr>
@@ -3878,94 +3947,396 @@
             <p:ph type="title"/>
           </p:nvPr>
         </p:nvSpPr>
-        <p:spPr/>
+        <p:spPr>
+          <a:xfrm>
+            <a:off x="392113" y="332656"/>
+            <a:ext cx="6911975" cy="561975"/>
+          </a:xfrm>
+        </p:spPr>
         <p:txBody>
           <a:bodyPr/>
           <a:lstStyle/>
           <a:p>
             <a:r>
-              <a:rPr lang="de-DE" dirty="0" err="1"/>
-              <a:t>My</a:t>
-            </a:r>
-            <a:r>
               <a:rPr lang="de-DE" dirty="0"/>
-              <a:t> </a:t>
-            </a:r>
-            <a:r>
-              <a:rPr lang="de-DE" dirty="0" err="1"/>
-              <a:t>work</a:t>
-            </a:r>
-            <a:r>
-              <a:rPr lang="de-DE" dirty="0"/>
-              <a:t> so </a:t>
-            </a:r>
-            <a:r>
-              <a:rPr lang="de-DE" dirty="0" err="1"/>
-              <a:t>far</a:t>
-            </a:r>
-            <a:endParaRPr lang="de-DE" dirty="0"/>
+              <a:t>Motivation</a:t>
+            </a:r>
+            <a:endParaRPr lang="en-US" dirty="0"/>
           </a:p>
         </p:txBody>
       </p:sp>
-      <p:sp>
-        <p:nvSpPr>
-          <p:cNvPr id="3" name="Inhaltsplatzhalter 2">
-            <a:extLst>
-              <a:ext uri="{FF2B5EF4-FFF2-40B4-BE49-F238E27FC236}">
-                <a16:creationId xmlns:a16="http://schemas.microsoft.com/office/drawing/2014/main" id="{BB92E5F7-73A2-4293-9AF2-C83499F65677}"/>
-              </a:ext>
-            </a:extLst>
-          </p:cNvPr>
-          <p:cNvSpPr>
-            <a:spLocks noGrp="1"/>
-          </p:cNvSpPr>
-          <p:nvPr>
-            <p:ph idx="1"/>
-          </p:nvPr>
-        </p:nvSpPr>
-        <p:spPr/>
-        <p:txBody>
-          <a:bodyPr/>
-          <a:lstStyle/>
-          <a:p>
-            <a:endParaRPr lang="en-GB" dirty="0"/>
-          </a:p>
-          <a:p>
-            <a:pPr marL="0" indent="0">
-              <a:buNone/>
-            </a:pPr>
-            <a:endParaRPr lang="en-GB" dirty="0"/>
-          </a:p>
-          <a:p>
-            <a:r>
-              <a:rPr lang="en-GB" dirty="0"/>
-              <a:t>Searching for papers with prosthetic hands</a:t>
-            </a:r>
-          </a:p>
-          <a:p>
-            <a:endParaRPr lang="en-GB" dirty="0"/>
-          </a:p>
-          <a:p>
-            <a:r>
-              <a:rPr lang="en-GB" dirty="0"/>
-              <a:t>Summarizing the important information for each hand</a:t>
-            </a:r>
-          </a:p>
-          <a:p>
-            <a:endParaRPr lang="en-GB" dirty="0"/>
-          </a:p>
-          <a:p>
-            <a:r>
-              <a:rPr lang="en-GB" dirty="0"/>
-              <a:t>Creating a table with important properties </a:t>
-            </a:r>
-          </a:p>
-        </p:txBody>
-      </p:sp>
+      <mc:AlternateContent xmlns:mc="http://schemas.openxmlformats.org/markup-compatibility/2006">
+        <mc:Choice xmlns:a14="http://schemas.microsoft.com/office/drawing/2010/main" Requires="a14">
+          <p:sp>
+            <p:nvSpPr>
+              <p:cNvPr id="3" name="Inhaltsplatzhalter 2">
+                <a:extLst>
+                  <a:ext uri="{FF2B5EF4-FFF2-40B4-BE49-F238E27FC236}">
+                    <a16:creationId xmlns:a16="http://schemas.microsoft.com/office/drawing/2014/main" id="{0AB973ED-9D6D-4CB0-8E90-D9589D1A596C}"/>
+                  </a:ext>
+                </a:extLst>
+              </p:cNvPr>
+              <p:cNvSpPr>
+                <a:spLocks noGrp="1"/>
+              </p:cNvSpPr>
+              <p:nvPr>
+                <p:ph idx="1"/>
+              </p:nvPr>
+            </p:nvSpPr>
+            <p:spPr/>
+            <p:txBody>
+              <a:bodyPr/>
+              <a:lstStyle/>
+              <a:p>
+                <a:endParaRPr lang="de-DE" dirty="0"/>
+              </a:p>
+              <a:p>
+                <a:r>
+                  <a:rPr lang="de-DE" dirty="0" err="1"/>
+                  <a:t>Desired</a:t>
+                </a:r>
+                <a:r>
+                  <a:rPr lang="de-DE" dirty="0"/>
+                  <a:t> </a:t>
+                </a:r>
+                <a:r>
+                  <a:rPr lang="de-DE" dirty="0" err="1"/>
+                  <a:t>properties</a:t>
+                </a:r>
+                <a:r>
+                  <a:rPr lang="de-DE" dirty="0"/>
+                  <a:t>:</a:t>
+                </a:r>
+              </a:p>
+              <a:p>
+                <a:pPr lvl="1"/>
+                <a:r>
+                  <a:rPr lang="de-DE" dirty="0" err="1"/>
+                  <a:t>comfortable</a:t>
+                </a:r>
+                <a:r>
+                  <a:rPr lang="de-DE" dirty="0"/>
+                  <a:t> (</a:t>
+                </a:r>
+                <a:r>
+                  <a:rPr lang="de-DE" dirty="0" err="1"/>
+                  <a:t>lightweight</a:t>
+                </a:r>
+                <a:r>
+                  <a:rPr lang="de-DE" dirty="0"/>
+                  <a:t>, </a:t>
+                </a:r>
+                <a:r>
+                  <a:rPr lang="de-DE" dirty="0" err="1"/>
+                  <a:t>small</a:t>
+                </a:r>
+                <a:r>
+                  <a:rPr lang="de-DE" dirty="0"/>
+                  <a:t>)</a:t>
+                </a:r>
+              </a:p>
+              <a:p>
+                <a:pPr lvl="1"/>
+                <a:r>
+                  <a:rPr lang="de-DE" dirty="0" err="1"/>
+                  <a:t>many</a:t>
+                </a:r>
+                <a:r>
+                  <a:rPr lang="de-DE" dirty="0"/>
+                  <a:t> different </a:t>
+                </a:r>
+                <a:r>
+                  <a:rPr lang="de-DE" dirty="0" err="1"/>
+                  <a:t>grasps</a:t>
+                </a:r>
+                <a:r>
+                  <a:rPr lang="de-DE" dirty="0"/>
+                  <a:t> possible</a:t>
+                </a:r>
+              </a:p>
+              <a:p>
+                <a:pPr lvl="1"/>
+                <a:r>
+                  <a:rPr lang="de-DE" dirty="0"/>
+                  <a:t>High </a:t>
+                </a:r>
+                <a:r>
+                  <a:rPr lang="de-DE" dirty="0" err="1"/>
+                  <a:t>finger</a:t>
+                </a:r>
+                <a:r>
+                  <a:rPr lang="de-DE" dirty="0"/>
+                  <a:t> </a:t>
+                </a:r>
+                <a:r>
+                  <a:rPr lang="de-DE" dirty="0" err="1"/>
+                  <a:t>forces</a:t>
+                </a:r>
+                <a:r>
+                  <a:rPr lang="de-DE" dirty="0"/>
+                  <a:t> / fast </a:t>
+                </a:r>
+                <a:r>
+                  <a:rPr lang="de-DE" dirty="0" err="1"/>
+                  <a:t>joint</a:t>
+                </a:r>
+                <a:r>
+                  <a:rPr lang="de-DE" dirty="0"/>
+                  <a:t> </a:t>
+                </a:r>
+                <a:r>
+                  <a:rPr lang="de-DE" dirty="0" err="1"/>
+                  <a:t>speed</a:t>
+                </a:r>
+                <a:endParaRPr lang="de-DE" dirty="0"/>
+              </a:p>
+              <a:p>
+                <a:pPr lvl="1"/>
+                <a:r>
+                  <a:rPr lang="de-DE" dirty="0"/>
+                  <a:t>easy </a:t>
+                </a:r>
+                <a:r>
+                  <a:rPr lang="de-DE" dirty="0" err="1"/>
+                  <a:t>to</a:t>
+                </a:r>
+                <a:r>
+                  <a:rPr lang="de-DE" dirty="0"/>
+                  <a:t> </a:t>
+                </a:r>
+                <a:r>
+                  <a:rPr lang="de-DE" dirty="0" err="1"/>
+                  <a:t>use</a:t>
+                </a:r>
+                <a:endParaRPr lang="de-DE" dirty="0"/>
+              </a:p>
+              <a:p>
+                <a:pPr lvl="1"/>
+                <a:r>
+                  <a:rPr lang="de-DE" dirty="0"/>
+                  <a:t>high </a:t>
+                </a:r>
+                <a:r>
+                  <a:rPr lang="de-DE" dirty="0" err="1"/>
+                  <a:t>durability</a:t>
+                </a:r>
+                <a:r>
+                  <a:rPr lang="de-DE" dirty="0"/>
+                  <a:t> (robust, easy </a:t>
+                </a:r>
+                <a:r>
+                  <a:rPr lang="de-DE" dirty="0" err="1"/>
+                  <a:t>to</a:t>
+                </a:r>
+                <a:r>
+                  <a:rPr lang="de-DE" dirty="0"/>
+                  <a:t> </a:t>
+                </a:r>
+                <a:r>
+                  <a:rPr lang="de-DE" dirty="0" err="1"/>
+                  <a:t>repair</a:t>
+                </a:r>
+                <a:r>
+                  <a:rPr lang="de-DE" dirty="0"/>
+                  <a:t>)</a:t>
+                </a:r>
+              </a:p>
+              <a:p>
+                <a:pPr lvl="1"/>
+                <a:r>
+                  <a:rPr lang="de-DE" dirty="0" err="1"/>
+                  <a:t>low-cost</a:t>
+                </a:r>
+                <a:endParaRPr lang="de-DE" dirty="0"/>
+              </a:p>
+              <a:p>
+                <a:pPr lvl="1"/>
+                <a:r>
+                  <a:rPr lang="de-DE" dirty="0"/>
+                  <a:t>intelligent </a:t>
+                </a:r>
+                <a:r>
+                  <a:rPr lang="de-DE" dirty="0" err="1"/>
+                  <a:t>functions</a:t>
+                </a:r>
+                <a:r>
+                  <a:rPr lang="de-DE" dirty="0"/>
+                  <a:t> (sensor-feedback, </a:t>
+                </a:r>
+                <a:r>
+                  <a:rPr lang="de-DE" dirty="0" err="1"/>
+                  <a:t>grasp</a:t>
+                </a:r>
+                <a:r>
+                  <a:rPr lang="de-DE" dirty="0"/>
+                  <a:t> </a:t>
+                </a:r>
+                <a:r>
+                  <a:rPr lang="de-DE" dirty="0" err="1"/>
+                  <a:t>adaption</a:t>
+                </a:r>
+                <a:r>
+                  <a:rPr lang="de-DE" dirty="0"/>
+                  <a:t>)</a:t>
+                </a:r>
+              </a:p>
+              <a:p>
+                <a:endParaRPr lang="de-DE" dirty="0"/>
+              </a:p>
+              <a:p>
+                <a:r>
+                  <a:rPr lang="de-DE" dirty="0" err="1"/>
+                  <a:t>Challenges</a:t>
+                </a:r>
+                <a:r>
+                  <a:rPr lang="de-DE" dirty="0"/>
+                  <a:t>:</a:t>
+                </a:r>
+              </a:p>
+              <a:p>
+                <a:pPr lvl="1"/>
+                <a:r>
+                  <a:rPr lang="de-DE" dirty="0" err="1"/>
+                  <a:t>Desired</a:t>
+                </a:r>
+                <a:r>
+                  <a:rPr lang="de-DE" dirty="0"/>
+                  <a:t> </a:t>
+                </a:r>
+                <a:r>
+                  <a:rPr lang="de-DE" dirty="0" err="1"/>
+                  <a:t>properties</a:t>
+                </a:r>
+                <a:r>
+                  <a:rPr lang="de-DE" dirty="0"/>
+                  <a:t> </a:t>
+                </a:r>
+                <a:r>
+                  <a:rPr lang="de-DE" dirty="0" err="1"/>
+                  <a:t>are</a:t>
+                </a:r>
+                <a:r>
+                  <a:rPr lang="de-DE" dirty="0"/>
+                  <a:t> </a:t>
+                </a:r>
+                <a:r>
+                  <a:rPr lang="de-DE" dirty="0" err="1"/>
+                  <a:t>contradicting</a:t>
+                </a:r>
+                <a:r>
+                  <a:rPr lang="de-DE" dirty="0"/>
+                  <a:t> </a:t>
+                </a:r>
+                <a14:m>
+                  <m:oMath xmlns:m="http://schemas.openxmlformats.org/officeDocument/2006/math">
+                    <m:r>
+                      <a:rPr lang="de-DE" b="0" i="1" smtClean="0">
+                        <a:latin typeface="Cambria Math" panose="02040503050406030204" pitchFamily="18" charset="0"/>
+                      </a:rPr>
+                      <m:t>⇒</m:t>
+                    </m:r>
+                  </m:oMath>
+                </a14:m>
+                <a:r>
+                  <a:rPr lang="de-DE" dirty="0"/>
+                  <a:t> trade-offs </a:t>
+                </a:r>
+                <a:r>
+                  <a:rPr lang="de-DE" dirty="0" err="1"/>
+                  <a:t>are</a:t>
+                </a:r>
+                <a:r>
+                  <a:rPr lang="de-DE" dirty="0"/>
+                  <a:t> </a:t>
+                </a:r>
+                <a:r>
+                  <a:rPr lang="de-DE" dirty="0" err="1"/>
+                  <a:t>mandatory</a:t>
+                </a:r>
+                <a:endParaRPr lang="de-DE" dirty="0"/>
+              </a:p>
+              <a:p>
+                <a:pPr lvl="1"/>
+                <a:r>
+                  <a:rPr lang="de-DE" dirty="0" err="1"/>
+                  <a:t>Current</a:t>
+                </a:r>
+                <a:r>
+                  <a:rPr lang="de-DE" dirty="0"/>
+                  <a:t> </a:t>
+                </a:r>
+                <a:r>
+                  <a:rPr lang="de-DE" dirty="0" err="1"/>
+                  <a:t>technologies</a:t>
+                </a:r>
+                <a:r>
+                  <a:rPr lang="de-DE" dirty="0"/>
+                  <a:t> still </a:t>
+                </a:r>
+                <a:r>
+                  <a:rPr lang="de-DE" dirty="0" err="1"/>
+                  <a:t>need</a:t>
+                </a:r>
+                <a:r>
+                  <a:rPr lang="de-DE" dirty="0"/>
+                  <a:t> </a:t>
+                </a:r>
+                <a:r>
+                  <a:rPr lang="de-DE" dirty="0" err="1"/>
+                  <a:t>improvement</a:t>
+                </a:r>
+                <a:endParaRPr lang="de-DE" dirty="0"/>
+              </a:p>
+              <a:p>
+                <a:endParaRPr lang="de-DE" dirty="0"/>
+              </a:p>
+            </p:txBody>
+          </p:sp>
+        </mc:Choice>
+        <mc:Fallback>
+          <p:sp>
+            <p:nvSpPr>
+              <p:cNvPr id="3" name="Inhaltsplatzhalter 2">
+                <a:extLst>
+                  <a:ext uri="{FF2B5EF4-FFF2-40B4-BE49-F238E27FC236}">
+                    <a16:creationId xmlns:a16="http://schemas.microsoft.com/office/drawing/2014/main" id="{0AB973ED-9D6D-4CB0-8E90-D9589D1A596C}"/>
+                  </a:ext>
+                </a:extLst>
+              </p:cNvPr>
+              <p:cNvSpPr>
+                <a:spLocks noGrp="1" noRot="1" noChangeAspect="1" noMove="1" noResize="1" noEditPoints="1" noAdjustHandles="1" noChangeArrowheads="1" noChangeShapeType="1" noTextEdit="1"/>
+              </p:cNvSpPr>
+              <p:nvPr>
+                <p:ph idx="1"/>
+              </p:nvPr>
+            </p:nvSpPr>
+            <p:spPr>
+              <a:blipFill>
+                <a:blip r:embed="rId2"/>
+                <a:stretch>
+                  <a:fillRect/>
+                </a:stretch>
+              </a:blipFill>
+            </p:spPr>
+            <p:txBody>
+              <a:bodyPr/>
+              <a:lstStyle/>
+              <a:p>
+                <a:r>
+                  <a:rPr lang="en-US">
+                    <a:noFill/>
+                  </a:rPr>
+                  <a:t> </a:t>
+                </a:r>
+              </a:p>
+            </p:txBody>
+          </p:sp>
+        </mc:Fallback>
+      </mc:AlternateContent>
     </p:spTree>
     <p:extLst>
       <p:ext uri="{BB962C8B-B14F-4D97-AF65-F5344CB8AC3E}">
-        <p14:creationId xmlns:p14="http://schemas.microsoft.com/office/powerpoint/2010/main" val="2184162749"/>
+        <p14:creationId xmlns:p14="http://schemas.microsoft.com/office/powerpoint/2010/main" val="1310556037"/>
       </p:ext>
     </p:extLst>
   </p:cSld>
@@ -3997,7 +4368,7 @@
           <p:cNvPr id="2" name="Titel 1">
             <a:extLst>
               <a:ext uri="{FF2B5EF4-FFF2-40B4-BE49-F238E27FC236}">
-                <a16:creationId xmlns:a16="http://schemas.microsoft.com/office/drawing/2014/main" id="{0CE5ABFF-289B-4336-8F0E-74AB6B5CDFCA}"/>
+                <a16:creationId xmlns:a16="http://schemas.microsoft.com/office/drawing/2014/main" id="{068082EC-1596-4F07-A05E-32DD130EB96C}"/>
               </a:ext>
             </a:extLst>
           </p:cNvPr>
@@ -4014,1194 +4385,22 @@
           <a:lstStyle/>
           <a:p>
             <a:r>
-              <a:rPr lang="de-DE" dirty="0" err="1"/>
-              <a:t>Example</a:t>
-            </a:r>
-            <a:r>
               <a:rPr lang="de-DE" dirty="0"/>
-              <a:t>: SSSA-</a:t>
-            </a:r>
-            <a:r>
-              <a:rPr lang="de-DE" dirty="0" err="1"/>
-              <a:t>MyHand</a:t>
-            </a:r>
-            <a:r>
-              <a:rPr lang="de-DE" dirty="0"/>
-              <a:t> and </a:t>
-            </a:r>
-            <a:r>
-              <a:rPr lang="de-DE" dirty="0" err="1"/>
-              <a:t>Tact</a:t>
+              <a:t>Motivation</a:t>
             </a:r>
             <a:endParaRPr lang="en-US" dirty="0"/>
-          </a:p>
-        </p:txBody>
-      </p:sp>
-      <p:graphicFrame>
-        <p:nvGraphicFramePr>
-          <p:cNvPr id="5" name="Inhaltsplatzhalter 4">
-            <a:extLst>
-              <a:ext uri="{FF2B5EF4-FFF2-40B4-BE49-F238E27FC236}">
-                <a16:creationId xmlns:a16="http://schemas.microsoft.com/office/drawing/2014/main" id="{8D1D800F-1CD6-49DB-9E39-AA29B84DAE73}"/>
-              </a:ext>
-            </a:extLst>
-          </p:cNvPr>
-          <p:cNvGraphicFramePr>
-            <a:graphicFrameLocks noGrp="1"/>
-          </p:cNvGraphicFramePr>
-          <p:nvPr>
-            <p:ph idx="1"/>
-            <p:extLst>
-              <p:ext uri="{D42A27DB-BD31-4B8C-83A1-F6EECF244321}">
-                <p14:modId xmlns:p14="http://schemas.microsoft.com/office/powerpoint/2010/main" val="3270410075"/>
-              </p:ext>
-            </p:extLst>
-          </p:nvPr>
-        </p:nvGraphicFramePr>
-        <p:xfrm>
-          <a:off x="393824" y="1308368"/>
-          <a:ext cx="8356351" cy="1112520"/>
-        </p:xfrm>
-        <a:graphic>
-          <a:graphicData uri="http://schemas.openxmlformats.org/drawingml/2006/table">
-            <a:tbl>
-              <a:tblPr firstRow="1" bandRow="1">
-                <a:tableStyleId>{5C22544A-7EE6-4342-B048-85BDC9FD1C3A}</a:tableStyleId>
-              </a:tblPr>
-              <a:tblGrid>
-                <a:gridCol w="1083543">
-                  <a:extLst>
-                    <a:ext uri="{9D8B030D-6E8A-4147-A177-3AD203B41FA5}">
-                      <a16:colId xmlns:a16="http://schemas.microsoft.com/office/drawing/2014/main" val="154218776"/>
-                    </a:ext>
-                  </a:extLst>
-                </a:gridCol>
-                <a:gridCol w="1296144">
-                  <a:extLst>
-                    <a:ext uri="{9D8B030D-6E8A-4147-A177-3AD203B41FA5}">
-                      <a16:colId xmlns:a16="http://schemas.microsoft.com/office/drawing/2014/main" val="3849654622"/>
-                    </a:ext>
-                  </a:extLst>
-                </a:gridCol>
-                <a:gridCol w="792088">
-                  <a:extLst>
-                    <a:ext uri="{9D8B030D-6E8A-4147-A177-3AD203B41FA5}">
-                      <a16:colId xmlns:a16="http://schemas.microsoft.com/office/drawing/2014/main" val="2373986110"/>
-                    </a:ext>
-                  </a:extLst>
-                </a:gridCol>
-                <a:gridCol w="1080120">
-                  <a:extLst>
-                    <a:ext uri="{9D8B030D-6E8A-4147-A177-3AD203B41FA5}">
-                      <a16:colId xmlns:a16="http://schemas.microsoft.com/office/drawing/2014/main" val="1332912715"/>
-                    </a:ext>
-                  </a:extLst>
-                </a:gridCol>
-                <a:gridCol w="1800200">
-                  <a:extLst>
-                    <a:ext uri="{9D8B030D-6E8A-4147-A177-3AD203B41FA5}">
-                      <a16:colId xmlns:a16="http://schemas.microsoft.com/office/drawing/2014/main" val="852488706"/>
-                    </a:ext>
-                  </a:extLst>
-                </a:gridCol>
-                <a:gridCol w="1008112">
-                  <a:extLst>
-                    <a:ext uri="{9D8B030D-6E8A-4147-A177-3AD203B41FA5}">
-                      <a16:colId xmlns:a16="http://schemas.microsoft.com/office/drawing/2014/main" val="1226538167"/>
-                    </a:ext>
-                  </a:extLst>
-                </a:gridCol>
-                <a:gridCol w="1296144">
-                  <a:extLst>
-                    <a:ext uri="{9D8B030D-6E8A-4147-A177-3AD203B41FA5}">
-                      <a16:colId xmlns:a16="http://schemas.microsoft.com/office/drawing/2014/main" val="1179887901"/>
-                    </a:ext>
-                  </a:extLst>
-                </a:gridCol>
-              </a:tblGrid>
-              <a:tr h="370840">
-                <a:tc>
-                  <a:txBody>
-                    <a:bodyPr/>
-                    <a:lstStyle/>
-                    <a:p>
-                      <a:r>
-                        <a:rPr lang="de-DE" dirty="0"/>
-                        <a:t>Name</a:t>
-                      </a:r>
-                      <a:endParaRPr lang="en-US" dirty="0"/>
-                    </a:p>
-                  </a:txBody>
-                  <a:tcPr/>
-                </a:tc>
-                <a:tc>
-                  <a:txBody>
-                    <a:bodyPr/>
-                    <a:lstStyle/>
-                    <a:p>
-                      <a:r>
-                        <a:rPr lang="de-DE" dirty="0"/>
-                        <a:t>Developer</a:t>
-                      </a:r>
-                      <a:endParaRPr lang="en-US" dirty="0"/>
-                    </a:p>
-                  </a:txBody>
-                  <a:tcPr/>
-                </a:tc>
-                <a:tc>
-                  <a:txBody>
-                    <a:bodyPr/>
-                    <a:lstStyle/>
-                    <a:p>
-                      <a:r>
-                        <a:rPr lang="de-DE" dirty="0"/>
-                        <a:t>Year</a:t>
-                      </a:r>
-                      <a:endParaRPr lang="en-US" dirty="0"/>
-                    </a:p>
-                  </a:txBody>
-                  <a:tcPr/>
-                </a:tc>
-                <a:tc>
-                  <a:txBody>
-                    <a:bodyPr/>
-                    <a:lstStyle/>
-                    <a:p>
-                      <a:r>
-                        <a:rPr lang="de-DE" dirty="0" err="1"/>
-                        <a:t>Mass</a:t>
-                      </a:r>
-                      <a:endParaRPr lang="en-US" dirty="0"/>
-                    </a:p>
-                  </a:txBody>
-                  <a:tcPr/>
-                </a:tc>
-                <a:tc>
-                  <a:txBody>
-                    <a:bodyPr/>
-                    <a:lstStyle/>
-                    <a:p>
-                      <a:r>
-                        <a:rPr lang="de-DE" dirty="0"/>
-                        <a:t>Size</a:t>
-                      </a:r>
-                      <a:endParaRPr lang="en-US" dirty="0"/>
-                    </a:p>
-                  </a:txBody>
-                  <a:tcPr/>
-                </a:tc>
-                <a:tc>
-                  <a:txBody>
-                    <a:bodyPr/>
-                    <a:lstStyle/>
-                    <a:p>
-                      <a:r>
-                        <a:rPr lang="de-DE" dirty="0" err="1"/>
-                        <a:t>DoFs</a:t>
-                      </a:r>
-                      <a:endParaRPr lang="en-US" dirty="0"/>
-                    </a:p>
-                  </a:txBody>
-                  <a:tcPr/>
-                </a:tc>
-                <a:tc>
-                  <a:txBody>
-                    <a:bodyPr/>
-                    <a:lstStyle/>
-                    <a:p>
-                      <a:r>
-                        <a:rPr lang="de-DE" dirty="0" err="1"/>
-                        <a:t>Actuators</a:t>
-                      </a:r>
-                      <a:endParaRPr lang="en-US" dirty="0"/>
-                    </a:p>
-                  </a:txBody>
-                  <a:tcPr/>
-                </a:tc>
-                <a:extLst>
-                  <a:ext uri="{0D108BD9-81ED-4DB2-BD59-A6C34878D82A}">
-                    <a16:rowId xmlns:a16="http://schemas.microsoft.com/office/drawing/2014/main" val="274594154"/>
-                  </a:ext>
-                </a:extLst>
-              </a:tr>
-              <a:tr h="370840">
-                <a:tc>
-                  <a:txBody>
-                    <a:bodyPr/>
-                    <a:lstStyle/>
-                    <a:p>
-                      <a:r>
-                        <a:rPr lang="de-DE" dirty="0" err="1"/>
-                        <a:t>MyHand</a:t>
-                      </a:r>
-                      <a:endParaRPr lang="en-US" dirty="0"/>
-                    </a:p>
-                  </a:txBody>
-                  <a:tcPr/>
-                </a:tc>
-                <a:tc>
-                  <a:txBody>
-                    <a:bodyPr/>
-                    <a:lstStyle/>
-                    <a:p>
-                      <a:r>
-                        <a:rPr lang="de-DE" dirty="0"/>
-                        <a:t>SSSA</a:t>
-                      </a:r>
-                      <a:endParaRPr lang="en-US" dirty="0"/>
-                    </a:p>
-                  </a:txBody>
-                  <a:tcPr/>
-                </a:tc>
-                <a:tc>
-                  <a:txBody>
-                    <a:bodyPr/>
-                    <a:lstStyle/>
-                    <a:p>
-                      <a:r>
-                        <a:rPr lang="de-DE" dirty="0"/>
-                        <a:t>2016</a:t>
-                      </a:r>
-                      <a:endParaRPr lang="en-US" dirty="0"/>
-                    </a:p>
-                  </a:txBody>
-                  <a:tcPr/>
-                </a:tc>
-                <a:tc>
-                  <a:txBody>
-                    <a:bodyPr/>
-                    <a:lstStyle/>
-                    <a:p>
-                      <a:r>
-                        <a:rPr lang="de-DE" dirty="0"/>
-                        <a:t>478 g</a:t>
-                      </a:r>
-                      <a:endParaRPr lang="en-US" dirty="0"/>
-                    </a:p>
-                  </a:txBody>
-                  <a:tcPr/>
-                </a:tc>
-                <a:tc>
-                  <a:txBody>
-                    <a:bodyPr/>
-                    <a:lstStyle/>
-                    <a:p>
-                      <a:r>
-                        <a:rPr lang="de-DE" dirty="0"/>
-                        <a:t>200x84x56 mm</a:t>
-                      </a:r>
-                      <a:endParaRPr lang="en-US" dirty="0"/>
-                    </a:p>
-                  </a:txBody>
-                  <a:tcPr/>
-                </a:tc>
-                <a:tc>
-                  <a:txBody>
-                    <a:bodyPr/>
-                    <a:lstStyle/>
-                    <a:p>
-                      <a:r>
-                        <a:rPr lang="de-DE" dirty="0"/>
-                        <a:t>4</a:t>
-                      </a:r>
-                      <a:endParaRPr lang="en-US" dirty="0"/>
-                    </a:p>
-                  </a:txBody>
-                  <a:tcPr/>
-                </a:tc>
-                <a:tc>
-                  <a:txBody>
-                    <a:bodyPr/>
-                    <a:lstStyle/>
-                    <a:p>
-                      <a:r>
-                        <a:rPr lang="de-DE" dirty="0"/>
-                        <a:t>3</a:t>
-                      </a:r>
-                      <a:endParaRPr lang="en-US" dirty="0"/>
-                    </a:p>
-                  </a:txBody>
-                  <a:tcPr/>
-                </a:tc>
-                <a:extLst>
-                  <a:ext uri="{0D108BD9-81ED-4DB2-BD59-A6C34878D82A}">
-                    <a16:rowId xmlns:a16="http://schemas.microsoft.com/office/drawing/2014/main" val="2425291000"/>
-                  </a:ext>
-                </a:extLst>
-              </a:tr>
-              <a:tr h="370840">
-                <a:tc>
-                  <a:txBody>
-                    <a:bodyPr/>
-                    <a:lstStyle/>
-                    <a:p>
-                      <a:r>
-                        <a:rPr lang="de-DE" dirty="0" err="1"/>
-                        <a:t>Tact</a:t>
-                      </a:r>
-                      <a:endParaRPr lang="en-US" dirty="0"/>
-                    </a:p>
-                  </a:txBody>
-                  <a:tcPr/>
-                </a:tc>
-                <a:tc>
-                  <a:txBody>
-                    <a:bodyPr/>
-                    <a:lstStyle/>
-                    <a:p>
-                      <a:r>
-                        <a:rPr lang="de-DE" dirty="0"/>
-                        <a:t>Slide et al.</a:t>
-                      </a:r>
-                      <a:endParaRPr lang="en-US" dirty="0"/>
-                    </a:p>
-                  </a:txBody>
-                  <a:tcPr/>
-                </a:tc>
-                <a:tc>
-                  <a:txBody>
-                    <a:bodyPr/>
-                    <a:lstStyle/>
-                    <a:p>
-                      <a:r>
-                        <a:rPr lang="de-DE" dirty="0"/>
-                        <a:t>2015</a:t>
-                      </a:r>
-                      <a:endParaRPr lang="en-US" dirty="0"/>
-                    </a:p>
-                  </a:txBody>
-                  <a:tcPr/>
-                </a:tc>
-                <a:tc>
-                  <a:txBody>
-                    <a:bodyPr/>
-                    <a:lstStyle/>
-                    <a:p>
-                      <a:r>
-                        <a:rPr lang="de-DE" dirty="0"/>
-                        <a:t>350 g</a:t>
-                      </a:r>
-                      <a:endParaRPr lang="en-US" dirty="0"/>
-                    </a:p>
-                  </a:txBody>
-                  <a:tcPr/>
-                </a:tc>
-                <a:tc>
-                  <a:txBody>
-                    <a:bodyPr/>
-                    <a:lstStyle/>
-                    <a:p>
-                      <a:r>
-                        <a:rPr lang="de-DE" dirty="0"/>
-                        <a:t>200x98x27 mm</a:t>
-                      </a:r>
-                      <a:endParaRPr lang="en-US" dirty="0"/>
-                    </a:p>
-                  </a:txBody>
-                  <a:tcPr/>
-                </a:tc>
-                <a:tc>
-                  <a:txBody>
-                    <a:bodyPr/>
-                    <a:lstStyle/>
-                    <a:p>
-                      <a:r>
-                        <a:rPr lang="de-DE" dirty="0"/>
-                        <a:t>6</a:t>
-                      </a:r>
-                      <a:endParaRPr lang="en-US" dirty="0"/>
-                    </a:p>
-                  </a:txBody>
-                  <a:tcPr/>
-                </a:tc>
-                <a:tc>
-                  <a:txBody>
-                    <a:bodyPr/>
-                    <a:lstStyle/>
-                    <a:p>
-                      <a:r>
-                        <a:rPr lang="de-DE" dirty="0"/>
-                        <a:t>6</a:t>
-                      </a:r>
-                      <a:endParaRPr lang="en-US" dirty="0"/>
-                    </a:p>
-                  </a:txBody>
-                  <a:tcPr/>
-                </a:tc>
-                <a:extLst>
-                  <a:ext uri="{0D108BD9-81ED-4DB2-BD59-A6C34878D82A}">
-                    <a16:rowId xmlns:a16="http://schemas.microsoft.com/office/drawing/2014/main" val="3345057968"/>
-                  </a:ext>
-                </a:extLst>
-              </a:tr>
-            </a:tbl>
-          </a:graphicData>
-        </a:graphic>
-      </p:graphicFrame>
-      <p:graphicFrame>
-        <p:nvGraphicFramePr>
-          <p:cNvPr id="8" name="Inhaltsplatzhalter 4">
-            <a:extLst>
-              <a:ext uri="{FF2B5EF4-FFF2-40B4-BE49-F238E27FC236}">
-                <a16:creationId xmlns:a16="http://schemas.microsoft.com/office/drawing/2014/main" id="{EEABC9C7-6DD8-4CD4-A58D-B1813A95351F}"/>
-              </a:ext>
-            </a:extLst>
-          </p:cNvPr>
-          <p:cNvGraphicFramePr>
-            <a:graphicFrameLocks/>
-          </p:cNvGraphicFramePr>
-          <p:nvPr>
-            <p:extLst>
-              <p:ext uri="{D42A27DB-BD31-4B8C-83A1-F6EECF244321}">
-                <p14:modId xmlns:p14="http://schemas.microsoft.com/office/powerpoint/2010/main" val="1562993807"/>
-              </p:ext>
-            </p:extLst>
-          </p:nvPr>
-        </p:nvGraphicFramePr>
-        <p:xfrm>
-          <a:off x="385760" y="4437112"/>
-          <a:ext cx="8357939" cy="1651000"/>
-        </p:xfrm>
-        <a:graphic>
-          <a:graphicData uri="http://schemas.openxmlformats.org/drawingml/2006/table">
-            <a:tbl>
-              <a:tblPr firstRow="1" bandRow="1">
-                <a:tableStyleId>{5C22544A-7EE6-4342-B048-85BDC9FD1C3A}</a:tableStyleId>
-              </a:tblPr>
-              <a:tblGrid>
-                <a:gridCol w="1083543">
-                  <a:extLst>
-                    <a:ext uri="{9D8B030D-6E8A-4147-A177-3AD203B41FA5}">
-                      <a16:colId xmlns:a16="http://schemas.microsoft.com/office/drawing/2014/main" val="154218776"/>
-                    </a:ext>
-                  </a:extLst>
-                </a:gridCol>
-                <a:gridCol w="1297732">
-                  <a:extLst>
-                    <a:ext uri="{9D8B030D-6E8A-4147-A177-3AD203B41FA5}">
-                      <a16:colId xmlns:a16="http://schemas.microsoft.com/office/drawing/2014/main" val="3849654622"/>
-                    </a:ext>
-                  </a:extLst>
-                </a:gridCol>
-                <a:gridCol w="1728192">
-                  <a:extLst>
-                    <a:ext uri="{9D8B030D-6E8A-4147-A177-3AD203B41FA5}">
-                      <a16:colId xmlns:a16="http://schemas.microsoft.com/office/drawing/2014/main" val="2373986110"/>
-                    </a:ext>
-                  </a:extLst>
-                </a:gridCol>
-                <a:gridCol w="1152128">
-                  <a:extLst>
-                    <a:ext uri="{9D8B030D-6E8A-4147-A177-3AD203B41FA5}">
-                      <a16:colId xmlns:a16="http://schemas.microsoft.com/office/drawing/2014/main" val="1332912715"/>
-                    </a:ext>
-                  </a:extLst>
-                </a:gridCol>
-                <a:gridCol w="1584176">
-                  <a:extLst>
-                    <a:ext uri="{9D8B030D-6E8A-4147-A177-3AD203B41FA5}">
-                      <a16:colId xmlns:a16="http://schemas.microsoft.com/office/drawing/2014/main" val="852488706"/>
-                    </a:ext>
-                  </a:extLst>
-                </a:gridCol>
-                <a:gridCol w="1512168">
-                  <a:extLst>
-                    <a:ext uri="{9D8B030D-6E8A-4147-A177-3AD203B41FA5}">
-                      <a16:colId xmlns:a16="http://schemas.microsoft.com/office/drawing/2014/main" val="1226538167"/>
-                    </a:ext>
-                  </a:extLst>
-                </a:gridCol>
-              </a:tblGrid>
-              <a:tr h="370840">
-                <a:tc>
-                  <a:txBody>
-                    <a:bodyPr/>
-                    <a:lstStyle/>
-                    <a:p>
-                      <a:r>
-                        <a:rPr lang="de-DE" dirty="0"/>
-                        <a:t>Name</a:t>
-                      </a:r>
-                      <a:endParaRPr lang="en-US" dirty="0"/>
-                    </a:p>
-                  </a:txBody>
-                  <a:tcPr/>
-                </a:tc>
-                <a:tc>
-                  <a:txBody>
-                    <a:bodyPr/>
-                    <a:lstStyle/>
-                    <a:p>
-                      <a:r>
-                        <a:rPr lang="de-DE" dirty="0"/>
-                        <a:t>Integrated </a:t>
-                      </a:r>
-                      <a:r>
-                        <a:rPr lang="de-DE" dirty="0" err="1"/>
-                        <a:t>Actuators</a:t>
-                      </a:r>
-                      <a:endParaRPr lang="en-US" dirty="0"/>
-                    </a:p>
-                  </a:txBody>
-                  <a:tcPr/>
-                </a:tc>
-                <a:tc>
-                  <a:txBody>
-                    <a:bodyPr/>
-                    <a:lstStyle/>
-                    <a:p>
-                      <a:r>
-                        <a:rPr lang="de-DE" dirty="0"/>
-                        <a:t>Transmission</a:t>
-                      </a:r>
-                    </a:p>
-                    <a:p>
-                      <a:r>
-                        <a:rPr lang="de-DE" dirty="0"/>
-                        <a:t>System</a:t>
-                      </a:r>
-                      <a:endParaRPr lang="en-US" dirty="0"/>
-                    </a:p>
-                  </a:txBody>
-                  <a:tcPr/>
-                </a:tc>
-                <a:tc>
-                  <a:txBody>
-                    <a:bodyPr/>
-                    <a:lstStyle/>
-                    <a:p>
-                      <a:r>
-                        <a:rPr lang="de-DE" dirty="0"/>
-                        <a:t>Sensors</a:t>
-                      </a:r>
-                      <a:endParaRPr lang="en-US" dirty="0"/>
-                    </a:p>
-                  </a:txBody>
-                  <a:tcPr/>
-                </a:tc>
-                <a:tc>
-                  <a:txBody>
-                    <a:bodyPr/>
-                    <a:lstStyle/>
-                    <a:p>
-                      <a:r>
-                        <a:rPr lang="de-DE" dirty="0"/>
-                        <a:t>Finger Force</a:t>
-                      </a:r>
-                      <a:endParaRPr lang="en-US" dirty="0"/>
-                    </a:p>
-                  </a:txBody>
-                  <a:tcPr/>
-                </a:tc>
-                <a:tc>
-                  <a:txBody>
-                    <a:bodyPr/>
-                    <a:lstStyle/>
-                    <a:p>
-                      <a:r>
-                        <a:rPr lang="de-DE" dirty="0"/>
-                        <a:t>Joint Speed</a:t>
-                      </a:r>
-                      <a:endParaRPr lang="en-US" dirty="0"/>
-                    </a:p>
-                  </a:txBody>
-                  <a:tcPr/>
-                </a:tc>
-                <a:extLst>
-                  <a:ext uri="{0D108BD9-81ED-4DB2-BD59-A6C34878D82A}">
-                    <a16:rowId xmlns:a16="http://schemas.microsoft.com/office/drawing/2014/main" val="274594154"/>
-                  </a:ext>
-                </a:extLst>
-              </a:tr>
-              <a:tr h="370840">
-                <a:tc>
-                  <a:txBody>
-                    <a:bodyPr/>
-                    <a:lstStyle/>
-                    <a:p>
-                      <a:r>
-                        <a:rPr lang="de-DE" dirty="0" err="1"/>
-                        <a:t>MyHand</a:t>
-                      </a:r>
-                      <a:endParaRPr lang="en-US" dirty="0"/>
-                    </a:p>
-                  </a:txBody>
-                  <a:tcPr/>
-                </a:tc>
-                <a:tc>
-                  <a:txBody>
-                    <a:bodyPr/>
-                    <a:lstStyle/>
-                    <a:p>
-                      <a:r>
-                        <a:rPr lang="de-DE" dirty="0"/>
-                        <a:t>Yes</a:t>
-                      </a:r>
-                      <a:endParaRPr lang="en-US" dirty="0"/>
-                    </a:p>
-                  </a:txBody>
-                  <a:tcPr/>
-                </a:tc>
-                <a:tc>
-                  <a:txBody>
-                    <a:bodyPr/>
-                    <a:lstStyle/>
-                    <a:p>
-                      <a:r>
-                        <a:rPr lang="de-DE" dirty="0"/>
-                        <a:t>Geneva </a:t>
-                      </a:r>
-                      <a:r>
-                        <a:rPr lang="de-DE" dirty="0" err="1"/>
-                        <a:t>drive</a:t>
-                      </a:r>
-                      <a:endParaRPr lang="en-US" dirty="0"/>
-                    </a:p>
-                  </a:txBody>
-                  <a:tcPr/>
-                </a:tc>
-                <a:tc>
-                  <a:txBody>
-                    <a:bodyPr/>
-                    <a:lstStyle/>
-                    <a:p>
-                      <a:r>
-                        <a:rPr lang="de-DE" dirty="0"/>
-                        <a:t>Position / Force</a:t>
-                      </a:r>
-                      <a:endParaRPr lang="en-US" dirty="0"/>
-                    </a:p>
-                  </a:txBody>
-                  <a:tcPr/>
-                </a:tc>
-                <a:tc>
-                  <a:txBody>
-                    <a:bodyPr/>
-                    <a:lstStyle/>
-                    <a:p>
-                      <a:r>
-                        <a:rPr lang="de-DE" dirty="0"/>
-                        <a:t>12-31 N</a:t>
-                      </a:r>
-                      <a:endParaRPr lang="en-US" dirty="0"/>
-                    </a:p>
-                  </a:txBody>
-                  <a:tcPr/>
-                </a:tc>
-                <a:tc>
-                  <a:txBody>
-                    <a:bodyPr/>
-                    <a:lstStyle/>
-                    <a:p>
-                      <a:r>
-                        <a:rPr lang="de-DE" dirty="0"/>
-                        <a:t>160-250 °</a:t>
-                      </a:r>
-                      <a:r>
-                        <a:rPr lang="de-DE" b="0" dirty="0"/>
-                        <a:t>/s</a:t>
-                      </a:r>
-                    </a:p>
-                    <a:p>
-                      <a:endParaRPr lang="en-US" dirty="0"/>
-                    </a:p>
-                  </a:txBody>
-                  <a:tcPr/>
-                </a:tc>
-                <a:extLst>
-                  <a:ext uri="{0D108BD9-81ED-4DB2-BD59-A6C34878D82A}">
-                    <a16:rowId xmlns:a16="http://schemas.microsoft.com/office/drawing/2014/main" val="2425291000"/>
-                  </a:ext>
-                </a:extLst>
-              </a:tr>
-              <a:tr h="370840">
-                <a:tc>
-                  <a:txBody>
-                    <a:bodyPr/>
-                    <a:lstStyle/>
-                    <a:p>
-                      <a:r>
-                        <a:rPr lang="de-DE" dirty="0" err="1"/>
-                        <a:t>Tact</a:t>
-                      </a:r>
-                      <a:endParaRPr lang="en-US" dirty="0"/>
-                    </a:p>
-                  </a:txBody>
-                  <a:tcPr/>
-                </a:tc>
-                <a:tc>
-                  <a:txBody>
-                    <a:bodyPr/>
-                    <a:lstStyle/>
-                    <a:p>
-                      <a:r>
-                        <a:rPr lang="de-DE" dirty="0"/>
-                        <a:t>Yes</a:t>
-                      </a:r>
-                      <a:endParaRPr lang="en-US" dirty="0"/>
-                    </a:p>
-                  </a:txBody>
-                  <a:tcPr/>
-                </a:tc>
-                <a:tc>
-                  <a:txBody>
-                    <a:bodyPr/>
-                    <a:lstStyle/>
-                    <a:p>
-                      <a:r>
-                        <a:rPr lang="de-DE" dirty="0" err="1"/>
-                        <a:t>Tendons</a:t>
-                      </a:r>
-                      <a:endParaRPr lang="en-US" dirty="0"/>
-                    </a:p>
-                  </a:txBody>
-                  <a:tcPr/>
-                </a:tc>
-                <a:tc>
-                  <a:txBody>
-                    <a:bodyPr/>
-                    <a:lstStyle/>
-                    <a:p>
-                      <a:endParaRPr lang="en-US" dirty="0"/>
-                    </a:p>
-                  </a:txBody>
-                  <a:tcPr/>
-                </a:tc>
-                <a:tc>
-                  <a:txBody>
-                    <a:bodyPr/>
-                    <a:lstStyle/>
-                    <a:p>
-                      <a:r>
-                        <a:rPr lang="de-DE" dirty="0"/>
-                        <a:t>4.21 N</a:t>
-                      </a:r>
-                      <a:endParaRPr lang="en-US" dirty="0"/>
-                    </a:p>
-                  </a:txBody>
-                  <a:tcPr/>
-                </a:tc>
-                <a:tc>
-                  <a:txBody>
-                    <a:bodyPr/>
-                    <a:lstStyle/>
-                    <a:p>
-                      <a:r>
-                        <a:rPr lang="de-DE" dirty="0"/>
-                        <a:t>249.8 °/s</a:t>
-                      </a:r>
-                      <a:endParaRPr lang="en-US" dirty="0"/>
-                    </a:p>
-                  </a:txBody>
-                  <a:tcPr/>
-                </a:tc>
-                <a:extLst>
-                  <a:ext uri="{0D108BD9-81ED-4DB2-BD59-A6C34878D82A}">
-                    <a16:rowId xmlns:a16="http://schemas.microsoft.com/office/drawing/2014/main" val="3390426556"/>
-                  </a:ext>
-                </a:extLst>
-              </a:tr>
-            </a:tbl>
-          </a:graphicData>
-        </a:graphic>
-      </p:graphicFrame>
-      <p:graphicFrame>
-        <p:nvGraphicFramePr>
-          <p:cNvPr id="6" name="Tabelle 5">
-            <a:extLst>
-              <a:ext uri="{FF2B5EF4-FFF2-40B4-BE49-F238E27FC236}">
-                <a16:creationId xmlns:a16="http://schemas.microsoft.com/office/drawing/2014/main" id="{A6469E07-E009-4CB0-A870-5A50F5DAEB0C}"/>
-              </a:ext>
-            </a:extLst>
-          </p:cNvPr>
-          <p:cNvGraphicFramePr>
-            <a:graphicFrameLocks noGrp="1"/>
-          </p:cNvGraphicFramePr>
-          <p:nvPr>
-            <p:extLst>
-              <p:ext uri="{D42A27DB-BD31-4B8C-83A1-F6EECF244321}">
-                <p14:modId xmlns:p14="http://schemas.microsoft.com/office/powerpoint/2010/main" val="3854094169"/>
-              </p:ext>
-            </p:extLst>
-          </p:nvPr>
-        </p:nvGraphicFramePr>
-        <p:xfrm>
-          <a:off x="387349" y="2738120"/>
-          <a:ext cx="8356350" cy="1381760"/>
-        </p:xfrm>
-        <a:graphic>
-          <a:graphicData uri="http://schemas.openxmlformats.org/drawingml/2006/table">
-            <a:tbl>
-              <a:tblPr firstRow="1" bandRow="1">
-                <a:tableStyleId>{5C22544A-7EE6-4342-B048-85BDC9FD1C3A}</a:tableStyleId>
-              </a:tblPr>
-              <a:tblGrid>
-                <a:gridCol w="1085132">
-                  <a:extLst>
-                    <a:ext uri="{9D8B030D-6E8A-4147-A177-3AD203B41FA5}">
-                      <a16:colId xmlns:a16="http://schemas.microsoft.com/office/drawing/2014/main" val="136575834"/>
-                    </a:ext>
-                  </a:extLst>
-                </a:gridCol>
-                <a:gridCol w="1368152">
-                  <a:extLst>
-                    <a:ext uri="{9D8B030D-6E8A-4147-A177-3AD203B41FA5}">
-                      <a16:colId xmlns:a16="http://schemas.microsoft.com/office/drawing/2014/main" val="946257059"/>
-                    </a:ext>
-                  </a:extLst>
-                </a:gridCol>
-                <a:gridCol w="1368152">
-                  <a:extLst>
-                    <a:ext uri="{9D8B030D-6E8A-4147-A177-3AD203B41FA5}">
-                      <a16:colId xmlns:a16="http://schemas.microsoft.com/office/drawing/2014/main" val="2909058437"/>
-                    </a:ext>
-                  </a:extLst>
-                </a:gridCol>
-                <a:gridCol w="2016224">
-                  <a:extLst>
-                    <a:ext uri="{9D8B030D-6E8A-4147-A177-3AD203B41FA5}">
-                      <a16:colId xmlns:a16="http://schemas.microsoft.com/office/drawing/2014/main" val="2609269716"/>
-                    </a:ext>
-                  </a:extLst>
-                </a:gridCol>
-                <a:gridCol w="2518690">
-                  <a:extLst>
-                    <a:ext uri="{9D8B030D-6E8A-4147-A177-3AD203B41FA5}">
-                      <a16:colId xmlns:a16="http://schemas.microsoft.com/office/drawing/2014/main" val="1604115979"/>
-                    </a:ext>
-                  </a:extLst>
-                </a:gridCol>
-              </a:tblGrid>
-              <a:tr h="370840">
-                <a:tc>
-                  <a:txBody>
-                    <a:bodyPr/>
-                    <a:lstStyle/>
-                    <a:p>
-                      <a:r>
-                        <a:rPr lang="de-DE" dirty="0"/>
-                        <a:t>Name</a:t>
-                      </a:r>
-                      <a:endParaRPr lang="en-US" dirty="0"/>
-                    </a:p>
-                  </a:txBody>
-                  <a:tcPr/>
-                </a:tc>
-                <a:tc>
-                  <a:txBody>
-                    <a:bodyPr/>
-                    <a:lstStyle/>
-                    <a:p>
-                      <a:r>
-                        <a:rPr lang="de-DE" dirty="0" err="1"/>
-                        <a:t>Number</a:t>
-                      </a:r>
-                      <a:r>
-                        <a:rPr lang="de-DE" dirty="0"/>
-                        <a:t> </a:t>
-                      </a:r>
-                      <a:r>
-                        <a:rPr lang="de-DE" dirty="0" err="1"/>
-                        <a:t>of</a:t>
-                      </a:r>
-                      <a:r>
-                        <a:rPr lang="de-DE" dirty="0"/>
-                        <a:t> Fingers</a:t>
-                      </a:r>
-                      <a:endParaRPr lang="en-US" dirty="0"/>
-                    </a:p>
-                  </a:txBody>
-                  <a:tcPr/>
-                </a:tc>
-                <a:tc>
-                  <a:txBody>
-                    <a:bodyPr/>
-                    <a:lstStyle/>
-                    <a:p>
-                      <a:r>
-                        <a:rPr lang="de-DE" dirty="0" err="1"/>
-                        <a:t>Number</a:t>
-                      </a:r>
-                      <a:r>
-                        <a:rPr lang="de-DE" dirty="0"/>
-                        <a:t> </a:t>
-                      </a:r>
-                      <a:r>
-                        <a:rPr lang="de-DE" dirty="0" err="1"/>
-                        <a:t>of</a:t>
-                      </a:r>
-                      <a:r>
-                        <a:rPr lang="de-DE" dirty="0"/>
-                        <a:t> </a:t>
-                      </a:r>
-                      <a:r>
-                        <a:rPr lang="de-DE" dirty="0" err="1"/>
-                        <a:t>joints</a:t>
-                      </a:r>
-                      <a:endParaRPr lang="en-US" dirty="0"/>
-                    </a:p>
-                  </a:txBody>
-                  <a:tcPr/>
-                </a:tc>
-                <a:tc>
-                  <a:txBody>
-                    <a:bodyPr/>
-                    <a:lstStyle/>
-                    <a:p>
-                      <a:r>
-                        <a:rPr lang="de-DE" dirty="0"/>
-                        <a:t>Joints per </a:t>
-                      </a:r>
-                      <a:r>
-                        <a:rPr lang="de-DE" dirty="0" err="1"/>
-                        <a:t>finger</a:t>
-                      </a:r>
-                      <a:endParaRPr lang="en-US" dirty="0"/>
-                    </a:p>
-                  </a:txBody>
-                  <a:tcPr/>
-                </a:tc>
-                <a:tc>
-                  <a:txBody>
-                    <a:bodyPr/>
-                    <a:lstStyle/>
-                    <a:p>
-                      <a:r>
-                        <a:rPr lang="de-DE" dirty="0" err="1"/>
-                        <a:t>Actuator</a:t>
-                      </a:r>
-                      <a:r>
-                        <a:rPr lang="de-DE" dirty="0"/>
-                        <a:t> type</a:t>
-                      </a:r>
-                      <a:endParaRPr lang="en-US" dirty="0"/>
-                    </a:p>
-                  </a:txBody>
-                  <a:tcPr/>
-                </a:tc>
-                <a:extLst>
-                  <a:ext uri="{0D108BD9-81ED-4DB2-BD59-A6C34878D82A}">
-                    <a16:rowId xmlns:a16="http://schemas.microsoft.com/office/drawing/2014/main" val="1812341770"/>
-                  </a:ext>
-                </a:extLst>
-              </a:tr>
-              <a:tr h="370840">
-                <a:tc>
-                  <a:txBody>
-                    <a:bodyPr/>
-                    <a:lstStyle/>
-                    <a:p>
-                      <a:r>
-                        <a:rPr lang="de-DE" dirty="0" err="1"/>
-                        <a:t>MyHand</a:t>
-                      </a:r>
-                      <a:endParaRPr lang="en-US" dirty="0"/>
-                    </a:p>
-                  </a:txBody>
-                  <a:tcPr/>
-                </a:tc>
-                <a:tc>
-                  <a:txBody>
-                    <a:bodyPr/>
-                    <a:lstStyle/>
-                    <a:p>
-                      <a:r>
-                        <a:rPr lang="de-DE" dirty="0"/>
-                        <a:t>5</a:t>
-                      </a:r>
-                      <a:endParaRPr lang="en-US" dirty="0"/>
-                    </a:p>
-                  </a:txBody>
-                  <a:tcPr/>
-                </a:tc>
-                <a:tc>
-                  <a:txBody>
-                    <a:bodyPr/>
-                    <a:lstStyle/>
-                    <a:p>
-                      <a:r>
-                        <a:rPr lang="de-DE" dirty="0"/>
-                        <a:t>10</a:t>
-                      </a:r>
-                      <a:endParaRPr lang="en-US" dirty="0"/>
-                    </a:p>
-                  </a:txBody>
-                  <a:tcPr/>
-                </a:tc>
-                <a:tc>
-                  <a:txBody>
-                    <a:bodyPr/>
-                    <a:lstStyle/>
-                    <a:p>
-                      <a:r>
-                        <a:rPr lang="de-DE" dirty="0"/>
-                        <a:t>2/2</a:t>
-                      </a:r>
-                      <a:endParaRPr lang="en-US" dirty="0"/>
-                    </a:p>
-                  </a:txBody>
-                  <a:tcPr/>
-                </a:tc>
-                <a:tc>
-                  <a:txBody>
-                    <a:bodyPr/>
-                    <a:lstStyle/>
-                    <a:p>
-                      <a:r>
-                        <a:rPr lang="de-DE" dirty="0" err="1"/>
-                        <a:t>Brushless</a:t>
-                      </a:r>
-                      <a:r>
-                        <a:rPr lang="de-DE" dirty="0"/>
-                        <a:t> DC Motor</a:t>
-                      </a:r>
-                      <a:endParaRPr lang="en-US" dirty="0"/>
-                    </a:p>
-                  </a:txBody>
-                  <a:tcPr/>
-                </a:tc>
-                <a:extLst>
-                  <a:ext uri="{0D108BD9-81ED-4DB2-BD59-A6C34878D82A}">
-                    <a16:rowId xmlns:a16="http://schemas.microsoft.com/office/drawing/2014/main" val="4173037987"/>
-                  </a:ext>
-                </a:extLst>
-              </a:tr>
-              <a:tr h="370840">
-                <a:tc>
-                  <a:txBody>
-                    <a:bodyPr/>
-                    <a:lstStyle/>
-                    <a:p>
-                      <a:r>
-                        <a:rPr lang="de-DE" dirty="0" err="1"/>
-                        <a:t>Tact</a:t>
-                      </a:r>
-                      <a:endParaRPr lang="en-US" dirty="0"/>
-                    </a:p>
-                  </a:txBody>
-                  <a:tcPr/>
-                </a:tc>
-                <a:tc>
-                  <a:txBody>
-                    <a:bodyPr/>
-                    <a:lstStyle/>
-                    <a:p>
-                      <a:r>
-                        <a:rPr lang="de-DE" dirty="0"/>
-                        <a:t>5</a:t>
-                      </a:r>
-                      <a:endParaRPr lang="en-US" dirty="0"/>
-                    </a:p>
-                  </a:txBody>
-                  <a:tcPr/>
-                </a:tc>
-                <a:tc>
-                  <a:txBody>
-                    <a:bodyPr/>
-                    <a:lstStyle/>
-                    <a:p>
-                      <a:r>
-                        <a:rPr lang="de-DE" dirty="0"/>
-                        <a:t>11</a:t>
-                      </a:r>
-                      <a:endParaRPr lang="en-US" dirty="0"/>
-                    </a:p>
-                  </a:txBody>
-                  <a:tcPr/>
-                </a:tc>
-                <a:tc>
-                  <a:txBody>
-                    <a:bodyPr/>
-                    <a:lstStyle/>
-                    <a:p>
-                      <a:r>
-                        <a:rPr lang="de-DE" dirty="0"/>
-                        <a:t>3/2</a:t>
-                      </a:r>
-                      <a:endParaRPr lang="en-US" dirty="0"/>
-                    </a:p>
-                  </a:txBody>
-                  <a:tcPr/>
-                </a:tc>
-                <a:tc>
-                  <a:txBody>
-                    <a:bodyPr/>
-                    <a:lstStyle/>
-                    <a:p>
-                      <a:r>
-                        <a:rPr lang="de-DE" dirty="0"/>
-                        <a:t>DC Motor</a:t>
-                      </a:r>
-                      <a:endParaRPr lang="en-US" dirty="0"/>
-                    </a:p>
-                  </a:txBody>
-                  <a:tcPr/>
-                </a:tc>
-                <a:extLst>
-                  <a:ext uri="{0D108BD9-81ED-4DB2-BD59-A6C34878D82A}">
-                    <a16:rowId xmlns:a16="http://schemas.microsoft.com/office/drawing/2014/main" val="1145709195"/>
-                  </a:ext>
-                </a:extLst>
-              </a:tr>
-            </a:tbl>
-          </a:graphicData>
-        </a:graphic>
-      </p:graphicFrame>
-    </p:spTree>
-    <p:extLst>
-      <p:ext uri="{BB962C8B-B14F-4D97-AF65-F5344CB8AC3E}">
-        <p14:creationId xmlns:p14="http://schemas.microsoft.com/office/powerpoint/2010/main" val="3807931513"/>
-      </p:ext>
-    </p:extLst>
-  </p:cSld>
-  <p:clrMapOvr>
-    <a:masterClrMapping/>
-  </p:clrMapOvr>
-</p:sld>
-</file>
-
-<file path=ppt/slides/slide5.xml><?xml version="1.0" encoding="utf-8"?>
-<p:sld xmlns:a="http://schemas.openxmlformats.org/drawingml/2006/main" xmlns:r="http://schemas.openxmlformats.org/officeDocument/2006/relationships" xmlns:p="http://schemas.openxmlformats.org/presentationml/2006/main">
-  <p:cSld>
-    <p:spTree>
-      <p:nvGrpSpPr>
-        <p:cNvPr id="1" name=""/>
-        <p:cNvGrpSpPr/>
-        <p:nvPr/>
-      </p:nvGrpSpPr>
-      <p:grpSpPr>
-        <a:xfrm>
-          <a:off x="0" y="0"/>
-          <a:ext cx="0" cy="0"/>
-          <a:chOff x="0" y="0"/>
-          <a:chExt cx="0" cy="0"/>
-        </a:xfrm>
-      </p:grpSpPr>
-      <p:sp>
-        <p:nvSpPr>
-          <p:cNvPr id="2" name="Titel 1"/>
-          <p:cNvSpPr>
-            <a:spLocks noGrp="1"/>
-          </p:cNvSpPr>
-          <p:nvPr>
-            <p:ph type="title"/>
-          </p:nvPr>
-        </p:nvSpPr>
-        <p:spPr/>
-        <p:txBody>
-          <a:bodyPr/>
-          <a:lstStyle/>
-          <a:p>
-            <a:r>
-              <a:rPr lang="en-US" dirty="0"/>
-              <a:t>The next steps</a:t>
-            </a:r>
           </a:p>
         </p:txBody>
       </p:sp>
       <p:sp>
         <p:nvSpPr>
-          <p:cNvPr id="3" name="Inhaltsplatzhalter 2"/>
+          <p:cNvPr id="3" name="Inhaltsplatzhalter 2">
+            <a:extLst>
+              <a:ext uri="{FF2B5EF4-FFF2-40B4-BE49-F238E27FC236}">
+                <a16:creationId xmlns:a16="http://schemas.microsoft.com/office/drawing/2014/main" id="{14130096-FF78-4EFE-A8A7-07FD3EFCF179}"/>
+              </a:ext>
+            </a:extLst>
+          </p:cNvPr>
           <p:cNvSpPr>
             <a:spLocks noGrp="1"/>
           </p:cNvSpPr>
@@ -5214,82 +4413,333 @@
           <a:bodyPr/>
           <a:lstStyle/>
           <a:p>
-            <a:pPr marL="0" indent="0">
-              <a:buNone/>
-            </a:pPr>
+            <a:r>
+              <a:rPr lang="de-DE" dirty="0"/>
+              <a:t>Analysis </a:t>
+            </a:r>
+            <a:r>
+              <a:rPr lang="de-DE" dirty="0" err="1"/>
+              <a:t>of</a:t>
+            </a:r>
+            <a:r>
+              <a:rPr lang="de-DE" dirty="0"/>
+              <a:t> </a:t>
+            </a:r>
+            <a:r>
+              <a:rPr lang="de-DE" dirty="0" err="1"/>
+              <a:t>the</a:t>
+            </a:r>
+            <a:r>
+              <a:rPr lang="de-DE" dirty="0"/>
+              <a:t> </a:t>
+            </a:r>
+            <a:r>
+              <a:rPr lang="de-DE" dirty="0" err="1"/>
+              <a:t>prosthetic</a:t>
+            </a:r>
+            <a:r>
+              <a:rPr lang="de-DE" dirty="0"/>
+              <a:t> </a:t>
+            </a:r>
+            <a:r>
+              <a:rPr lang="de-DE" dirty="0" err="1"/>
+              <a:t>hands</a:t>
+            </a:r>
+            <a:r>
+              <a:rPr lang="de-DE" dirty="0"/>
+              <a:t> in </a:t>
+            </a:r>
+            <a:r>
+              <a:rPr lang="de-DE" dirty="0" err="1"/>
+              <a:t>research</a:t>
+            </a:r>
+            <a:r>
+              <a:rPr lang="de-DE" dirty="0"/>
+              <a:t> </a:t>
+            </a:r>
+            <a:r>
+              <a:rPr lang="de-DE" dirty="0" err="1"/>
+              <a:t>of</a:t>
+            </a:r>
+            <a:r>
+              <a:rPr lang="de-DE" dirty="0"/>
+              <a:t> </a:t>
+            </a:r>
+            <a:r>
+              <a:rPr lang="de-DE" dirty="0" err="1"/>
+              <a:t>the</a:t>
+            </a:r>
+            <a:r>
+              <a:rPr lang="de-DE" dirty="0"/>
+              <a:t> last </a:t>
+            </a:r>
+            <a:r>
+              <a:rPr lang="de-DE" dirty="0" err="1"/>
+              <a:t>three</a:t>
+            </a:r>
+            <a:r>
+              <a:rPr lang="de-DE" dirty="0"/>
+              <a:t> </a:t>
+            </a:r>
+            <a:r>
+              <a:rPr lang="de-DE" dirty="0" err="1"/>
+              <a:t>years</a:t>
+            </a:r>
+            <a:r>
+              <a:rPr lang="de-DE" dirty="0"/>
+              <a:t>:</a:t>
+            </a:r>
+          </a:p>
+          <a:p>
+            <a:pPr lvl="1"/>
+            <a:endParaRPr lang="de-DE" dirty="0"/>
+          </a:p>
+          <a:p>
+            <a:pPr lvl="1"/>
+            <a:r>
+              <a:rPr lang="de-DE" dirty="0" err="1"/>
+              <a:t>What</a:t>
+            </a:r>
+            <a:r>
+              <a:rPr lang="de-DE" dirty="0"/>
+              <a:t> </a:t>
+            </a:r>
+            <a:r>
+              <a:rPr lang="de-DE" dirty="0" err="1"/>
+              <a:t>are</a:t>
+            </a:r>
+            <a:r>
+              <a:rPr lang="de-DE" dirty="0"/>
+              <a:t> </a:t>
+            </a:r>
+            <a:r>
+              <a:rPr lang="de-DE" dirty="0" err="1"/>
+              <a:t>the</a:t>
+            </a:r>
+            <a:r>
+              <a:rPr lang="de-DE" dirty="0"/>
+              <a:t> </a:t>
+            </a:r>
+            <a:r>
+              <a:rPr lang="de-DE" dirty="0" err="1"/>
+              <a:t>desired</a:t>
+            </a:r>
+            <a:r>
+              <a:rPr lang="de-DE" dirty="0"/>
+              <a:t> </a:t>
+            </a:r>
+            <a:r>
+              <a:rPr lang="de-DE" dirty="0" err="1"/>
+              <a:t>goals</a:t>
+            </a:r>
+            <a:r>
+              <a:rPr lang="de-DE" dirty="0"/>
+              <a:t>? / </a:t>
+            </a:r>
+            <a:r>
+              <a:rPr lang="de-DE" dirty="0" err="1"/>
+              <a:t>Where</a:t>
+            </a:r>
+            <a:r>
+              <a:rPr lang="de-DE" dirty="0"/>
+              <a:t> </a:t>
+            </a:r>
+            <a:r>
+              <a:rPr lang="de-DE" dirty="0" err="1"/>
+              <a:t>is</a:t>
+            </a:r>
+            <a:r>
+              <a:rPr lang="de-DE" dirty="0"/>
+              <a:t> </a:t>
+            </a:r>
+            <a:r>
+              <a:rPr lang="de-DE" dirty="0" err="1"/>
+              <a:t>the</a:t>
+            </a:r>
+            <a:r>
+              <a:rPr lang="de-DE" dirty="0"/>
+              <a:t> </a:t>
+            </a:r>
+            <a:r>
+              <a:rPr lang="de-DE" dirty="0" err="1"/>
+              <a:t>focus</a:t>
+            </a:r>
+            <a:r>
+              <a:rPr lang="de-DE" dirty="0"/>
+              <a:t>?</a:t>
+            </a:r>
+          </a:p>
+          <a:p>
+            <a:pPr lvl="1"/>
+            <a:r>
+              <a:rPr lang="de-DE" dirty="0" err="1"/>
+              <a:t>Which</a:t>
+            </a:r>
+            <a:r>
+              <a:rPr lang="de-DE" dirty="0"/>
+              <a:t> </a:t>
+            </a:r>
+            <a:r>
+              <a:rPr lang="de-DE" dirty="0" err="1"/>
+              <a:t>techniques</a:t>
+            </a:r>
+            <a:r>
+              <a:rPr lang="de-DE" dirty="0"/>
+              <a:t> / </a:t>
+            </a:r>
+            <a:r>
+              <a:rPr lang="de-DE" dirty="0" err="1"/>
+              <a:t>technologies</a:t>
+            </a:r>
+            <a:r>
+              <a:rPr lang="de-DE" dirty="0"/>
+              <a:t> </a:t>
+            </a:r>
+            <a:r>
+              <a:rPr lang="de-DE" dirty="0" err="1"/>
+              <a:t>are</a:t>
+            </a:r>
+            <a:r>
+              <a:rPr lang="de-DE" dirty="0"/>
+              <a:t> </a:t>
+            </a:r>
+            <a:r>
+              <a:rPr lang="de-DE" dirty="0" err="1"/>
+              <a:t>used</a:t>
+            </a:r>
+            <a:r>
+              <a:rPr lang="de-DE" dirty="0"/>
+              <a:t>?</a:t>
+            </a:r>
+          </a:p>
+          <a:p>
+            <a:pPr lvl="1"/>
+            <a:r>
+              <a:rPr lang="de-DE" dirty="0" err="1"/>
+              <a:t>What</a:t>
+            </a:r>
+            <a:r>
+              <a:rPr lang="de-DE" dirty="0"/>
+              <a:t> </a:t>
+            </a:r>
+            <a:r>
+              <a:rPr lang="de-DE" dirty="0" err="1"/>
+              <a:t>are</a:t>
+            </a:r>
+            <a:r>
+              <a:rPr lang="de-DE" dirty="0"/>
+              <a:t> </a:t>
+            </a:r>
+            <a:r>
+              <a:rPr lang="de-DE" dirty="0" err="1"/>
+              <a:t>new</a:t>
+            </a:r>
+            <a:r>
+              <a:rPr lang="de-DE" dirty="0"/>
+              <a:t> design </a:t>
+            </a:r>
+            <a:r>
+              <a:rPr lang="de-DE" dirty="0" err="1"/>
+              <a:t>ideas</a:t>
+            </a:r>
+            <a:r>
+              <a:rPr lang="de-DE" dirty="0"/>
+              <a:t> / </a:t>
+            </a:r>
+            <a:r>
+              <a:rPr lang="de-DE" dirty="0" err="1"/>
+              <a:t>features</a:t>
+            </a:r>
+            <a:r>
+              <a:rPr lang="de-DE" dirty="0"/>
+              <a:t>?</a:t>
+            </a:r>
+          </a:p>
+          <a:p>
+            <a:pPr lvl="1"/>
+            <a:r>
+              <a:rPr lang="de-DE" dirty="0" err="1"/>
+              <a:t>What</a:t>
+            </a:r>
+            <a:r>
+              <a:rPr lang="de-DE" dirty="0"/>
+              <a:t> </a:t>
+            </a:r>
+            <a:r>
+              <a:rPr lang="de-DE" dirty="0" err="1"/>
+              <a:t>are</a:t>
+            </a:r>
+            <a:r>
+              <a:rPr lang="de-DE" dirty="0"/>
+              <a:t> </a:t>
+            </a:r>
+            <a:r>
+              <a:rPr lang="de-DE" dirty="0" err="1"/>
+              <a:t>general</a:t>
+            </a:r>
+            <a:r>
+              <a:rPr lang="de-DE" dirty="0"/>
+              <a:t> </a:t>
+            </a:r>
+            <a:r>
+              <a:rPr lang="de-DE" dirty="0" err="1"/>
+              <a:t>properties</a:t>
+            </a:r>
+            <a:r>
+              <a:rPr lang="de-DE" dirty="0"/>
+              <a:t>?</a:t>
+            </a:r>
+          </a:p>
+          <a:p>
+            <a:pPr lvl="1"/>
+            <a:r>
+              <a:rPr lang="de-DE" dirty="0" err="1"/>
+              <a:t>Which</a:t>
+            </a:r>
+            <a:r>
+              <a:rPr lang="de-DE" dirty="0"/>
+              <a:t> </a:t>
+            </a:r>
+            <a:r>
+              <a:rPr lang="de-DE" dirty="0" err="1"/>
+              <a:t>hand</a:t>
+            </a:r>
+            <a:r>
+              <a:rPr lang="de-DE" dirty="0"/>
+              <a:t> </a:t>
+            </a:r>
+            <a:r>
+              <a:rPr lang="de-DE" dirty="0" err="1"/>
+              <a:t>specific</a:t>
+            </a:r>
+            <a:r>
+              <a:rPr lang="de-DE" dirty="0"/>
+              <a:t> </a:t>
+            </a:r>
+            <a:r>
+              <a:rPr lang="de-DE" dirty="0" err="1"/>
+              <a:t>features</a:t>
+            </a:r>
+            <a:r>
+              <a:rPr lang="de-DE" dirty="0"/>
+              <a:t> </a:t>
+            </a:r>
+            <a:r>
+              <a:rPr lang="de-DE" dirty="0" err="1"/>
+              <a:t>exist</a:t>
+            </a:r>
+            <a:r>
+              <a:rPr lang="de-DE"/>
+              <a:t>? </a:t>
+            </a:r>
             <a:endParaRPr lang="en-US" dirty="0"/>
-          </a:p>
-          <a:p>
-            <a:r>
-              <a:rPr lang="en-US" dirty="0"/>
-              <a:t>Overview of important properties</a:t>
-            </a:r>
-          </a:p>
-          <a:p>
-            <a:pPr lvl="1"/>
-            <a:endParaRPr lang="en-US" dirty="0"/>
-          </a:p>
-          <a:p>
-            <a:pPr lvl="1"/>
-            <a:r>
-              <a:rPr lang="en-US" strike="sngStrike" dirty="0"/>
-              <a:t>Design / structure</a:t>
-            </a:r>
-          </a:p>
-          <a:p>
-            <a:pPr lvl="1"/>
-            <a:r>
-              <a:rPr lang="en-US" strike="sngStrike" dirty="0"/>
-              <a:t>Kinematic / dynamic characteristics</a:t>
-            </a:r>
-          </a:p>
-          <a:p>
-            <a:pPr lvl="1"/>
-            <a:r>
-              <a:rPr lang="en-US" dirty="0"/>
-              <a:t>Sensor feedback / embedded systems</a:t>
-            </a:r>
-          </a:p>
-          <a:p>
-            <a:endParaRPr lang="en-US" dirty="0"/>
-          </a:p>
-          <a:p>
-            <a:r>
-              <a:rPr lang="en-US" dirty="0"/>
-              <a:t>Comparison of different prostheses</a:t>
-            </a:r>
-          </a:p>
-          <a:p>
-            <a:pPr lvl="1"/>
-            <a:endParaRPr lang="en-US" dirty="0"/>
-          </a:p>
-          <a:p>
-            <a:pPr lvl="1"/>
-            <a:r>
-              <a:rPr lang="en-US" dirty="0"/>
-              <a:t>What do they have in common?</a:t>
-            </a:r>
-          </a:p>
-          <a:p>
-            <a:pPr lvl="1"/>
-            <a:r>
-              <a:rPr lang="en-US" dirty="0"/>
-              <a:t>What are special features of different hands?</a:t>
-            </a:r>
-          </a:p>
-          <a:p>
-            <a:pPr lvl="1"/>
-            <a:r>
-              <a:rPr lang="en-US" dirty="0"/>
-              <a:t>Do they provide intelligent functions?</a:t>
-            </a:r>
           </a:p>
         </p:txBody>
       </p:sp>
     </p:spTree>
     <p:extLst>
       <p:ext uri="{BB962C8B-B14F-4D97-AF65-F5344CB8AC3E}">
-        <p14:creationId xmlns:p14="http://schemas.microsoft.com/office/powerpoint/2010/main" val="2332825293"/>
+        <p14:creationId xmlns:p14="http://schemas.microsoft.com/office/powerpoint/2010/main" val="2739278319"/>
       </p:ext>
     </p:extLst>
   </p:cSld>

--- a/Vortrag/Vortrag.pptx
+++ b/Vortrag/Vortrag.pptx
@@ -5,16 +5,33 @@
     <p:sldMasterId id="2147483648" r:id="rId1"/>
   </p:sldMasterIdLst>
   <p:notesMasterIdLst>
-    <p:notesMasterId r:id="rId6"/>
+    <p:notesMasterId r:id="rId23"/>
   </p:notesMasterIdLst>
   <p:handoutMasterIdLst>
-    <p:handoutMasterId r:id="rId7"/>
+    <p:handoutMasterId r:id="rId24"/>
   </p:handoutMasterIdLst>
   <p:sldIdLst>
     <p:sldId id="1231" r:id="rId2"/>
-    <p:sldId id="1232" r:id="rId3"/>
-    <p:sldId id="1233" r:id="rId4"/>
-    <p:sldId id="1234" r:id="rId5"/>
+    <p:sldId id="1236" r:id="rId3"/>
+    <p:sldId id="1232" r:id="rId4"/>
+    <p:sldId id="1233" r:id="rId5"/>
+    <p:sldId id="1234" r:id="rId6"/>
+    <p:sldId id="1237" r:id="rId7"/>
+    <p:sldId id="1235" r:id="rId8"/>
+    <p:sldId id="1240" r:id="rId9"/>
+    <p:sldId id="1241" r:id="rId10"/>
+    <p:sldId id="1242" r:id="rId11"/>
+    <p:sldId id="1243" r:id="rId12"/>
+    <p:sldId id="1244" r:id="rId13"/>
+    <p:sldId id="1245" r:id="rId14"/>
+    <p:sldId id="1246" r:id="rId15"/>
+    <p:sldId id="1247" r:id="rId16"/>
+    <p:sldId id="1248" r:id="rId17"/>
+    <p:sldId id="1249" r:id="rId18"/>
+    <p:sldId id="1238" r:id="rId19"/>
+    <p:sldId id="1250" r:id="rId20"/>
+    <p:sldId id="1239" r:id="rId21"/>
+    <p:sldId id="1252" r:id="rId22"/>
   </p:sldIdLst>
   <p:sldSz cx="9144000" cy="6858000" type="screen4x3"/>
   <p:notesSz cx="7099300" cy="10234613"/>
@@ -3591,7 +3608,7 @@
                   <a:schemeClr val="tx2"/>
                 </a:solidFill>
               </a:rPr>
-              <a:t>Modern Intelligent Hand Prostheses</a:t>
+              <a:t>Modern Myoelectric Intelligent Hand Prostheses</a:t>
             </a:r>
           </a:p>
           <a:p>
@@ -3693,7 +3710,4105 @@
 </p:sld>
 </file>
 
+<file path=ppt/slides/slide10.xml><?xml version="1.0" encoding="utf-8"?>
+<p:sld xmlns:a="http://schemas.openxmlformats.org/drawingml/2006/main" xmlns:r="http://schemas.openxmlformats.org/officeDocument/2006/relationships" xmlns:p="http://schemas.openxmlformats.org/presentationml/2006/main">
+  <p:cSld>
+    <p:spTree>
+      <p:nvGrpSpPr>
+        <p:cNvPr id="1" name=""/>
+        <p:cNvGrpSpPr/>
+        <p:nvPr/>
+      </p:nvGrpSpPr>
+      <p:grpSpPr>
+        <a:xfrm>
+          <a:off x="0" y="0"/>
+          <a:ext cx="0" cy="0"/>
+          <a:chOff x="0" y="0"/>
+          <a:chExt cx="0" cy="0"/>
+        </a:xfrm>
+      </p:grpSpPr>
+      <p:sp>
+        <p:nvSpPr>
+          <p:cNvPr id="2" name="Titel 1">
+            <a:extLst>
+              <a:ext uri="{FF2B5EF4-FFF2-40B4-BE49-F238E27FC236}">
+                <a16:creationId xmlns:a16="http://schemas.microsoft.com/office/drawing/2014/main" id="{FC2D7350-CDBB-43C3-B3D8-BE435EACC2C1}"/>
+              </a:ext>
+            </a:extLst>
+          </p:cNvPr>
+          <p:cNvSpPr>
+            <a:spLocks noGrp="1"/>
+          </p:cNvSpPr>
+          <p:nvPr>
+            <p:ph type="title"/>
+          </p:nvPr>
+        </p:nvSpPr>
+        <p:spPr/>
+        <p:txBody>
+          <a:bodyPr/>
+          <a:lstStyle/>
+          <a:p>
+            <a:r>
+              <a:rPr lang="en-GB" dirty="0"/>
+              <a:t>SSSA-</a:t>
+            </a:r>
+            <a:r>
+              <a:rPr lang="en-GB" dirty="0" err="1"/>
+              <a:t>MyHand</a:t>
+            </a:r>
+            <a:endParaRPr lang="en-GB" dirty="0"/>
+          </a:p>
+        </p:txBody>
+      </p:sp>
+      <p:sp>
+        <p:nvSpPr>
+          <p:cNvPr id="4" name="Inhaltsplatzhalter 2">
+            <a:extLst>
+              <a:ext uri="{FF2B5EF4-FFF2-40B4-BE49-F238E27FC236}">
+                <a16:creationId xmlns:a16="http://schemas.microsoft.com/office/drawing/2014/main" id="{ADE01B45-8929-4170-8E4B-9F0C67A5B41B}"/>
+              </a:ext>
+            </a:extLst>
+          </p:cNvPr>
+          <p:cNvSpPr>
+            <a:spLocks noGrp="1"/>
+          </p:cNvSpPr>
+          <p:nvPr>
+            <p:ph idx="1"/>
+          </p:nvPr>
+        </p:nvSpPr>
+        <p:spPr>
+          <a:xfrm>
+            <a:off x="392113" y="2348880"/>
+            <a:ext cx="5043983" cy="3743944"/>
+          </a:xfrm>
+        </p:spPr>
+        <p:txBody>
+          <a:bodyPr/>
+          <a:lstStyle/>
+          <a:p>
+            <a:endParaRPr lang="en-GB" dirty="0"/>
+          </a:p>
+          <a:p>
+            <a:endParaRPr lang="en-GB" dirty="0"/>
+          </a:p>
+          <a:p>
+            <a:r>
+              <a:rPr lang="en-GB" dirty="0"/>
+              <a:t>Special feature:</a:t>
+            </a:r>
+          </a:p>
+          <a:p>
+            <a:pPr lvl="1"/>
+            <a:r>
+              <a:rPr lang="en-GB" dirty="0"/>
+              <a:t>Only three actuators</a:t>
+            </a:r>
+          </a:p>
+          <a:p>
+            <a:pPr lvl="1"/>
+            <a:r>
+              <a:rPr lang="en-GB" dirty="0"/>
+              <a:t>Abduction/adduction of the thumb and flexion/extension of the index with single actuator via Geneva drive</a:t>
+            </a:r>
+          </a:p>
+          <a:p>
+            <a:pPr lvl="1"/>
+            <a:r>
+              <a:rPr lang="en-GB" dirty="0"/>
+              <a:t>Embedded controller and sensory system with force/position sensors and automatic grasp control</a:t>
+            </a:r>
+          </a:p>
+        </p:txBody>
+      </p:sp>
+      <p:graphicFrame>
+        <p:nvGraphicFramePr>
+          <p:cNvPr id="5" name="Inhaltsplatzhalter 3">
+            <a:extLst>
+              <a:ext uri="{FF2B5EF4-FFF2-40B4-BE49-F238E27FC236}">
+                <a16:creationId xmlns:a16="http://schemas.microsoft.com/office/drawing/2014/main" id="{F21038DA-B447-47EF-BEC2-AF556C6BD51F}"/>
+              </a:ext>
+            </a:extLst>
+          </p:cNvPr>
+          <p:cNvGraphicFramePr>
+            <a:graphicFrameLocks/>
+          </p:cNvGraphicFramePr>
+          <p:nvPr>
+            <p:extLst>
+              <p:ext uri="{D42A27DB-BD31-4B8C-83A1-F6EECF244321}">
+                <p14:modId xmlns:p14="http://schemas.microsoft.com/office/powerpoint/2010/main" val="108746737"/>
+              </p:ext>
+            </p:extLst>
+          </p:nvPr>
+        </p:nvGraphicFramePr>
+        <p:xfrm>
+          <a:off x="392113" y="1198563"/>
+          <a:ext cx="8356600" cy="1010920"/>
+        </p:xfrm>
+        <a:graphic>
+          <a:graphicData uri="http://schemas.openxmlformats.org/drawingml/2006/table">
+            <a:tbl>
+              <a:tblPr firstRow="1" bandRow="1">
+                <a:tableStyleId>{5C22544A-7EE6-4342-B048-85BDC9FD1C3A}</a:tableStyleId>
+              </a:tblPr>
+              <a:tblGrid>
+                <a:gridCol w="1671320">
+                  <a:extLst>
+                    <a:ext uri="{9D8B030D-6E8A-4147-A177-3AD203B41FA5}">
+                      <a16:colId xmlns:a16="http://schemas.microsoft.com/office/drawing/2014/main" val="79759528"/>
+                    </a:ext>
+                  </a:extLst>
+                </a:gridCol>
+                <a:gridCol w="1671320">
+                  <a:extLst>
+                    <a:ext uri="{9D8B030D-6E8A-4147-A177-3AD203B41FA5}">
+                      <a16:colId xmlns:a16="http://schemas.microsoft.com/office/drawing/2014/main" val="4261196352"/>
+                    </a:ext>
+                  </a:extLst>
+                </a:gridCol>
+                <a:gridCol w="1671320">
+                  <a:extLst>
+                    <a:ext uri="{9D8B030D-6E8A-4147-A177-3AD203B41FA5}">
+                      <a16:colId xmlns:a16="http://schemas.microsoft.com/office/drawing/2014/main" val="1890016348"/>
+                    </a:ext>
+                  </a:extLst>
+                </a:gridCol>
+                <a:gridCol w="1671320">
+                  <a:extLst>
+                    <a:ext uri="{9D8B030D-6E8A-4147-A177-3AD203B41FA5}">
+                      <a16:colId xmlns:a16="http://schemas.microsoft.com/office/drawing/2014/main" val="2759803080"/>
+                    </a:ext>
+                  </a:extLst>
+                </a:gridCol>
+                <a:gridCol w="1671320">
+                  <a:extLst>
+                    <a:ext uri="{9D8B030D-6E8A-4147-A177-3AD203B41FA5}">
+                      <a16:colId xmlns:a16="http://schemas.microsoft.com/office/drawing/2014/main" val="2615268675"/>
+                    </a:ext>
+                  </a:extLst>
+                </a:gridCol>
+              </a:tblGrid>
+              <a:tr h="370840">
+                <a:tc>
+                  <a:txBody>
+                    <a:bodyPr/>
+                    <a:lstStyle/>
+                    <a:p>
+                      <a:r>
+                        <a:rPr lang="en-GB" dirty="0"/>
+                        <a:t>Year</a:t>
+                      </a:r>
+                    </a:p>
+                  </a:txBody>
+                  <a:tcPr/>
+                </a:tc>
+                <a:tc>
+                  <a:txBody>
+                    <a:bodyPr/>
+                    <a:lstStyle/>
+                    <a:p>
+                      <a:r>
+                        <a:rPr lang="en-GB" dirty="0"/>
+                        <a:t>Mass (g)</a:t>
+                      </a:r>
+                    </a:p>
+                  </a:txBody>
+                  <a:tcPr/>
+                </a:tc>
+                <a:tc>
+                  <a:txBody>
+                    <a:bodyPr/>
+                    <a:lstStyle/>
+                    <a:p>
+                      <a:r>
+                        <a:rPr lang="en-GB" dirty="0"/>
+                        <a:t>Joints</a:t>
+                      </a:r>
+                    </a:p>
+                  </a:txBody>
+                  <a:tcPr/>
+                </a:tc>
+                <a:tc>
+                  <a:txBody>
+                    <a:bodyPr/>
+                    <a:lstStyle/>
+                    <a:p>
+                      <a:r>
+                        <a:rPr lang="en-GB" dirty="0"/>
+                        <a:t>Actuators</a:t>
+                      </a:r>
+                    </a:p>
+                  </a:txBody>
+                  <a:tcPr/>
+                </a:tc>
+                <a:tc>
+                  <a:txBody>
+                    <a:bodyPr/>
+                    <a:lstStyle/>
+                    <a:p>
+                      <a:r>
+                        <a:rPr lang="en-GB" dirty="0"/>
+                        <a:t>Transmission</a:t>
+                      </a:r>
+                    </a:p>
+                  </a:txBody>
+                  <a:tcPr/>
+                </a:tc>
+                <a:extLst>
+                  <a:ext uri="{0D108BD9-81ED-4DB2-BD59-A6C34878D82A}">
+                    <a16:rowId xmlns:a16="http://schemas.microsoft.com/office/drawing/2014/main" val="2235242428"/>
+                  </a:ext>
+                </a:extLst>
+              </a:tr>
+              <a:tr h="370840">
+                <a:tc>
+                  <a:txBody>
+                    <a:bodyPr/>
+                    <a:lstStyle/>
+                    <a:p>
+                      <a:r>
+                        <a:rPr lang="en-GB" dirty="0"/>
+                        <a:t>2016</a:t>
+                      </a:r>
+                    </a:p>
+                  </a:txBody>
+                  <a:tcPr/>
+                </a:tc>
+                <a:tc>
+                  <a:txBody>
+                    <a:bodyPr/>
+                    <a:lstStyle/>
+                    <a:p>
+                      <a:r>
+                        <a:rPr lang="en-GB" dirty="0"/>
+                        <a:t>478</a:t>
+                      </a:r>
+                    </a:p>
+                  </a:txBody>
+                  <a:tcPr/>
+                </a:tc>
+                <a:tc>
+                  <a:txBody>
+                    <a:bodyPr/>
+                    <a:lstStyle/>
+                    <a:p>
+                      <a:r>
+                        <a:rPr lang="en-GB" dirty="0"/>
+                        <a:t>10</a:t>
+                      </a:r>
+                    </a:p>
+                  </a:txBody>
+                  <a:tcPr/>
+                </a:tc>
+                <a:tc>
+                  <a:txBody>
+                    <a:bodyPr/>
+                    <a:lstStyle/>
+                    <a:p>
+                      <a:r>
+                        <a:rPr lang="en-GB" dirty="0"/>
+                        <a:t>3</a:t>
+                      </a:r>
+                    </a:p>
+                  </a:txBody>
+                  <a:tcPr/>
+                </a:tc>
+                <a:tc>
+                  <a:txBody>
+                    <a:bodyPr/>
+                    <a:lstStyle/>
+                    <a:p>
+                      <a:r>
+                        <a:rPr lang="en-GB" dirty="0"/>
+                        <a:t>Four-bar</a:t>
+                      </a:r>
+                    </a:p>
+                    <a:p>
+                      <a:r>
+                        <a:rPr lang="en-GB" dirty="0"/>
+                        <a:t>Geneva drive</a:t>
+                      </a:r>
+                    </a:p>
+                  </a:txBody>
+                  <a:tcPr/>
+                </a:tc>
+                <a:extLst>
+                  <a:ext uri="{0D108BD9-81ED-4DB2-BD59-A6C34878D82A}">
+                    <a16:rowId xmlns:a16="http://schemas.microsoft.com/office/drawing/2014/main" val="168132357"/>
+                  </a:ext>
+                </a:extLst>
+              </a:tr>
+            </a:tbl>
+          </a:graphicData>
+        </a:graphic>
+      </p:graphicFrame>
+      <p:pic>
+        <p:nvPicPr>
+          <p:cNvPr id="7" name="Grafik 6">
+            <a:extLst>
+              <a:ext uri="{FF2B5EF4-FFF2-40B4-BE49-F238E27FC236}">
+                <a16:creationId xmlns:a16="http://schemas.microsoft.com/office/drawing/2014/main" id="{C8A98091-74E9-4FB8-8FF8-12A9CAD9ABB6}"/>
+              </a:ext>
+            </a:extLst>
+          </p:cNvPr>
+          <p:cNvPicPr>
+            <a:picLocks noChangeAspect="1"/>
+          </p:cNvPicPr>
+          <p:nvPr/>
+        </p:nvPicPr>
+        <p:blipFill rotWithShape="1">
+          <a:blip r:embed="rId2" cstate="print">
+            <a:extLst>
+              <a:ext uri="{28A0092B-C50C-407E-A947-70E740481C1C}">
+                <a14:useLocalDpi xmlns:a14="http://schemas.microsoft.com/office/drawing/2010/main" val="0"/>
+              </a:ext>
+            </a:extLst>
+          </a:blip>
+          <a:srcRect t="47900"/>
+          <a:stretch/>
+        </p:blipFill>
+        <p:spPr>
+          <a:xfrm>
+            <a:off x="5292080" y="2434344"/>
+            <a:ext cx="3720563" cy="3573016"/>
+          </a:xfrm>
+          <a:prstGeom prst="rect">
+            <a:avLst/>
+          </a:prstGeom>
+        </p:spPr>
+      </p:pic>
+    </p:spTree>
+    <p:extLst>
+      <p:ext uri="{BB962C8B-B14F-4D97-AF65-F5344CB8AC3E}">
+        <p14:creationId xmlns:p14="http://schemas.microsoft.com/office/powerpoint/2010/main" val="2532232602"/>
+      </p:ext>
+    </p:extLst>
+  </p:cSld>
+  <p:clrMapOvr>
+    <a:masterClrMapping/>
+  </p:clrMapOvr>
+</p:sld>
+</file>
+
+<file path=ppt/slides/slide11.xml><?xml version="1.0" encoding="utf-8"?>
+<p:sld xmlns:a="http://schemas.openxmlformats.org/drawingml/2006/main" xmlns:r="http://schemas.openxmlformats.org/officeDocument/2006/relationships" xmlns:p="http://schemas.openxmlformats.org/presentationml/2006/main">
+  <p:cSld>
+    <p:spTree>
+      <p:nvGrpSpPr>
+        <p:cNvPr id="1" name=""/>
+        <p:cNvGrpSpPr/>
+        <p:nvPr/>
+      </p:nvGrpSpPr>
+      <p:grpSpPr>
+        <a:xfrm>
+          <a:off x="0" y="0"/>
+          <a:ext cx="0" cy="0"/>
+          <a:chOff x="0" y="0"/>
+          <a:chExt cx="0" cy="0"/>
+        </a:xfrm>
+      </p:grpSpPr>
+      <p:sp>
+        <p:nvSpPr>
+          <p:cNvPr id="2" name="Titel 1">
+            <a:extLst>
+              <a:ext uri="{FF2B5EF4-FFF2-40B4-BE49-F238E27FC236}">
+                <a16:creationId xmlns:a16="http://schemas.microsoft.com/office/drawing/2014/main" id="{98887053-ABF2-49CD-ACA2-2AE591ACC7C4}"/>
+              </a:ext>
+            </a:extLst>
+          </p:cNvPr>
+          <p:cNvSpPr>
+            <a:spLocks noGrp="1"/>
+          </p:cNvSpPr>
+          <p:nvPr>
+            <p:ph type="title"/>
+          </p:nvPr>
+        </p:nvSpPr>
+        <p:spPr/>
+        <p:txBody>
+          <a:bodyPr/>
+          <a:lstStyle/>
+          <a:p>
+            <a:r>
+              <a:rPr lang="en-GB" dirty="0" err="1"/>
+              <a:t>AstoHand</a:t>
+            </a:r>
+            <a:r>
+              <a:rPr lang="en-GB" dirty="0"/>
+              <a:t> v.1</a:t>
+            </a:r>
+          </a:p>
+        </p:txBody>
+      </p:sp>
+      <p:sp>
+        <p:nvSpPr>
+          <p:cNvPr id="4" name="Inhaltsplatzhalter 2">
+            <a:extLst>
+              <a:ext uri="{FF2B5EF4-FFF2-40B4-BE49-F238E27FC236}">
+                <a16:creationId xmlns:a16="http://schemas.microsoft.com/office/drawing/2014/main" id="{FABAE3AF-A977-4D31-A1CE-CD9C8E6BD487}"/>
+              </a:ext>
+            </a:extLst>
+          </p:cNvPr>
+          <p:cNvSpPr>
+            <a:spLocks noGrp="1"/>
+          </p:cNvSpPr>
+          <p:nvPr>
+            <p:ph idx="1"/>
+          </p:nvPr>
+        </p:nvSpPr>
+        <p:spPr>
+          <a:xfrm>
+            <a:off x="392113" y="2060847"/>
+            <a:ext cx="5043983" cy="4031977"/>
+          </a:xfrm>
+        </p:spPr>
+        <p:txBody>
+          <a:bodyPr/>
+          <a:lstStyle/>
+          <a:p>
+            <a:endParaRPr lang="en-GB" dirty="0"/>
+          </a:p>
+          <a:p>
+            <a:endParaRPr lang="en-GB"/>
+          </a:p>
+          <a:p>
+            <a:pPr marL="0" indent="0">
+              <a:buNone/>
+            </a:pPr>
+            <a:endParaRPr lang="en-GB" dirty="0"/>
+          </a:p>
+          <a:p>
+            <a:r>
+              <a:rPr lang="en-GB" dirty="0"/>
+              <a:t>Special feature:</a:t>
+            </a:r>
+          </a:p>
+          <a:p>
+            <a:pPr lvl="1"/>
+            <a:r>
+              <a:rPr lang="en-GB" dirty="0"/>
+              <a:t>Low-cost</a:t>
+            </a:r>
+          </a:p>
+          <a:p>
+            <a:pPr lvl="1"/>
+            <a:r>
+              <a:rPr lang="en-GB" dirty="0"/>
+              <a:t>Very lightweight</a:t>
+            </a:r>
+          </a:p>
+          <a:p>
+            <a:pPr lvl="1"/>
+            <a:r>
+              <a:rPr lang="en-GB" dirty="0"/>
+              <a:t>Built with 3D-printed material</a:t>
+            </a:r>
+          </a:p>
+          <a:p>
+            <a:pPr marL="476250" lvl="1" indent="0">
+              <a:buNone/>
+            </a:pPr>
+            <a:r>
+              <a:rPr lang="en-GB" dirty="0"/>
+              <a:t>      (easy to manufacture and maintain)</a:t>
+            </a:r>
+          </a:p>
+        </p:txBody>
+      </p:sp>
+      <p:graphicFrame>
+        <p:nvGraphicFramePr>
+          <p:cNvPr id="5" name="Inhaltsplatzhalter 3">
+            <a:extLst>
+              <a:ext uri="{FF2B5EF4-FFF2-40B4-BE49-F238E27FC236}">
+                <a16:creationId xmlns:a16="http://schemas.microsoft.com/office/drawing/2014/main" id="{4994A8D6-6C06-40CD-AD64-A63BAAE85DE0}"/>
+              </a:ext>
+            </a:extLst>
+          </p:cNvPr>
+          <p:cNvGraphicFramePr>
+            <a:graphicFrameLocks/>
+          </p:cNvGraphicFramePr>
+          <p:nvPr>
+            <p:extLst>
+              <p:ext uri="{D42A27DB-BD31-4B8C-83A1-F6EECF244321}">
+                <p14:modId xmlns:p14="http://schemas.microsoft.com/office/powerpoint/2010/main" val="4290123697"/>
+              </p:ext>
+            </p:extLst>
+          </p:nvPr>
+        </p:nvGraphicFramePr>
+        <p:xfrm>
+          <a:off x="392113" y="1198563"/>
+          <a:ext cx="8356600" cy="741680"/>
+        </p:xfrm>
+        <a:graphic>
+          <a:graphicData uri="http://schemas.openxmlformats.org/drawingml/2006/table">
+            <a:tbl>
+              <a:tblPr firstRow="1" bandRow="1">
+                <a:tableStyleId>{5C22544A-7EE6-4342-B048-85BDC9FD1C3A}</a:tableStyleId>
+              </a:tblPr>
+              <a:tblGrid>
+                <a:gridCol w="1671320">
+                  <a:extLst>
+                    <a:ext uri="{9D8B030D-6E8A-4147-A177-3AD203B41FA5}">
+                      <a16:colId xmlns:a16="http://schemas.microsoft.com/office/drawing/2014/main" val="79759528"/>
+                    </a:ext>
+                  </a:extLst>
+                </a:gridCol>
+                <a:gridCol w="1671320">
+                  <a:extLst>
+                    <a:ext uri="{9D8B030D-6E8A-4147-A177-3AD203B41FA5}">
+                      <a16:colId xmlns:a16="http://schemas.microsoft.com/office/drawing/2014/main" val="4261196352"/>
+                    </a:ext>
+                  </a:extLst>
+                </a:gridCol>
+                <a:gridCol w="1671320">
+                  <a:extLst>
+                    <a:ext uri="{9D8B030D-6E8A-4147-A177-3AD203B41FA5}">
+                      <a16:colId xmlns:a16="http://schemas.microsoft.com/office/drawing/2014/main" val="1890016348"/>
+                    </a:ext>
+                  </a:extLst>
+                </a:gridCol>
+                <a:gridCol w="1671320">
+                  <a:extLst>
+                    <a:ext uri="{9D8B030D-6E8A-4147-A177-3AD203B41FA5}">
+                      <a16:colId xmlns:a16="http://schemas.microsoft.com/office/drawing/2014/main" val="2759803080"/>
+                    </a:ext>
+                  </a:extLst>
+                </a:gridCol>
+                <a:gridCol w="1671320">
+                  <a:extLst>
+                    <a:ext uri="{9D8B030D-6E8A-4147-A177-3AD203B41FA5}">
+                      <a16:colId xmlns:a16="http://schemas.microsoft.com/office/drawing/2014/main" val="2615268675"/>
+                    </a:ext>
+                  </a:extLst>
+                </a:gridCol>
+              </a:tblGrid>
+              <a:tr h="370840">
+                <a:tc>
+                  <a:txBody>
+                    <a:bodyPr/>
+                    <a:lstStyle/>
+                    <a:p>
+                      <a:r>
+                        <a:rPr lang="en-GB" dirty="0"/>
+                        <a:t>Year</a:t>
+                      </a:r>
+                    </a:p>
+                  </a:txBody>
+                  <a:tcPr/>
+                </a:tc>
+                <a:tc>
+                  <a:txBody>
+                    <a:bodyPr/>
+                    <a:lstStyle/>
+                    <a:p>
+                      <a:r>
+                        <a:rPr lang="en-GB" dirty="0"/>
+                        <a:t>Mass (g)</a:t>
+                      </a:r>
+                    </a:p>
+                  </a:txBody>
+                  <a:tcPr/>
+                </a:tc>
+                <a:tc>
+                  <a:txBody>
+                    <a:bodyPr/>
+                    <a:lstStyle/>
+                    <a:p>
+                      <a:r>
+                        <a:rPr lang="en-GB" dirty="0"/>
+                        <a:t>Joints</a:t>
+                      </a:r>
+                    </a:p>
+                  </a:txBody>
+                  <a:tcPr/>
+                </a:tc>
+                <a:tc>
+                  <a:txBody>
+                    <a:bodyPr/>
+                    <a:lstStyle/>
+                    <a:p>
+                      <a:r>
+                        <a:rPr lang="en-GB" dirty="0"/>
+                        <a:t>Actuators</a:t>
+                      </a:r>
+                    </a:p>
+                  </a:txBody>
+                  <a:tcPr/>
+                </a:tc>
+                <a:tc>
+                  <a:txBody>
+                    <a:bodyPr/>
+                    <a:lstStyle/>
+                    <a:p>
+                      <a:r>
+                        <a:rPr lang="en-GB" dirty="0"/>
+                        <a:t>Transmission</a:t>
+                      </a:r>
+                    </a:p>
+                  </a:txBody>
+                  <a:tcPr/>
+                </a:tc>
+                <a:extLst>
+                  <a:ext uri="{0D108BD9-81ED-4DB2-BD59-A6C34878D82A}">
+                    <a16:rowId xmlns:a16="http://schemas.microsoft.com/office/drawing/2014/main" val="2235242428"/>
+                  </a:ext>
+                </a:extLst>
+              </a:tr>
+              <a:tr h="370840">
+                <a:tc>
+                  <a:txBody>
+                    <a:bodyPr/>
+                    <a:lstStyle/>
+                    <a:p>
+                      <a:r>
+                        <a:rPr lang="en-GB" dirty="0"/>
+                        <a:t>2016</a:t>
+                      </a:r>
+                    </a:p>
+                  </a:txBody>
+                  <a:tcPr/>
+                </a:tc>
+                <a:tc>
+                  <a:txBody>
+                    <a:bodyPr/>
+                    <a:lstStyle/>
+                    <a:p>
+                      <a:r>
+                        <a:rPr lang="en-GB" dirty="0"/>
+                        <a:t>261</a:t>
+                      </a:r>
+                    </a:p>
+                  </a:txBody>
+                  <a:tcPr/>
+                </a:tc>
+                <a:tc>
+                  <a:txBody>
+                    <a:bodyPr/>
+                    <a:lstStyle/>
+                    <a:p>
+                      <a:r>
+                        <a:rPr lang="en-GB" dirty="0"/>
+                        <a:t>10</a:t>
+                      </a:r>
+                    </a:p>
+                  </a:txBody>
+                  <a:tcPr/>
+                </a:tc>
+                <a:tc>
+                  <a:txBody>
+                    <a:bodyPr/>
+                    <a:lstStyle/>
+                    <a:p>
+                      <a:r>
+                        <a:rPr lang="en-GB" dirty="0"/>
+                        <a:t>5</a:t>
+                      </a:r>
+                    </a:p>
+                  </a:txBody>
+                  <a:tcPr/>
+                </a:tc>
+                <a:tc>
+                  <a:txBody>
+                    <a:bodyPr/>
+                    <a:lstStyle/>
+                    <a:p>
+                      <a:r>
+                        <a:rPr lang="en-GB" dirty="0"/>
+                        <a:t>Tendon-spring</a:t>
+                      </a:r>
+                    </a:p>
+                  </a:txBody>
+                  <a:tcPr/>
+                </a:tc>
+                <a:extLst>
+                  <a:ext uri="{0D108BD9-81ED-4DB2-BD59-A6C34878D82A}">
+                    <a16:rowId xmlns:a16="http://schemas.microsoft.com/office/drawing/2014/main" val="168132357"/>
+                  </a:ext>
+                </a:extLst>
+              </a:tr>
+            </a:tbl>
+          </a:graphicData>
+        </a:graphic>
+      </p:graphicFrame>
+      <p:pic>
+        <p:nvPicPr>
+          <p:cNvPr id="6" name="Grafik 5">
+            <a:extLst>
+              <a:ext uri="{FF2B5EF4-FFF2-40B4-BE49-F238E27FC236}">
+                <a16:creationId xmlns:a16="http://schemas.microsoft.com/office/drawing/2014/main" id="{40690EFE-7D7A-423B-9CFE-B68DF0828AA4}"/>
+              </a:ext>
+            </a:extLst>
+          </p:cNvPr>
+          <p:cNvPicPr>
+            <a:picLocks noChangeAspect="1"/>
+          </p:cNvPicPr>
+          <p:nvPr/>
+        </p:nvPicPr>
+        <p:blipFill rotWithShape="1">
+          <a:blip r:embed="rId2">
+            <a:extLst>
+              <a:ext uri="{28A0092B-C50C-407E-A947-70E740481C1C}">
+                <a14:useLocalDpi xmlns:a14="http://schemas.microsoft.com/office/drawing/2010/main" val="0"/>
+              </a:ext>
+            </a:extLst>
+          </a:blip>
+          <a:srcRect l="12653" t="37400" r="12653"/>
+          <a:stretch/>
+        </p:blipFill>
+        <p:spPr>
+          <a:xfrm>
+            <a:off x="5580112" y="1988840"/>
+            <a:ext cx="3312368" cy="4293096"/>
+          </a:xfrm>
+          <a:prstGeom prst="rect">
+            <a:avLst/>
+          </a:prstGeom>
+        </p:spPr>
+      </p:pic>
+    </p:spTree>
+    <p:extLst>
+      <p:ext uri="{BB962C8B-B14F-4D97-AF65-F5344CB8AC3E}">
+        <p14:creationId xmlns:p14="http://schemas.microsoft.com/office/powerpoint/2010/main" val="1144443016"/>
+      </p:ext>
+    </p:extLst>
+  </p:cSld>
+  <p:clrMapOvr>
+    <a:masterClrMapping/>
+  </p:clrMapOvr>
+</p:sld>
+</file>
+
+<file path=ppt/slides/slide12.xml><?xml version="1.0" encoding="utf-8"?>
+<p:sld xmlns:a="http://schemas.openxmlformats.org/drawingml/2006/main" xmlns:r="http://schemas.openxmlformats.org/officeDocument/2006/relationships" xmlns:p="http://schemas.openxmlformats.org/presentationml/2006/main">
+  <p:cSld>
+    <p:spTree>
+      <p:nvGrpSpPr>
+        <p:cNvPr id="1" name=""/>
+        <p:cNvGrpSpPr/>
+        <p:nvPr/>
+      </p:nvGrpSpPr>
+      <p:grpSpPr>
+        <a:xfrm>
+          <a:off x="0" y="0"/>
+          <a:ext cx="0" cy="0"/>
+          <a:chOff x="0" y="0"/>
+          <a:chExt cx="0" cy="0"/>
+        </a:xfrm>
+      </p:grpSpPr>
+      <p:sp>
+        <p:nvSpPr>
+          <p:cNvPr id="2" name="Titel 1">
+            <a:extLst>
+              <a:ext uri="{FF2B5EF4-FFF2-40B4-BE49-F238E27FC236}">
+                <a16:creationId xmlns:a16="http://schemas.microsoft.com/office/drawing/2014/main" id="{9AEA6B45-8FB6-4977-B542-EE92A8EEB945}"/>
+              </a:ext>
+            </a:extLst>
+          </p:cNvPr>
+          <p:cNvSpPr>
+            <a:spLocks noGrp="1"/>
+          </p:cNvSpPr>
+          <p:nvPr>
+            <p:ph type="title"/>
+          </p:nvPr>
+        </p:nvSpPr>
+        <p:spPr/>
+        <p:txBody>
+          <a:bodyPr/>
+          <a:lstStyle/>
+          <a:p>
+            <a:r>
+              <a:rPr lang="en-GB" dirty="0"/>
+              <a:t>X-Hand</a:t>
+            </a:r>
+          </a:p>
+        </p:txBody>
+      </p:sp>
+      <p:sp>
+        <p:nvSpPr>
+          <p:cNvPr id="4" name="Inhaltsplatzhalter 2">
+            <a:extLst>
+              <a:ext uri="{FF2B5EF4-FFF2-40B4-BE49-F238E27FC236}">
+                <a16:creationId xmlns:a16="http://schemas.microsoft.com/office/drawing/2014/main" id="{12F62FD0-953C-4DD0-8D5A-8D842679A0E4}"/>
+              </a:ext>
+            </a:extLst>
+          </p:cNvPr>
+          <p:cNvSpPr>
+            <a:spLocks noGrp="1"/>
+          </p:cNvSpPr>
+          <p:nvPr>
+            <p:ph idx="1"/>
+          </p:nvPr>
+        </p:nvSpPr>
+        <p:spPr>
+          <a:xfrm>
+            <a:off x="392113" y="2060847"/>
+            <a:ext cx="5043983" cy="4031977"/>
+          </a:xfrm>
+        </p:spPr>
+        <p:txBody>
+          <a:bodyPr/>
+          <a:lstStyle/>
+          <a:p>
+            <a:endParaRPr lang="en-GB" dirty="0"/>
+          </a:p>
+          <a:p>
+            <a:endParaRPr lang="en-GB" dirty="0"/>
+          </a:p>
+          <a:p>
+            <a:endParaRPr lang="en-GB" dirty="0"/>
+          </a:p>
+          <a:p>
+            <a:r>
+              <a:rPr lang="en-GB" dirty="0"/>
+              <a:t>Special feature:</a:t>
+            </a:r>
+          </a:p>
+          <a:p>
+            <a:pPr lvl="1"/>
+            <a:r>
+              <a:rPr lang="en-GB" dirty="0"/>
+              <a:t>Anthropomorphic grasping ability via special motion distribution mechanism structure</a:t>
+            </a:r>
+          </a:p>
+          <a:p>
+            <a:pPr lvl="1"/>
+            <a:r>
+              <a:rPr lang="en-GB" dirty="0"/>
+              <a:t>Can replicate almost all natural movement   of the human hand while using few actuators</a:t>
+            </a:r>
+          </a:p>
+        </p:txBody>
+      </p:sp>
+      <p:graphicFrame>
+        <p:nvGraphicFramePr>
+          <p:cNvPr id="5" name="Inhaltsplatzhalter 3">
+            <a:extLst>
+              <a:ext uri="{FF2B5EF4-FFF2-40B4-BE49-F238E27FC236}">
+                <a16:creationId xmlns:a16="http://schemas.microsoft.com/office/drawing/2014/main" id="{DA0B1840-A80B-42BC-B751-14EA9772AF29}"/>
+              </a:ext>
+            </a:extLst>
+          </p:cNvPr>
+          <p:cNvGraphicFramePr>
+            <a:graphicFrameLocks/>
+          </p:cNvGraphicFramePr>
+          <p:nvPr>
+            <p:extLst>
+              <p:ext uri="{D42A27DB-BD31-4B8C-83A1-F6EECF244321}">
+                <p14:modId xmlns:p14="http://schemas.microsoft.com/office/powerpoint/2010/main" val="1584889581"/>
+              </p:ext>
+            </p:extLst>
+          </p:nvPr>
+        </p:nvGraphicFramePr>
+        <p:xfrm>
+          <a:off x="392113" y="1198563"/>
+          <a:ext cx="8356600" cy="741680"/>
+        </p:xfrm>
+        <a:graphic>
+          <a:graphicData uri="http://schemas.openxmlformats.org/drawingml/2006/table">
+            <a:tbl>
+              <a:tblPr firstRow="1" bandRow="1">
+                <a:tableStyleId>{5C22544A-7EE6-4342-B048-85BDC9FD1C3A}</a:tableStyleId>
+              </a:tblPr>
+              <a:tblGrid>
+                <a:gridCol w="1671320">
+                  <a:extLst>
+                    <a:ext uri="{9D8B030D-6E8A-4147-A177-3AD203B41FA5}">
+                      <a16:colId xmlns:a16="http://schemas.microsoft.com/office/drawing/2014/main" val="79759528"/>
+                    </a:ext>
+                  </a:extLst>
+                </a:gridCol>
+                <a:gridCol w="1671320">
+                  <a:extLst>
+                    <a:ext uri="{9D8B030D-6E8A-4147-A177-3AD203B41FA5}">
+                      <a16:colId xmlns:a16="http://schemas.microsoft.com/office/drawing/2014/main" val="4261196352"/>
+                    </a:ext>
+                  </a:extLst>
+                </a:gridCol>
+                <a:gridCol w="1671320">
+                  <a:extLst>
+                    <a:ext uri="{9D8B030D-6E8A-4147-A177-3AD203B41FA5}">
+                      <a16:colId xmlns:a16="http://schemas.microsoft.com/office/drawing/2014/main" val="1890016348"/>
+                    </a:ext>
+                  </a:extLst>
+                </a:gridCol>
+                <a:gridCol w="1671320">
+                  <a:extLst>
+                    <a:ext uri="{9D8B030D-6E8A-4147-A177-3AD203B41FA5}">
+                      <a16:colId xmlns:a16="http://schemas.microsoft.com/office/drawing/2014/main" val="2759803080"/>
+                    </a:ext>
+                  </a:extLst>
+                </a:gridCol>
+                <a:gridCol w="1671320">
+                  <a:extLst>
+                    <a:ext uri="{9D8B030D-6E8A-4147-A177-3AD203B41FA5}">
+                      <a16:colId xmlns:a16="http://schemas.microsoft.com/office/drawing/2014/main" val="2615268675"/>
+                    </a:ext>
+                  </a:extLst>
+                </a:gridCol>
+              </a:tblGrid>
+              <a:tr h="370840">
+                <a:tc>
+                  <a:txBody>
+                    <a:bodyPr/>
+                    <a:lstStyle/>
+                    <a:p>
+                      <a:r>
+                        <a:rPr lang="en-GB" dirty="0"/>
+                        <a:t>Year</a:t>
+                      </a:r>
+                    </a:p>
+                  </a:txBody>
+                  <a:tcPr/>
+                </a:tc>
+                <a:tc>
+                  <a:txBody>
+                    <a:bodyPr/>
+                    <a:lstStyle/>
+                    <a:p>
+                      <a:r>
+                        <a:rPr lang="en-GB" dirty="0"/>
+                        <a:t>Mass (g)</a:t>
+                      </a:r>
+                    </a:p>
+                  </a:txBody>
+                  <a:tcPr/>
+                </a:tc>
+                <a:tc>
+                  <a:txBody>
+                    <a:bodyPr/>
+                    <a:lstStyle/>
+                    <a:p>
+                      <a:r>
+                        <a:rPr lang="en-GB" dirty="0"/>
+                        <a:t>Joints</a:t>
+                      </a:r>
+                    </a:p>
+                  </a:txBody>
+                  <a:tcPr/>
+                </a:tc>
+                <a:tc>
+                  <a:txBody>
+                    <a:bodyPr/>
+                    <a:lstStyle/>
+                    <a:p>
+                      <a:r>
+                        <a:rPr lang="en-GB" dirty="0"/>
+                        <a:t>Actuators</a:t>
+                      </a:r>
+                    </a:p>
+                  </a:txBody>
+                  <a:tcPr/>
+                </a:tc>
+                <a:tc>
+                  <a:txBody>
+                    <a:bodyPr/>
+                    <a:lstStyle/>
+                    <a:p>
+                      <a:r>
+                        <a:rPr lang="en-GB" dirty="0"/>
+                        <a:t>Transmission</a:t>
+                      </a:r>
+                    </a:p>
+                  </a:txBody>
+                  <a:tcPr/>
+                </a:tc>
+                <a:extLst>
+                  <a:ext uri="{0D108BD9-81ED-4DB2-BD59-A6C34878D82A}">
+                    <a16:rowId xmlns:a16="http://schemas.microsoft.com/office/drawing/2014/main" val="2235242428"/>
+                  </a:ext>
+                </a:extLst>
+              </a:tr>
+              <a:tr h="370840">
+                <a:tc>
+                  <a:txBody>
+                    <a:bodyPr/>
+                    <a:lstStyle/>
+                    <a:p>
+                      <a:r>
+                        <a:rPr lang="en-GB" dirty="0"/>
+                        <a:t>2016</a:t>
+                      </a:r>
+                    </a:p>
+                  </a:txBody>
+                  <a:tcPr/>
+                </a:tc>
+                <a:tc>
+                  <a:txBody>
+                    <a:bodyPr/>
+                    <a:lstStyle/>
+                    <a:p>
+                      <a:r>
+                        <a:rPr lang="en-GB" dirty="0"/>
+                        <a:t>-</a:t>
+                      </a:r>
+                    </a:p>
+                  </a:txBody>
+                  <a:tcPr/>
+                </a:tc>
+                <a:tc>
+                  <a:txBody>
+                    <a:bodyPr/>
+                    <a:lstStyle/>
+                    <a:p>
+                      <a:r>
+                        <a:rPr lang="en-GB" dirty="0"/>
+                        <a:t>16</a:t>
+                      </a:r>
+                    </a:p>
+                  </a:txBody>
+                  <a:tcPr/>
+                </a:tc>
+                <a:tc>
+                  <a:txBody>
+                    <a:bodyPr/>
+                    <a:lstStyle/>
+                    <a:p>
+                      <a:r>
+                        <a:rPr lang="en-GB" dirty="0"/>
+                        <a:t>4</a:t>
+                      </a:r>
+                    </a:p>
+                  </a:txBody>
+                  <a:tcPr/>
+                </a:tc>
+                <a:tc>
+                  <a:txBody>
+                    <a:bodyPr/>
+                    <a:lstStyle/>
+                    <a:p>
+                      <a:r>
+                        <a:rPr lang="en-GB" dirty="0"/>
+                        <a:t>Tendons</a:t>
+                      </a:r>
+                    </a:p>
+                  </a:txBody>
+                  <a:tcPr/>
+                </a:tc>
+                <a:extLst>
+                  <a:ext uri="{0D108BD9-81ED-4DB2-BD59-A6C34878D82A}">
+                    <a16:rowId xmlns:a16="http://schemas.microsoft.com/office/drawing/2014/main" val="168132357"/>
+                  </a:ext>
+                </a:extLst>
+              </a:tr>
+            </a:tbl>
+          </a:graphicData>
+        </a:graphic>
+      </p:graphicFrame>
+      <p:pic>
+        <p:nvPicPr>
+          <p:cNvPr id="8" name="Grafik 7">
+            <a:extLst>
+              <a:ext uri="{FF2B5EF4-FFF2-40B4-BE49-F238E27FC236}">
+                <a16:creationId xmlns:a16="http://schemas.microsoft.com/office/drawing/2014/main" id="{B1426FD2-ED1F-475C-8A29-3D27F5E11279}"/>
+              </a:ext>
+            </a:extLst>
+          </p:cNvPr>
+          <p:cNvPicPr>
+            <a:picLocks noChangeAspect="1"/>
+          </p:cNvPicPr>
+          <p:nvPr/>
+        </p:nvPicPr>
+        <p:blipFill>
+          <a:blip r:embed="rId2">
+            <a:extLst>
+              <a:ext uri="{28A0092B-C50C-407E-A947-70E740481C1C}">
+                <a14:useLocalDpi xmlns:a14="http://schemas.microsoft.com/office/drawing/2010/main" val="0"/>
+              </a:ext>
+            </a:extLst>
+          </a:blip>
+          <a:stretch>
+            <a:fillRect/>
+          </a:stretch>
+        </p:blipFill>
+        <p:spPr>
+          <a:xfrm>
+            <a:off x="5818521" y="2010964"/>
+            <a:ext cx="2967957" cy="4131741"/>
+          </a:xfrm>
+          <a:prstGeom prst="rect">
+            <a:avLst/>
+          </a:prstGeom>
+        </p:spPr>
+      </p:pic>
+    </p:spTree>
+    <p:extLst>
+      <p:ext uri="{BB962C8B-B14F-4D97-AF65-F5344CB8AC3E}">
+        <p14:creationId xmlns:p14="http://schemas.microsoft.com/office/powerpoint/2010/main" val="1325809369"/>
+      </p:ext>
+    </p:extLst>
+  </p:cSld>
+  <p:clrMapOvr>
+    <a:masterClrMapping/>
+  </p:clrMapOvr>
+</p:sld>
+</file>
+
+<file path=ppt/slides/slide13.xml><?xml version="1.0" encoding="utf-8"?>
+<p:sld xmlns:a="http://schemas.openxmlformats.org/drawingml/2006/main" xmlns:r="http://schemas.openxmlformats.org/officeDocument/2006/relationships" xmlns:p="http://schemas.openxmlformats.org/presentationml/2006/main">
+  <p:cSld>
+    <p:spTree>
+      <p:nvGrpSpPr>
+        <p:cNvPr id="1" name=""/>
+        <p:cNvGrpSpPr/>
+        <p:nvPr/>
+      </p:nvGrpSpPr>
+      <p:grpSpPr>
+        <a:xfrm>
+          <a:off x="0" y="0"/>
+          <a:ext cx="0" cy="0"/>
+          <a:chOff x="0" y="0"/>
+          <a:chExt cx="0" cy="0"/>
+        </a:xfrm>
+      </p:grpSpPr>
+      <p:sp>
+        <p:nvSpPr>
+          <p:cNvPr id="2" name="Titel 1">
+            <a:extLst>
+              <a:ext uri="{FF2B5EF4-FFF2-40B4-BE49-F238E27FC236}">
+                <a16:creationId xmlns:a16="http://schemas.microsoft.com/office/drawing/2014/main" id="{682B5C17-A2CD-4851-AFB1-9D76C261A680}"/>
+              </a:ext>
+            </a:extLst>
+          </p:cNvPr>
+          <p:cNvSpPr>
+            <a:spLocks noGrp="1"/>
+          </p:cNvSpPr>
+          <p:nvPr>
+            <p:ph type="title"/>
+          </p:nvPr>
+        </p:nvSpPr>
+        <p:spPr/>
+        <p:txBody>
+          <a:bodyPr/>
+          <a:lstStyle/>
+          <a:p>
+            <a:r>
+              <a:rPr lang="en-GB" dirty="0"/>
+              <a:t>Six-DOF-Hand</a:t>
+            </a:r>
+          </a:p>
+        </p:txBody>
+      </p:sp>
+      <p:sp>
+        <p:nvSpPr>
+          <p:cNvPr id="4" name="Inhaltsplatzhalter 2">
+            <a:extLst>
+              <a:ext uri="{FF2B5EF4-FFF2-40B4-BE49-F238E27FC236}">
+                <a16:creationId xmlns:a16="http://schemas.microsoft.com/office/drawing/2014/main" id="{4B38275E-E39F-4201-B0C2-D60AB222D00E}"/>
+              </a:ext>
+            </a:extLst>
+          </p:cNvPr>
+          <p:cNvSpPr>
+            <a:spLocks noGrp="1"/>
+          </p:cNvSpPr>
+          <p:nvPr>
+            <p:ph idx="1"/>
+          </p:nvPr>
+        </p:nvSpPr>
+        <p:spPr>
+          <a:xfrm>
+            <a:off x="392113" y="2060847"/>
+            <a:ext cx="5043983" cy="4031977"/>
+          </a:xfrm>
+        </p:spPr>
+        <p:txBody>
+          <a:bodyPr/>
+          <a:lstStyle/>
+          <a:p>
+            <a:endParaRPr lang="en-GB" dirty="0"/>
+          </a:p>
+          <a:p>
+            <a:endParaRPr lang="en-GB" dirty="0"/>
+          </a:p>
+          <a:p>
+            <a:endParaRPr lang="en-GB" dirty="0"/>
+          </a:p>
+          <a:p>
+            <a:r>
+              <a:rPr lang="en-GB" dirty="0"/>
+              <a:t>Special feature:</a:t>
+            </a:r>
+          </a:p>
+          <a:p>
+            <a:pPr lvl="1"/>
+            <a:r>
+              <a:rPr lang="en-GB" dirty="0"/>
+              <a:t>Inexpensive</a:t>
+            </a:r>
+          </a:p>
+          <a:p>
+            <a:pPr lvl="1"/>
+            <a:r>
+              <a:rPr lang="en-GB" dirty="0"/>
+              <a:t>Open source</a:t>
+            </a:r>
+          </a:p>
+          <a:p>
+            <a:pPr lvl="1"/>
+            <a:r>
+              <a:rPr lang="en-GB" dirty="0"/>
+              <a:t>Independent finger movements</a:t>
+            </a:r>
+          </a:p>
+          <a:p>
+            <a:pPr lvl="1"/>
+            <a:r>
+              <a:rPr lang="en-GB" dirty="0"/>
+              <a:t>Actuators with encoders for                     motor position feedback</a:t>
+            </a:r>
+          </a:p>
+        </p:txBody>
+      </p:sp>
+      <p:graphicFrame>
+        <p:nvGraphicFramePr>
+          <p:cNvPr id="5" name="Inhaltsplatzhalter 3">
+            <a:extLst>
+              <a:ext uri="{FF2B5EF4-FFF2-40B4-BE49-F238E27FC236}">
+                <a16:creationId xmlns:a16="http://schemas.microsoft.com/office/drawing/2014/main" id="{DC74BD8F-D3E1-4E18-A9BA-AFEF840B24CB}"/>
+              </a:ext>
+            </a:extLst>
+          </p:cNvPr>
+          <p:cNvGraphicFramePr>
+            <a:graphicFrameLocks/>
+          </p:cNvGraphicFramePr>
+          <p:nvPr>
+            <p:extLst>
+              <p:ext uri="{D42A27DB-BD31-4B8C-83A1-F6EECF244321}">
+                <p14:modId xmlns:p14="http://schemas.microsoft.com/office/powerpoint/2010/main" val="641113039"/>
+              </p:ext>
+            </p:extLst>
+          </p:nvPr>
+        </p:nvGraphicFramePr>
+        <p:xfrm>
+          <a:off x="392113" y="1198563"/>
+          <a:ext cx="8356600" cy="741680"/>
+        </p:xfrm>
+        <a:graphic>
+          <a:graphicData uri="http://schemas.openxmlformats.org/drawingml/2006/table">
+            <a:tbl>
+              <a:tblPr firstRow="1" bandRow="1">
+                <a:tableStyleId>{5C22544A-7EE6-4342-B048-85BDC9FD1C3A}</a:tableStyleId>
+              </a:tblPr>
+              <a:tblGrid>
+                <a:gridCol w="1671320">
+                  <a:extLst>
+                    <a:ext uri="{9D8B030D-6E8A-4147-A177-3AD203B41FA5}">
+                      <a16:colId xmlns:a16="http://schemas.microsoft.com/office/drawing/2014/main" val="79759528"/>
+                    </a:ext>
+                  </a:extLst>
+                </a:gridCol>
+                <a:gridCol w="1671320">
+                  <a:extLst>
+                    <a:ext uri="{9D8B030D-6E8A-4147-A177-3AD203B41FA5}">
+                      <a16:colId xmlns:a16="http://schemas.microsoft.com/office/drawing/2014/main" val="4261196352"/>
+                    </a:ext>
+                  </a:extLst>
+                </a:gridCol>
+                <a:gridCol w="1671320">
+                  <a:extLst>
+                    <a:ext uri="{9D8B030D-6E8A-4147-A177-3AD203B41FA5}">
+                      <a16:colId xmlns:a16="http://schemas.microsoft.com/office/drawing/2014/main" val="1890016348"/>
+                    </a:ext>
+                  </a:extLst>
+                </a:gridCol>
+                <a:gridCol w="1671320">
+                  <a:extLst>
+                    <a:ext uri="{9D8B030D-6E8A-4147-A177-3AD203B41FA5}">
+                      <a16:colId xmlns:a16="http://schemas.microsoft.com/office/drawing/2014/main" val="2759803080"/>
+                    </a:ext>
+                  </a:extLst>
+                </a:gridCol>
+                <a:gridCol w="1671320">
+                  <a:extLst>
+                    <a:ext uri="{9D8B030D-6E8A-4147-A177-3AD203B41FA5}">
+                      <a16:colId xmlns:a16="http://schemas.microsoft.com/office/drawing/2014/main" val="2615268675"/>
+                    </a:ext>
+                  </a:extLst>
+                </a:gridCol>
+              </a:tblGrid>
+              <a:tr h="370840">
+                <a:tc>
+                  <a:txBody>
+                    <a:bodyPr/>
+                    <a:lstStyle/>
+                    <a:p>
+                      <a:r>
+                        <a:rPr lang="en-GB" dirty="0"/>
+                        <a:t>Year</a:t>
+                      </a:r>
+                    </a:p>
+                  </a:txBody>
+                  <a:tcPr/>
+                </a:tc>
+                <a:tc>
+                  <a:txBody>
+                    <a:bodyPr/>
+                    <a:lstStyle/>
+                    <a:p>
+                      <a:r>
+                        <a:rPr lang="en-GB" dirty="0"/>
+                        <a:t>Mass (g)</a:t>
+                      </a:r>
+                    </a:p>
+                  </a:txBody>
+                  <a:tcPr/>
+                </a:tc>
+                <a:tc>
+                  <a:txBody>
+                    <a:bodyPr/>
+                    <a:lstStyle/>
+                    <a:p>
+                      <a:r>
+                        <a:rPr lang="en-GB" dirty="0"/>
+                        <a:t>Joints</a:t>
+                      </a:r>
+                    </a:p>
+                  </a:txBody>
+                  <a:tcPr/>
+                </a:tc>
+                <a:tc>
+                  <a:txBody>
+                    <a:bodyPr/>
+                    <a:lstStyle/>
+                    <a:p>
+                      <a:r>
+                        <a:rPr lang="en-GB" dirty="0"/>
+                        <a:t>Actuators</a:t>
+                      </a:r>
+                    </a:p>
+                  </a:txBody>
+                  <a:tcPr/>
+                </a:tc>
+                <a:tc>
+                  <a:txBody>
+                    <a:bodyPr/>
+                    <a:lstStyle/>
+                    <a:p>
+                      <a:r>
+                        <a:rPr lang="en-GB" dirty="0"/>
+                        <a:t>Transmission</a:t>
+                      </a:r>
+                    </a:p>
+                  </a:txBody>
+                  <a:tcPr/>
+                </a:tc>
+                <a:extLst>
+                  <a:ext uri="{0D108BD9-81ED-4DB2-BD59-A6C34878D82A}">
+                    <a16:rowId xmlns:a16="http://schemas.microsoft.com/office/drawing/2014/main" val="2235242428"/>
+                  </a:ext>
+                </a:extLst>
+              </a:tr>
+              <a:tr h="370840">
+                <a:tc>
+                  <a:txBody>
+                    <a:bodyPr/>
+                    <a:lstStyle/>
+                    <a:p>
+                      <a:r>
+                        <a:rPr lang="en-GB" dirty="0"/>
+                        <a:t>2016</a:t>
+                      </a:r>
+                    </a:p>
+                  </a:txBody>
+                  <a:tcPr/>
+                </a:tc>
+                <a:tc>
+                  <a:txBody>
+                    <a:bodyPr/>
+                    <a:lstStyle/>
+                    <a:p>
+                      <a:r>
+                        <a:rPr lang="en-GB" dirty="0"/>
+                        <a:t>584</a:t>
+                      </a:r>
+                    </a:p>
+                  </a:txBody>
+                  <a:tcPr/>
+                </a:tc>
+                <a:tc>
+                  <a:txBody>
+                    <a:bodyPr/>
+                    <a:lstStyle/>
+                    <a:p>
+                      <a:r>
+                        <a:rPr lang="en-GB" dirty="0"/>
+                        <a:t>10</a:t>
+                      </a:r>
+                    </a:p>
+                  </a:txBody>
+                  <a:tcPr/>
+                </a:tc>
+                <a:tc>
+                  <a:txBody>
+                    <a:bodyPr/>
+                    <a:lstStyle/>
+                    <a:p>
+                      <a:r>
+                        <a:rPr lang="en-GB" dirty="0"/>
+                        <a:t>6</a:t>
+                      </a:r>
+                    </a:p>
+                  </a:txBody>
+                  <a:tcPr/>
+                </a:tc>
+                <a:tc>
+                  <a:txBody>
+                    <a:bodyPr/>
+                    <a:lstStyle/>
+                    <a:p>
+                      <a:r>
+                        <a:rPr lang="en-GB" dirty="0"/>
+                        <a:t>Gears/Belts</a:t>
+                      </a:r>
+                    </a:p>
+                  </a:txBody>
+                  <a:tcPr/>
+                </a:tc>
+                <a:extLst>
+                  <a:ext uri="{0D108BD9-81ED-4DB2-BD59-A6C34878D82A}">
+                    <a16:rowId xmlns:a16="http://schemas.microsoft.com/office/drawing/2014/main" val="168132357"/>
+                  </a:ext>
+                </a:extLst>
+              </a:tr>
+            </a:tbl>
+          </a:graphicData>
+        </a:graphic>
+      </p:graphicFrame>
+      <p:pic>
+        <p:nvPicPr>
+          <p:cNvPr id="6" name="Grafik 5">
+            <a:extLst>
+              <a:ext uri="{FF2B5EF4-FFF2-40B4-BE49-F238E27FC236}">
+                <a16:creationId xmlns:a16="http://schemas.microsoft.com/office/drawing/2014/main" id="{AA3A3FA9-E363-41FD-817E-C85285B2D396}"/>
+              </a:ext>
+            </a:extLst>
+          </p:cNvPr>
+          <p:cNvPicPr>
+            <a:picLocks noChangeAspect="1"/>
+          </p:cNvPicPr>
+          <p:nvPr/>
+        </p:nvPicPr>
+        <p:blipFill rotWithShape="1">
+          <a:blip r:embed="rId2">
+            <a:extLst>
+              <a:ext uri="{28A0092B-C50C-407E-A947-70E740481C1C}">
+                <a14:useLocalDpi xmlns:a14="http://schemas.microsoft.com/office/drawing/2010/main" val="0"/>
+              </a:ext>
+            </a:extLst>
+          </a:blip>
+          <a:srcRect l="48037"/>
+          <a:stretch/>
+        </p:blipFill>
+        <p:spPr>
+          <a:xfrm>
+            <a:off x="5757022" y="2041831"/>
+            <a:ext cx="2991442" cy="4195481"/>
+          </a:xfrm>
+          <a:prstGeom prst="rect">
+            <a:avLst/>
+          </a:prstGeom>
+        </p:spPr>
+      </p:pic>
+    </p:spTree>
+    <p:extLst>
+      <p:ext uri="{BB962C8B-B14F-4D97-AF65-F5344CB8AC3E}">
+        <p14:creationId xmlns:p14="http://schemas.microsoft.com/office/powerpoint/2010/main" val="2387472659"/>
+      </p:ext>
+    </p:extLst>
+  </p:cSld>
+  <p:clrMapOvr>
+    <a:masterClrMapping/>
+  </p:clrMapOvr>
+</p:sld>
+</file>
+
+<file path=ppt/slides/slide14.xml><?xml version="1.0" encoding="utf-8"?>
+<p:sld xmlns:a="http://schemas.openxmlformats.org/drawingml/2006/main" xmlns:r="http://schemas.openxmlformats.org/officeDocument/2006/relationships" xmlns:p="http://schemas.openxmlformats.org/presentationml/2006/main">
+  <p:cSld>
+    <p:spTree>
+      <p:nvGrpSpPr>
+        <p:cNvPr id="1" name=""/>
+        <p:cNvGrpSpPr/>
+        <p:nvPr/>
+      </p:nvGrpSpPr>
+      <p:grpSpPr>
+        <a:xfrm>
+          <a:off x="0" y="0"/>
+          <a:ext cx="0" cy="0"/>
+          <a:chOff x="0" y="0"/>
+          <a:chExt cx="0" cy="0"/>
+        </a:xfrm>
+      </p:grpSpPr>
+      <p:sp>
+        <p:nvSpPr>
+          <p:cNvPr id="2" name="Titel 1">
+            <a:extLst>
+              <a:ext uri="{FF2B5EF4-FFF2-40B4-BE49-F238E27FC236}">
+                <a16:creationId xmlns:a16="http://schemas.microsoft.com/office/drawing/2014/main" id="{62004F38-99A6-41CB-8B8B-943DD616679E}"/>
+              </a:ext>
+            </a:extLst>
+          </p:cNvPr>
+          <p:cNvSpPr>
+            <a:spLocks noGrp="1"/>
+          </p:cNvSpPr>
+          <p:nvPr>
+            <p:ph type="title"/>
+          </p:nvPr>
+        </p:nvSpPr>
+        <p:spPr/>
+        <p:txBody>
+          <a:bodyPr/>
+          <a:lstStyle/>
+          <a:p>
+            <a:r>
+              <a:rPr lang="en-GB" dirty="0"/>
+              <a:t>Bionic Hand</a:t>
+            </a:r>
+          </a:p>
+        </p:txBody>
+      </p:sp>
+      <p:sp>
+        <p:nvSpPr>
+          <p:cNvPr id="4" name="Inhaltsplatzhalter 2">
+            <a:extLst>
+              <a:ext uri="{FF2B5EF4-FFF2-40B4-BE49-F238E27FC236}">
+                <a16:creationId xmlns:a16="http://schemas.microsoft.com/office/drawing/2014/main" id="{0AF84368-198B-49FC-9952-9D4DC1C266A5}"/>
+              </a:ext>
+            </a:extLst>
+          </p:cNvPr>
+          <p:cNvSpPr>
+            <a:spLocks noGrp="1"/>
+          </p:cNvSpPr>
+          <p:nvPr>
+            <p:ph idx="1"/>
+          </p:nvPr>
+        </p:nvSpPr>
+        <p:spPr>
+          <a:xfrm>
+            <a:off x="392113" y="2060847"/>
+            <a:ext cx="5043983" cy="4031977"/>
+          </a:xfrm>
+        </p:spPr>
+        <p:txBody>
+          <a:bodyPr/>
+          <a:lstStyle/>
+          <a:p>
+            <a:endParaRPr lang="en-GB" dirty="0"/>
+          </a:p>
+          <a:p>
+            <a:endParaRPr lang="en-GB" dirty="0"/>
+          </a:p>
+          <a:p>
+            <a:endParaRPr lang="en-GB" dirty="0"/>
+          </a:p>
+          <a:p>
+            <a:r>
+              <a:rPr lang="en-GB" dirty="0"/>
+              <a:t>Special feature:</a:t>
+            </a:r>
+          </a:p>
+          <a:p>
+            <a:pPr lvl="1"/>
+            <a:r>
+              <a:rPr lang="en-GB" dirty="0"/>
+              <a:t>Hybrid actuated with Brushless DC motors and Shape Memory Alloy (SMA)</a:t>
+            </a:r>
+          </a:p>
+          <a:p>
+            <a:pPr lvl="1"/>
+            <a:r>
+              <a:rPr lang="en-GB" dirty="0"/>
+              <a:t>Close replication of the human hand        (with all structures, joints and tendons)</a:t>
+            </a:r>
+          </a:p>
+          <a:p>
+            <a:pPr lvl="1"/>
+            <a:r>
+              <a:rPr lang="en-GB" dirty="0"/>
+              <a:t>24 degrees of freedom</a:t>
+            </a:r>
+          </a:p>
+        </p:txBody>
+      </p:sp>
+      <p:graphicFrame>
+        <p:nvGraphicFramePr>
+          <p:cNvPr id="5" name="Inhaltsplatzhalter 3">
+            <a:extLst>
+              <a:ext uri="{FF2B5EF4-FFF2-40B4-BE49-F238E27FC236}">
+                <a16:creationId xmlns:a16="http://schemas.microsoft.com/office/drawing/2014/main" id="{AB56ED84-E1E6-4CB3-9A41-35E52B1CE490}"/>
+              </a:ext>
+            </a:extLst>
+          </p:cNvPr>
+          <p:cNvGraphicFramePr>
+            <a:graphicFrameLocks/>
+          </p:cNvGraphicFramePr>
+          <p:nvPr>
+            <p:extLst>
+              <p:ext uri="{D42A27DB-BD31-4B8C-83A1-F6EECF244321}">
+                <p14:modId xmlns:p14="http://schemas.microsoft.com/office/powerpoint/2010/main" val="1880490221"/>
+              </p:ext>
+            </p:extLst>
+          </p:nvPr>
+        </p:nvGraphicFramePr>
+        <p:xfrm>
+          <a:off x="392113" y="1198563"/>
+          <a:ext cx="8356600" cy="741680"/>
+        </p:xfrm>
+        <a:graphic>
+          <a:graphicData uri="http://schemas.openxmlformats.org/drawingml/2006/table">
+            <a:tbl>
+              <a:tblPr firstRow="1" bandRow="1">
+                <a:tableStyleId>{5C22544A-7EE6-4342-B048-85BDC9FD1C3A}</a:tableStyleId>
+              </a:tblPr>
+              <a:tblGrid>
+                <a:gridCol w="1671320">
+                  <a:extLst>
+                    <a:ext uri="{9D8B030D-6E8A-4147-A177-3AD203B41FA5}">
+                      <a16:colId xmlns:a16="http://schemas.microsoft.com/office/drawing/2014/main" val="79759528"/>
+                    </a:ext>
+                  </a:extLst>
+                </a:gridCol>
+                <a:gridCol w="1671320">
+                  <a:extLst>
+                    <a:ext uri="{9D8B030D-6E8A-4147-A177-3AD203B41FA5}">
+                      <a16:colId xmlns:a16="http://schemas.microsoft.com/office/drawing/2014/main" val="4261196352"/>
+                    </a:ext>
+                  </a:extLst>
+                </a:gridCol>
+                <a:gridCol w="1671320">
+                  <a:extLst>
+                    <a:ext uri="{9D8B030D-6E8A-4147-A177-3AD203B41FA5}">
+                      <a16:colId xmlns:a16="http://schemas.microsoft.com/office/drawing/2014/main" val="1890016348"/>
+                    </a:ext>
+                  </a:extLst>
+                </a:gridCol>
+                <a:gridCol w="1671320">
+                  <a:extLst>
+                    <a:ext uri="{9D8B030D-6E8A-4147-A177-3AD203B41FA5}">
+                      <a16:colId xmlns:a16="http://schemas.microsoft.com/office/drawing/2014/main" val="2759803080"/>
+                    </a:ext>
+                  </a:extLst>
+                </a:gridCol>
+                <a:gridCol w="1671320">
+                  <a:extLst>
+                    <a:ext uri="{9D8B030D-6E8A-4147-A177-3AD203B41FA5}">
+                      <a16:colId xmlns:a16="http://schemas.microsoft.com/office/drawing/2014/main" val="2615268675"/>
+                    </a:ext>
+                  </a:extLst>
+                </a:gridCol>
+              </a:tblGrid>
+              <a:tr h="370840">
+                <a:tc>
+                  <a:txBody>
+                    <a:bodyPr/>
+                    <a:lstStyle/>
+                    <a:p>
+                      <a:r>
+                        <a:rPr lang="en-GB" dirty="0"/>
+                        <a:t>Year</a:t>
+                      </a:r>
+                    </a:p>
+                  </a:txBody>
+                  <a:tcPr/>
+                </a:tc>
+                <a:tc>
+                  <a:txBody>
+                    <a:bodyPr/>
+                    <a:lstStyle/>
+                    <a:p>
+                      <a:r>
+                        <a:rPr lang="en-GB" dirty="0"/>
+                        <a:t>Mass (g)</a:t>
+                      </a:r>
+                    </a:p>
+                  </a:txBody>
+                  <a:tcPr/>
+                </a:tc>
+                <a:tc>
+                  <a:txBody>
+                    <a:bodyPr/>
+                    <a:lstStyle/>
+                    <a:p>
+                      <a:r>
+                        <a:rPr lang="en-GB" dirty="0"/>
+                        <a:t>Joints</a:t>
+                      </a:r>
+                    </a:p>
+                  </a:txBody>
+                  <a:tcPr/>
+                </a:tc>
+                <a:tc>
+                  <a:txBody>
+                    <a:bodyPr/>
+                    <a:lstStyle/>
+                    <a:p>
+                      <a:r>
+                        <a:rPr lang="en-GB" dirty="0"/>
+                        <a:t>Actuators</a:t>
+                      </a:r>
+                    </a:p>
+                  </a:txBody>
+                  <a:tcPr/>
+                </a:tc>
+                <a:tc>
+                  <a:txBody>
+                    <a:bodyPr/>
+                    <a:lstStyle/>
+                    <a:p>
+                      <a:r>
+                        <a:rPr lang="en-GB" dirty="0"/>
+                        <a:t>Transmission</a:t>
+                      </a:r>
+                    </a:p>
+                  </a:txBody>
+                  <a:tcPr/>
+                </a:tc>
+                <a:extLst>
+                  <a:ext uri="{0D108BD9-81ED-4DB2-BD59-A6C34878D82A}">
+                    <a16:rowId xmlns:a16="http://schemas.microsoft.com/office/drawing/2014/main" val="2235242428"/>
+                  </a:ext>
+                </a:extLst>
+              </a:tr>
+              <a:tr h="370840">
+                <a:tc>
+                  <a:txBody>
+                    <a:bodyPr/>
+                    <a:lstStyle/>
+                    <a:p>
+                      <a:r>
+                        <a:rPr lang="en-GB" dirty="0"/>
+                        <a:t>2016</a:t>
+                      </a:r>
+                    </a:p>
+                  </a:txBody>
+                  <a:tcPr/>
+                </a:tc>
+                <a:tc>
+                  <a:txBody>
+                    <a:bodyPr/>
+                    <a:lstStyle/>
+                    <a:p>
+                      <a:r>
+                        <a:rPr lang="en-GB" dirty="0"/>
+                        <a:t>-</a:t>
+                      </a:r>
+                    </a:p>
+                  </a:txBody>
+                  <a:tcPr/>
+                </a:tc>
+                <a:tc>
+                  <a:txBody>
+                    <a:bodyPr/>
+                    <a:lstStyle/>
+                    <a:p>
+                      <a:r>
+                        <a:rPr lang="en-GB" dirty="0"/>
+                        <a:t>19</a:t>
+                      </a:r>
+                    </a:p>
+                  </a:txBody>
+                  <a:tcPr/>
+                </a:tc>
+                <a:tc>
+                  <a:txBody>
+                    <a:bodyPr/>
+                    <a:lstStyle/>
+                    <a:p>
+                      <a:r>
+                        <a:rPr lang="en-GB" dirty="0"/>
+                        <a:t>13</a:t>
+                      </a:r>
+                    </a:p>
+                  </a:txBody>
+                  <a:tcPr/>
+                </a:tc>
+                <a:tc>
+                  <a:txBody>
+                    <a:bodyPr/>
+                    <a:lstStyle/>
+                    <a:p>
+                      <a:r>
+                        <a:rPr lang="en-GB" dirty="0"/>
+                        <a:t>Tendons</a:t>
+                      </a:r>
+                    </a:p>
+                  </a:txBody>
+                  <a:tcPr/>
+                </a:tc>
+                <a:extLst>
+                  <a:ext uri="{0D108BD9-81ED-4DB2-BD59-A6C34878D82A}">
+                    <a16:rowId xmlns:a16="http://schemas.microsoft.com/office/drawing/2014/main" val="168132357"/>
+                  </a:ext>
+                </a:extLst>
+              </a:tr>
+            </a:tbl>
+          </a:graphicData>
+        </a:graphic>
+      </p:graphicFrame>
+      <p:pic>
+        <p:nvPicPr>
+          <p:cNvPr id="6" name="Grafik 5">
+            <a:extLst>
+              <a:ext uri="{FF2B5EF4-FFF2-40B4-BE49-F238E27FC236}">
+                <a16:creationId xmlns:a16="http://schemas.microsoft.com/office/drawing/2014/main" id="{BA06D605-5D50-4662-AD98-9A572F0CD9AF}"/>
+              </a:ext>
+            </a:extLst>
+          </p:cNvPr>
+          <p:cNvPicPr>
+            <a:picLocks noChangeAspect="1"/>
+          </p:cNvPicPr>
+          <p:nvPr/>
+        </p:nvPicPr>
+        <p:blipFill>
+          <a:blip r:embed="rId2">
+            <a:extLst>
+              <a:ext uri="{28A0092B-C50C-407E-A947-70E740481C1C}">
+                <a14:useLocalDpi xmlns:a14="http://schemas.microsoft.com/office/drawing/2010/main" val="0"/>
+              </a:ext>
+            </a:extLst>
+          </a:blip>
+          <a:stretch>
+            <a:fillRect/>
+          </a:stretch>
+        </p:blipFill>
+        <p:spPr>
+          <a:xfrm>
+            <a:off x="5600770" y="2152151"/>
+            <a:ext cx="3403460" cy="3849368"/>
+          </a:xfrm>
+          <a:prstGeom prst="rect">
+            <a:avLst/>
+          </a:prstGeom>
+        </p:spPr>
+      </p:pic>
+    </p:spTree>
+    <p:extLst>
+      <p:ext uri="{BB962C8B-B14F-4D97-AF65-F5344CB8AC3E}">
+        <p14:creationId xmlns:p14="http://schemas.microsoft.com/office/powerpoint/2010/main" val="2312951653"/>
+      </p:ext>
+    </p:extLst>
+  </p:cSld>
+  <p:clrMapOvr>
+    <a:masterClrMapping/>
+  </p:clrMapOvr>
+</p:sld>
+</file>
+
+<file path=ppt/slides/slide15.xml><?xml version="1.0" encoding="utf-8"?>
+<p:sld xmlns:a="http://schemas.openxmlformats.org/drawingml/2006/main" xmlns:r="http://schemas.openxmlformats.org/officeDocument/2006/relationships" xmlns:p="http://schemas.openxmlformats.org/presentationml/2006/main">
+  <p:cSld>
+    <p:spTree>
+      <p:nvGrpSpPr>
+        <p:cNvPr id="1" name=""/>
+        <p:cNvGrpSpPr/>
+        <p:nvPr/>
+      </p:nvGrpSpPr>
+      <p:grpSpPr>
+        <a:xfrm>
+          <a:off x="0" y="0"/>
+          <a:ext cx="0" cy="0"/>
+          <a:chOff x="0" y="0"/>
+          <a:chExt cx="0" cy="0"/>
+        </a:xfrm>
+      </p:grpSpPr>
+      <p:sp>
+        <p:nvSpPr>
+          <p:cNvPr id="2" name="Titel 1">
+            <a:extLst>
+              <a:ext uri="{FF2B5EF4-FFF2-40B4-BE49-F238E27FC236}">
+                <a16:creationId xmlns:a16="http://schemas.microsoft.com/office/drawing/2014/main" id="{E0804EE4-DEE5-47F1-B566-7A72D9694F36}"/>
+              </a:ext>
+            </a:extLst>
+          </p:cNvPr>
+          <p:cNvSpPr>
+            <a:spLocks noGrp="1"/>
+          </p:cNvSpPr>
+          <p:nvPr>
+            <p:ph type="title"/>
+          </p:nvPr>
+        </p:nvSpPr>
+        <p:spPr/>
+        <p:txBody>
+          <a:bodyPr/>
+          <a:lstStyle/>
+          <a:p>
+            <a:r>
+              <a:rPr lang="en-GB" dirty="0" err="1"/>
+              <a:t>SoftHand</a:t>
+            </a:r>
+            <a:r>
+              <a:rPr lang="en-GB" dirty="0"/>
+              <a:t> Pro-D</a:t>
+            </a:r>
+          </a:p>
+        </p:txBody>
+      </p:sp>
+      <p:sp>
+        <p:nvSpPr>
+          <p:cNvPr id="5" name="Inhaltsplatzhalter 2">
+            <a:extLst>
+              <a:ext uri="{FF2B5EF4-FFF2-40B4-BE49-F238E27FC236}">
+                <a16:creationId xmlns:a16="http://schemas.microsoft.com/office/drawing/2014/main" id="{6A04649D-CA29-4F3D-82B1-9D8FC553568B}"/>
+              </a:ext>
+            </a:extLst>
+          </p:cNvPr>
+          <p:cNvSpPr>
+            <a:spLocks noGrp="1"/>
+          </p:cNvSpPr>
+          <p:nvPr>
+            <p:ph idx="1"/>
+          </p:nvPr>
+        </p:nvSpPr>
+        <p:spPr>
+          <a:xfrm>
+            <a:off x="392113" y="2060847"/>
+            <a:ext cx="5043983" cy="4031977"/>
+          </a:xfrm>
+        </p:spPr>
+        <p:txBody>
+          <a:bodyPr/>
+          <a:lstStyle/>
+          <a:p>
+            <a:endParaRPr lang="en-GB" dirty="0"/>
+          </a:p>
+          <a:p>
+            <a:endParaRPr lang="en-GB" dirty="0"/>
+          </a:p>
+          <a:p>
+            <a:r>
+              <a:rPr lang="en-GB" dirty="0"/>
+              <a:t>Special feature:</a:t>
+            </a:r>
+          </a:p>
+          <a:p>
+            <a:pPr lvl="1"/>
+            <a:r>
+              <a:rPr lang="en-GB" dirty="0"/>
+              <a:t>Strongly underactuated </a:t>
+            </a:r>
+            <a:r>
+              <a:rPr lang="en-GB" dirty="0" err="1"/>
+              <a:t>softhand</a:t>
+            </a:r>
+            <a:endParaRPr lang="en-GB" dirty="0"/>
+          </a:p>
+          <a:p>
+            <a:pPr lvl="1"/>
+            <a:r>
+              <a:rPr lang="en-GB" dirty="0"/>
+              <a:t>19 joints with only one single actuator</a:t>
+            </a:r>
+          </a:p>
+          <a:p>
+            <a:pPr lvl="1"/>
+            <a:r>
+              <a:rPr lang="en-GB" dirty="0"/>
+              <a:t>Can move along two different synergistic directions to perform either precision or power grasp</a:t>
+            </a:r>
+          </a:p>
+          <a:p>
+            <a:pPr lvl="1"/>
+            <a:r>
+              <a:rPr lang="en-GB" dirty="0"/>
+              <a:t>Decoding of movement intensions using the dynamic frequency content</a:t>
+            </a:r>
+          </a:p>
+        </p:txBody>
+      </p:sp>
+      <p:graphicFrame>
+        <p:nvGraphicFramePr>
+          <p:cNvPr id="6" name="Inhaltsplatzhalter 3">
+            <a:extLst>
+              <a:ext uri="{FF2B5EF4-FFF2-40B4-BE49-F238E27FC236}">
+                <a16:creationId xmlns:a16="http://schemas.microsoft.com/office/drawing/2014/main" id="{97285D54-3BA8-4E24-8DED-4FB59092258D}"/>
+              </a:ext>
+            </a:extLst>
+          </p:cNvPr>
+          <p:cNvGraphicFramePr>
+            <a:graphicFrameLocks/>
+          </p:cNvGraphicFramePr>
+          <p:nvPr>
+            <p:extLst>
+              <p:ext uri="{D42A27DB-BD31-4B8C-83A1-F6EECF244321}">
+                <p14:modId xmlns:p14="http://schemas.microsoft.com/office/powerpoint/2010/main" val="771800575"/>
+              </p:ext>
+            </p:extLst>
+          </p:nvPr>
+        </p:nvGraphicFramePr>
+        <p:xfrm>
+          <a:off x="392113" y="1198563"/>
+          <a:ext cx="8356600" cy="741680"/>
+        </p:xfrm>
+        <a:graphic>
+          <a:graphicData uri="http://schemas.openxmlformats.org/drawingml/2006/table">
+            <a:tbl>
+              <a:tblPr firstRow="1" bandRow="1">
+                <a:tableStyleId>{5C22544A-7EE6-4342-B048-85BDC9FD1C3A}</a:tableStyleId>
+              </a:tblPr>
+              <a:tblGrid>
+                <a:gridCol w="1671320">
+                  <a:extLst>
+                    <a:ext uri="{9D8B030D-6E8A-4147-A177-3AD203B41FA5}">
+                      <a16:colId xmlns:a16="http://schemas.microsoft.com/office/drawing/2014/main" val="79759528"/>
+                    </a:ext>
+                  </a:extLst>
+                </a:gridCol>
+                <a:gridCol w="1671320">
+                  <a:extLst>
+                    <a:ext uri="{9D8B030D-6E8A-4147-A177-3AD203B41FA5}">
+                      <a16:colId xmlns:a16="http://schemas.microsoft.com/office/drawing/2014/main" val="4261196352"/>
+                    </a:ext>
+                  </a:extLst>
+                </a:gridCol>
+                <a:gridCol w="1671320">
+                  <a:extLst>
+                    <a:ext uri="{9D8B030D-6E8A-4147-A177-3AD203B41FA5}">
+                      <a16:colId xmlns:a16="http://schemas.microsoft.com/office/drawing/2014/main" val="1890016348"/>
+                    </a:ext>
+                  </a:extLst>
+                </a:gridCol>
+                <a:gridCol w="1671320">
+                  <a:extLst>
+                    <a:ext uri="{9D8B030D-6E8A-4147-A177-3AD203B41FA5}">
+                      <a16:colId xmlns:a16="http://schemas.microsoft.com/office/drawing/2014/main" val="2759803080"/>
+                    </a:ext>
+                  </a:extLst>
+                </a:gridCol>
+                <a:gridCol w="1671320">
+                  <a:extLst>
+                    <a:ext uri="{9D8B030D-6E8A-4147-A177-3AD203B41FA5}">
+                      <a16:colId xmlns:a16="http://schemas.microsoft.com/office/drawing/2014/main" val="2615268675"/>
+                    </a:ext>
+                  </a:extLst>
+                </a:gridCol>
+              </a:tblGrid>
+              <a:tr h="370840">
+                <a:tc>
+                  <a:txBody>
+                    <a:bodyPr/>
+                    <a:lstStyle/>
+                    <a:p>
+                      <a:r>
+                        <a:rPr lang="en-GB" dirty="0"/>
+                        <a:t>Year</a:t>
+                      </a:r>
+                    </a:p>
+                  </a:txBody>
+                  <a:tcPr/>
+                </a:tc>
+                <a:tc>
+                  <a:txBody>
+                    <a:bodyPr/>
+                    <a:lstStyle/>
+                    <a:p>
+                      <a:r>
+                        <a:rPr lang="en-GB" dirty="0"/>
+                        <a:t>Mass (g)</a:t>
+                      </a:r>
+                    </a:p>
+                  </a:txBody>
+                  <a:tcPr/>
+                </a:tc>
+                <a:tc>
+                  <a:txBody>
+                    <a:bodyPr/>
+                    <a:lstStyle/>
+                    <a:p>
+                      <a:r>
+                        <a:rPr lang="en-GB" dirty="0"/>
+                        <a:t>Joints</a:t>
+                      </a:r>
+                    </a:p>
+                  </a:txBody>
+                  <a:tcPr/>
+                </a:tc>
+                <a:tc>
+                  <a:txBody>
+                    <a:bodyPr/>
+                    <a:lstStyle/>
+                    <a:p>
+                      <a:r>
+                        <a:rPr lang="en-GB" dirty="0"/>
+                        <a:t>Actuators</a:t>
+                      </a:r>
+                    </a:p>
+                  </a:txBody>
+                  <a:tcPr/>
+                </a:tc>
+                <a:tc>
+                  <a:txBody>
+                    <a:bodyPr/>
+                    <a:lstStyle/>
+                    <a:p>
+                      <a:r>
+                        <a:rPr lang="en-GB" dirty="0"/>
+                        <a:t>Transmission</a:t>
+                      </a:r>
+                    </a:p>
+                  </a:txBody>
+                  <a:tcPr/>
+                </a:tc>
+                <a:extLst>
+                  <a:ext uri="{0D108BD9-81ED-4DB2-BD59-A6C34878D82A}">
+                    <a16:rowId xmlns:a16="http://schemas.microsoft.com/office/drawing/2014/main" val="2235242428"/>
+                  </a:ext>
+                </a:extLst>
+              </a:tr>
+              <a:tr h="370840">
+                <a:tc>
+                  <a:txBody>
+                    <a:bodyPr/>
+                    <a:lstStyle/>
+                    <a:p>
+                      <a:r>
+                        <a:rPr lang="en-GB" dirty="0"/>
+                        <a:t>2016</a:t>
+                      </a:r>
+                    </a:p>
+                  </a:txBody>
+                  <a:tcPr/>
+                </a:tc>
+                <a:tc>
+                  <a:txBody>
+                    <a:bodyPr/>
+                    <a:lstStyle/>
+                    <a:p>
+                      <a:r>
+                        <a:rPr lang="en-GB" dirty="0"/>
+                        <a:t>-</a:t>
+                      </a:r>
+                    </a:p>
+                  </a:txBody>
+                  <a:tcPr/>
+                </a:tc>
+                <a:tc>
+                  <a:txBody>
+                    <a:bodyPr/>
+                    <a:lstStyle/>
+                    <a:p>
+                      <a:r>
+                        <a:rPr lang="en-GB" dirty="0"/>
+                        <a:t>19</a:t>
+                      </a:r>
+                    </a:p>
+                  </a:txBody>
+                  <a:tcPr/>
+                </a:tc>
+                <a:tc>
+                  <a:txBody>
+                    <a:bodyPr/>
+                    <a:lstStyle/>
+                    <a:p>
+                      <a:r>
+                        <a:rPr lang="en-GB" dirty="0"/>
+                        <a:t>1</a:t>
+                      </a:r>
+                    </a:p>
+                  </a:txBody>
+                  <a:tcPr/>
+                </a:tc>
+                <a:tc>
+                  <a:txBody>
+                    <a:bodyPr/>
+                    <a:lstStyle/>
+                    <a:p>
+                      <a:r>
+                        <a:rPr lang="en-GB" dirty="0"/>
+                        <a:t>Tendons</a:t>
+                      </a:r>
+                    </a:p>
+                  </a:txBody>
+                  <a:tcPr/>
+                </a:tc>
+                <a:extLst>
+                  <a:ext uri="{0D108BD9-81ED-4DB2-BD59-A6C34878D82A}">
+                    <a16:rowId xmlns:a16="http://schemas.microsoft.com/office/drawing/2014/main" val="168132357"/>
+                  </a:ext>
+                </a:extLst>
+              </a:tr>
+            </a:tbl>
+          </a:graphicData>
+        </a:graphic>
+      </p:graphicFrame>
+      <p:pic>
+        <p:nvPicPr>
+          <p:cNvPr id="8" name="Grafik 7">
+            <a:extLst>
+              <a:ext uri="{FF2B5EF4-FFF2-40B4-BE49-F238E27FC236}">
+                <a16:creationId xmlns:a16="http://schemas.microsoft.com/office/drawing/2014/main" id="{61A5ACF8-FCE5-4E6F-93EB-7BB8AC2F4213}"/>
+              </a:ext>
+            </a:extLst>
+          </p:cNvPr>
+          <p:cNvPicPr>
+            <a:picLocks noChangeAspect="1"/>
+          </p:cNvPicPr>
+          <p:nvPr/>
+        </p:nvPicPr>
+        <p:blipFill rotWithShape="1">
+          <a:blip r:embed="rId2">
+            <a:extLst>
+              <a:ext uri="{28A0092B-C50C-407E-A947-70E740481C1C}">
+                <a14:useLocalDpi xmlns:a14="http://schemas.microsoft.com/office/drawing/2010/main" val="0"/>
+              </a:ext>
+            </a:extLst>
+          </a:blip>
+          <a:srcRect l="54830" t="-1" r="3521" b="41776"/>
+          <a:stretch/>
+        </p:blipFill>
+        <p:spPr>
+          <a:xfrm>
+            <a:off x="5756160" y="2492896"/>
+            <a:ext cx="3092680" cy="3273776"/>
+          </a:xfrm>
+          <a:prstGeom prst="rect">
+            <a:avLst/>
+          </a:prstGeom>
+        </p:spPr>
+      </p:pic>
+    </p:spTree>
+    <p:extLst>
+      <p:ext uri="{BB962C8B-B14F-4D97-AF65-F5344CB8AC3E}">
+        <p14:creationId xmlns:p14="http://schemas.microsoft.com/office/powerpoint/2010/main" val="3639249735"/>
+      </p:ext>
+    </p:extLst>
+  </p:cSld>
+  <p:clrMapOvr>
+    <a:masterClrMapping/>
+  </p:clrMapOvr>
+</p:sld>
+</file>
+
+<file path=ppt/slides/slide16.xml><?xml version="1.0" encoding="utf-8"?>
+<p:sld xmlns:a="http://schemas.openxmlformats.org/drawingml/2006/main" xmlns:r="http://schemas.openxmlformats.org/officeDocument/2006/relationships" xmlns:p="http://schemas.openxmlformats.org/presentationml/2006/main">
+  <p:cSld>
+    <p:spTree>
+      <p:nvGrpSpPr>
+        <p:cNvPr id="1" name=""/>
+        <p:cNvGrpSpPr/>
+        <p:nvPr/>
+      </p:nvGrpSpPr>
+      <p:grpSpPr>
+        <a:xfrm>
+          <a:off x="0" y="0"/>
+          <a:ext cx="0" cy="0"/>
+          <a:chOff x="0" y="0"/>
+          <a:chExt cx="0" cy="0"/>
+        </a:xfrm>
+      </p:grpSpPr>
+      <p:sp>
+        <p:nvSpPr>
+          <p:cNvPr id="2" name="Titel 1">
+            <a:extLst>
+              <a:ext uri="{FF2B5EF4-FFF2-40B4-BE49-F238E27FC236}">
+                <a16:creationId xmlns:a16="http://schemas.microsoft.com/office/drawing/2014/main" id="{E71B3A73-6299-443E-81F1-BE4CE5C6CE55}"/>
+              </a:ext>
+            </a:extLst>
+          </p:cNvPr>
+          <p:cNvSpPr>
+            <a:spLocks noGrp="1"/>
+          </p:cNvSpPr>
+          <p:nvPr>
+            <p:ph type="title"/>
+          </p:nvPr>
+        </p:nvSpPr>
+        <p:spPr/>
+        <p:txBody>
+          <a:bodyPr/>
+          <a:lstStyle/>
+          <a:p>
+            <a:r>
+              <a:rPr lang="en-GB" dirty="0" err="1"/>
+              <a:t>UOMPro</a:t>
+            </a:r>
+            <a:endParaRPr lang="en-GB" dirty="0"/>
+          </a:p>
+        </p:txBody>
+      </p:sp>
+      <p:sp>
+        <p:nvSpPr>
+          <p:cNvPr id="4" name="Inhaltsplatzhalter 2">
+            <a:extLst>
+              <a:ext uri="{FF2B5EF4-FFF2-40B4-BE49-F238E27FC236}">
+                <a16:creationId xmlns:a16="http://schemas.microsoft.com/office/drawing/2014/main" id="{B969EAD5-0ED2-42DC-ACB6-AF84D213CFE5}"/>
+              </a:ext>
+            </a:extLst>
+          </p:cNvPr>
+          <p:cNvSpPr>
+            <a:spLocks noGrp="1"/>
+          </p:cNvSpPr>
+          <p:nvPr>
+            <p:ph idx="1"/>
+          </p:nvPr>
+        </p:nvSpPr>
+        <p:spPr>
+          <a:xfrm>
+            <a:off x="392113" y="2060847"/>
+            <a:ext cx="5043983" cy="4031977"/>
+          </a:xfrm>
+        </p:spPr>
+        <p:txBody>
+          <a:bodyPr/>
+          <a:lstStyle/>
+          <a:p>
+            <a:endParaRPr lang="en-GB" dirty="0"/>
+          </a:p>
+          <a:p>
+            <a:endParaRPr lang="en-GB" dirty="0"/>
+          </a:p>
+          <a:p>
+            <a:endParaRPr lang="en-GB" dirty="0"/>
+          </a:p>
+          <a:p>
+            <a:r>
+              <a:rPr lang="en-GB" dirty="0"/>
+              <a:t>Special feature:</a:t>
+            </a:r>
+          </a:p>
+          <a:p>
+            <a:pPr lvl="1"/>
+            <a:r>
+              <a:rPr lang="en-GB" dirty="0"/>
+              <a:t>Simple serial communication interface to link with high-level control methods</a:t>
+            </a:r>
+          </a:p>
+          <a:p>
+            <a:pPr lvl="1"/>
+            <a:r>
+              <a:rPr lang="en-GB" dirty="0"/>
+              <a:t>The implemented low-level controller can handle individual finger position commands or hand grip pattern commands</a:t>
+            </a:r>
+          </a:p>
+        </p:txBody>
+      </p:sp>
+      <p:graphicFrame>
+        <p:nvGraphicFramePr>
+          <p:cNvPr id="5" name="Inhaltsplatzhalter 3">
+            <a:extLst>
+              <a:ext uri="{FF2B5EF4-FFF2-40B4-BE49-F238E27FC236}">
+                <a16:creationId xmlns:a16="http://schemas.microsoft.com/office/drawing/2014/main" id="{DC8ECE2E-8E46-4A2A-B8AC-77C636B8FF52}"/>
+              </a:ext>
+            </a:extLst>
+          </p:cNvPr>
+          <p:cNvGraphicFramePr>
+            <a:graphicFrameLocks/>
+          </p:cNvGraphicFramePr>
+          <p:nvPr>
+            <p:extLst>
+              <p:ext uri="{D42A27DB-BD31-4B8C-83A1-F6EECF244321}">
+                <p14:modId xmlns:p14="http://schemas.microsoft.com/office/powerpoint/2010/main" val="1900366182"/>
+              </p:ext>
+            </p:extLst>
+          </p:nvPr>
+        </p:nvGraphicFramePr>
+        <p:xfrm>
+          <a:off x="392113" y="1198563"/>
+          <a:ext cx="8356600" cy="741680"/>
+        </p:xfrm>
+        <a:graphic>
+          <a:graphicData uri="http://schemas.openxmlformats.org/drawingml/2006/table">
+            <a:tbl>
+              <a:tblPr firstRow="1" bandRow="1">
+                <a:tableStyleId>{5C22544A-7EE6-4342-B048-85BDC9FD1C3A}</a:tableStyleId>
+              </a:tblPr>
+              <a:tblGrid>
+                <a:gridCol w="1671320">
+                  <a:extLst>
+                    <a:ext uri="{9D8B030D-6E8A-4147-A177-3AD203B41FA5}">
+                      <a16:colId xmlns:a16="http://schemas.microsoft.com/office/drawing/2014/main" val="79759528"/>
+                    </a:ext>
+                  </a:extLst>
+                </a:gridCol>
+                <a:gridCol w="1671320">
+                  <a:extLst>
+                    <a:ext uri="{9D8B030D-6E8A-4147-A177-3AD203B41FA5}">
+                      <a16:colId xmlns:a16="http://schemas.microsoft.com/office/drawing/2014/main" val="4261196352"/>
+                    </a:ext>
+                  </a:extLst>
+                </a:gridCol>
+                <a:gridCol w="1671320">
+                  <a:extLst>
+                    <a:ext uri="{9D8B030D-6E8A-4147-A177-3AD203B41FA5}">
+                      <a16:colId xmlns:a16="http://schemas.microsoft.com/office/drawing/2014/main" val="1890016348"/>
+                    </a:ext>
+                  </a:extLst>
+                </a:gridCol>
+                <a:gridCol w="1671320">
+                  <a:extLst>
+                    <a:ext uri="{9D8B030D-6E8A-4147-A177-3AD203B41FA5}">
+                      <a16:colId xmlns:a16="http://schemas.microsoft.com/office/drawing/2014/main" val="2759803080"/>
+                    </a:ext>
+                  </a:extLst>
+                </a:gridCol>
+                <a:gridCol w="1671320">
+                  <a:extLst>
+                    <a:ext uri="{9D8B030D-6E8A-4147-A177-3AD203B41FA5}">
+                      <a16:colId xmlns:a16="http://schemas.microsoft.com/office/drawing/2014/main" val="2615268675"/>
+                    </a:ext>
+                  </a:extLst>
+                </a:gridCol>
+              </a:tblGrid>
+              <a:tr h="370840">
+                <a:tc>
+                  <a:txBody>
+                    <a:bodyPr/>
+                    <a:lstStyle/>
+                    <a:p>
+                      <a:r>
+                        <a:rPr lang="en-GB" dirty="0"/>
+                        <a:t>Year</a:t>
+                      </a:r>
+                    </a:p>
+                  </a:txBody>
+                  <a:tcPr/>
+                </a:tc>
+                <a:tc>
+                  <a:txBody>
+                    <a:bodyPr/>
+                    <a:lstStyle/>
+                    <a:p>
+                      <a:r>
+                        <a:rPr lang="en-GB" dirty="0"/>
+                        <a:t>Mass (g)</a:t>
+                      </a:r>
+                    </a:p>
+                  </a:txBody>
+                  <a:tcPr/>
+                </a:tc>
+                <a:tc>
+                  <a:txBody>
+                    <a:bodyPr/>
+                    <a:lstStyle/>
+                    <a:p>
+                      <a:r>
+                        <a:rPr lang="en-GB" dirty="0"/>
+                        <a:t>Joints</a:t>
+                      </a:r>
+                    </a:p>
+                  </a:txBody>
+                  <a:tcPr/>
+                </a:tc>
+                <a:tc>
+                  <a:txBody>
+                    <a:bodyPr/>
+                    <a:lstStyle/>
+                    <a:p>
+                      <a:r>
+                        <a:rPr lang="en-GB" dirty="0"/>
+                        <a:t>Actuators</a:t>
+                      </a:r>
+                    </a:p>
+                  </a:txBody>
+                  <a:tcPr/>
+                </a:tc>
+                <a:tc>
+                  <a:txBody>
+                    <a:bodyPr/>
+                    <a:lstStyle/>
+                    <a:p>
+                      <a:r>
+                        <a:rPr lang="en-GB" dirty="0"/>
+                        <a:t>Transmission</a:t>
+                      </a:r>
+                    </a:p>
+                  </a:txBody>
+                  <a:tcPr/>
+                </a:tc>
+                <a:extLst>
+                  <a:ext uri="{0D108BD9-81ED-4DB2-BD59-A6C34878D82A}">
+                    <a16:rowId xmlns:a16="http://schemas.microsoft.com/office/drawing/2014/main" val="2235242428"/>
+                  </a:ext>
+                </a:extLst>
+              </a:tr>
+              <a:tr h="370840">
+                <a:tc>
+                  <a:txBody>
+                    <a:bodyPr/>
+                    <a:lstStyle/>
+                    <a:p>
+                      <a:r>
+                        <a:rPr lang="en-GB" dirty="0"/>
+                        <a:t>2017</a:t>
+                      </a:r>
+                    </a:p>
+                  </a:txBody>
+                  <a:tcPr/>
+                </a:tc>
+                <a:tc>
+                  <a:txBody>
+                    <a:bodyPr/>
+                    <a:lstStyle/>
+                    <a:p>
+                      <a:r>
+                        <a:rPr lang="en-GB" dirty="0"/>
+                        <a:t>432</a:t>
+                      </a:r>
+                    </a:p>
+                  </a:txBody>
+                  <a:tcPr/>
+                </a:tc>
+                <a:tc>
+                  <a:txBody>
+                    <a:bodyPr/>
+                    <a:lstStyle/>
+                    <a:p>
+                      <a:r>
+                        <a:rPr lang="en-GB" dirty="0"/>
+                        <a:t>10</a:t>
+                      </a:r>
+                    </a:p>
+                  </a:txBody>
+                  <a:tcPr/>
+                </a:tc>
+                <a:tc>
+                  <a:txBody>
+                    <a:bodyPr/>
+                    <a:lstStyle/>
+                    <a:p>
+                      <a:r>
+                        <a:rPr lang="en-GB" dirty="0"/>
+                        <a:t>6</a:t>
+                      </a:r>
+                    </a:p>
+                  </a:txBody>
+                  <a:tcPr/>
+                </a:tc>
+                <a:tc>
+                  <a:txBody>
+                    <a:bodyPr/>
+                    <a:lstStyle/>
+                    <a:p>
+                      <a:r>
+                        <a:rPr lang="en-GB" dirty="0"/>
+                        <a:t>Four-bar</a:t>
+                      </a:r>
+                    </a:p>
+                  </a:txBody>
+                  <a:tcPr/>
+                </a:tc>
+                <a:extLst>
+                  <a:ext uri="{0D108BD9-81ED-4DB2-BD59-A6C34878D82A}">
+                    <a16:rowId xmlns:a16="http://schemas.microsoft.com/office/drawing/2014/main" val="168132357"/>
+                  </a:ext>
+                </a:extLst>
+              </a:tr>
+            </a:tbl>
+          </a:graphicData>
+        </a:graphic>
+      </p:graphicFrame>
+      <p:pic>
+        <p:nvPicPr>
+          <p:cNvPr id="6" name="Grafik 5">
+            <a:extLst>
+              <a:ext uri="{FF2B5EF4-FFF2-40B4-BE49-F238E27FC236}">
+                <a16:creationId xmlns:a16="http://schemas.microsoft.com/office/drawing/2014/main" id="{DD9205F1-868F-46F6-A954-47F7CE8BD4AA}"/>
+              </a:ext>
+            </a:extLst>
+          </p:cNvPr>
+          <p:cNvPicPr>
+            <a:picLocks noChangeAspect="1"/>
+          </p:cNvPicPr>
+          <p:nvPr/>
+        </p:nvPicPr>
+        <p:blipFill rotWithShape="1">
+          <a:blip r:embed="rId2">
+            <a:extLst>
+              <a:ext uri="{28A0092B-C50C-407E-A947-70E740481C1C}">
+                <a14:useLocalDpi xmlns:a14="http://schemas.microsoft.com/office/drawing/2010/main" val="0"/>
+              </a:ext>
+            </a:extLst>
+          </a:blip>
+          <a:srcRect r="49214"/>
+          <a:stretch/>
+        </p:blipFill>
+        <p:spPr>
+          <a:xfrm>
+            <a:off x="5990915" y="2331205"/>
+            <a:ext cx="2623170" cy="3491260"/>
+          </a:xfrm>
+          <a:prstGeom prst="rect">
+            <a:avLst/>
+          </a:prstGeom>
+        </p:spPr>
+      </p:pic>
+    </p:spTree>
+    <p:extLst>
+      <p:ext uri="{BB962C8B-B14F-4D97-AF65-F5344CB8AC3E}">
+        <p14:creationId xmlns:p14="http://schemas.microsoft.com/office/powerpoint/2010/main" val="156829190"/>
+      </p:ext>
+    </p:extLst>
+  </p:cSld>
+  <p:clrMapOvr>
+    <a:masterClrMapping/>
+  </p:clrMapOvr>
+</p:sld>
+</file>
+
+<file path=ppt/slides/slide17.xml><?xml version="1.0" encoding="utf-8"?>
+<p:sld xmlns:a="http://schemas.openxmlformats.org/drawingml/2006/main" xmlns:r="http://schemas.openxmlformats.org/officeDocument/2006/relationships" xmlns:p="http://schemas.openxmlformats.org/presentationml/2006/main">
+  <p:cSld>
+    <p:spTree>
+      <p:nvGrpSpPr>
+        <p:cNvPr id="1" name=""/>
+        <p:cNvGrpSpPr/>
+        <p:nvPr/>
+      </p:nvGrpSpPr>
+      <p:grpSpPr>
+        <a:xfrm>
+          <a:off x="0" y="0"/>
+          <a:ext cx="0" cy="0"/>
+          <a:chOff x="0" y="0"/>
+          <a:chExt cx="0" cy="0"/>
+        </a:xfrm>
+      </p:grpSpPr>
+      <p:sp>
+        <p:nvSpPr>
+          <p:cNvPr id="2" name="Titel 1">
+            <a:extLst>
+              <a:ext uri="{FF2B5EF4-FFF2-40B4-BE49-F238E27FC236}">
+                <a16:creationId xmlns:a16="http://schemas.microsoft.com/office/drawing/2014/main" id="{43C11995-A532-4B73-8875-1B205661824C}"/>
+              </a:ext>
+            </a:extLst>
+          </p:cNvPr>
+          <p:cNvSpPr>
+            <a:spLocks noGrp="1"/>
+          </p:cNvSpPr>
+          <p:nvPr>
+            <p:ph type="title"/>
+          </p:nvPr>
+        </p:nvSpPr>
+        <p:spPr/>
+        <p:txBody>
+          <a:bodyPr/>
+          <a:lstStyle/>
+          <a:p>
+            <a:r>
+              <a:rPr lang="en-GB" dirty="0"/>
+              <a:t>MORA Hap-2</a:t>
+            </a:r>
+          </a:p>
+        </p:txBody>
+      </p:sp>
+      <p:sp>
+        <p:nvSpPr>
+          <p:cNvPr id="4" name="Inhaltsplatzhalter 2">
+            <a:extLst>
+              <a:ext uri="{FF2B5EF4-FFF2-40B4-BE49-F238E27FC236}">
+                <a16:creationId xmlns:a16="http://schemas.microsoft.com/office/drawing/2014/main" id="{90D62B89-631F-4F72-8C10-A72CFB229439}"/>
+              </a:ext>
+            </a:extLst>
+          </p:cNvPr>
+          <p:cNvSpPr>
+            <a:spLocks noGrp="1"/>
+          </p:cNvSpPr>
+          <p:nvPr>
+            <p:ph idx="1"/>
+          </p:nvPr>
+        </p:nvSpPr>
+        <p:spPr>
+          <a:xfrm>
+            <a:off x="392113" y="2060847"/>
+            <a:ext cx="5043983" cy="4031977"/>
+          </a:xfrm>
+        </p:spPr>
+        <p:txBody>
+          <a:bodyPr/>
+          <a:lstStyle/>
+          <a:p>
+            <a:pPr marL="0" indent="0">
+              <a:buNone/>
+            </a:pPr>
+            <a:endParaRPr lang="en-GB" dirty="0"/>
+          </a:p>
+          <a:p>
+            <a:r>
+              <a:rPr lang="en-GB" dirty="0"/>
+              <a:t>Special feature:</a:t>
+            </a:r>
+          </a:p>
+          <a:p>
+            <a:pPr lvl="1"/>
+            <a:r>
+              <a:rPr lang="en-GB" dirty="0"/>
+              <a:t>Self-adaption ability</a:t>
+            </a:r>
+          </a:p>
+          <a:p>
+            <a:pPr lvl="1"/>
+            <a:r>
+              <a:rPr lang="en-GB" dirty="0"/>
+              <a:t>Finger mechanism is capable of generating passively different flexion/extension angles</a:t>
+            </a:r>
+          </a:p>
+          <a:p>
+            <a:pPr lvl="1"/>
+            <a:r>
+              <a:rPr lang="en-GB" dirty="0"/>
+              <a:t>Fingers have under-actuation mechanism</a:t>
+            </a:r>
+          </a:p>
+        </p:txBody>
+      </p:sp>
+      <p:graphicFrame>
+        <p:nvGraphicFramePr>
+          <p:cNvPr id="5" name="Inhaltsplatzhalter 3">
+            <a:extLst>
+              <a:ext uri="{FF2B5EF4-FFF2-40B4-BE49-F238E27FC236}">
+                <a16:creationId xmlns:a16="http://schemas.microsoft.com/office/drawing/2014/main" id="{831424D4-9838-4837-B572-6EBA1EF95259}"/>
+              </a:ext>
+            </a:extLst>
+          </p:cNvPr>
+          <p:cNvGraphicFramePr>
+            <a:graphicFrameLocks/>
+          </p:cNvGraphicFramePr>
+          <p:nvPr>
+            <p:extLst>
+              <p:ext uri="{D42A27DB-BD31-4B8C-83A1-F6EECF244321}">
+                <p14:modId xmlns:p14="http://schemas.microsoft.com/office/powerpoint/2010/main" val="2659866766"/>
+              </p:ext>
+            </p:extLst>
+          </p:nvPr>
+        </p:nvGraphicFramePr>
+        <p:xfrm>
+          <a:off x="392113" y="1198563"/>
+          <a:ext cx="8356600" cy="741680"/>
+        </p:xfrm>
+        <a:graphic>
+          <a:graphicData uri="http://schemas.openxmlformats.org/drawingml/2006/table">
+            <a:tbl>
+              <a:tblPr firstRow="1" bandRow="1">
+                <a:tableStyleId>{5C22544A-7EE6-4342-B048-85BDC9FD1C3A}</a:tableStyleId>
+              </a:tblPr>
+              <a:tblGrid>
+                <a:gridCol w="1671320">
+                  <a:extLst>
+                    <a:ext uri="{9D8B030D-6E8A-4147-A177-3AD203B41FA5}">
+                      <a16:colId xmlns:a16="http://schemas.microsoft.com/office/drawing/2014/main" val="79759528"/>
+                    </a:ext>
+                  </a:extLst>
+                </a:gridCol>
+                <a:gridCol w="1671320">
+                  <a:extLst>
+                    <a:ext uri="{9D8B030D-6E8A-4147-A177-3AD203B41FA5}">
+                      <a16:colId xmlns:a16="http://schemas.microsoft.com/office/drawing/2014/main" val="4261196352"/>
+                    </a:ext>
+                  </a:extLst>
+                </a:gridCol>
+                <a:gridCol w="1671320">
+                  <a:extLst>
+                    <a:ext uri="{9D8B030D-6E8A-4147-A177-3AD203B41FA5}">
+                      <a16:colId xmlns:a16="http://schemas.microsoft.com/office/drawing/2014/main" val="1890016348"/>
+                    </a:ext>
+                  </a:extLst>
+                </a:gridCol>
+                <a:gridCol w="1671320">
+                  <a:extLst>
+                    <a:ext uri="{9D8B030D-6E8A-4147-A177-3AD203B41FA5}">
+                      <a16:colId xmlns:a16="http://schemas.microsoft.com/office/drawing/2014/main" val="2759803080"/>
+                    </a:ext>
+                  </a:extLst>
+                </a:gridCol>
+                <a:gridCol w="1671320">
+                  <a:extLst>
+                    <a:ext uri="{9D8B030D-6E8A-4147-A177-3AD203B41FA5}">
+                      <a16:colId xmlns:a16="http://schemas.microsoft.com/office/drawing/2014/main" val="2615268675"/>
+                    </a:ext>
+                  </a:extLst>
+                </a:gridCol>
+              </a:tblGrid>
+              <a:tr h="370840">
+                <a:tc>
+                  <a:txBody>
+                    <a:bodyPr/>
+                    <a:lstStyle/>
+                    <a:p>
+                      <a:r>
+                        <a:rPr lang="en-GB" dirty="0"/>
+                        <a:t>Year</a:t>
+                      </a:r>
+                    </a:p>
+                  </a:txBody>
+                  <a:tcPr/>
+                </a:tc>
+                <a:tc>
+                  <a:txBody>
+                    <a:bodyPr/>
+                    <a:lstStyle/>
+                    <a:p>
+                      <a:r>
+                        <a:rPr lang="en-GB" dirty="0"/>
+                        <a:t>Mass (g)</a:t>
+                      </a:r>
+                    </a:p>
+                  </a:txBody>
+                  <a:tcPr/>
+                </a:tc>
+                <a:tc>
+                  <a:txBody>
+                    <a:bodyPr/>
+                    <a:lstStyle/>
+                    <a:p>
+                      <a:r>
+                        <a:rPr lang="en-GB" dirty="0"/>
+                        <a:t>Joints</a:t>
+                      </a:r>
+                    </a:p>
+                  </a:txBody>
+                  <a:tcPr/>
+                </a:tc>
+                <a:tc>
+                  <a:txBody>
+                    <a:bodyPr/>
+                    <a:lstStyle/>
+                    <a:p>
+                      <a:r>
+                        <a:rPr lang="en-GB" dirty="0"/>
+                        <a:t>Actuators</a:t>
+                      </a:r>
+                    </a:p>
+                  </a:txBody>
+                  <a:tcPr/>
+                </a:tc>
+                <a:tc>
+                  <a:txBody>
+                    <a:bodyPr/>
+                    <a:lstStyle/>
+                    <a:p>
+                      <a:r>
+                        <a:rPr lang="en-GB" dirty="0"/>
+                        <a:t>Transmission</a:t>
+                      </a:r>
+                    </a:p>
+                  </a:txBody>
+                  <a:tcPr/>
+                </a:tc>
+                <a:extLst>
+                  <a:ext uri="{0D108BD9-81ED-4DB2-BD59-A6C34878D82A}">
+                    <a16:rowId xmlns:a16="http://schemas.microsoft.com/office/drawing/2014/main" val="2235242428"/>
+                  </a:ext>
+                </a:extLst>
+              </a:tr>
+              <a:tr h="370840">
+                <a:tc>
+                  <a:txBody>
+                    <a:bodyPr/>
+                    <a:lstStyle/>
+                    <a:p>
+                      <a:r>
+                        <a:rPr lang="en-GB" dirty="0"/>
+                        <a:t>2017</a:t>
+                      </a:r>
+                    </a:p>
+                  </a:txBody>
+                  <a:tcPr/>
+                </a:tc>
+                <a:tc>
+                  <a:txBody>
+                    <a:bodyPr/>
+                    <a:lstStyle/>
+                    <a:p>
+                      <a:r>
+                        <a:rPr lang="en-GB" dirty="0"/>
+                        <a:t>250</a:t>
+                      </a:r>
+                    </a:p>
+                  </a:txBody>
+                  <a:tcPr/>
+                </a:tc>
+                <a:tc>
+                  <a:txBody>
+                    <a:bodyPr/>
+                    <a:lstStyle/>
+                    <a:p>
+                      <a:r>
+                        <a:rPr lang="en-GB" dirty="0"/>
+                        <a:t>14</a:t>
+                      </a:r>
+                    </a:p>
+                  </a:txBody>
+                  <a:tcPr/>
+                </a:tc>
+                <a:tc>
+                  <a:txBody>
+                    <a:bodyPr/>
+                    <a:lstStyle/>
+                    <a:p>
+                      <a:r>
+                        <a:rPr lang="en-GB" dirty="0"/>
+                        <a:t>4</a:t>
+                      </a:r>
+                    </a:p>
+                  </a:txBody>
+                  <a:tcPr/>
+                </a:tc>
+                <a:tc>
+                  <a:txBody>
+                    <a:bodyPr/>
+                    <a:lstStyle/>
+                    <a:p>
+                      <a:r>
+                        <a:rPr lang="en-GB" dirty="0"/>
+                        <a:t>Four-bar</a:t>
+                      </a:r>
+                    </a:p>
+                  </a:txBody>
+                  <a:tcPr/>
+                </a:tc>
+                <a:extLst>
+                  <a:ext uri="{0D108BD9-81ED-4DB2-BD59-A6C34878D82A}">
+                    <a16:rowId xmlns:a16="http://schemas.microsoft.com/office/drawing/2014/main" val="168132357"/>
+                  </a:ext>
+                </a:extLst>
+              </a:tr>
+            </a:tbl>
+          </a:graphicData>
+        </a:graphic>
+      </p:graphicFrame>
+      <p:pic>
+        <p:nvPicPr>
+          <p:cNvPr id="6" name="Grafik 5">
+            <a:extLst>
+              <a:ext uri="{FF2B5EF4-FFF2-40B4-BE49-F238E27FC236}">
+                <a16:creationId xmlns:a16="http://schemas.microsoft.com/office/drawing/2014/main" id="{8D7F3308-D43B-4D60-AE5C-AFCC68402995}"/>
+              </a:ext>
+            </a:extLst>
+          </p:cNvPr>
+          <p:cNvPicPr>
+            <a:picLocks noChangeAspect="1"/>
+          </p:cNvPicPr>
+          <p:nvPr/>
+        </p:nvPicPr>
+        <p:blipFill>
+          <a:blip r:embed="rId2">
+            <a:extLst>
+              <a:ext uri="{28A0092B-C50C-407E-A947-70E740481C1C}">
+                <a14:useLocalDpi xmlns:a14="http://schemas.microsoft.com/office/drawing/2010/main" val="0"/>
+              </a:ext>
+            </a:extLst>
+          </a:blip>
+          <a:stretch>
+            <a:fillRect/>
+          </a:stretch>
+        </p:blipFill>
+        <p:spPr>
+          <a:xfrm>
+            <a:off x="5364088" y="2652186"/>
+            <a:ext cx="3594275" cy="2994472"/>
+          </a:xfrm>
+          <a:prstGeom prst="rect">
+            <a:avLst/>
+          </a:prstGeom>
+        </p:spPr>
+      </p:pic>
+      <p:pic>
+        <p:nvPicPr>
+          <p:cNvPr id="7" name="Grafik 6">
+            <a:extLst>
+              <a:ext uri="{FF2B5EF4-FFF2-40B4-BE49-F238E27FC236}">
+                <a16:creationId xmlns:a16="http://schemas.microsoft.com/office/drawing/2014/main" id="{803C8AB7-EA14-4BA8-9800-C3597D10A191}"/>
+              </a:ext>
+            </a:extLst>
+          </p:cNvPr>
+          <p:cNvPicPr>
+            <a:picLocks noChangeAspect="1"/>
+          </p:cNvPicPr>
+          <p:nvPr/>
+        </p:nvPicPr>
+        <p:blipFill>
+          <a:blip r:embed="rId3">
+            <a:extLst>
+              <a:ext uri="{28A0092B-C50C-407E-A947-70E740481C1C}">
+                <a14:useLocalDpi xmlns:a14="http://schemas.microsoft.com/office/drawing/2010/main" val="0"/>
+              </a:ext>
+            </a:extLst>
+          </a:blip>
+          <a:stretch>
+            <a:fillRect/>
+          </a:stretch>
+        </p:blipFill>
+        <p:spPr>
+          <a:xfrm>
+            <a:off x="645057" y="4232939"/>
+            <a:ext cx="4538094" cy="1880981"/>
+          </a:xfrm>
+          <a:prstGeom prst="rect">
+            <a:avLst/>
+          </a:prstGeom>
+        </p:spPr>
+      </p:pic>
+    </p:spTree>
+    <p:extLst>
+      <p:ext uri="{BB962C8B-B14F-4D97-AF65-F5344CB8AC3E}">
+        <p14:creationId xmlns:p14="http://schemas.microsoft.com/office/powerpoint/2010/main" val="2912127993"/>
+      </p:ext>
+    </p:extLst>
+  </p:cSld>
+  <p:clrMapOvr>
+    <a:masterClrMapping/>
+  </p:clrMapOvr>
+</p:sld>
+</file>
+
+<file path=ppt/slides/slide18.xml><?xml version="1.0" encoding="utf-8"?>
+<p:sld xmlns:a="http://schemas.openxmlformats.org/drawingml/2006/main" xmlns:r="http://schemas.openxmlformats.org/officeDocument/2006/relationships" xmlns:p="http://schemas.openxmlformats.org/presentationml/2006/main">
+  <p:cSld>
+    <p:spTree>
+      <p:nvGrpSpPr>
+        <p:cNvPr id="1" name=""/>
+        <p:cNvGrpSpPr/>
+        <p:nvPr/>
+      </p:nvGrpSpPr>
+      <p:grpSpPr>
+        <a:xfrm>
+          <a:off x="0" y="0"/>
+          <a:ext cx="0" cy="0"/>
+          <a:chOff x="0" y="0"/>
+          <a:chExt cx="0" cy="0"/>
+        </a:xfrm>
+      </p:grpSpPr>
+      <p:sp>
+        <p:nvSpPr>
+          <p:cNvPr id="2" name="Titel 1">
+            <a:extLst>
+              <a:ext uri="{FF2B5EF4-FFF2-40B4-BE49-F238E27FC236}">
+                <a16:creationId xmlns:a16="http://schemas.microsoft.com/office/drawing/2014/main" id="{3699351C-6952-4BE7-8508-0B1E30FA3294}"/>
+              </a:ext>
+            </a:extLst>
+          </p:cNvPr>
+          <p:cNvSpPr>
+            <a:spLocks noGrp="1"/>
+          </p:cNvSpPr>
+          <p:nvPr>
+            <p:ph type="title"/>
+          </p:nvPr>
+        </p:nvSpPr>
+        <p:spPr/>
+        <p:txBody>
+          <a:bodyPr/>
+          <a:lstStyle/>
+          <a:p>
+            <a:r>
+              <a:rPr lang="de-DE" dirty="0"/>
+              <a:t>Outline</a:t>
+            </a:r>
+            <a:endParaRPr lang="en-US" dirty="0"/>
+          </a:p>
+        </p:txBody>
+      </p:sp>
+      <p:sp>
+        <p:nvSpPr>
+          <p:cNvPr id="3" name="Inhaltsplatzhalter 2">
+            <a:extLst>
+              <a:ext uri="{FF2B5EF4-FFF2-40B4-BE49-F238E27FC236}">
+                <a16:creationId xmlns:a16="http://schemas.microsoft.com/office/drawing/2014/main" id="{225383BA-AD7A-4E9A-A230-744C4E2A34E3}"/>
+              </a:ext>
+            </a:extLst>
+          </p:cNvPr>
+          <p:cNvSpPr>
+            <a:spLocks noGrp="1"/>
+          </p:cNvSpPr>
+          <p:nvPr>
+            <p:ph idx="1"/>
+          </p:nvPr>
+        </p:nvSpPr>
+        <p:spPr/>
+        <p:txBody>
+          <a:bodyPr/>
+          <a:lstStyle/>
+          <a:p>
+            <a:endParaRPr lang="de-DE" sz="2800" dirty="0"/>
+          </a:p>
+          <a:p>
+            <a:r>
+              <a:rPr lang="en-GB" sz="2800" dirty="0"/>
+              <a:t>Motivation and Challenges</a:t>
+            </a:r>
+          </a:p>
+          <a:p>
+            <a:endParaRPr lang="en-GB" sz="2800" dirty="0"/>
+          </a:p>
+          <a:p>
+            <a:r>
+              <a:rPr lang="en-GB" sz="2800" dirty="0"/>
+              <a:t>Overview of Hand Prostheses</a:t>
+            </a:r>
+          </a:p>
+          <a:p>
+            <a:endParaRPr lang="en-GB" sz="2800" dirty="0"/>
+          </a:p>
+          <a:p>
+            <a:r>
+              <a:rPr lang="en-GB" sz="2800" dirty="0"/>
+              <a:t>Comparison of Hand Prostheses</a:t>
+            </a:r>
+          </a:p>
+          <a:p>
+            <a:endParaRPr lang="en-GB" sz="2800" dirty="0"/>
+          </a:p>
+          <a:p>
+            <a:r>
+              <a:rPr lang="en-GB" sz="2800" dirty="0"/>
+              <a:t>Conclusion</a:t>
+            </a:r>
+          </a:p>
+        </p:txBody>
+      </p:sp>
+    </p:spTree>
+    <p:extLst>
+      <p:ext uri="{BB962C8B-B14F-4D97-AF65-F5344CB8AC3E}">
+        <p14:creationId xmlns:p14="http://schemas.microsoft.com/office/powerpoint/2010/main" val="149014162"/>
+      </p:ext>
+    </p:extLst>
+  </p:cSld>
+  <p:clrMapOvr>
+    <a:masterClrMapping/>
+  </p:clrMapOvr>
+  <p:timing>
+    <p:tnLst>
+      <p:par>
+        <p:cTn id="1" dur="indefinite" restart="never" nodeType="tmRoot">
+          <p:childTnLst>
+            <p:seq concurrent="1" nextAc="seek">
+              <p:cTn id="2" dur="indefinite" nodeType="mainSeq">
+                <p:childTnLst>
+                  <p:par>
+                    <p:cTn id="3" fill="hold">
+                      <p:stCondLst>
+                        <p:cond delay="indefinite"/>
+                        <p:cond evt="onBegin" delay="0">
+                          <p:tn val="2"/>
+                        </p:cond>
+                      </p:stCondLst>
+                      <p:childTnLst>
+                        <p:par>
+                          <p:cTn id="4" fill="hold">
+                            <p:stCondLst>
+                              <p:cond delay="0"/>
+                            </p:stCondLst>
+                            <p:childTnLst>
+                              <p:par>
+                                <p:cTn id="5" presetID="9" presetClass="emph" presetSubtype="0" nodeType="withEffect">
+                                  <p:stCondLst>
+                                    <p:cond delay="0"/>
+                                  </p:stCondLst>
+                                  <p:childTnLst>
+                                    <p:set>
+                                      <p:cBhvr>
+                                        <p:cTn id="6" dur="indefinite"/>
+                                        <p:tgtEl>
+                                          <p:spTgt spid="3">
+                                            <p:txEl>
+                                              <p:pRg st="3" end="3"/>
+                                            </p:txEl>
+                                          </p:spTgt>
+                                        </p:tgtEl>
+                                        <p:attrNameLst>
+                                          <p:attrName>style.opacity</p:attrName>
+                                        </p:attrNameLst>
+                                      </p:cBhvr>
+                                      <p:to>
+                                        <p:strVal val="0.5"/>
+                                      </p:to>
+                                    </p:set>
+                                    <p:animEffect filter="image" prLst="opacity: 0.5">
+                                      <p:cBhvr rctx="IE">
+                                        <p:cTn id="7" dur="indefinite"/>
+                                        <p:tgtEl>
+                                          <p:spTgt spid="3">
+                                            <p:txEl>
+                                              <p:pRg st="3" end="3"/>
+                                            </p:txEl>
+                                          </p:spTgt>
+                                        </p:tgtEl>
+                                      </p:cBhvr>
+                                    </p:animEffect>
+                                  </p:childTnLst>
+                                </p:cTn>
+                              </p:par>
+                              <p:par>
+                                <p:cTn id="8" presetID="9" presetClass="emph" presetSubtype="0" nodeType="withEffect">
+                                  <p:stCondLst>
+                                    <p:cond delay="0"/>
+                                  </p:stCondLst>
+                                  <p:childTnLst>
+                                    <p:set>
+                                      <p:cBhvr>
+                                        <p:cTn id="9" dur="indefinite"/>
+                                        <p:tgtEl>
+                                          <p:spTgt spid="3">
+                                            <p:txEl>
+                                              <p:pRg st="7" end="7"/>
+                                            </p:txEl>
+                                          </p:spTgt>
+                                        </p:tgtEl>
+                                        <p:attrNameLst>
+                                          <p:attrName>style.opacity</p:attrName>
+                                        </p:attrNameLst>
+                                      </p:cBhvr>
+                                      <p:to>
+                                        <p:strVal val="0.5"/>
+                                      </p:to>
+                                    </p:set>
+                                    <p:animEffect filter="image" prLst="opacity: 0.5">
+                                      <p:cBhvr rctx="IE">
+                                        <p:cTn id="10" dur="indefinite"/>
+                                        <p:tgtEl>
+                                          <p:spTgt spid="3">
+                                            <p:txEl>
+                                              <p:pRg st="7" end="7"/>
+                                            </p:txEl>
+                                          </p:spTgt>
+                                        </p:tgtEl>
+                                      </p:cBhvr>
+                                    </p:animEffect>
+                                  </p:childTnLst>
+                                </p:cTn>
+                              </p:par>
+                              <p:par>
+                                <p:cTn id="11" presetID="9" presetClass="emph" presetSubtype="0" nodeType="withEffect">
+                                  <p:stCondLst>
+                                    <p:cond delay="0"/>
+                                  </p:stCondLst>
+                                  <p:childTnLst>
+                                    <p:set>
+                                      <p:cBhvr>
+                                        <p:cTn id="12" dur="indefinite"/>
+                                        <p:tgtEl>
+                                          <p:spTgt spid="3">
+                                            <p:txEl>
+                                              <p:pRg st="1" end="1"/>
+                                            </p:txEl>
+                                          </p:spTgt>
+                                        </p:tgtEl>
+                                        <p:attrNameLst>
+                                          <p:attrName>style.opacity</p:attrName>
+                                        </p:attrNameLst>
+                                      </p:cBhvr>
+                                      <p:to>
+                                        <p:strVal val="0.5"/>
+                                      </p:to>
+                                    </p:set>
+                                    <p:animEffect filter="image" prLst="opacity: 0.5">
+                                      <p:cBhvr rctx="IE">
+                                        <p:cTn id="13" dur="indefinite"/>
+                                        <p:tgtEl>
+                                          <p:spTgt spid="3">
+                                            <p:txEl>
+                                              <p:pRg st="1" end="1"/>
+                                            </p:txEl>
+                                          </p:spTgt>
+                                        </p:tgtEl>
+                                      </p:cBhvr>
+                                    </p:animEffect>
+                                  </p:childTnLst>
+                                </p:cTn>
+                              </p:par>
+                            </p:childTnLst>
+                          </p:cTn>
+                        </p:par>
+                      </p:childTnLst>
+                    </p:cTn>
+                  </p:par>
+                </p:childTnLst>
+              </p:cTn>
+              <p:prevCondLst>
+                <p:cond evt="onPrev" delay="0">
+                  <p:tgtEl>
+                    <p:sldTgt/>
+                  </p:tgtEl>
+                </p:cond>
+              </p:prevCondLst>
+              <p:nextCondLst>
+                <p:cond evt="onNext" delay="0">
+                  <p:tgtEl>
+                    <p:sldTgt/>
+                  </p:tgtEl>
+                </p:cond>
+              </p:nextCondLst>
+            </p:seq>
+          </p:childTnLst>
+        </p:cTn>
+      </p:par>
+    </p:tnLst>
+  </p:timing>
+</p:sld>
+</file>
+
+<file path=ppt/slides/slide19.xml><?xml version="1.0" encoding="utf-8"?>
+<p:sld xmlns:a="http://schemas.openxmlformats.org/drawingml/2006/main" xmlns:r="http://schemas.openxmlformats.org/officeDocument/2006/relationships" xmlns:p="http://schemas.openxmlformats.org/presentationml/2006/main">
+  <p:cSld>
+    <p:spTree>
+      <p:nvGrpSpPr>
+        <p:cNvPr id="1" name=""/>
+        <p:cNvGrpSpPr/>
+        <p:nvPr/>
+      </p:nvGrpSpPr>
+      <p:grpSpPr>
+        <a:xfrm>
+          <a:off x="0" y="0"/>
+          <a:ext cx="0" cy="0"/>
+          <a:chOff x="0" y="0"/>
+          <a:chExt cx="0" cy="0"/>
+        </a:xfrm>
+      </p:grpSpPr>
+      <p:sp>
+        <p:nvSpPr>
+          <p:cNvPr id="2" name="Titel 1">
+            <a:extLst>
+              <a:ext uri="{FF2B5EF4-FFF2-40B4-BE49-F238E27FC236}">
+                <a16:creationId xmlns:a16="http://schemas.microsoft.com/office/drawing/2014/main" id="{43F80CC8-3C75-4C83-AE27-FCF8557B8313}"/>
+              </a:ext>
+            </a:extLst>
+          </p:cNvPr>
+          <p:cNvSpPr>
+            <a:spLocks noGrp="1"/>
+          </p:cNvSpPr>
+          <p:nvPr>
+            <p:ph type="title"/>
+          </p:nvPr>
+        </p:nvSpPr>
+        <p:spPr/>
+        <p:txBody>
+          <a:bodyPr/>
+          <a:lstStyle/>
+          <a:p>
+            <a:r>
+              <a:rPr lang="en-GB" dirty="0"/>
+              <a:t>Physical properties</a:t>
+            </a:r>
+          </a:p>
+        </p:txBody>
+      </p:sp>
+      <p:sp>
+        <p:nvSpPr>
+          <p:cNvPr id="3" name="Inhaltsplatzhalter 2">
+            <a:extLst>
+              <a:ext uri="{FF2B5EF4-FFF2-40B4-BE49-F238E27FC236}">
+                <a16:creationId xmlns:a16="http://schemas.microsoft.com/office/drawing/2014/main" id="{F6DA090D-1F9F-4E26-9CEC-E663B6C7F5CA}"/>
+              </a:ext>
+            </a:extLst>
+          </p:cNvPr>
+          <p:cNvSpPr>
+            <a:spLocks noGrp="1"/>
+          </p:cNvSpPr>
+          <p:nvPr>
+            <p:ph idx="1"/>
+          </p:nvPr>
+        </p:nvSpPr>
+        <p:spPr/>
+        <p:txBody>
+          <a:bodyPr/>
+          <a:lstStyle/>
+          <a:p>
+            <a:endParaRPr lang="en-GB"/>
+          </a:p>
+        </p:txBody>
+      </p:sp>
+    </p:spTree>
+    <p:extLst>
+      <p:ext uri="{BB962C8B-B14F-4D97-AF65-F5344CB8AC3E}">
+        <p14:creationId xmlns:p14="http://schemas.microsoft.com/office/powerpoint/2010/main" val="3385354321"/>
+      </p:ext>
+    </p:extLst>
+  </p:cSld>
+  <p:clrMapOvr>
+    <a:masterClrMapping/>
+  </p:clrMapOvr>
+</p:sld>
+</file>
+
 <file path=ppt/slides/slide2.xml><?xml version="1.0" encoding="utf-8"?>
+<p:sld xmlns:a="http://schemas.openxmlformats.org/drawingml/2006/main" xmlns:r="http://schemas.openxmlformats.org/officeDocument/2006/relationships" xmlns:p="http://schemas.openxmlformats.org/presentationml/2006/main">
+  <p:cSld>
+    <p:spTree>
+      <p:nvGrpSpPr>
+        <p:cNvPr id="1" name=""/>
+        <p:cNvGrpSpPr/>
+        <p:nvPr/>
+      </p:nvGrpSpPr>
+      <p:grpSpPr>
+        <a:xfrm>
+          <a:off x="0" y="0"/>
+          <a:ext cx="0" cy="0"/>
+          <a:chOff x="0" y="0"/>
+          <a:chExt cx="0" cy="0"/>
+        </a:xfrm>
+      </p:grpSpPr>
+      <p:sp>
+        <p:nvSpPr>
+          <p:cNvPr id="2" name="Titel 1">
+            <a:extLst>
+              <a:ext uri="{FF2B5EF4-FFF2-40B4-BE49-F238E27FC236}">
+                <a16:creationId xmlns:a16="http://schemas.microsoft.com/office/drawing/2014/main" id="{3699351C-6952-4BE7-8508-0B1E30FA3294}"/>
+              </a:ext>
+            </a:extLst>
+          </p:cNvPr>
+          <p:cNvSpPr>
+            <a:spLocks noGrp="1"/>
+          </p:cNvSpPr>
+          <p:nvPr>
+            <p:ph type="title"/>
+          </p:nvPr>
+        </p:nvSpPr>
+        <p:spPr/>
+        <p:txBody>
+          <a:bodyPr/>
+          <a:lstStyle/>
+          <a:p>
+            <a:r>
+              <a:rPr lang="de-DE" dirty="0"/>
+              <a:t>Outline</a:t>
+            </a:r>
+            <a:endParaRPr lang="en-US" dirty="0"/>
+          </a:p>
+        </p:txBody>
+      </p:sp>
+      <p:sp>
+        <p:nvSpPr>
+          <p:cNvPr id="3" name="Inhaltsplatzhalter 2">
+            <a:extLst>
+              <a:ext uri="{FF2B5EF4-FFF2-40B4-BE49-F238E27FC236}">
+                <a16:creationId xmlns:a16="http://schemas.microsoft.com/office/drawing/2014/main" id="{225383BA-AD7A-4E9A-A230-744C4E2A34E3}"/>
+              </a:ext>
+            </a:extLst>
+          </p:cNvPr>
+          <p:cNvSpPr>
+            <a:spLocks noGrp="1"/>
+          </p:cNvSpPr>
+          <p:nvPr>
+            <p:ph idx="1"/>
+          </p:nvPr>
+        </p:nvSpPr>
+        <p:spPr/>
+        <p:txBody>
+          <a:bodyPr/>
+          <a:lstStyle/>
+          <a:p>
+            <a:endParaRPr lang="de-DE" sz="2800" dirty="0"/>
+          </a:p>
+          <a:p>
+            <a:r>
+              <a:rPr lang="en-GB" sz="2800" dirty="0"/>
+              <a:t>Motivation and Challenges</a:t>
+            </a:r>
+          </a:p>
+          <a:p>
+            <a:endParaRPr lang="en-GB" sz="2800" dirty="0"/>
+          </a:p>
+          <a:p>
+            <a:r>
+              <a:rPr lang="en-GB" sz="2800" dirty="0"/>
+              <a:t>Overview of Hand Prostheses</a:t>
+            </a:r>
+          </a:p>
+          <a:p>
+            <a:endParaRPr lang="en-GB" sz="2800" dirty="0"/>
+          </a:p>
+          <a:p>
+            <a:r>
+              <a:rPr lang="en-GB" sz="2800" dirty="0"/>
+              <a:t>Comparison of Hand Prostheses</a:t>
+            </a:r>
+          </a:p>
+          <a:p>
+            <a:endParaRPr lang="en-GB" sz="2800" dirty="0"/>
+          </a:p>
+          <a:p>
+            <a:r>
+              <a:rPr lang="en-GB" sz="2800" dirty="0"/>
+              <a:t>Conclusion</a:t>
+            </a:r>
+          </a:p>
+        </p:txBody>
+      </p:sp>
+    </p:spTree>
+    <p:extLst>
+      <p:ext uri="{BB962C8B-B14F-4D97-AF65-F5344CB8AC3E}">
+        <p14:creationId xmlns:p14="http://schemas.microsoft.com/office/powerpoint/2010/main" val="39975438"/>
+      </p:ext>
+    </p:extLst>
+  </p:cSld>
+  <p:clrMapOvr>
+    <a:masterClrMapping/>
+  </p:clrMapOvr>
+  <p:timing>
+    <p:tnLst>
+      <p:par>
+        <p:cTn id="1" dur="indefinite" restart="never" nodeType="tmRoot">
+          <p:childTnLst>
+            <p:seq concurrent="1" nextAc="seek">
+              <p:cTn id="2" dur="indefinite" nodeType="mainSeq">
+                <p:childTnLst>
+                  <p:par>
+                    <p:cTn id="3" fill="hold">
+                      <p:stCondLst>
+                        <p:cond delay="indefinite"/>
+                        <p:cond evt="onBegin" delay="0">
+                          <p:tn val="2"/>
+                        </p:cond>
+                      </p:stCondLst>
+                      <p:childTnLst>
+                        <p:par>
+                          <p:cTn id="4" fill="hold">
+                            <p:stCondLst>
+                              <p:cond delay="0"/>
+                            </p:stCondLst>
+                            <p:childTnLst>
+                              <p:par>
+                                <p:cTn id="5" presetID="9" presetClass="emph" presetSubtype="0" nodeType="afterEffect">
+                                  <p:stCondLst>
+                                    <p:cond delay="0"/>
+                                  </p:stCondLst>
+                                  <p:childTnLst>
+                                    <p:set>
+                                      <p:cBhvr>
+                                        <p:cTn id="6" dur="indefinite"/>
+                                        <p:tgtEl>
+                                          <p:spTgt spid="3">
+                                            <p:txEl>
+                                              <p:pRg st="3" end="3"/>
+                                            </p:txEl>
+                                          </p:spTgt>
+                                        </p:tgtEl>
+                                        <p:attrNameLst>
+                                          <p:attrName>style.opacity</p:attrName>
+                                        </p:attrNameLst>
+                                      </p:cBhvr>
+                                      <p:to>
+                                        <p:strVal val="0.25"/>
+                                      </p:to>
+                                    </p:set>
+                                    <p:animEffect filter="image" prLst="opacity: 0.25">
+                                      <p:cBhvr rctx="IE">
+                                        <p:cTn id="7" dur="indefinite"/>
+                                        <p:tgtEl>
+                                          <p:spTgt spid="3">
+                                            <p:txEl>
+                                              <p:pRg st="3" end="3"/>
+                                            </p:txEl>
+                                          </p:spTgt>
+                                        </p:tgtEl>
+                                      </p:cBhvr>
+                                    </p:animEffect>
+                                  </p:childTnLst>
+                                </p:cTn>
+                              </p:par>
+                            </p:childTnLst>
+                          </p:cTn>
+                        </p:par>
+                        <p:par>
+                          <p:cTn id="8" fill="hold">
+                            <p:stCondLst>
+                              <p:cond delay="0"/>
+                            </p:stCondLst>
+                            <p:childTnLst>
+                              <p:par>
+                                <p:cTn id="9" presetID="9" presetClass="emph" presetSubtype="0" nodeType="afterEffect">
+                                  <p:stCondLst>
+                                    <p:cond delay="0"/>
+                                  </p:stCondLst>
+                                  <p:childTnLst>
+                                    <p:set>
+                                      <p:cBhvr>
+                                        <p:cTn id="10" dur="indefinite"/>
+                                        <p:tgtEl>
+                                          <p:spTgt spid="3">
+                                            <p:txEl>
+                                              <p:pRg st="5" end="5"/>
+                                            </p:txEl>
+                                          </p:spTgt>
+                                        </p:tgtEl>
+                                        <p:attrNameLst>
+                                          <p:attrName>style.opacity</p:attrName>
+                                        </p:attrNameLst>
+                                      </p:cBhvr>
+                                      <p:to>
+                                        <p:strVal val="0.25"/>
+                                      </p:to>
+                                    </p:set>
+                                    <p:animEffect filter="image" prLst="opacity: 0.25">
+                                      <p:cBhvr rctx="IE">
+                                        <p:cTn id="11" dur="indefinite"/>
+                                        <p:tgtEl>
+                                          <p:spTgt spid="3">
+                                            <p:txEl>
+                                              <p:pRg st="5" end="5"/>
+                                            </p:txEl>
+                                          </p:spTgt>
+                                        </p:tgtEl>
+                                      </p:cBhvr>
+                                    </p:animEffect>
+                                  </p:childTnLst>
+                                </p:cTn>
+                              </p:par>
+                            </p:childTnLst>
+                          </p:cTn>
+                        </p:par>
+                        <p:par>
+                          <p:cTn id="12" fill="hold">
+                            <p:stCondLst>
+                              <p:cond delay="0"/>
+                            </p:stCondLst>
+                            <p:childTnLst>
+                              <p:par>
+                                <p:cTn id="13" presetID="9" presetClass="emph" presetSubtype="0" nodeType="afterEffect">
+                                  <p:stCondLst>
+                                    <p:cond delay="0"/>
+                                  </p:stCondLst>
+                                  <p:childTnLst>
+                                    <p:set>
+                                      <p:cBhvr>
+                                        <p:cTn id="14" dur="indefinite"/>
+                                        <p:tgtEl>
+                                          <p:spTgt spid="3">
+                                            <p:txEl>
+                                              <p:pRg st="7" end="7"/>
+                                            </p:txEl>
+                                          </p:spTgt>
+                                        </p:tgtEl>
+                                        <p:attrNameLst>
+                                          <p:attrName>style.opacity</p:attrName>
+                                        </p:attrNameLst>
+                                      </p:cBhvr>
+                                      <p:to>
+                                        <p:strVal val="0.25"/>
+                                      </p:to>
+                                    </p:set>
+                                    <p:animEffect filter="image" prLst="opacity: 0.25">
+                                      <p:cBhvr rctx="IE">
+                                        <p:cTn id="15" dur="indefinite"/>
+                                        <p:tgtEl>
+                                          <p:spTgt spid="3">
+                                            <p:txEl>
+                                              <p:pRg st="7" end="7"/>
+                                            </p:txEl>
+                                          </p:spTgt>
+                                        </p:tgtEl>
+                                      </p:cBhvr>
+                                    </p:animEffect>
+                                  </p:childTnLst>
+                                </p:cTn>
+                              </p:par>
+                            </p:childTnLst>
+                          </p:cTn>
+                        </p:par>
+                      </p:childTnLst>
+                    </p:cTn>
+                  </p:par>
+                </p:childTnLst>
+              </p:cTn>
+              <p:prevCondLst>
+                <p:cond evt="onPrev" delay="0">
+                  <p:tgtEl>
+                    <p:sldTgt/>
+                  </p:tgtEl>
+                </p:cond>
+              </p:prevCondLst>
+              <p:nextCondLst>
+                <p:cond evt="onNext" delay="0">
+                  <p:tgtEl>
+                    <p:sldTgt/>
+                  </p:tgtEl>
+                </p:cond>
+              </p:nextCondLst>
+            </p:seq>
+          </p:childTnLst>
+        </p:cTn>
+      </p:par>
+    </p:tnLst>
+  </p:timing>
+</p:sld>
+</file>
+
+<file path=ppt/slides/slide20.xml><?xml version="1.0" encoding="utf-8"?>
+<p:sld xmlns:a="http://schemas.openxmlformats.org/drawingml/2006/main" xmlns:r="http://schemas.openxmlformats.org/officeDocument/2006/relationships" xmlns:p="http://schemas.openxmlformats.org/presentationml/2006/main">
+  <p:cSld>
+    <p:spTree>
+      <p:nvGrpSpPr>
+        <p:cNvPr id="1" name=""/>
+        <p:cNvGrpSpPr/>
+        <p:nvPr/>
+      </p:nvGrpSpPr>
+      <p:grpSpPr>
+        <a:xfrm>
+          <a:off x="0" y="0"/>
+          <a:ext cx="0" cy="0"/>
+          <a:chOff x="0" y="0"/>
+          <a:chExt cx="0" cy="0"/>
+        </a:xfrm>
+      </p:grpSpPr>
+      <p:sp>
+        <p:nvSpPr>
+          <p:cNvPr id="2" name="Titel 1">
+            <a:extLst>
+              <a:ext uri="{FF2B5EF4-FFF2-40B4-BE49-F238E27FC236}">
+                <a16:creationId xmlns:a16="http://schemas.microsoft.com/office/drawing/2014/main" id="{3699351C-6952-4BE7-8508-0B1E30FA3294}"/>
+              </a:ext>
+            </a:extLst>
+          </p:cNvPr>
+          <p:cNvSpPr>
+            <a:spLocks noGrp="1"/>
+          </p:cNvSpPr>
+          <p:nvPr>
+            <p:ph type="title"/>
+          </p:nvPr>
+        </p:nvSpPr>
+        <p:spPr/>
+        <p:txBody>
+          <a:bodyPr/>
+          <a:lstStyle/>
+          <a:p>
+            <a:r>
+              <a:rPr lang="de-DE" dirty="0"/>
+              <a:t>Outline</a:t>
+            </a:r>
+            <a:endParaRPr lang="en-US" dirty="0"/>
+          </a:p>
+        </p:txBody>
+      </p:sp>
+      <p:sp>
+        <p:nvSpPr>
+          <p:cNvPr id="3" name="Inhaltsplatzhalter 2">
+            <a:extLst>
+              <a:ext uri="{FF2B5EF4-FFF2-40B4-BE49-F238E27FC236}">
+                <a16:creationId xmlns:a16="http://schemas.microsoft.com/office/drawing/2014/main" id="{225383BA-AD7A-4E9A-A230-744C4E2A34E3}"/>
+              </a:ext>
+            </a:extLst>
+          </p:cNvPr>
+          <p:cNvSpPr>
+            <a:spLocks noGrp="1"/>
+          </p:cNvSpPr>
+          <p:nvPr>
+            <p:ph idx="1"/>
+          </p:nvPr>
+        </p:nvSpPr>
+        <p:spPr/>
+        <p:txBody>
+          <a:bodyPr/>
+          <a:lstStyle/>
+          <a:p>
+            <a:endParaRPr lang="de-DE" sz="2800" dirty="0"/>
+          </a:p>
+          <a:p>
+            <a:r>
+              <a:rPr lang="en-GB" sz="2800" dirty="0"/>
+              <a:t>Motivation and Challenges</a:t>
+            </a:r>
+          </a:p>
+          <a:p>
+            <a:endParaRPr lang="en-GB" sz="2800" dirty="0"/>
+          </a:p>
+          <a:p>
+            <a:r>
+              <a:rPr lang="en-GB" sz="2800" dirty="0"/>
+              <a:t>Overview of Hand Prostheses</a:t>
+            </a:r>
+          </a:p>
+          <a:p>
+            <a:endParaRPr lang="en-GB" sz="2800" dirty="0"/>
+          </a:p>
+          <a:p>
+            <a:r>
+              <a:rPr lang="en-GB" sz="2800" dirty="0"/>
+              <a:t>Comparison of Hand Prostheses</a:t>
+            </a:r>
+          </a:p>
+          <a:p>
+            <a:endParaRPr lang="en-GB" sz="2800" dirty="0"/>
+          </a:p>
+          <a:p>
+            <a:r>
+              <a:rPr lang="en-GB" sz="2800" dirty="0"/>
+              <a:t>Conclusion</a:t>
+            </a:r>
+          </a:p>
+        </p:txBody>
+      </p:sp>
+    </p:spTree>
+    <p:extLst>
+      <p:ext uri="{BB962C8B-B14F-4D97-AF65-F5344CB8AC3E}">
+        <p14:creationId xmlns:p14="http://schemas.microsoft.com/office/powerpoint/2010/main" val="2468609223"/>
+      </p:ext>
+    </p:extLst>
+  </p:cSld>
+  <p:clrMapOvr>
+    <a:masterClrMapping/>
+  </p:clrMapOvr>
+  <p:timing>
+    <p:tnLst>
+      <p:par>
+        <p:cTn id="1" dur="indefinite" restart="never" nodeType="tmRoot">
+          <p:childTnLst>
+            <p:seq concurrent="1" nextAc="seek">
+              <p:cTn id="2" dur="indefinite" nodeType="mainSeq">
+                <p:childTnLst>
+                  <p:par>
+                    <p:cTn id="3" fill="hold">
+                      <p:stCondLst>
+                        <p:cond delay="indefinite"/>
+                        <p:cond evt="onBegin" delay="0">
+                          <p:tn val="2"/>
+                        </p:cond>
+                      </p:stCondLst>
+                      <p:childTnLst>
+                        <p:par>
+                          <p:cTn id="4" fill="hold">
+                            <p:stCondLst>
+                              <p:cond delay="0"/>
+                            </p:stCondLst>
+                            <p:childTnLst>
+                              <p:par>
+                                <p:cTn id="5" presetID="9" presetClass="emph" presetSubtype="0" nodeType="withEffect">
+                                  <p:stCondLst>
+                                    <p:cond delay="0"/>
+                                  </p:stCondLst>
+                                  <p:childTnLst>
+                                    <p:set>
+                                      <p:cBhvr>
+                                        <p:cTn id="6" dur="indefinite"/>
+                                        <p:tgtEl>
+                                          <p:spTgt spid="3">
+                                            <p:txEl>
+                                              <p:pRg st="3" end="3"/>
+                                            </p:txEl>
+                                          </p:spTgt>
+                                        </p:tgtEl>
+                                        <p:attrNameLst>
+                                          <p:attrName>style.opacity</p:attrName>
+                                        </p:attrNameLst>
+                                      </p:cBhvr>
+                                      <p:to>
+                                        <p:strVal val="0.5"/>
+                                      </p:to>
+                                    </p:set>
+                                    <p:animEffect filter="image" prLst="opacity: 0.5">
+                                      <p:cBhvr rctx="IE">
+                                        <p:cTn id="7" dur="indefinite"/>
+                                        <p:tgtEl>
+                                          <p:spTgt spid="3">
+                                            <p:txEl>
+                                              <p:pRg st="3" end="3"/>
+                                            </p:txEl>
+                                          </p:spTgt>
+                                        </p:tgtEl>
+                                      </p:cBhvr>
+                                    </p:animEffect>
+                                  </p:childTnLst>
+                                </p:cTn>
+                              </p:par>
+                              <p:par>
+                                <p:cTn id="8" presetID="9" presetClass="emph" presetSubtype="0" nodeType="withEffect">
+                                  <p:stCondLst>
+                                    <p:cond delay="0"/>
+                                  </p:stCondLst>
+                                  <p:childTnLst>
+                                    <p:set>
+                                      <p:cBhvr>
+                                        <p:cTn id="9" dur="indefinite"/>
+                                        <p:tgtEl>
+                                          <p:spTgt spid="3">
+                                            <p:txEl>
+                                              <p:pRg st="5" end="5"/>
+                                            </p:txEl>
+                                          </p:spTgt>
+                                        </p:tgtEl>
+                                        <p:attrNameLst>
+                                          <p:attrName>style.opacity</p:attrName>
+                                        </p:attrNameLst>
+                                      </p:cBhvr>
+                                      <p:to>
+                                        <p:strVal val="0.5"/>
+                                      </p:to>
+                                    </p:set>
+                                    <p:animEffect filter="image" prLst="opacity: 0.5">
+                                      <p:cBhvr rctx="IE">
+                                        <p:cTn id="10" dur="indefinite"/>
+                                        <p:tgtEl>
+                                          <p:spTgt spid="3">
+                                            <p:txEl>
+                                              <p:pRg st="5" end="5"/>
+                                            </p:txEl>
+                                          </p:spTgt>
+                                        </p:tgtEl>
+                                      </p:cBhvr>
+                                    </p:animEffect>
+                                  </p:childTnLst>
+                                </p:cTn>
+                              </p:par>
+                              <p:par>
+                                <p:cTn id="11" presetID="9" presetClass="emph" presetSubtype="0" nodeType="withEffect">
+                                  <p:stCondLst>
+                                    <p:cond delay="0"/>
+                                  </p:stCondLst>
+                                  <p:childTnLst>
+                                    <p:set>
+                                      <p:cBhvr>
+                                        <p:cTn id="12" dur="indefinite"/>
+                                        <p:tgtEl>
+                                          <p:spTgt spid="3">
+                                            <p:txEl>
+                                              <p:pRg st="1" end="1"/>
+                                            </p:txEl>
+                                          </p:spTgt>
+                                        </p:tgtEl>
+                                        <p:attrNameLst>
+                                          <p:attrName>style.opacity</p:attrName>
+                                        </p:attrNameLst>
+                                      </p:cBhvr>
+                                      <p:to>
+                                        <p:strVal val="0.5"/>
+                                      </p:to>
+                                    </p:set>
+                                    <p:animEffect filter="image" prLst="opacity: 0.5">
+                                      <p:cBhvr rctx="IE">
+                                        <p:cTn id="13" dur="indefinite"/>
+                                        <p:tgtEl>
+                                          <p:spTgt spid="3">
+                                            <p:txEl>
+                                              <p:pRg st="1" end="1"/>
+                                            </p:txEl>
+                                          </p:spTgt>
+                                        </p:tgtEl>
+                                      </p:cBhvr>
+                                    </p:animEffect>
+                                  </p:childTnLst>
+                                </p:cTn>
+                              </p:par>
+                            </p:childTnLst>
+                          </p:cTn>
+                        </p:par>
+                      </p:childTnLst>
+                    </p:cTn>
+                  </p:par>
+                </p:childTnLst>
+              </p:cTn>
+              <p:prevCondLst>
+                <p:cond evt="onPrev" delay="0">
+                  <p:tgtEl>
+                    <p:sldTgt/>
+                  </p:tgtEl>
+                </p:cond>
+              </p:prevCondLst>
+              <p:nextCondLst>
+                <p:cond evt="onNext" delay="0">
+                  <p:tgtEl>
+                    <p:sldTgt/>
+                  </p:tgtEl>
+                </p:cond>
+              </p:nextCondLst>
+            </p:seq>
+          </p:childTnLst>
+        </p:cTn>
+      </p:par>
+    </p:tnLst>
+  </p:timing>
+</p:sld>
+</file>
+
+<file path=ppt/slides/slide21.xml><?xml version="1.0" encoding="utf-8"?>
+<p:sld xmlns:a="http://schemas.openxmlformats.org/drawingml/2006/main" xmlns:r="http://schemas.openxmlformats.org/officeDocument/2006/relationships" xmlns:p="http://schemas.openxmlformats.org/presentationml/2006/main">
+  <p:cSld>
+    <p:spTree>
+      <p:nvGrpSpPr>
+        <p:cNvPr id="1" name=""/>
+        <p:cNvGrpSpPr/>
+        <p:nvPr/>
+      </p:nvGrpSpPr>
+      <p:grpSpPr>
+        <a:xfrm>
+          <a:off x="0" y="0"/>
+          <a:ext cx="0" cy="0"/>
+          <a:chOff x="0" y="0"/>
+          <a:chExt cx="0" cy="0"/>
+        </a:xfrm>
+      </p:grpSpPr>
+      <p:sp>
+        <p:nvSpPr>
+          <p:cNvPr id="2" name="Titel 1">
+            <a:extLst>
+              <a:ext uri="{FF2B5EF4-FFF2-40B4-BE49-F238E27FC236}">
+                <a16:creationId xmlns:a16="http://schemas.microsoft.com/office/drawing/2014/main" id="{65E9BC36-A03F-432F-8B19-1CD514EDA9B0}"/>
+              </a:ext>
+            </a:extLst>
+          </p:cNvPr>
+          <p:cNvSpPr>
+            <a:spLocks noGrp="1"/>
+          </p:cNvSpPr>
+          <p:nvPr>
+            <p:ph type="title"/>
+          </p:nvPr>
+        </p:nvSpPr>
+        <p:spPr/>
+        <p:txBody>
+          <a:bodyPr/>
+          <a:lstStyle/>
+          <a:p>
+            <a:r>
+              <a:rPr lang="en-GB" dirty="0"/>
+              <a:t>Conclusion</a:t>
+            </a:r>
+          </a:p>
+        </p:txBody>
+      </p:sp>
+      <p:sp>
+        <p:nvSpPr>
+          <p:cNvPr id="3" name="Inhaltsplatzhalter 2">
+            <a:extLst>
+              <a:ext uri="{FF2B5EF4-FFF2-40B4-BE49-F238E27FC236}">
+                <a16:creationId xmlns:a16="http://schemas.microsoft.com/office/drawing/2014/main" id="{FEFD864B-4174-47BF-BF5A-2D286D2C2295}"/>
+              </a:ext>
+            </a:extLst>
+          </p:cNvPr>
+          <p:cNvSpPr>
+            <a:spLocks noGrp="1"/>
+          </p:cNvSpPr>
+          <p:nvPr>
+            <p:ph idx="1"/>
+          </p:nvPr>
+        </p:nvSpPr>
+        <p:spPr/>
+        <p:txBody>
+          <a:bodyPr/>
+          <a:lstStyle/>
+          <a:p>
+            <a:endParaRPr lang="en-GB" dirty="0"/>
+          </a:p>
+          <a:p>
+            <a:r>
+              <a:rPr lang="en-GB" dirty="0"/>
+              <a:t>Most research groups focused mainly on one important feature in their hand design</a:t>
+            </a:r>
+          </a:p>
+          <a:p>
+            <a:endParaRPr lang="en-GB" dirty="0"/>
+          </a:p>
+          <a:p>
+            <a:r>
+              <a:rPr lang="en-GB" dirty="0"/>
+              <a:t>The main goal was to develop preferably low-cost protheses</a:t>
+            </a:r>
+          </a:p>
+          <a:p>
+            <a:endParaRPr lang="en-GB" dirty="0"/>
+          </a:p>
+          <a:p>
+            <a:r>
+              <a:rPr lang="en-GB" dirty="0"/>
+              <a:t>Only a few tried to incorporate intelligent functions</a:t>
+            </a:r>
+          </a:p>
+        </p:txBody>
+      </p:sp>
+    </p:spTree>
+    <p:extLst>
+      <p:ext uri="{BB962C8B-B14F-4D97-AF65-F5344CB8AC3E}">
+        <p14:creationId xmlns:p14="http://schemas.microsoft.com/office/powerpoint/2010/main" val="495516287"/>
+      </p:ext>
+    </p:extLst>
+  </p:cSld>
+  <p:clrMapOvr>
+    <a:masterClrMapping/>
+  </p:clrMapOvr>
+</p:sld>
+</file>
+
+<file path=ppt/slides/slide3.xml><?xml version="1.0" encoding="utf-8"?>
 <p:sld xmlns:a="http://schemas.openxmlformats.org/drawingml/2006/main" xmlns:r="http://schemas.openxmlformats.org/officeDocument/2006/relationships" xmlns:p="http://schemas.openxmlformats.org/presentationml/2006/main">
   <p:cSld>
     <p:spTree>
@@ -3727,13 +7842,9 @@
           <a:p>
             <a:r>
               <a:rPr lang="de-DE" dirty="0"/>
-              <a:t>M</a:t>
-            </a:r>
-            <a:r>
-              <a:rPr lang="en-US" dirty="0" err="1"/>
-              <a:t>otivation</a:t>
-            </a:r>
-            <a:endParaRPr lang="en-US" dirty="0"/>
+              <a:t>Motivation</a:t>
+            </a:r>
+            <a:endParaRPr lang="en-GB" dirty="0"/>
           </a:p>
         </p:txBody>
       </p:sp>
@@ -3756,151 +7867,100 @@
           </a:p>
           <a:p>
             <a:r>
-              <a:rPr lang="de-DE" dirty="0" err="1"/>
-              <a:t>Why</a:t>
-            </a:r>
-            <a:r>
-              <a:rPr lang="de-DE" dirty="0"/>
-              <a:t> </a:t>
-            </a:r>
-            <a:r>
-              <a:rPr lang="de-DE" dirty="0" err="1"/>
-              <a:t>hand</a:t>
-            </a:r>
-            <a:r>
-              <a:rPr lang="de-DE" dirty="0"/>
-              <a:t> </a:t>
-            </a:r>
-            <a:r>
-              <a:rPr lang="de-DE" dirty="0" err="1"/>
-              <a:t>prostheses</a:t>
-            </a:r>
-            <a:r>
-              <a:rPr lang="de-DE" dirty="0"/>
-              <a:t>?</a:t>
+              <a:rPr lang="en-GB" dirty="0"/>
+              <a:t>Why myoelectric hand prostheses?</a:t>
             </a:r>
           </a:p>
           <a:p>
             <a:pPr lvl="1"/>
             <a:r>
-              <a:rPr lang="de-DE" dirty="0" err="1"/>
-              <a:t>Replace</a:t>
-            </a:r>
-            <a:r>
-              <a:rPr lang="de-DE" dirty="0"/>
-              <a:t> </a:t>
-            </a:r>
-            <a:r>
-              <a:rPr lang="de-DE" dirty="0" err="1"/>
-              <a:t>missing</a:t>
-            </a:r>
-            <a:r>
-              <a:rPr lang="de-DE" dirty="0"/>
-              <a:t> </a:t>
-            </a:r>
-            <a:r>
-              <a:rPr lang="de-DE" dirty="0" err="1"/>
-              <a:t>hands</a:t>
-            </a:r>
-            <a:endParaRPr lang="de-DE" dirty="0"/>
+              <a:rPr lang="en-GB" dirty="0"/>
+              <a:t>Make a normal life possible for amputees</a:t>
+            </a:r>
           </a:p>
           <a:p>
             <a:pPr lvl="1"/>
             <a:r>
-              <a:rPr lang="de-DE" dirty="0" err="1"/>
-              <a:t>Make</a:t>
-            </a:r>
-            <a:r>
-              <a:rPr lang="de-DE" dirty="0"/>
-              <a:t> a normal </a:t>
-            </a:r>
-            <a:r>
-              <a:rPr lang="de-DE" dirty="0" err="1"/>
-              <a:t>life</a:t>
-            </a:r>
-            <a:r>
-              <a:rPr lang="de-DE" dirty="0"/>
-              <a:t> possible </a:t>
-            </a:r>
-            <a:r>
-              <a:rPr lang="de-DE" dirty="0" err="1"/>
-              <a:t>for</a:t>
-            </a:r>
-            <a:r>
-              <a:rPr lang="de-DE" dirty="0"/>
-              <a:t> </a:t>
-            </a:r>
-            <a:r>
-              <a:rPr lang="de-DE" dirty="0" err="1"/>
-              <a:t>amputees</a:t>
-            </a:r>
-            <a:endParaRPr lang="de-DE" dirty="0"/>
+              <a:rPr lang="en-GB" dirty="0"/>
+              <a:t>Enable users to perform different grasps </a:t>
+            </a:r>
+          </a:p>
+          <a:p>
+            <a:pPr marL="476250" lvl="1" indent="0">
+              <a:buNone/>
+            </a:pPr>
+            <a:r>
+              <a:rPr lang="en-GB" dirty="0"/>
+              <a:t>      for activities of daily living (ADLs)</a:t>
+            </a:r>
           </a:p>
           <a:p>
             <a:pPr lvl="1"/>
             <a:r>
-              <a:rPr lang="de-DE" dirty="0" err="1"/>
-              <a:t>Enable</a:t>
-            </a:r>
-            <a:r>
-              <a:rPr lang="de-DE" dirty="0"/>
-              <a:t> </a:t>
-            </a:r>
-            <a:r>
-              <a:rPr lang="de-DE" dirty="0" err="1"/>
-              <a:t>amputees</a:t>
-            </a:r>
-            <a:r>
-              <a:rPr lang="de-DE" dirty="0"/>
-              <a:t> </a:t>
-            </a:r>
-            <a:r>
-              <a:rPr lang="de-DE" dirty="0" err="1"/>
-              <a:t>to</a:t>
-            </a:r>
-            <a:r>
-              <a:rPr lang="de-DE" dirty="0"/>
-              <a:t> perform </a:t>
-            </a:r>
-            <a:r>
-              <a:rPr lang="de-DE" dirty="0" err="1"/>
-              <a:t>activities</a:t>
-            </a:r>
-            <a:r>
-              <a:rPr lang="de-DE" dirty="0"/>
-              <a:t> </a:t>
-            </a:r>
-            <a:r>
-              <a:rPr lang="de-DE" dirty="0" err="1"/>
-              <a:t>of</a:t>
-            </a:r>
-            <a:r>
-              <a:rPr lang="de-DE" dirty="0"/>
-              <a:t> </a:t>
-            </a:r>
-            <a:r>
-              <a:rPr lang="de-DE" dirty="0" err="1"/>
-              <a:t>daily</a:t>
-            </a:r>
-            <a:r>
-              <a:rPr lang="de-DE" dirty="0"/>
-              <a:t> </a:t>
-            </a:r>
-            <a:r>
-              <a:rPr lang="de-DE" dirty="0" err="1"/>
-              <a:t>living</a:t>
-            </a:r>
-            <a:r>
-              <a:rPr lang="de-DE" dirty="0"/>
-              <a:t> (ADLs)</a:t>
+              <a:rPr lang="en-GB" dirty="0"/>
+              <a:t>Allow the user to control the hand through muscle contraction (with EMG)</a:t>
             </a:r>
           </a:p>
           <a:p>
             <a:pPr lvl="1"/>
+            <a:r>
+              <a:rPr lang="en-GB" dirty="0"/>
+              <a:t>Electric actuators are rather small, quiet and </a:t>
+            </a:r>
+          </a:p>
+          <a:p>
+            <a:pPr marL="476250" lvl="1" indent="0">
+              <a:buNone/>
+            </a:pPr>
+            <a:r>
+              <a:rPr lang="en-GB" dirty="0"/>
+              <a:t>      have good precision and controllability </a:t>
+            </a:r>
+          </a:p>
+          <a:p>
+            <a:pPr marL="476250" lvl="1" indent="0">
+              <a:buNone/>
+            </a:pPr>
             <a:endParaRPr lang="de-DE" dirty="0"/>
           </a:p>
         </p:txBody>
       </p:sp>
+      <p:pic>
+        <p:nvPicPr>
+          <p:cNvPr id="5" name="Grafik 4">
+            <a:extLst>
+              <a:ext uri="{FF2B5EF4-FFF2-40B4-BE49-F238E27FC236}">
+                <a16:creationId xmlns:a16="http://schemas.microsoft.com/office/drawing/2014/main" id="{CF37541F-40AB-44C7-B051-DD325D717609}"/>
+              </a:ext>
+            </a:extLst>
+          </p:cNvPr>
+          <p:cNvPicPr>
+            <a:picLocks noChangeAspect="1"/>
+          </p:cNvPicPr>
+          <p:nvPr/>
+        </p:nvPicPr>
+        <p:blipFill>
+          <a:blip r:embed="rId2">
+            <a:extLst>
+              <a:ext uri="{28A0092B-C50C-407E-A947-70E740481C1C}">
+                <a14:useLocalDpi xmlns:a14="http://schemas.microsoft.com/office/drawing/2010/main" val="0"/>
+              </a:ext>
+            </a:extLst>
+          </a:blip>
+          <a:stretch>
+            <a:fillRect/>
+          </a:stretch>
+        </p:blipFill>
+        <p:spPr>
+          <a:xfrm>
+            <a:off x="665163" y="4077072"/>
+            <a:ext cx="7810500" cy="2114550"/>
+          </a:xfrm>
+          <a:prstGeom prst="rect">
+            <a:avLst/>
+          </a:prstGeom>
+        </p:spPr>
+      </p:pic>
     </p:spTree>
     <p:extLst>
       <p:ext uri="{BB962C8B-B14F-4D97-AF65-F5344CB8AC3E}">
@@ -3914,7 +7974,7 @@
 </p:sld>
 </file>
 
-<file path=ppt/slides/slide3.xml><?xml version="1.0" encoding="utf-8"?>
+<file path=ppt/slides/slide4.xml><?xml version="1.0" encoding="utf-8"?>
 <p:sld xmlns:a="http://schemas.openxmlformats.org/drawingml/2006/main" xmlns:r="http://schemas.openxmlformats.org/officeDocument/2006/relationships" xmlns:p="http://schemas.openxmlformats.org/presentationml/2006/main">
   <p:cSld>
     <p:spTree>
@@ -3965,8 +8025,8 @@
           </a:p>
         </p:txBody>
       </p:sp>
-      <mc:AlternateContent xmlns:mc="http://schemas.openxmlformats.org/markup-compatibility/2006">
-        <mc:Choice xmlns:a14="http://schemas.microsoft.com/office/drawing/2010/main" Requires="a14">
+      <mc:AlternateContent xmlns:mc="http://schemas.openxmlformats.org/markup-compatibility/2006" xmlns:a14="http://schemas.microsoft.com/office/drawing/2010/main">
+        <mc:Choice Requires="a14">
           <p:sp>
             <p:nvSpPr>
               <p:cNvPr id="3" name="Inhaltsplatzhalter 2">
@@ -3992,245 +8052,77 @@
               </a:p>
               <a:p>
                 <a:r>
-                  <a:rPr lang="de-DE" dirty="0" err="1"/>
-                  <a:t>Desired</a:t>
-                </a:r>
-                <a:r>
-                  <a:rPr lang="de-DE" dirty="0"/>
-                  <a:t> </a:t>
-                </a:r>
-                <a:r>
-                  <a:rPr lang="de-DE" dirty="0" err="1"/>
-                  <a:t>properties</a:t>
-                </a:r>
-                <a:r>
-                  <a:rPr lang="de-DE" dirty="0"/>
-                  <a:t>:</a:t>
+                  <a:rPr lang="en-GB" dirty="0"/>
+                  <a:t>Desired properties:</a:t>
                 </a:r>
               </a:p>
               <a:p>
                 <a:pPr lvl="1"/>
                 <a:r>
-                  <a:rPr lang="de-DE" dirty="0" err="1"/>
-                  <a:t>comfortable</a:t>
-                </a:r>
-                <a:r>
-                  <a:rPr lang="de-DE" dirty="0"/>
-                  <a:t> (</a:t>
-                </a:r>
-                <a:r>
-                  <a:rPr lang="de-DE" dirty="0" err="1"/>
-                  <a:t>lightweight</a:t>
-                </a:r>
-                <a:r>
-                  <a:rPr lang="de-DE" dirty="0"/>
-                  <a:t>, </a:t>
-                </a:r>
-                <a:r>
-                  <a:rPr lang="de-DE" dirty="0" err="1"/>
-                  <a:t>small</a:t>
-                </a:r>
-                <a:r>
-                  <a:rPr lang="de-DE" dirty="0"/>
-                  <a:t>)</a:t>
+                  <a:rPr lang="en-GB" dirty="0"/>
+                  <a:t>comfortable (lightweight, small)</a:t>
                 </a:r>
               </a:p>
               <a:p>
                 <a:pPr lvl="1"/>
                 <a:r>
-                  <a:rPr lang="de-DE" dirty="0" err="1"/>
-                  <a:t>many</a:t>
-                </a:r>
-                <a:r>
-                  <a:rPr lang="de-DE" dirty="0"/>
-                  <a:t> different </a:t>
-                </a:r>
-                <a:r>
-                  <a:rPr lang="de-DE" dirty="0" err="1"/>
-                  <a:t>grasps</a:t>
-                </a:r>
-                <a:r>
-                  <a:rPr lang="de-DE" dirty="0"/>
-                  <a:t> possible</a:t>
+                  <a:rPr lang="en-GB" dirty="0"/>
+                  <a:t>many different grasps possible</a:t>
                 </a:r>
               </a:p>
               <a:p>
                 <a:pPr lvl="1"/>
                 <a:r>
-                  <a:rPr lang="de-DE" dirty="0"/>
-                  <a:t>High </a:t>
-                </a:r>
-                <a:r>
-                  <a:rPr lang="de-DE" dirty="0" err="1"/>
-                  <a:t>finger</a:t>
-                </a:r>
-                <a:r>
-                  <a:rPr lang="de-DE" dirty="0"/>
-                  <a:t> </a:t>
-                </a:r>
-                <a:r>
-                  <a:rPr lang="de-DE" dirty="0" err="1"/>
-                  <a:t>forces</a:t>
-                </a:r>
-                <a:r>
-                  <a:rPr lang="de-DE" dirty="0"/>
-                  <a:t> / fast </a:t>
-                </a:r>
-                <a:r>
-                  <a:rPr lang="de-DE" dirty="0" err="1"/>
-                  <a:t>joint</a:t>
-                </a:r>
-                <a:r>
-                  <a:rPr lang="de-DE" dirty="0"/>
-                  <a:t> </a:t>
-                </a:r>
-                <a:r>
-                  <a:rPr lang="de-DE" dirty="0" err="1"/>
-                  <a:t>speed</a:t>
-                </a:r>
-                <a:endParaRPr lang="de-DE" dirty="0"/>
-              </a:p>
-              <a:p>
-                <a:pPr lvl="1"/>
-                <a:r>
-                  <a:rPr lang="de-DE" dirty="0"/>
-                  <a:t>easy </a:t>
-                </a:r>
-                <a:r>
-                  <a:rPr lang="de-DE" dirty="0" err="1"/>
-                  <a:t>to</a:t>
-                </a:r>
-                <a:r>
-                  <a:rPr lang="de-DE" dirty="0"/>
-                  <a:t> </a:t>
-                </a:r>
-                <a:r>
-                  <a:rPr lang="de-DE" dirty="0" err="1"/>
-                  <a:t>use</a:t>
-                </a:r>
-                <a:endParaRPr lang="de-DE" dirty="0"/>
-              </a:p>
-              <a:p>
-                <a:pPr lvl="1"/>
-                <a:r>
-                  <a:rPr lang="de-DE" dirty="0"/>
-                  <a:t>high </a:t>
-                </a:r>
-                <a:r>
-                  <a:rPr lang="de-DE" dirty="0" err="1"/>
-                  <a:t>durability</a:t>
-                </a:r>
-                <a:r>
-                  <a:rPr lang="de-DE" dirty="0"/>
-                  <a:t> (robust, easy </a:t>
-                </a:r>
-                <a:r>
-                  <a:rPr lang="de-DE" dirty="0" err="1"/>
-                  <a:t>to</a:t>
-                </a:r>
-                <a:r>
-                  <a:rPr lang="de-DE" dirty="0"/>
-                  <a:t> </a:t>
-                </a:r>
-                <a:r>
-                  <a:rPr lang="de-DE" dirty="0" err="1"/>
-                  <a:t>repair</a:t>
-                </a:r>
-                <a:r>
-                  <a:rPr lang="de-DE" dirty="0"/>
-                  <a:t>)</a:t>
+                  <a:rPr lang="en-GB" dirty="0"/>
+                  <a:t>High finger forces / fast joint speed</a:t>
                 </a:r>
               </a:p>
               <a:p>
                 <a:pPr lvl="1"/>
                 <a:r>
-                  <a:rPr lang="de-DE" dirty="0" err="1"/>
-                  <a:t>low-cost</a:t>
-                </a:r>
-                <a:endParaRPr lang="de-DE" dirty="0"/>
-              </a:p>
-              <a:p>
-                <a:pPr lvl="1"/>
-                <a:r>
-                  <a:rPr lang="de-DE" dirty="0"/>
-                  <a:t>intelligent </a:t>
-                </a:r>
-                <a:r>
-                  <a:rPr lang="de-DE" dirty="0" err="1"/>
-                  <a:t>functions</a:t>
-                </a:r>
-                <a:r>
-                  <a:rPr lang="de-DE" dirty="0"/>
-                  <a:t> (sensor-feedback, </a:t>
-                </a:r>
-                <a:r>
-                  <a:rPr lang="de-DE" dirty="0" err="1"/>
-                  <a:t>grasp</a:t>
-                </a:r>
-                <a:r>
-                  <a:rPr lang="de-DE" dirty="0"/>
-                  <a:t> </a:t>
-                </a:r>
-                <a:r>
-                  <a:rPr lang="de-DE" dirty="0" err="1"/>
-                  <a:t>adaption</a:t>
-                </a:r>
-                <a:r>
-                  <a:rPr lang="de-DE" dirty="0"/>
-                  <a:t>)</a:t>
-                </a:r>
-              </a:p>
-              <a:p>
-                <a:endParaRPr lang="de-DE" dirty="0"/>
-              </a:p>
-              <a:p>
-                <a:r>
-                  <a:rPr lang="de-DE" dirty="0" err="1"/>
-                  <a:t>Challenges</a:t>
-                </a:r>
-                <a:r>
-                  <a:rPr lang="de-DE" dirty="0"/>
-                  <a:t>:</a:t>
+                  <a:rPr lang="en-GB" dirty="0"/>
+                  <a:t>easy to use</a:t>
                 </a:r>
               </a:p>
               <a:p>
                 <a:pPr lvl="1"/>
                 <a:r>
-                  <a:rPr lang="de-DE" dirty="0" err="1"/>
-                  <a:t>Desired</a:t>
+                  <a:rPr lang="en-GB" dirty="0"/>
+                  <a:t>high durability (robust, easy to repair)</a:t>
                 </a:r>
+              </a:p>
+              <a:p>
+                <a:pPr lvl="1"/>
                 <a:r>
-                  <a:rPr lang="de-DE" dirty="0"/>
-                  <a:t> </a:t>
+                  <a:rPr lang="en-GB" dirty="0"/>
+                  <a:t>low-cost</a:t>
                 </a:r>
+              </a:p>
+              <a:p>
+                <a:pPr lvl="1"/>
                 <a:r>
-                  <a:rPr lang="de-DE" dirty="0" err="1"/>
-                  <a:t>properties</a:t>
+                  <a:rPr lang="en-GB" dirty="0"/>
+                  <a:t>intelligent functions (sensor-feedback, grasp adaption)</a:t>
                 </a:r>
+              </a:p>
+              <a:p>
+                <a:endParaRPr lang="en-GB" dirty="0"/>
+              </a:p>
+              <a:p>
+                <a:pPr marL="0" indent="0">
+                  <a:buNone/>
+                </a:pPr>
+                <a:endParaRPr lang="en-GB" dirty="0"/>
+              </a:p>
+              <a:p>
                 <a:r>
-                  <a:rPr lang="de-DE" dirty="0"/>
-                  <a:t> </a:t>
-                </a:r>
-                <a:r>
-                  <a:rPr lang="de-DE" dirty="0" err="1"/>
-                  <a:t>are</a:t>
-                </a:r>
-                <a:r>
-                  <a:rPr lang="de-DE" dirty="0"/>
-                  <a:t> </a:t>
-                </a:r>
-                <a:r>
-                  <a:rPr lang="de-DE" dirty="0" err="1"/>
-                  <a:t>contradicting</a:t>
-                </a:r>
-                <a:r>
-                  <a:rPr lang="de-DE" dirty="0"/>
-                  <a:t> </a:t>
+                  <a:rPr lang="en-GB" dirty="0"/>
+                  <a:t>Desired properties are contradicting </a:t>
                 </a:r>
                 <a14:m>
                   <m:oMath xmlns:m="http://schemas.openxmlformats.org/officeDocument/2006/math">
                     <m:r>
-                      <a:rPr lang="de-DE" b="0" i="1" smtClean="0">
+                      <a:rPr lang="en-GB" b="0" i="1" smtClean="0">
                         <a:latin typeface="Cambria Math" panose="02040503050406030204" pitchFamily="18" charset="0"/>
                       </a:rPr>
                       <m:t>⇒</m:t>
@@ -4238,62 +8130,20 @@
                   </m:oMath>
                 </a14:m>
                 <a:r>
-                  <a:rPr lang="de-DE" dirty="0"/>
-                  <a:t> trade-offs </a:t>
+                  <a:rPr lang="en-GB" dirty="0"/>
+                  <a:t> trade-offs are mandatory</a:t>
                 </a:r>
-                <a:r>
-                  <a:rPr lang="de-DE" dirty="0" err="1"/>
-                  <a:t>are</a:t>
-                </a:r>
-                <a:r>
-                  <a:rPr lang="de-DE" dirty="0"/>
-                  <a:t> </a:t>
-                </a:r>
-                <a:r>
-                  <a:rPr lang="de-DE" dirty="0" err="1"/>
-                  <a:t>mandatory</a:t>
-                </a:r>
-                <a:endParaRPr lang="de-DE" dirty="0"/>
               </a:p>
               <a:p>
-                <a:pPr lvl="1"/>
-                <a:r>
-                  <a:rPr lang="de-DE" dirty="0" err="1"/>
-                  <a:t>Current</a:t>
-                </a:r>
-                <a:r>
-                  <a:rPr lang="de-DE" dirty="0"/>
-                  <a:t> </a:t>
-                </a:r>
-                <a:r>
-                  <a:rPr lang="de-DE" dirty="0" err="1"/>
-                  <a:t>technologies</a:t>
-                </a:r>
-                <a:r>
-                  <a:rPr lang="de-DE" dirty="0"/>
-                  <a:t> still </a:t>
-                </a:r>
-                <a:r>
-                  <a:rPr lang="de-DE" dirty="0" err="1"/>
-                  <a:t>need</a:t>
-                </a:r>
-                <a:r>
-                  <a:rPr lang="de-DE" dirty="0"/>
-                  <a:t> </a:t>
-                </a:r>
-                <a:r>
-                  <a:rPr lang="de-DE" dirty="0" err="1"/>
-                  <a:t>improvement</a:t>
-                </a:r>
-                <a:endParaRPr lang="de-DE" dirty="0"/>
-              </a:p>
-              <a:p>
+                <a:pPr marL="0" indent="0">
+                  <a:buNone/>
+                </a:pPr>
                 <a:endParaRPr lang="de-DE" dirty="0"/>
               </a:p>
             </p:txBody>
           </p:sp>
         </mc:Choice>
-        <mc:Fallback>
+        <mc:Fallback xmlns="">
           <p:sp>
             <p:nvSpPr>
               <p:cNvPr id="3" name="Inhaltsplatzhalter 2">
@@ -4346,7 +8196,7 @@
 </p:sld>
 </file>
 
-<file path=ppt/slides/slide4.xml><?xml version="1.0" encoding="utf-8"?>
+<file path=ppt/slides/slide5.xml><?xml version="1.0" encoding="utf-8"?>
 <p:sld xmlns:a="http://schemas.openxmlformats.org/drawingml/2006/main" xmlns:r="http://schemas.openxmlformats.org/officeDocument/2006/relationships" xmlns:p="http://schemas.openxmlformats.org/presentationml/2006/main">
   <p:cSld>
     <p:spTree>
@@ -4385,8 +8235,469 @@
           <a:lstStyle/>
           <a:p>
             <a:r>
+              <a:rPr lang="en-GB" dirty="0"/>
+              <a:t>Challenges</a:t>
+            </a:r>
+          </a:p>
+        </p:txBody>
+      </p:sp>
+      <mc:AlternateContent xmlns:mc="http://schemas.openxmlformats.org/markup-compatibility/2006" xmlns:a14="http://schemas.microsoft.com/office/drawing/2010/main">
+        <mc:Choice Requires="a14">
+          <p:sp>
+            <p:nvSpPr>
+              <p:cNvPr id="3" name="Inhaltsplatzhalter 2">
+                <a:extLst>
+                  <a:ext uri="{FF2B5EF4-FFF2-40B4-BE49-F238E27FC236}">
+                    <a16:creationId xmlns:a16="http://schemas.microsoft.com/office/drawing/2014/main" id="{14130096-FF78-4EFE-A8A7-07FD3EFCF179}"/>
+                  </a:ext>
+                </a:extLst>
+              </p:cNvPr>
+              <p:cNvSpPr>
+                <a:spLocks noGrp="1"/>
+              </p:cNvSpPr>
+              <p:nvPr>
+                <p:ph idx="1"/>
+              </p:nvPr>
+            </p:nvSpPr>
+            <p:spPr/>
+            <p:txBody>
+              <a:bodyPr/>
+              <a:lstStyle/>
+              <a:p>
+                <a:r>
+                  <a:rPr lang="en-GB" i="1" dirty="0"/>
+                  <a:t>„Even state-of-the art devices lack a combination of high functionality, durability, adequate cosmetic appearance, and affordability“</a:t>
+                </a:r>
+              </a:p>
+              <a:p>
+                <a:pPr algn="r">
+                  <a:buFontTx/>
+                  <a:buChar char="-"/>
+                </a:pPr>
+                <a:r>
+                  <a:rPr lang="en-GB" dirty="0"/>
+                  <a:t>Joseph T. Belter, 2013</a:t>
+                </a:r>
+              </a:p>
+              <a:p>
+                <a:pPr marL="0" indent="0">
+                  <a:buNone/>
+                </a:pPr>
+                <a:endParaRPr lang="en-GB" dirty="0"/>
+              </a:p>
+              <a:p>
+                <a:r>
+                  <a:rPr lang="en-GB" dirty="0"/>
+                  <a:t>Total weight should be below </a:t>
+                </a:r>
+                <a14:m>
+                  <m:oMath xmlns:m="http://schemas.openxmlformats.org/officeDocument/2006/math">
+                    <m:r>
+                      <a:rPr lang="en-GB" i="1" smtClean="0">
+                        <a:latin typeface="Cambria Math" panose="02040503050406030204" pitchFamily="18" charset="0"/>
+                      </a:rPr>
+                      <m:t>500</m:t>
+                    </m:r>
+                    <m:r>
+                      <a:rPr lang="en-GB" i="1" smtClean="0">
+                        <a:latin typeface="Cambria Math" panose="02040503050406030204" pitchFamily="18" charset="0"/>
+                      </a:rPr>
+                      <m:t>𝑔</m:t>
+                    </m:r>
+                  </m:oMath>
+                </a14:m>
+                <a:r>
+                  <a:rPr lang="en-GB" dirty="0"/>
+                  <a:t> (human hand: </a:t>
+                </a:r>
+                <a14:m>
+                  <m:oMath xmlns:m="http://schemas.openxmlformats.org/officeDocument/2006/math">
+                    <m:r>
+                      <a:rPr lang="en-GB" i="1" smtClean="0">
+                        <a:latin typeface="Cambria Math" panose="02040503050406030204" pitchFamily="18" charset="0"/>
+                      </a:rPr>
+                      <m:t>∼400</m:t>
+                    </m:r>
+                    <m:r>
+                      <a:rPr lang="en-GB" i="1" smtClean="0">
+                        <a:latin typeface="Cambria Math" panose="02040503050406030204" pitchFamily="18" charset="0"/>
+                      </a:rPr>
+                      <m:t>𝑔</m:t>
+                    </m:r>
+                  </m:oMath>
+                </a14:m>
+                <a:r>
+                  <a:rPr lang="en-GB" dirty="0"/>
+                  <a:t>)</a:t>
+                </a:r>
+              </a:p>
+              <a:p>
+                <a:pPr marL="0" indent="0">
+                  <a:buNone/>
+                </a:pPr>
+                <a:r>
+                  <a:rPr lang="en-GB" dirty="0"/>
+                  <a:t>	</a:t>
+                </a:r>
+                <a14:m>
+                  <m:oMath xmlns:m="http://schemas.openxmlformats.org/officeDocument/2006/math">
+                    <m:r>
+                      <a:rPr lang="en-GB" sz="1800" i="1" smtClean="0">
+                        <a:latin typeface="Cambria Math" panose="02040503050406030204" pitchFamily="18" charset="0"/>
+                      </a:rPr>
+                      <m:t>⇒</m:t>
+                    </m:r>
+                  </m:oMath>
+                </a14:m>
+                <a:r>
+                  <a:rPr lang="en-GB" sz="1800" dirty="0"/>
+                  <a:t> lightweight materials, small and low number of actuators</a:t>
+                </a:r>
+              </a:p>
+              <a:p>
+                <a:pPr marL="0" indent="0">
+                  <a:buNone/>
+                </a:pPr>
+                <a:r>
+                  <a:rPr lang="en-GB" sz="1800" dirty="0"/>
+                  <a:t>	</a:t>
+                </a:r>
+                <a14:m>
+                  <m:oMath xmlns:m="http://schemas.openxmlformats.org/officeDocument/2006/math">
+                    <m:r>
+                      <a:rPr lang="en-GB" sz="1800" i="1" smtClean="0">
+                        <a:latin typeface="Cambria Math" panose="02040503050406030204" pitchFamily="18" charset="0"/>
+                      </a:rPr>
+                      <m:t>⇒</m:t>
+                    </m:r>
+                  </m:oMath>
+                </a14:m>
+                <a:r>
+                  <a:rPr lang="en-GB" sz="1800" dirty="0"/>
+                  <a:t> transmission systems that allow for many different grasps</a:t>
+                </a:r>
+                <a:endParaRPr lang="en-GB" dirty="0"/>
+              </a:p>
+              <a:p>
+                <a:r>
+                  <a:rPr lang="en-GB" dirty="0"/>
+                  <a:t>Finger tip force in precision grasp should be </a:t>
+                </a:r>
+                <a14:m>
+                  <m:oMath xmlns:m="http://schemas.openxmlformats.org/officeDocument/2006/math">
+                    <m:r>
+                      <a:rPr lang="en-GB" b="0" i="1" smtClean="0">
+                        <a:latin typeface="Cambria Math" panose="02040503050406030204" pitchFamily="18" charset="0"/>
+                      </a:rPr>
+                      <m:t>65 </m:t>
+                    </m:r>
+                    <m:r>
+                      <a:rPr lang="en-GB" b="0" i="1" smtClean="0">
+                        <a:latin typeface="Cambria Math" panose="02040503050406030204" pitchFamily="18" charset="0"/>
+                      </a:rPr>
+                      <m:t>𝑁</m:t>
+                    </m:r>
+                  </m:oMath>
+                </a14:m>
+                <a:r>
+                  <a:rPr lang="en-GB" dirty="0"/>
+                  <a:t> (human hand: </a:t>
+                </a:r>
+                <a14:m>
+                  <m:oMath xmlns:m="http://schemas.openxmlformats.org/officeDocument/2006/math">
+                    <m:r>
+                      <a:rPr lang="en-GB" b="0" i="1" smtClean="0">
+                        <a:latin typeface="Cambria Math" panose="02040503050406030204" pitchFamily="18" charset="0"/>
+                      </a:rPr>
+                      <m:t>∼</m:t>
+                    </m:r>
+                    <m:r>
+                      <a:rPr lang="en-GB" b="0" i="0" smtClean="0">
+                        <a:latin typeface="Cambria Math" panose="02040503050406030204" pitchFamily="18" charset="0"/>
+                      </a:rPr>
+                      <m:t>95 </m:t>
+                    </m:r>
+                    <m:r>
+                      <m:rPr>
+                        <m:sty m:val="p"/>
+                      </m:rPr>
+                      <a:rPr lang="en-GB" b="0" i="0" smtClean="0">
+                        <a:latin typeface="Cambria Math" panose="02040503050406030204" pitchFamily="18" charset="0"/>
+                      </a:rPr>
+                      <m:t>N</m:t>
+                    </m:r>
+                  </m:oMath>
+                </a14:m>
+                <a:r>
+                  <a:rPr lang="en-GB" dirty="0"/>
+                  <a:t>)</a:t>
+                </a:r>
+              </a:p>
+              <a:p>
+                <a:pPr marL="0" indent="0">
+                  <a:buNone/>
+                </a:pPr>
+                <a:r>
+                  <a:rPr lang="en-GB" dirty="0"/>
+                  <a:t>      and joint speed should be </a:t>
+                </a:r>
+                <a14:m>
+                  <m:oMath xmlns:m="http://schemas.openxmlformats.org/officeDocument/2006/math">
+                    <m:sSup>
+                      <m:sSupPr>
+                        <m:ctrlPr>
+                          <a:rPr lang="en-GB" b="0" i="1" smtClean="0">
+                            <a:latin typeface="Cambria Math" panose="02040503050406030204" pitchFamily="18" charset="0"/>
+                          </a:rPr>
+                        </m:ctrlPr>
+                      </m:sSupPr>
+                      <m:e>
+                        <m:r>
+                          <a:rPr lang="en-GB" b="0" i="1" smtClean="0">
+                            <a:latin typeface="Cambria Math" panose="02040503050406030204" pitchFamily="18" charset="0"/>
+                          </a:rPr>
+                          <m:t>230 </m:t>
+                        </m:r>
+                      </m:e>
+                      <m:sup>
+                        <m:r>
+                          <a:rPr lang="en-GB" b="0" i="1" smtClean="0">
+                            <a:latin typeface="Cambria Math" panose="02040503050406030204" pitchFamily="18" charset="0"/>
+                          </a:rPr>
+                          <m:t>∘</m:t>
+                        </m:r>
+                      </m:sup>
+                    </m:sSup>
+                    <m:r>
+                      <a:rPr lang="en-GB" b="0" i="1" smtClean="0">
+                        <a:latin typeface="Cambria Math" panose="02040503050406030204" pitchFamily="18" charset="0"/>
+                      </a:rPr>
+                      <m:t>/</m:t>
+                    </m:r>
+                    <m:r>
+                      <a:rPr lang="en-GB" b="0" i="1" smtClean="0">
+                        <a:latin typeface="Cambria Math" panose="02040503050406030204" pitchFamily="18" charset="0"/>
+                      </a:rPr>
+                      <m:t>𝑠</m:t>
+                    </m:r>
+                  </m:oMath>
+                </a14:m>
+                <a:r>
+                  <a:rPr lang="en-GB" dirty="0"/>
+                  <a:t> (human hand: </a:t>
+                </a:r>
+                <a14:m>
+                  <m:oMath xmlns:m="http://schemas.openxmlformats.org/officeDocument/2006/math">
+                    <m:r>
+                      <a:rPr lang="de-DE" i="1" dirty="0" smtClean="0">
+                        <a:latin typeface="Cambria Math" panose="02040503050406030204" pitchFamily="18" charset="0"/>
+                      </a:rPr>
+                      <m:t>&gt;</m:t>
+                    </m:r>
+                    <m:r>
+                      <a:rPr lang="de-DE" b="0" i="1" smtClean="0">
+                        <a:latin typeface="Cambria Math" panose="02040503050406030204" pitchFamily="18" charset="0"/>
+                      </a:rPr>
+                      <m:t> </m:t>
+                    </m:r>
+                    <m:sSup>
+                      <m:sSupPr>
+                        <m:ctrlPr>
+                          <a:rPr lang="de-DE" b="0" i="1" smtClean="0">
+                            <a:latin typeface="Cambria Math" panose="02040503050406030204" pitchFamily="18" charset="0"/>
+                          </a:rPr>
+                        </m:ctrlPr>
+                      </m:sSupPr>
+                      <m:e>
+                        <m:r>
+                          <a:rPr lang="de-DE" b="0" i="1" smtClean="0">
+                            <a:latin typeface="Cambria Math" panose="02040503050406030204" pitchFamily="18" charset="0"/>
+                          </a:rPr>
+                          <m:t>2000</m:t>
+                        </m:r>
+                      </m:e>
+                      <m:sup>
+                        <m:r>
+                          <a:rPr lang="de-DE" b="0" i="1" smtClean="0">
+                            <a:latin typeface="Cambria Math" panose="02040503050406030204" pitchFamily="18" charset="0"/>
+                          </a:rPr>
+                          <m:t>∘</m:t>
+                        </m:r>
+                      </m:sup>
+                    </m:sSup>
+                    <m:r>
+                      <a:rPr lang="de-DE" b="0" i="1" smtClean="0">
+                        <a:latin typeface="Cambria Math" panose="02040503050406030204" pitchFamily="18" charset="0"/>
+                      </a:rPr>
+                      <m:t>/</m:t>
+                    </m:r>
+                    <m:r>
+                      <a:rPr lang="de-DE" b="0" i="1" smtClean="0">
+                        <a:latin typeface="Cambria Math" panose="02040503050406030204" pitchFamily="18" charset="0"/>
+                      </a:rPr>
+                      <m:t>𝑠</m:t>
+                    </m:r>
+                  </m:oMath>
+                </a14:m>
+                <a:r>
+                  <a:rPr lang="en-GB" dirty="0"/>
+                  <a:t>)</a:t>
+                </a:r>
+              </a:p>
+              <a:p>
+                <a:r>
+                  <a:rPr lang="en-GB" dirty="0"/>
+                  <a:t>Finger kinematic designs should be simple and robust</a:t>
+                </a:r>
+              </a:p>
+              <a:p>
+                <a:endParaRPr lang="en-GB" sz="1800" b="0" dirty="0"/>
+              </a:p>
+              <a:p>
+                <a:r>
+                  <a:rPr lang="en-GB" dirty="0"/>
+                  <a:t>User should be able to move the hand without concentrating</a:t>
+                </a:r>
+              </a:p>
+              <a:p>
+                <a:r>
+                  <a:rPr lang="en-GB" b="0" dirty="0"/>
+                  <a:t>User should get sensor feedback from the hand</a:t>
+                </a:r>
+              </a:p>
+              <a:p>
+                <a:pPr marL="0" indent="0">
+                  <a:buNone/>
+                </a:pPr>
+                <a:endParaRPr lang="de-DE" sz="1800" b="0" dirty="0"/>
+              </a:p>
+              <a:p>
+                <a:pPr marL="0" indent="0">
+                  <a:buNone/>
+                </a:pPr>
+                <a:endParaRPr lang="de-DE" sz="1800" b="0" dirty="0"/>
+              </a:p>
+              <a:p>
+                <a:pPr marL="0" indent="0">
+                  <a:buNone/>
+                </a:pPr>
+                <a:endParaRPr lang="de-DE" dirty="0"/>
+              </a:p>
+              <a:p>
+                <a:endParaRPr lang="de-DE" i="1" dirty="0"/>
+              </a:p>
+              <a:p>
+                <a:endParaRPr lang="de-DE" i="1" dirty="0"/>
+              </a:p>
+              <a:p>
+                <a:endParaRPr lang="de-DE" i="1" dirty="0"/>
+              </a:p>
+              <a:p>
+                <a:endParaRPr lang="de-DE" i="1" dirty="0"/>
+              </a:p>
+              <a:p>
+                <a:pPr marL="0" indent="0" algn="r">
+                  <a:buNone/>
+                </a:pPr>
+                <a:endParaRPr lang="en-US" dirty="0"/>
+              </a:p>
+            </p:txBody>
+          </p:sp>
+        </mc:Choice>
+        <mc:Fallback xmlns="">
+          <p:sp>
+            <p:nvSpPr>
+              <p:cNvPr id="3" name="Inhaltsplatzhalter 2">
+                <a:extLst>
+                  <a:ext uri="{FF2B5EF4-FFF2-40B4-BE49-F238E27FC236}">
+                    <a16:creationId xmlns:a16="http://schemas.microsoft.com/office/drawing/2014/main" id="{14130096-FF78-4EFE-A8A7-07FD3EFCF179}"/>
+                  </a:ext>
+                </a:extLst>
+              </p:cNvPr>
+              <p:cNvSpPr>
+                <a:spLocks noGrp="1" noRot="1" noChangeAspect="1" noMove="1" noResize="1" noEditPoints="1" noAdjustHandles="1" noChangeArrowheads="1" noChangeShapeType="1" noTextEdit="1"/>
+              </p:cNvSpPr>
+              <p:nvPr>
+                <p:ph idx="1"/>
+              </p:nvPr>
+            </p:nvSpPr>
+            <p:spPr>
+              <a:blipFill>
+                <a:blip r:embed="rId2"/>
+                <a:stretch>
+                  <a:fillRect t="-1621" r="-1896"/>
+                </a:stretch>
+              </a:blipFill>
+            </p:spPr>
+            <p:txBody>
+              <a:bodyPr/>
+              <a:lstStyle/>
+              <a:p>
+                <a:r>
+                  <a:rPr lang="en-US">
+                    <a:noFill/>
+                  </a:rPr>
+                  <a:t> </a:t>
+                </a:r>
+              </a:p>
+            </p:txBody>
+          </p:sp>
+        </mc:Fallback>
+      </mc:AlternateContent>
+    </p:spTree>
+    <p:extLst>
+      <p:ext uri="{BB962C8B-B14F-4D97-AF65-F5344CB8AC3E}">
+        <p14:creationId xmlns:p14="http://schemas.microsoft.com/office/powerpoint/2010/main" val="2739278319"/>
+      </p:ext>
+    </p:extLst>
+  </p:cSld>
+  <p:clrMapOvr>
+    <a:masterClrMapping/>
+  </p:clrMapOvr>
+</p:sld>
+</file>
+
+<file path=ppt/slides/slide6.xml><?xml version="1.0" encoding="utf-8"?>
+<p:sld xmlns:a="http://schemas.openxmlformats.org/drawingml/2006/main" xmlns:r="http://schemas.openxmlformats.org/officeDocument/2006/relationships" xmlns:p="http://schemas.openxmlformats.org/presentationml/2006/main">
+  <p:cSld>
+    <p:spTree>
+      <p:nvGrpSpPr>
+        <p:cNvPr id="1" name=""/>
+        <p:cNvGrpSpPr/>
+        <p:nvPr/>
+      </p:nvGrpSpPr>
+      <p:grpSpPr>
+        <a:xfrm>
+          <a:off x="0" y="0"/>
+          <a:ext cx="0" cy="0"/>
+          <a:chOff x="0" y="0"/>
+          <a:chExt cx="0" cy="0"/>
+        </a:xfrm>
+      </p:grpSpPr>
+      <p:sp>
+        <p:nvSpPr>
+          <p:cNvPr id="2" name="Titel 1">
+            <a:extLst>
+              <a:ext uri="{FF2B5EF4-FFF2-40B4-BE49-F238E27FC236}">
+                <a16:creationId xmlns:a16="http://schemas.microsoft.com/office/drawing/2014/main" id="{3699351C-6952-4BE7-8508-0B1E30FA3294}"/>
+              </a:ext>
+            </a:extLst>
+          </p:cNvPr>
+          <p:cNvSpPr>
+            <a:spLocks noGrp="1"/>
+          </p:cNvSpPr>
+          <p:nvPr>
+            <p:ph type="title"/>
+          </p:nvPr>
+        </p:nvSpPr>
+        <p:spPr/>
+        <p:txBody>
+          <a:bodyPr/>
+          <a:lstStyle/>
+          <a:p>
+            <a:r>
               <a:rPr lang="de-DE" dirty="0"/>
-              <a:t>Motivation</a:t>
+              <a:t>Outline</a:t>
             </a:r>
             <a:endParaRPr lang="en-US" dirty="0"/>
           </a:p>
@@ -4397,7 +8708,7 @@
           <p:cNvPr id="3" name="Inhaltsplatzhalter 2">
             <a:extLst>
               <a:ext uri="{FF2B5EF4-FFF2-40B4-BE49-F238E27FC236}">
-                <a16:creationId xmlns:a16="http://schemas.microsoft.com/office/drawing/2014/main" id="{14130096-FF78-4EFE-A8A7-07FD3EFCF179}"/>
+                <a16:creationId xmlns:a16="http://schemas.microsoft.com/office/drawing/2014/main" id="{225383BA-AD7A-4E9A-A230-744C4E2A34E3}"/>
               </a:ext>
             </a:extLst>
           </p:cNvPr>
@@ -4413,333 +8724,1646 @@
           <a:bodyPr/>
           <a:lstStyle/>
           <a:p>
-            <a:r>
-              <a:rPr lang="de-DE" dirty="0"/>
-              <a:t>Analysis </a:t>
-            </a:r>
-            <a:r>
-              <a:rPr lang="de-DE" dirty="0" err="1"/>
-              <a:t>of</a:t>
-            </a:r>
-            <a:r>
-              <a:rPr lang="de-DE" dirty="0"/>
-              <a:t> </a:t>
-            </a:r>
-            <a:r>
-              <a:rPr lang="de-DE" dirty="0" err="1"/>
-              <a:t>the</a:t>
-            </a:r>
-            <a:r>
-              <a:rPr lang="de-DE" dirty="0"/>
-              <a:t> </a:t>
-            </a:r>
-            <a:r>
-              <a:rPr lang="de-DE" dirty="0" err="1"/>
-              <a:t>prosthetic</a:t>
-            </a:r>
-            <a:r>
-              <a:rPr lang="de-DE" dirty="0"/>
-              <a:t> </a:t>
-            </a:r>
-            <a:r>
-              <a:rPr lang="de-DE" dirty="0" err="1"/>
-              <a:t>hands</a:t>
-            </a:r>
-            <a:r>
-              <a:rPr lang="de-DE" dirty="0"/>
-              <a:t> in </a:t>
-            </a:r>
-            <a:r>
-              <a:rPr lang="de-DE" dirty="0" err="1"/>
-              <a:t>research</a:t>
-            </a:r>
-            <a:r>
-              <a:rPr lang="de-DE" dirty="0"/>
-              <a:t> </a:t>
-            </a:r>
-            <a:r>
-              <a:rPr lang="de-DE" dirty="0" err="1"/>
-              <a:t>of</a:t>
-            </a:r>
-            <a:r>
-              <a:rPr lang="de-DE" dirty="0"/>
-              <a:t> </a:t>
-            </a:r>
-            <a:r>
-              <a:rPr lang="de-DE" dirty="0" err="1"/>
-              <a:t>the</a:t>
-            </a:r>
-            <a:r>
-              <a:rPr lang="de-DE" dirty="0"/>
-              <a:t> last </a:t>
-            </a:r>
-            <a:r>
-              <a:rPr lang="de-DE" dirty="0" err="1"/>
-              <a:t>three</a:t>
-            </a:r>
-            <a:r>
-              <a:rPr lang="de-DE" dirty="0"/>
-              <a:t> </a:t>
-            </a:r>
-            <a:r>
-              <a:rPr lang="de-DE" dirty="0" err="1"/>
-              <a:t>years</a:t>
-            </a:r>
-            <a:r>
-              <a:rPr lang="de-DE" dirty="0"/>
-              <a:t>:</a:t>
-            </a:r>
-          </a:p>
-          <a:p>
-            <a:pPr lvl="1"/>
-            <a:endParaRPr lang="de-DE" dirty="0"/>
-          </a:p>
-          <a:p>
-            <a:pPr lvl="1"/>
-            <a:r>
-              <a:rPr lang="de-DE" dirty="0" err="1"/>
-              <a:t>What</a:t>
-            </a:r>
-            <a:r>
-              <a:rPr lang="de-DE" dirty="0"/>
-              <a:t> </a:t>
-            </a:r>
-            <a:r>
-              <a:rPr lang="de-DE" dirty="0" err="1"/>
-              <a:t>are</a:t>
-            </a:r>
-            <a:r>
-              <a:rPr lang="de-DE" dirty="0"/>
-              <a:t> </a:t>
-            </a:r>
-            <a:r>
-              <a:rPr lang="de-DE" dirty="0" err="1"/>
-              <a:t>the</a:t>
-            </a:r>
-            <a:r>
-              <a:rPr lang="de-DE" dirty="0"/>
-              <a:t> </a:t>
-            </a:r>
-            <a:r>
-              <a:rPr lang="de-DE" dirty="0" err="1"/>
-              <a:t>desired</a:t>
-            </a:r>
-            <a:r>
-              <a:rPr lang="de-DE" dirty="0"/>
-              <a:t> </a:t>
-            </a:r>
-            <a:r>
-              <a:rPr lang="de-DE" dirty="0" err="1"/>
-              <a:t>goals</a:t>
-            </a:r>
-            <a:r>
-              <a:rPr lang="de-DE" dirty="0"/>
-              <a:t>? / </a:t>
-            </a:r>
-            <a:r>
-              <a:rPr lang="de-DE" dirty="0" err="1"/>
-              <a:t>Where</a:t>
-            </a:r>
-            <a:r>
-              <a:rPr lang="de-DE" dirty="0"/>
-              <a:t> </a:t>
-            </a:r>
-            <a:r>
-              <a:rPr lang="de-DE" dirty="0" err="1"/>
-              <a:t>is</a:t>
-            </a:r>
-            <a:r>
-              <a:rPr lang="de-DE" dirty="0"/>
-              <a:t> </a:t>
-            </a:r>
-            <a:r>
-              <a:rPr lang="de-DE" dirty="0" err="1"/>
-              <a:t>the</a:t>
-            </a:r>
-            <a:r>
-              <a:rPr lang="de-DE" dirty="0"/>
-              <a:t> </a:t>
-            </a:r>
-            <a:r>
-              <a:rPr lang="de-DE" dirty="0" err="1"/>
-              <a:t>focus</a:t>
-            </a:r>
-            <a:r>
-              <a:rPr lang="de-DE" dirty="0"/>
-              <a:t>?</a:t>
-            </a:r>
-          </a:p>
-          <a:p>
-            <a:pPr lvl="1"/>
-            <a:r>
-              <a:rPr lang="de-DE" dirty="0" err="1"/>
-              <a:t>Which</a:t>
-            </a:r>
-            <a:r>
-              <a:rPr lang="de-DE" dirty="0"/>
-              <a:t> </a:t>
-            </a:r>
-            <a:r>
-              <a:rPr lang="de-DE" dirty="0" err="1"/>
-              <a:t>techniques</a:t>
-            </a:r>
-            <a:r>
-              <a:rPr lang="de-DE" dirty="0"/>
-              <a:t> / </a:t>
-            </a:r>
-            <a:r>
-              <a:rPr lang="de-DE" dirty="0" err="1"/>
-              <a:t>technologies</a:t>
-            </a:r>
-            <a:r>
-              <a:rPr lang="de-DE" dirty="0"/>
-              <a:t> </a:t>
-            </a:r>
-            <a:r>
-              <a:rPr lang="de-DE" dirty="0" err="1"/>
-              <a:t>are</a:t>
-            </a:r>
-            <a:r>
-              <a:rPr lang="de-DE" dirty="0"/>
-              <a:t> </a:t>
-            </a:r>
-            <a:r>
-              <a:rPr lang="de-DE" dirty="0" err="1"/>
-              <a:t>used</a:t>
-            </a:r>
-            <a:r>
-              <a:rPr lang="de-DE" dirty="0"/>
-              <a:t>?</a:t>
-            </a:r>
-          </a:p>
-          <a:p>
-            <a:pPr lvl="1"/>
-            <a:r>
-              <a:rPr lang="de-DE" dirty="0" err="1"/>
-              <a:t>What</a:t>
-            </a:r>
-            <a:r>
-              <a:rPr lang="de-DE" dirty="0"/>
-              <a:t> </a:t>
-            </a:r>
-            <a:r>
-              <a:rPr lang="de-DE" dirty="0" err="1"/>
-              <a:t>are</a:t>
-            </a:r>
-            <a:r>
-              <a:rPr lang="de-DE" dirty="0"/>
-              <a:t> </a:t>
-            </a:r>
-            <a:r>
-              <a:rPr lang="de-DE" dirty="0" err="1"/>
-              <a:t>new</a:t>
-            </a:r>
-            <a:r>
-              <a:rPr lang="de-DE" dirty="0"/>
-              <a:t> design </a:t>
-            </a:r>
-            <a:r>
-              <a:rPr lang="de-DE" dirty="0" err="1"/>
-              <a:t>ideas</a:t>
-            </a:r>
-            <a:r>
-              <a:rPr lang="de-DE" dirty="0"/>
-              <a:t> / </a:t>
-            </a:r>
-            <a:r>
-              <a:rPr lang="de-DE" dirty="0" err="1"/>
-              <a:t>features</a:t>
-            </a:r>
-            <a:r>
-              <a:rPr lang="de-DE" dirty="0"/>
-              <a:t>?</a:t>
-            </a:r>
-          </a:p>
-          <a:p>
-            <a:pPr lvl="1"/>
-            <a:r>
-              <a:rPr lang="de-DE" dirty="0" err="1"/>
-              <a:t>What</a:t>
-            </a:r>
-            <a:r>
-              <a:rPr lang="de-DE" dirty="0"/>
-              <a:t> </a:t>
-            </a:r>
-            <a:r>
-              <a:rPr lang="de-DE" dirty="0" err="1"/>
-              <a:t>are</a:t>
-            </a:r>
-            <a:r>
-              <a:rPr lang="de-DE" dirty="0"/>
-              <a:t> </a:t>
-            </a:r>
-            <a:r>
-              <a:rPr lang="de-DE" dirty="0" err="1"/>
-              <a:t>general</a:t>
-            </a:r>
-            <a:r>
-              <a:rPr lang="de-DE" dirty="0"/>
-              <a:t> </a:t>
-            </a:r>
-            <a:r>
-              <a:rPr lang="de-DE" dirty="0" err="1"/>
-              <a:t>properties</a:t>
-            </a:r>
-            <a:r>
-              <a:rPr lang="de-DE" dirty="0"/>
-              <a:t>?</a:t>
-            </a:r>
-          </a:p>
-          <a:p>
-            <a:pPr lvl="1"/>
-            <a:r>
-              <a:rPr lang="de-DE" dirty="0" err="1"/>
-              <a:t>Which</a:t>
-            </a:r>
-            <a:r>
-              <a:rPr lang="de-DE" dirty="0"/>
-              <a:t> </a:t>
-            </a:r>
-            <a:r>
-              <a:rPr lang="de-DE" dirty="0" err="1"/>
-              <a:t>hand</a:t>
-            </a:r>
-            <a:r>
-              <a:rPr lang="de-DE" dirty="0"/>
-              <a:t> </a:t>
-            </a:r>
-            <a:r>
-              <a:rPr lang="de-DE" dirty="0" err="1"/>
-              <a:t>specific</a:t>
-            </a:r>
-            <a:r>
-              <a:rPr lang="de-DE" dirty="0"/>
-              <a:t> </a:t>
-            </a:r>
-            <a:r>
-              <a:rPr lang="de-DE" dirty="0" err="1"/>
-              <a:t>features</a:t>
-            </a:r>
-            <a:r>
-              <a:rPr lang="de-DE" dirty="0"/>
-              <a:t> </a:t>
-            </a:r>
-            <a:r>
-              <a:rPr lang="de-DE" dirty="0" err="1"/>
-              <a:t>exist</a:t>
-            </a:r>
-            <a:r>
-              <a:rPr lang="de-DE"/>
-              <a:t>? </a:t>
-            </a:r>
-            <a:endParaRPr lang="en-US" dirty="0"/>
+            <a:endParaRPr lang="de-DE" sz="2800" dirty="0"/>
+          </a:p>
+          <a:p>
+            <a:r>
+              <a:rPr lang="en-GB" sz="2800" dirty="0"/>
+              <a:t>Motivation and Challenges</a:t>
+            </a:r>
+          </a:p>
+          <a:p>
+            <a:endParaRPr lang="en-GB" sz="2800" dirty="0"/>
+          </a:p>
+          <a:p>
+            <a:r>
+              <a:rPr lang="en-GB" sz="2800" dirty="0"/>
+              <a:t>Overview of Hand Prostheses</a:t>
+            </a:r>
+          </a:p>
+          <a:p>
+            <a:endParaRPr lang="en-GB" sz="2800" dirty="0"/>
+          </a:p>
+          <a:p>
+            <a:r>
+              <a:rPr lang="en-GB" sz="2800" dirty="0"/>
+              <a:t>Comparison of Hand Prostheses</a:t>
+            </a:r>
+          </a:p>
+          <a:p>
+            <a:endParaRPr lang="en-GB" sz="2800" dirty="0"/>
+          </a:p>
+          <a:p>
+            <a:r>
+              <a:rPr lang="en-GB" sz="2800" dirty="0"/>
+              <a:t>Conclusion</a:t>
+            </a:r>
           </a:p>
         </p:txBody>
       </p:sp>
     </p:spTree>
     <p:extLst>
       <p:ext uri="{BB962C8B-B14F-4D97-AF65-F5344CB8AC3E}">
-        <p14:creationId xmlns:p14="http://schemas.microsoft.com/office/powerpoint/2010/main" val="2739278319"/>
+        <p14:creationId xmlns:p14="http://schemas.microsoft.com/office/powerpoint/2010/main" val="2605341254"/>
+      </p:ext>
+    </p:extLst>
+  </p:cSld>
+  <p:clrMapOvr>
+    <a:masterClrMapping/>
+  </p:clrMapOvr>
+  <p:timing>
+    <p:tnLst>
+      <p:par>
+        <p:cTn id="1" dur="indefinite" restart="never" nodeType="tmRoot">
+          <p:childTnLst>
+            <p:seq concurrent="1" nextAc="seek">
+              <p:cTn id="2" dur="indefinite" nodeType="mainSeq">
+                <p:childTnLst>
+                  <p:par>
+                    <p:cTn id="3" fill="hold">
+                      <p:stCondLst>
+                        <p:cond delay="indefinite"/>
+                        <p:cond evt="onBegin" delay="0">
+                          <p:tn val="2"/>
+                        </p:cond>
+                      </p:stCondLst>
+                      <p:childTnLst>
+                        <p:par>
+                          <p:cTn id="4" fill="hold">
+                            <p:stCondLst>
+                              <p:cond delay="0"/>
+                            </p:stCondLst>
+                            <p:childTnLst>
+                              <p:par>
+                                <p:cTn id="5" presetID="9" presetClass="emph" presetSubtype="0" grpId="0" nodeType="withEffect">
+                                  <p:stCondLst>
+                                    <p:cond delay="0"/>
+                                  </p:stCondLst>
+                                  <p:childTnLst>
+                                    <p:set>
+                                      <p:cBhvr>
+                                        <p:cTn id="6" dur="indefinite"/>
+                                        <p:tgtEl>
+                                          <p:spTgt spid="3">
+                                            <p:txEl>
+                                              <p:pRg st="1" end="1"/>
+                                            </p:txEl>
+                                          </p:spTgt>
+                                        </p:tgtEl>
+                                        <p:attrNameLst>
+                                          <p:attrName>style.opacity</p:attrName>
+                                        </p:attrNameLst>
+                                      </p:cBhvr>
+                                      <p:to>
+                                        <p:strVal val="0.5"/>
+                                      </p:to>
+                                    </p:set>
+                                    <p:animEffect filter="image" prLst="opacity: 0.5">
+                                      <p:cBhvr rctx="IE">
+                                        <p:cTn id="7" dur="indefinite"/>
+                                        <p:tgtEl>
+                                          <p:spTgt spid="3">
+                                            <p:txEl>
+                                              <p:pRg st="1" end="1"/>
+                                            </p:txEl>
+                                          </p:spTgt>
+                                        </p:tgtEl>
+                                      </p:cBhvr>
+                                    </p:animEffect>
+                                  </p:childTnLst>
+                                </p:cTn>
+                              </p:par>
+                              <p:par>
+                                <p:cTn id="8" presetID="9" presetClass="emph" presetSubtype="0" grpId="0" nodeType="withEffect">
+                                  <p:stCondLst>
+                                    <p:cond delay="0"/>
+                                  </p:stCondLst>
+                                  <p:childTnLst>
+                                    <p:set>
+                                      <p:cBhvr>
+                                        <p:cTn id="9" dur="indefinite"/>
+                                        <p:tgtEl>
+                                          <p:spTgt spid="3">
+                                            <p:txEl>
+                                              <p:pRg st="7" end="7"/>
+                                            </p:txEl>
+                                          </p:spTgt>
+                                        </p:tgtEl>
+                                        <p:attrNameLst>
+                                          <p:attrName>style.opacity</p:attrName>
+                                        </p:attrNameLst>
+                                      </p:cBhvr>
+                                      <p:to>
+                                        <p:strVal val="0.5"/>
+                                      </p:to>
+                                    </p:set>
+                                    <p:animEffect filter="image" prLst="opacity: 0.5">
+                                      <p:cBhvr rctx="IE">
+                                        <p:cTn id="10" dur="indefinite"/>
+                                        <p:tgtEl>
+                                          <p:spTgt spid="3">
+                                            <p:txEl>
+                                              <p:pRg st="7" end="7"/>
+                                            </p:txEl>
+                                          </p:spTgt>
+                                        </p:tgtEl>
+                                      </p:cBhvr>
+                                    </p:animEffect>
+                                  </p:childTnLst>
+                                </p:cTn>
+                              </p:par>
+                              <p:par>
+                                <p:cTn id="11" presetID="9" presetClass="emph" presetSubtype="0" grpId="0" nodeType="withEffect">
+                                  <p:stCondLst>
+                                    <p:cond delay="0"/>
+                                  </p:stCondLst>
+                                  <p:childTnLst>
+                                    <p:set>
+                                      <p:cBhvr>
+                                        <p:cTn id="12" dur="indefinite"/>
+                                        <p:tgtEl>
+                                          <p:spTgt spid="3">
+                                            <p:txEl>
+                                              <p:pRg st="5" end="5"/>
+                                            </p:txEl>
+                                          </p:spTgt>
+                                        </p:tgtEl>
+                                        <p:attrNameLst>
+                                          <p:attrName>style.opacity</p:attrName>
+                                        </p:attrNameLst>
+                                      </p:cBhvr>
+                                      <p:to>
+                                        <p:strVal val="0.5"/>
+                                      </p:to>
+                                    </p:set>
+                                    <p:animEffect filter="image" prLst="opacity: 0.5">
+                                      <p:cBhvr rctx="IE">
+                                        <p:cTn id="13" dur="indefinite"/>
+                                        <p:tgtEl>
+                                          <p:spTgt spid="3">
+                                            <p:txEl>
+                                              <p:pRg st="5" end="5"/>
+                                            </p:txEl>
+                                          </p:spTgt>
+                                        </p:tgtEl>
+                                      </p:cBhvr>
+                                    </p:animEffect>
+                                  </p:childTnLst>
+                                </p:cTn>
+                              </p:par>
+                            </p:childTnLst>
+                          </p:cTn>
+                        </p:par>
+                      </p:childTnLst>
+                    </p:cTn>
+                  </p:par>
+                </p:childTnLst>
+              </p:cTn>
+              <p:prevCondLst>
+                <p:cond evt="onPrev" delay="0">
+                  <p:tgtEl>
+                    <p:sldTgt/>
+                  </p:tgtEl>
+                </p:cond>
+              </p:prevCondLst>
+              <p:nextCondLst>
+                <p:cond evt="onNext" delay="0">
+                  <p:tgtEl>
+                    <p:sldTgt/>
+                  </p:tgtEl>
+                </p:cond>
+              </p:nextCondLst>
+            </p:seq>
+          </p:childTnLst>
+        </p:cTn>
+      </p:par>
+    </p:tnLst>
+    <p:bldLst>
+      <p:bldP spid="3" grpId="0" uiExpand="1" build="p"/>
+    </p:bldLst>
+  </p:timing>
+</p:sld>
+</file>
+
+<file path=ppt/slides/slide7.xml><?xml version="1.0" encoding="utf-8"?>
+<p:sld xmlns:a="http://schemas.openxmlformats.org/drawingml/2006/main" xmlns:r="http://schemas.openxmlformats.org/officeDocument/2006/relationships" xmlns:p="http://schemas.openxmlformats.org/presentationml/2006/main">
+  <p:cSld>
+    <p:spTree>
+      <p:nvGrpSpPr>
+        <p:cNvPr id="1" name=""/>
+        <p:cNvGrpSpPr/>
+        <p:nvPr/>
+      </p:nvGrpSpPr>
+      <p:grpSpPr>
+        <a:xfrm>
+          <a:off x="0" y="0"/>
+          <a:ext cx="0" cy="0"/>
+          <a:chOff x="0" y="0"/>
+          <a:chExt cx="0" cy="0"/>
+        </a:xfrm>
+      </p:grpSpPr>
+      <p:sp>
+        <p:nvSpPr>
+          <p:cNvPr id="2" name="Titel 1">
+            <a:extLst>
+              <a:ext uri="{FF2B5EF4-FFF2-40B4-BE49-F238E27FC236}">
+                <a16:creationId xmlns:a16="http://schemas.microsoft.com/office/drawing/2014/main" id="{AB6AEF87-6455-441C-AD84-92FB454BB440}"/>
+              </a:ext>
+            </a:extLst>
+          </p:cNvPr>
+          <p:cNvSpPr>
+            <a:spLocks noGrp="1"/>
+          </p:cNvSpPr>
+          <p:nvPr>
+            <p:ph type="title"/>
+          </p:nvPr>
+        </p:nvSpPr>
+        <p:spPr/>
+        <p:txBody>
+          <a:bodyPr/>
+          <a:lstStyle/>
+          <a:p>
+            <a:r>
+              <a:rPr lang="en-US" dirty="0"/>
+              <a:t>Tact</a:t>
+            </a:r>
+          </a:p>
+        </p:txBody>
+      </p:sp>
+      <p:graphicFrame>
+        <p:nvGraphicFramePr>
+          <p:cNvPr id="4" name="Inhaltsplatzhalter 3">
+            <a:extLst>
+              <a:ext uri="{FF2B5EF4-FFF2-40B4-BE49-F238E27FC236}">
+                <a16:creationId xmlns:a16="http://schemas.microsoft.com/office/drawing/2014/main" id="{55D5FD15-031B-4BAF-A9F5-D1F9EC56806D}"/>
+              </a:ext>
+            </a:extLst>
+          </p:cNvPr>
+          <p:cNvGraphicFramePr>
+            <a:graphicFrameLocks noGrp="1"/>
+          </p:cNvGraphicFramePr>
+          <p:nvPr>
+            <p:ph idx="1"/>
+            <p:extLst>
+              <p:ext uri="{D42A27DB-BD31-4B8C-83A1-F6EECF244321}">
+                <p14:modId xmlns:p14="http://schemas.microsoft.com/office/powerpoint/2010/main" val="3547060024"/>
+              </p:ext>
+            </p:extLst>
+          </p:nvPr>
+        </p:nvGraphicFramePr>
+        <p:xfrm>
+          <a:off x="392113" y="1198563"/>
+          <a:ext cx="8356600" cy="741680"/>
+        </p:xfrm>
+        <a:graphic>
+          <a:graphicData uri="http://schemas.openxmlformats.org/drawingml/2006/table">
+            <a:tbl>
+              <a:tblPr firstRow="1" bandRow="1">
+                <a:tableStyleId>{5C22544A-7EE6-4342-B048-85BDC9FD1C3A}</a:tableStyleId>
+              </a:tblPr>
+              <a:tblGrid>
+                <a:gridCol w="1671320">
+                  <a:extLst>
+                    <a:ext uri="{9D8B030D-6E8A-4147-A177-3AD203B41FA5}">
+                      <a16:colId xmlns:a16="http://schemas.microsoft.com/office/drawing/2014/main" val="79759528"/>
+                    </a:ext>
+                  </a:extLst>
+                </a:gridCol>
+                <a:gridCol w="1671320">
+                  <a:extLst>
+                    <a:ext uri="{9D8B030D-6E8A-4147-A177-3AD203B41FA5}">
+                      <a16:colId xmlns:a16="http://schemas.microsoft.com/office/drawing/2014/main" val="4261196352"/>
+                    </a:ext>
+                  </a:extLst>
+                </a:gridCol>
+                <a:gridCol w="1671320">
+                  <a:extLst>
+                    <a:ext uri="{9D8B030D-6E8A-4147-A177-3AD203B41FA5}">
+                      <a16:colId xmlns:a16="http://schemas.microsoft.com/office/drawing/2014/main" val="1890016348"/>
+                    </a:ext>
+                  </a:extLst>
+                </a:gridCol>
+                <a:gridCol w="1671320">
+                  <a:extLst>
+                    <a:ext uri="{9D8B030D-6E8A-4147-A177-3AD203B41FA5}">
+                      <a16:colId xmlns:a16="http://schemas.microsoft.com/office/drawing/2014/main" val="2759803080"/>
+                    </a:ext>
+                  </a:extLst>
+                </a:gridCol>
+                <a:gridCol w="1671320">
+                  <a:extLst>
+                    <a:ext uri="{9D8B030D-6E8A-4147-A177-3AD203B41FA5}">
+                      <a16:colId xmlns:a16="http://schemas.microsoft.com/office/drawing/2014/main" val="2615268675"/>
+                    </a:ext>
+                  </a:extLst>
+                </a:gridCol>
+              </a:tblGrid>
+              <a:tr h="370840">
+                <a:tc>
+                  <a:txBody>
+                    <a:bodyPr/>
+                    <a:lstStyle/>
+                    <a:p>
+                      <a:r>
+                        <a:rPr lang="en-GB" dirty="0"/>
+                        <a:t>Year</a:t>
+                      </a:r>
+                    </a:p>
+                  </a:txBody>
+                  <a:tcPr/>
+                </a:tc>
+                <a:tc>
+                  <a:txBody>
+                    <a:bodyPr/>
+                    <a:lstStyle/>
+                    <a:p>
+                      <a:r>
+                        <a:rPr lang="en-GB" dirty="0"/>
+                        <a:t>Mass (g)</a:t>
+                      </a:r>
+                    </a:p>
+                  </a:txBody>
+                  <a:tcPr/>
+                </a:tc>
+                <a:tc>
+                  <a:txBody>
+                    <a:bodyPr/>
+                    <a:lstStyle/>
+                    <a:p>
+                      <a:r>
+                        <a:rPr lang="en-GB" dirty="0"/>
+                        <a:t>Joints</a:t>
+                      </a:r>
+                    </a:p>
+                  </a:txBody>
+                  <a:tcPr/>
+                </a:tc>
+                <a:tc>
+                  <a:txBody>
+                    <a:bodyPr/>
+                    <a:lstStyle/>
+                    <a:p>
+                      <a:r>
+                        <a:rPr lang="en-GB" dirty="0"/>
+                        <a:t>Actuators</a:t>
+                      </a:r>
+                    </a:p>
+                  </a:txBody>
+                  <a:tcPr/>
+                </a:tc>
+                <a:tc>
+                  <a:txBody>
+                    <a:bodyPr/>
+                    <a:lstStyle/>
+                    <a:p>
+                      <a:r>
+                        <a:rPr lang="en-GB" dirty="0"/>
+                        <a:t>Transmission</a:t>
+                      </a:r>
+                    </a:p>
+                  </a:txBody>
+                  <a:tcPr/>
+                </a:tc>
+                <a:extLst>
+                  <a:ext uri="{0D108BD9-81ED-4DB2-BD59-A6C34878D82A}">
+                    <a16:rowId xmlns:a16="http://schemas.microsoft.com/office/drawing/2014/main" val="2235242428"/>
+                  </a:ext>
+                </a:extLst>
+              </a:tr>
+              <a:tr h="370840">
+                <a:tc>
+                  <a:txBody>
+                    <a:bodyPr/>
+                    <a:lstStyle/>
+                    <a:p>
+                      <a:r>
+                        <a:rPr lang="en-GB" dirty="0"/>
+                        <a:t>2015</a:t>
+                      </a:r>
+                    </a:p>
+                  </a:txBody>
+                  <a:tcPr/>
+                </a:tc>
+                <a:tc>
+                  <a:txBody>
+                    <a:bodyPr/>
+                    <a:lstStyle/>
+                    <a:p>
+                      <a:r>
+                        <a:rPr lang="en-GB" dirty="0"/>
+                        <a:t>350</a:t>
+                      </a:r>
+                    </a:p>
+                  </a:txBody>
+                  <a:tcPr/>
+                </a:tc>
+                <a:tc>
+                  <a:txBody>
+                    <a:bodyPr/>
+                    <a:lstStyle/>
+                    <a:p>
+                      <a:r>
+                        <a:rPr lang="en-GB" dirty="0"/>
+                        <a:t>11</a:t>
+                      </a:r>
+                    </a:p>
+                  </a:txBody>
+                  <a:tcPr/>
+                </a:tc>
+                <a:tc>
+                  <a:txBody>
+                    <a:bodyPr/>
+                    <a:lstStyle/>
+                    <a:p>
+                      <a:r>
+                        <a:rPr lang="en-GB" dirty="0"/>
+                        <a:t>6</a:t>
+                      </a:r>
+                    </a:p>
+                  </a:txBody>
+                  <a:tcPr/>
+                </a:tc>
+                <a:tc>
+                  <a:txBody>
+                    <a:bodyPr/>
+                    <a:lstStyle/>
+                    <a:p>
+                      <a:r>
+                        <a:rPr lang="en-GB" dirty="0"/>
+                        <a:t>Tendons</a:t>
+                      </a:r>
+                    </a:p>
+                  </a:txBody>
+                  <a:tcPr/>
+                </a:tc>
+                <a:extLst>
+                  <a:ext uri="{0D108BD9-81ED-4DB2-BD59-A6C34878D82A}">
+                    <a16:rowId xmlns:a16="http://schemas.microsoft.com/office/drawing/2014/main" val="168132357"/>
+                  </a:ext>
+                </a:extLst>
+              </a:tr>
+            </a:tbl>
+          </a:graphicData>
+        </a:graphic>
+      </p:graphicFrame>
+      <mc:AlternateContent xmlns:mc="http://schemas.openxmlformats.org/markup-compatibility/2006" xmlns:a14="http://schemas.microsoft.com/office/drawing/2010/main">
+        <mc:Choice Requires="a14">
+          <p:sp>
+            <p:nvSpPr>
+              <p:cNvPr id="5" name="Inhaltsplatzhalter 2">
+                <a:extLst>
+                  <a:ext uri="{FF2B5EF4-FFF2-40B4-BE49-F238E27FC236}">
+                    <a16:creationId xmlns:a16="http://schemas.microsoft.com/office/drawing/2014/main" id="{ED274FAE-4C89-4BB2-A7DD-88F92274BDED}"/>
+                  </a:ext>
+                </a:extLst>
+              </p:cNvPr>
+              <p:cNvSpPr txBox="1">
+                <a:spLocks/>
+              </p:cNvSpPr>
+              <p:nvPr/>
+            </p:nvSpPr>
+            <p:spPr bwMode="auto">
+              <a:xfrm>
+                <a:off x="392113" y="2060847"/>
+                <a:ext cx="5043983" cy="4031977"/>
+              </a:xfrm>
+              <a:prstGeom prst="rect">
+                <a:avLst/>
+              </a:prstGeom>
+              <a:noFill/>
+              <a:ln w="9525">
+                <a:noFill/>
+                <a:miter lim="800000"/>
+                <a:headEnd/>
+                <a:tailEnd/>
+              </a:ln>
+            </p:spPr>
+            <p:txBody>
+              <a:bodyPr vert="horz" wrap="square" lIns="0" tIns="0" rIns="0" bIns="0" numCol="1" anchor="t" anchorCtr="0" compatLnSpc="1">
+                <a:prstTxWarp prst="textNoShape">
+                  <a:avLst/>
+                </a:prstTxWarp>
+              </a:bodyPr>
+              <a:lstStyle>
+                <a:lvl1pPr marL="314325" indent="-314325" algn="l" rtl="0" eaLnBrk="1" fontAlgn="base" hangingPunct="1">
+                  <a:spcBef>
+                    <a:spcPct val="20000"/>
+                  </a:spcBef>
+                  <a:spcAft>
+                    <a:spcPct val="0"/>
+                  </a:spcAft>
+                  <a:buBlip>
+                    <a:blip r:embed="rId2"/>
+                  </a:buBlip>
+                  <a:defRPr sz="2000">
+                    <a:solidFill>
+                      <a:schemeClr val="tx1"/>
+                    </a:solidFill>
+                    <a:latin typeface="Calibri" pitchFamily="34" charset="0"/>
+                    <a:ea typeface="+mn-ea"/>
+                    <a:cs typeface="+mn-cs"/>
+                  </a:defRPr>
+                </a:lvl1pPr>
+                <a:lvl2pPr marL="790575" indent="-314325" algn="l" rtl="0" eaLnBrk="1" fontAlgn="base" hangingPunct="1">
+                  <a:spcBef>
+                    <a:spcPct val="20000"/>
+                  </a:spcBef>
+                  <a:spcAft>
+                    <a:spcPct val="0"/>
+                  </a:spcAft>
+                  <a:buBlip>
+                    <a:blip r:embed="rId3"/>
+                  </a:buBlip>
+                  <a:defRPr>
+                    <a:solidFill>
+                      <a:schemeClr val="tx1"/>
+                    </a:solidFill>
+                    <a:latin typeface="Calibri" pitchFamily="34" charset="0"/>
+                  </a:defRPr>
+                </a:lvl2pPr>
+                <a:lvl3pPr marL="1209675" indent="-276225" algn="l" rtl="0" eaLnBrk="1" fontAlgn="base" hangingPunct="1">
+                  <a:spcBef>
+                    <a:spcPct val="20000"/>
+                  </a:spcBef>
+                  <a:spcAft>
+                    <a:spcPct val="0"/>
+                  </a:spcAft>
+                  <a:buBlip>
+                    <a:blip r:embed="rId4"/>
+                  </a:buBlip>
+                  <a:defRPr sz="1600">
+                    <a:solidFill>
+                      <a:schemeClr val="tx1"/>
+                    </a:solidFill>
+                    <a:latin typeface="Calibri" pitchFamily="34" charset="0"/>
+                  </a:defRPr>
+                </a:lvl3pPr>
+                <a:lvl4pPr marL="1657350" indent="-276225" algn="l" rtl="0" eaLnBrk="1" fontAlgn="base" hangingPunct="1">
+                  <a:spcBef>
+                    <a:spcPct val="20000"/>
+                  </a:spcBef>
+                  <a:spcAft>
+                    <a:spcPct val="0"/>
+                  </a:spcAft>
+                  <a:buBlip>
+                    <a:blip r:embed="rId4"/>
+                  </a:buBlip>
+                  <a:defRPr sz="1600">
+                    <a:solidFill>
+                      <a:schemeClr val="tx1"/>
+                    </a:solidFill>
+                    <a:latin typeface="Calibri" pitchFamily="34" charset="0"/>
+                  </a:defRPr>
+                </a:lvl4pPr>
+                <a:lvl5pPr marL="2095500" indent="-276225" algn="l" rtl="0" eaLnBrk="1" fontAlgn="base" hangingPunct="1">
+                  <a:spcBef>
+                    <a:spcPct val="20000"/>
+                  </a:spcBef>
+                  <a:spcAft>
+                    <a:spcPct val="0"/>
+                  </a:spcAft>
+                  <a:buBlip>
+                    <a:blip r:embed="rId4"/>
+                  </a:buBlip>
+                  <a:defRPr sz="1600">
+                    <a:solidFill>
+                      <a:schemeClr val="tx1"/>
+                    </a:solidFill>
+                    <a:latin typeface="Calibri" pitchFamily="34" charset="0"/>
+                  </a:defRPr>
+                </a:lvl5pPr>
+                <a:lvl6pPr marL="2514600" indent="-228600" algn="l" rtl="0" eaLnBrk="1" fontAlgn="base" hangingPunct="1">
+                  <a:spcBef>
+                    <a:spcPct val="20000"/>
+                  </a:spcBef>
+                  <a:spcAft>
+                    <a:spcPct val="0"/>
+                  </a:spcAft>
+                  <a:buSzPct val="60000"/>
+                  <a:buBlip>
+                    <a:blip r:embed="rId5"/>
+                  </a:buBlip>
+                  <a:defRPr sz="1400">
+                    <a:solidFill>
+                      <a:schemeClr val="tx1"/>
+                    </a:solidFill>
+                    <a:latin typeface="+mn-lt"/>
+                  </a:defRPr>
+                </a:lvl6pPr>
+                <a:lvl7pPr marL="2971800" indent="-228600" algn="l" rtl="0" eaLnBrk="1" fontAlgn="base" hangingPunct="1">
+                  <a:spcBef>
+                    <a:spcPct val="20000"/>
+                  </a:spcBef>
+                  <a:spcAft>
+                    <a:spcPct val="0"/>
+                  </a:spcAft>
+                  <a:buSzPct val="60000"/>
+                  <a:buBlip>
+                    <a:blip r:embed="rId5"/>
+                  </a:buBlip>
+                  <a:defRPr sz="1400">
+                    <a:solidFill>
+                      <a:schemeClr val="tx1"/>
+                    </a:solidFill>
+                    <a:latin typeface="+mn-lt"/>
+                  </a:defRPr>
+                </a:lvl7pPr>
+                <a:lvl8pPr marL="3429000" indent="-228600" algn="l" rtl="0" eaLnBrk="1" fontAlgn="base" hangingPunct="1">
+                  <a:spcBef>
+                    <a:spcPct val="20000"/>
+                  </a:spcBef>
+                  <a:spcAft>
+                    <a:spcPct val="0"/>
+                  </a:spcAft>
+                  <a:buSzPct val="60000"/>
+                  <a:buBlip>
+                    <a:blip r:embed="rId5"/>
+                  </a:buBlip>
+                  <a:defRPr sz="1400">
+                    <a:solidFill>
+                      <a:schemeClr val="tx1"/>
+                    </a:solidFill>
+                    <a:latin typeface="+mn-lt"/>
+                  </a:defRPr>
+                </a:lvl8pPr>
+                <a:lvl9pPr marL="3886200" indent="-228600" algn="l" rtl="0" eaLnBrk="1" fontAlgn="base" hangingPunct="1">
+                  <a:spcBef>
+                    <a:spcPct val="20000"/>
+                  </a:spcBef>
+                  <a:spcAft>
+                    <a:spcPct val="0"/>
+                  </a:spcAft>
+                  <a:buSzPct val="60000"/>
+                  <a:buBlip>
+                    <a:blip r:embed="rId5"/>
+                  </a:buBlip>
+                  <a:defRPr sz="1400">
+                    <a:solidFill>
+                      <a:schemeClr val="tx1"/>
+                    </a:solidFill>
+                    <a:latin typeface="+mn-lt"/>
+                  </a:defRPr>
+                </a:lvl9pPr>
+              </a:lstStyle>
+              <a:p>
+                <a:endParaRPr lang="en-GB" kern="0" dirty="0"/>
+              </a:p>
+              <a:p>
+                <a:endParaRPr lang="en-GB" kern="0" dirty="0"/>
+              </a:p>
+              <a:p>
+                <a:r>
+                  <a:rPr lang="en-GB" kern="0" dirty="0"/>
+                  <a:t>Special feature:</a:t>
+                </a:r>
+              </a:p>
+              <a:p>
+                <a:pPr lvl="1"/>
+                <a:r>
+                  <a:rPr lang="en-GB" kern="0" dirty="0"/>
+                  <a:t>Matches performance of other myoelectric prosthetic hands,</a:t>
+                </a:r>
+              </a:p>
+              <a:p>
+                <a:pPr marL="476250" lvl="1" indent="0">
+                  <a:buNone/>
+                </a:pPr>
+                <a:r>
+                  <a:rPr lang="en-GB" kern="0" dirty="0"/>
+                  <a:t>      while being very cheap (</a:t>
+                </a:r>
+                <a14:m>
+                  <m:oMath xmlns:m="http://schemas.openxmlformats.org/officeDocument/2006/math">
+                    <m:r>
+                      <a:rPr lang="de-DE" i="1" kern="0">
+                        <a:latin typeface="Cambria Math" panose="02040503050406030204" pitchFamily="18" charset="0"/>
+                      </a:rPr>
+                      <m:t>$ 250</m:t>
+                    </m:r>
+                  </m:oMath>
+                </a14:m>
+                <a:r>
+                  <a:rPr lang="en-GB" kern="0" dirty="0"/>
+                  <a:t>)</a:t>
+                </a:r>
+              </a:p>
+              <a:p>
+                <a:pPr lvl="1"/>
+                <a:r>
+                  <a:rPr lang="en-GB" kern="0" dirty="0"/>
+                  <a:t>Easy to manufacture with 3D-printer </a:t>
+                </a:r>
+              </a:p>
+              <a:p>
+                <a:pPr marL="476250" lvl="1" indent="0">
+                  <a:buNone/>
+                </a:pPr>
+                <a:r>
+                  <a:rPr lang="en-GB" kern="0" dirty="0"/>
+                  <a:t>      and of-the shelf parts</a:t>
+                </a:r>
+              </a:p>
+              <a:p>
+                <a:pPr lvl="1"/>
+                <a:r>
+                  <a:rPr lang="en-GB" kern="0" dirty="0"/>
+                  <a:t>Open-source</a:t>
+                </a:r>
+              </a:p>
+              <a:p>
+                <a:pPr marL="476250" lvl="1" indent="0">
+                  <a:buNone/>
+                </a:pPr>
+                <a:endParaRPr lang="en-GB" kern="0" dirty="0"/>
+              </a:p>
+            </p:txBody>
+          </p:sp>
+        </mc:Choice>
+        <mc:Fallback xmlns="">
+          <p:sp>
+            <p:nvSpPr>
+              <p:cNvPr id="5" name="Inhaltsplatzhalter 2">
+                <a:extLst>
+                  <a:ext uri="{FF2B5EF4-FFF2-40B4-BE49-F238E27FC236}">
+                    <a16:creationId xmlns:a16="http://schemas.microsoft.com/office/drawing/2014/main" id="{ED274FAE-4C89-4BB2-A7DD-88F92274BDED}"/>
+                  </a:ext>
+                </a:extLst>
+              </p:cNvPr>
+              <p:cNvSpPr txBox="1">
+                <a:spLocks noRot="1" noChangeAspect="1" noMove="1" noResize="1" noEditPoints="1" noAdjustHandles="1" noChangeArrowheads="1" noChangeShapeType="1" noTextEdit="1"/>
+              </p:cNvSpPr>
+              <p:nvPr/>
+            </p:nvSpPr>
+            <p:spPr bwMode="auto">
+              <a:xfrm>
+                <a:off x="392113" y="2060847"/>
+                <a:ext cx="5043983" cy="4031977"/>
+              </a:xfrm>
+              <a:prstGeom prst="rect">
+                <a:avLst/>
+              </a:prstGeom>
+              <a:blipFill>
+                <a:blip r:embed="rId6"/>
+                <a:stretch>
+                  <a:fillRect/>
+                </a:stretch>
+              </a:blipFill>
+              <a:ln w="9525">
+                <a:noFill/>
+                <a:miter lim="800000"/>
+                <a:headEnd/>
+                <a:tailEnd/>
+              </a:ln>
+            </p:spPr>
+            <p:txBody>
+              <a:bodyPr/>
+              <a:lstStyle/>
+              <a:p>
+                <a:r>
+                  <a:rPr lang="en-US">
+                    <a:noFill/>
+                  </a:rPr>
+                  <a:t> </a:t>
+                </a:r>
+              </a:p>
+            </p:txBody>
+          </p:sp>
+        </mc:Fallback>
+      </mc:AlternateContent>
+      <p:pic>
+        <p:nvPicPr>
+          <p:cNvPr id="7" name="Grafik 6">
+            <a:extLst>
+              <a:ext uri="{FF2B5EF4-FFF2-40B4-BE49-F238E27FC236}">
+                <a16:creationId xmlns:a16="http://schemas.microsoft.com/office/drawing/2014/main" id="{1296BFD0-896D-490B-A54C-AEC255F5BFBB}"/>
+              </a:ext>
+            </a:extLst>
+          </p:cNvPr>
+          <p:cNvPicPr>
+            <a:picLocks noChangeAspect="1"/>
+          </p:cNvPicPr>
+          <p:nvPr/>
+        </p:nvPicPr>
+        <p:blipFill>
+          <a:blip r:embed="rId7">
+            <a:extLst>
+              <a:ext uri="{28A0092B-C50C-407E-A947-70E740481C1C}">
+                <a14:useLocalDpi xmlns:a14="http://schemas.microsoft.com/office/drawing/2010/main" val="0"/>
+              </a:ext>
+            </a:extLst>
+          </a:blip>
+          <a:stretch>
+            <a:fillRect/>
+          </a:stretch>
+        </p:blipFill>
+        <p:spPr>
+          <a:xfrm>
+            <a:off x="5796136" y="2290327"/>
+            <a:ext cx="2684119" cy="3573016"/>
+          </a:xfrm>
+          <a:prstGeom prst="rect">
+            <a:avLst/>
+          </a:prstGeom>
+        </p:spPr>
+      </p:pic>
+    </p:spTree>
+    <p:extLst>
+      <p:ext uri="{BB962C8B-B14F-4D97-AF65-F5344CB8AC3E}">
+        <p14:creationId xmlns:p14="http://schemas.microsoft.com/office/powerpoint/2010/main" val="1461860627"/>
+      </p:ext>
+    </p:extLst>
+  </p:cSld>
+  <p:clrMapOvr>
+    <a:masterClrMapping/>
+  </p:clrMapOvr>
+</p:sld>
+</file>
+
+<file path=ppt/slides/slide8.xml><?xml version="1.0" encoding="utf-8"?>
+<p:sld xmlns:a="http://schemas.openxmlformats.org/drawingml/2006/main" xmlns:r="http://schemas.openxmlformats.org/officeDocument/2006/relationships" xmlns:p="http://schemas.openxmlformats.org/presentationml/2006/main">
+  <p:cSld>
+    <p:spTree>
+      <p:nvGrpSpPr>
+        <p:cNvPr id="1" name=""/>
+        <p:cNvGrpSpPr/>
+        <p:nvPr/>
+      </p:nvGrpSpPr>
+      <p:grpSpPr>
+        <a:xfrm>
+          <a:off x="0" y="0"/>
+          <a:ext cx="0" cy="0"/>
+          <a:chOff x="0" y="0"/>
+          <a:chExt cx="0" cy="0"/>
+        </a:xfrm>
+      </p:grpSpPr>
+      <p:sp>
+        <p:nvSpPr>
+          <p:cNvPr id="2" name="Titel 1">
+            <a:extLst>
+              <a:ext uri="{FF2B5EF4-FFF2-40B4-BE49-F238E27FC236}">
+                <a16:creationId xmlns:a16="http://schemas.microsoft.com/office/drawing/2014/main" id="{CF5A3BD4-7F0F-4E8C-9B7C-D4C5883CE823}"/>
+              </a:ext>
+            </a:extLst>
+          </p:cNvPr>
+          <p:cNvSpPr>
+            <a:spLocks noGrp="1"/>
+          </p:cNvSpPr>
+          <p:nvPr>
+            <p:ph type="title"/>
+          </p:nvPr>
+        </p:nvSpPr>
+        <p:spPr/>
+        <p:txBody>
+          <a:bodyPr/>
+          <a:lstStyle/>
+          <a:p>
+            <a:r>
+              <a:rPr lang="en-GB" dirty="0"/>
+              <a:t>Hand of Bennett et al.</a:t>
+            </a:r>
+          </a:p>
+        </p:txBody>
+      </p:sp>
+      <p:sp>
+        <p:nvSpPr>
+          <p:cNvPr id="3" name="Inhaltsplatzhalter 2">
+            <a:extLst>
+              <a:ext uri="{FF2B5EF4-FFF2-40B4-BE49-F238E27FC236}">
+                <a16:creationId xmlns:a16="http://schemas.microsoft.com/office/drawing/2014/main" id="{B6E39A59-8EE8-4F3D-8DAA-1DDF20AA1483}"/>
+              </a:ext>
+            </a:extLst>
+          </p:cNvPr>
+          <p:cNvSpPr>
+            <a:spLocks noGrp="1"/>
+          </p:cNvSpPr>
+          <p:nvPr>
+            <p:ph idx="1"/>
+          </p:nvPr>
+        </p:nvSpPr>
+        <p:spPr>
+          <a:xfrm>
+            <a:off x="392113" y="2060847"/>
+            <a:ext cx="5043983" cy="4031977"/>
+          </a:xfrm>
+        </p:spPr>
+        <p:txBody>
+          <a:bodyPr/>
+          <a:lstStyle/>
+          <a:p>
+            <a:endParaRPr lang="en-GB" dirty="0"/>
+          </a:p>
+          <a:p>
+            <a:endParaRPr lang="en-GB" dirty="0"/>
+          </a:p>
+          <a:p>
+            <a:endParaRPr lang="en-GB" dirty="0"/>
+          </a:p>
+          <a:p>
+            <a:r>
+              <a:rPr lang="en-GB" dirty="0"/>
+              <a:t>Special feature:</a:t>
+            </a:r>
+          </a:p>
+          <a:p>
+            <a:pPr lvl="1"/>
+            <a:r>
+              <a:rPr lang="en-GB" dirty="0"/>
+              <a:t>Four motor units in unique configuration:</a:t>
+            </a:r>
+          </a:p>
+          <a:p>
+            <a:pPr lvl="2"/>
+            <a:r>
+              <a:rPr lang="en-GB" dirty="0"/>
+              <a:t>2 for thumb and 1 for index (fully actuated)</a:t>
+            </a:r>
+          </a:p>
+          <a:p>
+            <a:pPr lvl="2"/>
+            <a:r>
+              <a:rPr lang="en-GB" dirty="0"/>
+              <a:t>1 for other fingers (underactuated)</a:t>
+            </a:r>
+          </a:p>
+          <a:p>
+            <a:pPr lvl="1"/>
+            <a:r>
+              <a:rPr lang="en-GB" dirty="0"/>
+              <a:t>Embedded control system that enables</a:t>
+            </a:r>
+          </a:p>
+          <a:p>
+            <a:pPr marL="476250" lvl="1" indent="0">
+              <a:buNone/>
+            </a:pPr>
+            <a:r>
+              <a:rPr lang="en-GB" dirty="0"/>
+              <a:t>      self-contained control of hand movement</a:t>
+            </a:r>
+          </a:p>
+          <a:p>
+            <a:pPr marL="476250" lvl="1" indent="0">
+              <a:buNone/>
+            </a:pPr>
+            <a:endParaRPr lang="en-GB" dirty="0"/>
+          </a:p>
+          <a:p>
+            <a:pPr lvl="1"/>
+            <a:endParaRPr lang="en-GB" dirty="0"/>
+          </a:p>
+        </p:txBody>
+      </p:sp>
+      <p:graphicFrame>
+        <p:nvGraphicFramePr>
+          <p:cNvPr id="4" name="Inhaltsplatzhalter 3">
+            <a:extLst>
+              <a:ext uri="{FF2B5EF4-FFF2-40B4-BE49-F238E27FC236}">
+                <a16:creationId xmlns:a16="http://schemas.microsoft.com/office/drawing/2014/main" id="{562FE77A-3304-4D68-81D9-4F7BE5101380}"/>
+              </a:ext>
+            </a:extLst>
+          </p:cNvPr>
+          <p:cNvGraphicFramePr>
+            <a:graphicFrameLocks/>
+          </p:cNvGraphicFramePr>
+          <p:nvPr>
+            <p:extLst>
+              <p:ext uri="{D42A27DB-BD31-4B8C-83A1-F6EECF244321}">
+                <p14:modId xmlns:p14="http://schemas.microsoft.com/office/powerpoint/2010/main" val="3644747908"/>
+              </p:ext>
+            </p:extLst>
+          </p:nvPr>
+        </p:nvGraphicFramePr>
+        <p:xfrm>
+          <a:off x="392113" y="1198563"/>
+          <a:ext cx="8356600" cy="741680"/>
+        </p:xfrm>
+        <a:graphic>
+          <a:graphicData uri="http://schemas.openxmlformats.org/drawingml/2006/table">
+            <a:tbl>
+              <a:tblPr firstRow="1" bandRow="1">
+                <a:tableStyleId>{5C22544A-7EE6-4342-B048-85BDC9FD1C3A}</a:tableStyleId>
+              </a:tblPr>
+              <a:tblGrid>
+                <a:gridCol w="1671320">
+                  <a:extLst>
+                    <a:ext uri="{9D8B030D-6E8A-4147-A177-3AD203B41FA5}">
+                      <a16:colId xmlns:a16="http://schemas.microsoft.com/office/drawing/2014/main" val="79759528"/>
+                    </a:ext>
+                  </a:extLst>
+                </a:gridCol>
+                <a:gridCol w="1671320">
+                  <a:extLst>
+                    <a:ext uri="{9D8B030D-6E8A-4147-A177-3AD203B41FA5}">
+                      <a16:colId xmlns:a16="http://schemas.microsoft.com/office/drawing/2014/main" val="4261196352"/>
+                    </a:ext>
+                  </a:extLst>
+                </a:gridCol>
+                <a:gridCol w="1671320">
+                  <a:extLst>
+                    <a:ext uri="{9D8B030D-6E8A-4147-A177-3AD203B41FA5}">
+                      <a16:colId xmlns:a16="http://schemas.microsoft.com/office/drawing/2014/main" val="1890016348"/>
+                    </a:ext>
+                  </a:extLst>
+                </a:gridCol>
+                <a:gridCol w="1671320">
+                  <a:extLst>
+                    <a:ext uri="{9D8B030D-6E8A-4147-A177-3AD203B41FA5}">
+                      <a16:colId xmlns:a16="http://schemas.microsoft.com/office/drawing/2014/main" val="2759803080"/>
+                    </a:ext>
+                  </a:extLst>
+                </a:gridCol>
+                <a:gridCol w="1671320">
+                  <a:extLst>
+                    <a:ext uri="{9D8B030D-6E8A-4147-A177-3AD203B41FA5}">
+                      <a16:colId xmlns:a16="http://schemas.microsoft.com/office/drawing/2014/main" val="2615268675"/>
+                    </a:ext>
+                  </a:extLst>
+                </a:gridCol>
+              </a:tblGrid>
+              <a:tr h="370840">
+                <a:tc>
+                  <a:txBody>
+                    <a:bodyPr/>
+                    <a:lstStyle/>
+                    <a:p>
+                      <a:r>
+                        <a:rPr lang="en-GB" dirty="0"/>
+                        <a:t>Year</a:t>
+                      </a:r>
+                    </a:p>
+                  </a:txBody>
+                  <a:tcPr/>
+                </a:tc>
+                <a:tc>
+                  <a:txBody>
+                    <a:bodyPr/>
+                    <a:lstStyle/>
+                    <a:p>
+                      <a:r>
+                        <a:rPr lang="en-GB" dirty="0"/>
+                        <a:t>Mass (g)</a:t>
+                      </a:r>
+                    </a:p>
+                  </a:txBody>
+                  <a:tcPr/>
+                </a:tc>
+                <a:tc>
+                  <a:txBody>
+                    <a:bodyPr/>
+                    <a:lstStyle/>
+                    <a:p>
+                      <a:r>
+                        <a:rPr lang="en-GB" dirty="0"/>
+                        <a:t>Joints</a:t>
+                      </a:r>
+                    </a:p>
+                  </a:txBody>
+                  <a:tcPr/>
+                </a:tc>
+                <a:tc>
+                  <a:txBody>
+                    <a:bodyPr/>
+                    <a:lstStyle/>
+                    <a:p>
+                      <a:r>
+                        <a:rPr lang="en-GB" dirty="0"/>
+                        <a:t>Actuators</a:t>
+                      </a:r>
+                    </a:p>
+                  </a:txBody>
+                  <a:tcPr/>
+                </a:tc>
+                <a:tc>
+                  <a:txBody>
+                    <a:bodyPr/>
+                    <a:lstStyle/>
+                    <a:p>
+                      <a:r>
+                        <a:rPr lang="en-GB" dirty="0"/>
+                        <a:t>Transmission</a:t>
+                      </a:r>
+                    </a:p>
+                  </a:txBody>
+                  <a:tcPr/>
+                </a:tc>
+                <a:extLst>
+                  <a:ext uri="{0D108BD9-81ED-4DB2-BD59-A6C34878D82A}">
+                    <a16:rowId xmlns:a16="http://schemas.microsoft.com/office/drawing/2014/main" val="2235242428"/>
+                  </a:ext>
+                </a:extLst>
+              </a:tr>
+              <a:tr h="370840">
+                <a:tc>
+                  <a:txBody>
+                    <a:bodyPr/>
+                    <a:lstStyle/>
+                    <a:p>
+                      <a:r>
+                        <a:rPr lang="en-GB" dirty="0"/>
+                        <a:t>2015</a:t>
+                      </a:r>
+                    </a:p>
+                  </a:txBody>
+                  <a:tcPr/>
+                </a:tc>
+                <a:tc>
+                  <a:txBody>
+                    <a:bodyPr/>
+                    <a:lstStyle/>
+                    <a:p>
+                      <a:r>
+                        <a:rPr lang="en-GB" dirty="0"/>
+                        <a:t>546</a:t>
+                      </a:r>
+                    </a:p>
+                  </a:txBody>
+                  <a:tcPr/>
+                </a:tc>
+                <a:tc>
+                  <a:txBody>
+                    <a:bodyPr/>
+                    <a:lstStyle/>
+                    <a:p>
+                      <a:r>
+                        <a:rPr lang="en-GB" dirty="0"/>
+                        <a:t>12</a:t>
+                      </a:r>
+                    </a:p>
+                  </a:txBody>
+                  <a:tcPr/>
+                </a:tc>
+                <a:tc>
+                  <a:txBody>
+                    <a:bodyPr/>
+                    <a:lstStyle/>
+                    <a:p>
+                      <a:r>
+                        <a:rPr lang="en-GB" dirty="0"/>
+                        <a:t>4</a:t>
+                      </a:r>
+                    </a:p>
+                  </a:txBody>
+                  <a:tcPr/>
+                </a:tc>
+                <a:tc>
+                  <a:txBody>
+                    <a:bodyPr/>
+                    <a:lstStyle/>
+                    <a:p>
+                      <a:r>
+                        <a:rPr lang="en-GB" dirty="0"/>
+                        <a:t>Tendons</a:t>
+                      </a:r>
+                    </a:p>
+                  </a:txBody>
+                  <a:tcPr/>
+                </a:tc>
+                <a:extLst>
+                  <a:ext uri="{0D108BD9-81ED-4DB2-BD59-A6C34878D82A}">
+                    <a16:rowId xmlns:a16="http://schemas.microsoft.com/office/drawing/2014/main" val="168132357"/>
+                  </a:ext>
+                </a:extLst>
+              </a:tr>
+            </a:tbl>
+          </a:graphicData>
+        </a:graphic>
+      </p:graphicFrame>
+      <p:pic>
+        <p:nvPicPr>
+          <p:cNvPr id="11" name="Grafik 10">
+            <a:extLst>
+              <a:ext uri="{FF2B5EF4-FFF2-40B4-BE49-F238E27FC236}">
+                <a16:creationId xmlns:a16="http://schemas.microsoft.com/office/drawing/2014/main" id="{60183A10-F7C0-4A35-9067-0A0A58DE913F}"/>
+              </a:ext>
+            </a:extLst>
+          </p:cNvPr>
+          <p:cNvPicPr>
+            <a:picLocks noChangeAspect="1"/>
+          </p:cNvPicPr>
+          <p:nvPr/>
+        </p:nvPicPr>
+        <p:blipFill rotWithShape="1">
+          <a:blip r:embed="rId2">
+            <a:extLst>
+              <a:ext uri="{28A0092B-C50C-407E-A947-70E740481C1C}">
+                <a14:useLocalDpi xmlns:a14="http://schemas.microsoft.com/office/drawing/2010/main" val="0"/>
+              </a:ext>
+            </a:extLst>
+          </a:blip>
+          <a:srcRect r="38047"/>
+          <a:stretch/>
+        </p:blipFill>
+        <p:spPr>
+          <a:xfrm>
+            <a:off x="5580112" y="2243457"/>
+            <a:ext cx="3240360" cy="3669975"/>
+          </a:xfrm>
+          <a:prstGeom prst="rect">
+            <a:avLst/>
+          </a:prstGeom>
+        </p:spPr>
+      </p:pic>
+    </p:spTree>
+    <p:extLst>
+      <p:ext uri="{BB962C8B-B14F-4D97-AF65-F5344CB8AC3E}">
+        <p14:creationId xmlns:p14="http://schemas.microsoft.com/office/powerpoint/2010/main" val="3581546227"/>
+      </p:ext>
+    </p:extLst>
+  </p:cSld>
+  <p:clrMapOvr>
+    <a:masterClrMapping/>
+  </p:clrMapOvr>
+</p:sld>
+</file>
+
+<file path=ppt/slides/slide9.xml><?xml version="1.0" encoding="utf-8"?>
+<p:sld xmlns:a="http://schemas.openxmlformats.org/drawingml/2006/main" xmlns:r="http://schemas.openxmlformats.org/officeDocument/2006/relationships" xmlns:p="http://schemas.openxmlformats.org/presentationml/2006/main">
+  <p:cSld>
+    <p:spTree>
+      <p:nvGrpSpPr>
+        <p:cNvPr id="1" name=""/>
+        <p:cNvGrpSpPr/>
+        <p:nvPr/>
+      </p:nvGrpSpPr>
+      <p:grpSpPr>
+        <a:xfrm>
+          <a:off x="0" y="0"/>
+          <a:ext cx="0" cy="0"/>
+          <a:chOff x="0" y="0"/>
+          <a:chExt cx="0" cy="0"/>
+        </a:xfrm>
+      </p:grpSpPr>
+      <p:sp>
+        <p:nvSpPr>
+          <p:cNvPr id="2" name="Titel 1">
+            <a:extLst>
+              <a:ext uri="{FF2B5EF4-FFF2-40B4-BE49-F238E27FC236}">
+                <a16:creationId xmlns:a16="http://schemas.microsoft.com/office/drawing/2014/main" id="{8B5C69E1-508A-46FB-9B5A-456076372F80}"/>
+              </a:ext>
+            </a:extLst>
+          </p:cNvPr>
+          <p:cNvSpPr>
+            <a:spLocks noGrp="1"/>
+          </p:cNvSpPr>
+          <p:nvPr>
+            <p:ph type="title"/>
+          </p:nvPr>
+        </p:nvSpPr>
+        <p:spPr/>
+        <p:txBody>
+          <a:bodyPr/>
+          <a:lstStyle/>
+          <a:p>
+            <a:r>
+              <a:rPr lang="en-GB" dirty="0"/>
+              <a:t>Hand of Zhang et al.</a:t>
+            </a:r>
+          </a:p>
+        </p:txBody>
+      </p:sp>
+      <p:sp>
+        <p:nvSpPr>
+          <p:cNvPr id="4" name="Inhaltsplatzhalter 2">
+            <a:extLst>
+              <a:ext uri="{FF2B5EF4-FFF2-40B4-BE49-F238E27FC236}">
+                <a16:creationId xmlns:a16="http://schemas.microsoft.com/office/drawing/2014/main" id="{174280BF-C95D-4739-ACC7-F46F7B2839D3}"/>
+              </a:ext>
+            </a:extLst>
+          </p:cNvPr>
+          <p:cNvSpPr>
+            <a:spLocks noGrp="1"/>
+          </p:cNvSpPr>
+          <p:nvPr>
+            <p:ph idx="1"/>
+          </p:nvPr>
+        </p:nvSpPr>
+        <p:spPr>
+          <a:xfrm>
+            <a:off x="392113" y="2060847"/>
+            <a:ext cx="5043983" cy="4031977"/>
+          </a:xfrm>
+        </p:spPr>
+        <p:txBody>
+          <a:bodyPr/>
+          <a:lstStyle/>
+          <a:p>
+            <a:endParaRPr lang="en-GB" dirty="0"/>
+          </a:p>
+          <a:p>
+            <a:endParaRPr lang="en-GB" dirty="0"/>
+          </a:p>
+          <a:p>
+            <a:r>
+              <a:rPr lang="en-GB" dirty="0"/>
+              <a:t>Special feature:</a:t>
+            </a:r>
+          </a:p>
+          <a:p>
+            <a:pPr lvl="1"/>
+            <a:r>
+              <a:rPr lang="en-GB" dirty="0"/>
+              <a:t>Fingers are equipped with numerous</a:t>
+            </a:r>
+          </a:p>
+          <a:p>
+            <a:pPr marL="476250" lvl="1" indent="0">
+              <a:buNone/>
+            </a:pPr>
+            <a:r>
+              <a:rPr lang="en-GB" dirty="0"/>
+              <a:t>      torque and position sensors</a:t>
+            </a:r>
+          </a:p>
+          <a:p>
+            <a:pPr lvl="1"/>
+            <a:r>
+              <a:rPr lang="en-GB" dirty="0"/>
+              <a:t>Integrated motion control system consisting of a motion control subsystem and several sensory subsystems</a:t>
+            </a:r>
+          </a:p>
+          <a:p>
+            <a:pPr lvl="1"/>
+            <a:r>
+              <a:rPr lang="en-GB" dirty="0"/>
+              <a:t>New concept for sensory feedback system</a:t>
+            </a:r>
+          </a:p>
+          <a:p>
+            <a:pPr marL="476250" lvl="1" indent="0">
+              <a:buNone/>
+            </a:pPr>
+            <a:r>
+              <a:rPr lang="en-GB" dirty="0"/>
+              <a:t>      based on an electrical stimulator</a:t>
+            </a:r>
+          </a:p>
+          <a:p>
+            <a:pPr marL="476250" lvl="1" indent="0">
+              <a:buNone/>
+            </a:pPr>
+            <a:endParaRPr lang="en-GB" dirty="0"/>
+          </a:p>
+          <a:p>
+            <a:pPr lvl="1"/>
+            <a:endParaRPr lang="en-GB" dirty="0"/>
+          </a:p>
+        </p:txBody>
+      </p:sp>
+      <p:graphicFrame>
+        <p:nvGraphicFramePr>
+          <p:cNvPr id="5" name="Inhaltsplatzhalter 3">
+            <a:extLst>
+              <a:ext uri="{FF2B5EF4-FFF2-40B4-BE49-F238E27FC236}">
+                <a16:creationId xmlns:a16="http://schemas.microsoft.com/office/drawing/2014/main" id="{36BA8AF7-E0CA-4BEC-9A32-F94EEBBCD6C0}"/>
+              </a:ext>
+            </a:extLst>
+          </p:cNvPr>
+          <p:cNvGraphicFramePr>
+            <a:graphicFrameLocks/>
+          </p:cNvGraphicFramePr>
+          <p:nvPr>
+            <p:extLst>
+              <p:ext uri="{D42A27DB-BD31-4B8C-83A1-F6EECF244321}">
+                <p14:modId xmlns:p14="http://schemas.microsoft.com/office/powerpoint/2010/main" val="2015721286"/>
+              </p:ext>
+            </p:extLst>
+          </p:nvPr>
+        </p:nvGraphicFramePr>
+        <p:xfrm>
+          <a:off x="392113" y="1198563"/>
+          <a:ext cx="8356600" cy="741680"/>
+        </p:xfrm>
+        <a:graphic>
+          <a:graphicData uri="http://schemas.openxmlformats.org/drawingml/2006/table">
+            <a:tbl>
+              <a:tblPr firstRow="1" bandRow="1">
+                <a:tableStyleId>{5C22544A-7EE6-4342-B048-85BDC9FD1C3A}</a:tableStyleId>
+              </a:tblPr>
+              <a:tblGrid>
+                <a:gridCol w="1671320">
+                  <a:extLst>
+                    <a:ext uri="{9D8B030D-6E8A-4147-A177-3AD203B41FA5}">
+                      <a16:colId xmlns:a16="http://schemas.microsoft.com/office/drawing/2014/main" val="79759528"/>
+                    </a:ext>
+                  </a:extLst>
+                </a:gridCol>
+                <a:gridCol w="1671320">
+                  <a:extLst>
+                    <a:ext uri="{9D8B030D-6E8A-4147-A177-3AD203B41FA5}">
+                      <a16:colId xmlns:a16="http://schemas.microsoft.com/office/drawing/2014/main" val="4261196352"/>
+                    </a:ext>
+                  </a:extLst>
+                </a:gridCol>
+                <a:gridCol w="1671320">
+                  <a:extLst>
+                    <a:ext uri="{9D8B030D-6E8A-4147-A177-3AD203B41FA5}">
+                      <a16:colId xmlns:a16="http://schemas.microsoft.com/office/drawing/2014/main" val="1890016348"/>
+                    </a:ext>
+                  </a:extLst>
+                </a:gridCol>
+                <a:gridCol w="1671320">
+                  <a:extLst>
+                    <a:ext uri="{9D8B030D-6E8A-4147-A177-3AD203B41FA5}">
+                      <a16:colId xmlns:a16="http://schemas.microsoft.com/office/drawing/2014/main" val="2759803080"/>
+                    </a:ext>
+                  </a:extLst>
+                </a:gridCol>
+                <a:gridCol w="1671320">
+                  <a:extLst>
+                    <a:ext uri="{9D8B030D-6E8A-4147-A177-3AD203B41FA5}">
+                      <a16:colId xmlns:a16="http://schemas.microsoft.com/office/drawing/2014/main" val="2615268675"/>
+                    </a:ext>
+                  </a:extLst>
+                </a:gridCol>
+              </a:tblGrid>
+              <a:tr h="370840">
+                <a:tc>
+                  <a:txBody>
+                    <a:bodyPr/>
+                    <a:lstStyle/>
+                    <a:p>
+                      <a:r>
+                        <a:rPr lang="en-GB" dirty="0"/>
+                        <a:t>Year</a:t>
+                      </a:r>
+                    </a:p>
+                  </a:txBody>
+                  <a:tcPr/>
+                </a:tc>
+                <a:tc>
+                  <a:txBody>
+                    <a:bodyPr/>
+                    <a:lstStyle/>
+                    <a:p>
+                      <a:r>
+                        <a:rPr lang="en-GB" dirty="0"/>
+                        <a:t>Mass (g)</a:t>
+                      </a:r>
+                    </a:p>
+                  </a:txBody>
+                  <a:tcPr/>
+                </a:tc>
+                <a:tc>
+                  <a:txBody>
+                    <a:bodyPr/>
+                    <a:lstStyle/>
+                    <a:p>
+                      <a:r>
+                        <a:rPr lang="en-GB" dirty="0"/>
+                        <a:t>Joints</a:t>
+                      </a:r>
+                    </a:p>
+                  </a:txBody>
+                  <a:tcPr/>
+                </a:tc>
+                <a:tc>
+                  <a:txBody>
+                    <a:bodyPr/>
+                    <a:lstStyle/>
+                    <a:p>
+                      <a:r>
+                        <a:rPr lang="en-GB" dirty="0"/>
+                        <a:t>Actuators</a:t>
+                      </a:r>
+                    </a:p>
+                  </a:txBody>
+                  <a:tcPr/>
+                </a:tc>
+                <a:tc>
+                  <a:txBody>
+                    <a:bodyPr/>
+                    <a:lstStyle/>
+                    <a:p>
+                      <a:r>
+                        <a:rPr lang="en-GB" dirty="0"/>
+                        <a:t>Transmission</a:t>
+                      </a:r>
+                    </a:p>
+                  </a:txBody>
+                  <a:tcPr/>
+                </a:tc>
+                <a:extLst>
+                  <a:ext uri="{0D108BD9-81ED-4DB2-BD59-A6C34878D82A}">
+                    <a16:rowId xmlns:a16="http://schemas.microsoft.com/office/drawing/2014/main" val="2235242428"/>
+                  </a:ext>
+                </a:extLst>
+              </a:tr>
+              <a:tr h="370840">
+                <a:tc>
+                  <a:txBody>
+                    <a:bodyPr/>
+                    <a:lstStyle/>
+                    <a:p>
+                      <a:r>
+                        <a:rPr lang="en-GB" dirty="0"/>
+                        <a:t>2015</a:t>
+                      </a:r>
+                    </a:p>
+                  </a:txBody>
+                  <a:tcPr/>
+                </a:tc>
+                <a:tc>
+                  <a:txBody>
+                    <a:bodyPr/>
+                    <a:lstStyle/>
+                    <a:p>
+                      <a:r>
+                        <a:rPr lang="en-GB" dirty="0"/>
+                        <a:t>420</a:t>
+                      </a:r>
+                    </a:p>
+                  </a:txBody>
+                  <a:tcPr/>
+                </a:tc>
+                <a:tc>
+                  <a:txBody>
+                    <a:bodyPr/>
+                    <a:lstStyle/>
+                    <a:p>
+                      <a:r>
+                        <a:rPr lang="en-GB" dirty="0"/>
+                        <a:t>15</a:t>
+                      </a:r>
+                    </a:p>
+                  </a:txBody>
+                  <a:tcPr/>
+                </a:tc>
+                <a:tc>
+                  <a:txBody>
+                    <a:bodyPr/>
+                    <a:lstStyle/>
+                    <a:p>
+                      <a:r>
+                        <a:rPr lang="en-GB" dirty="0"/>
+                        <a:t>5</a:t>
+                      </a:r>
+                    </a:p>
+                  </a:txBody>
+                  <a:tcPr/>
+                </a:tc>
+                <a:tc>
+                  <a:txBody>
+                    <a:bodyPr/>
+                    <a:lstStyle/>
+                    <a:p>
+                      <a:r>
+                        <a:rPr lang="en-GB" dirty="0"/>
+                        <a:t>Linkage</a:t>
+                      </a:r>
+                    </a:p>
+                  </a:txBody>
+                  <a:tcPr/>
+                </a:tc>
+                <a:extLst>
+                  <a:ext uri="{0D108BD9-81ED-4DB2-BD59-A6C34878D82A}">
+                    <a16:rowId xmlns:a16="http://schemas.microsoft.com/office/drawing/2014/main" val="168132357"/>
+                  </a:ext>
+                </a:extLst>
+              </a:tr>
+            </a:tbl>
+          </a:graphicData>
+        </a:graphic>
+      </p:graphicFrame>
+      <p:pic>
+        <p:nvPicPr>
+          <p:cNvPr id="10" name="Grafik 9">
+            <a:extLst>
+              <a:ext uri="{FF2B5EF4-FFF2-40B4-BE49-F238E27FC236}">
+                <a16:creationId xmlns:a16="http://schemas.microsoft.com/office/drawing/2014/main" id="{1C2A035D-1958-45FE-B012-4A582A9EE0C8}"/>
+              </a:ext>
+            </a:extLst>
+          </p:cNvPr>
+          <p:cNvPicPr>
+            <a:picLocks noChangeAspect="1"/>
+          </p:cNvPicPr>
+          <p:nvPr/>
+        </p:nvPicPr>
+        <p:blipFill>
+          <a:blip r:embed="rId2">
+            <a:extLst>
+              <a:ext uri="{28A0092B-C50C-407E-A947-70E740481C1C}">
+                <a14:useLocalDpi xmlns:a14="http://schemas.microsoft.com/office/drawing/2010/main" val="0"/>
+              </a:ext>
+            </a:extLst>
+          </a:blip>
+          <a:stretch>
+            <a:fillRect/>
+          </a:stretch>
+        </p:blipFill>
+        <p:spPr>
+          <a:xfrm>
+            <a:off x="5573954" y="2779563"/>
+            <a:ext cx="3457092" cy="2594544"/>
+          </a:xfrm>
+          <a:prstGeom prst="rect">
+            <a:avLst/>
+          </a:prstGeom>
+        </p:spPr>
+      </p:pic>
+    </p:spTree>
+    <p:extLst>
+      <p:ext uri="{BB962C8B-B14F-4D97-AF65-F5344CB8AC3E}">
+        <p14:creationId xmlns:p14="http://schemas.microsoft.com/office/powerpoint/2010/main" val="1996670862"/>
       </p:ext>
     </p:extLst>
   </p:cSld>

--- a/Vortrag/Vortrag.pptx
+++ b/Vortrag/Vortrag.pptx
@@ -5,10 +5,10 @@
     <p:sldMasterId id="2147483648" r:id="rId1"/>
   </p:sldMasterIdLst>
   <p:notesMasterIdLst>
-    <p:notesMasterId r:id="rId23"/>
+    <p:notesMasterId r:id="rId27"/>
   </p:notesMasterIdLst>
   <p:handoutMasterIdLst>
-    <p:handoutMasterId r:id="rId24"/>
+    <p:handoutMasterId r:id="rId28"/>
   </p:handoutMasterIdLst>
   <p:sldIdLst>
     <p:sldId id="1231" r:id="rId2"/>
@@ -30,8 +30,12 @@
     <p:sldId id="1249" r:id="rId18"/>
     <p:sldId id="1238" r:id="rId19"/>
     <p:sldId id="1250" r:id="rId20"/>
-    <p:sldId id="1239" r:id="rId21"/>
-    <p:sldId id="1252" r:id="rId22"/>
+    <p:sldId id="1253" r:id="rId21"/>
+    <p:sldId id="1254" r:id="rId22"/>
+    <p:sldId id="1255" r:id="rId23"/>
+    <p:sldId id="1256" r:id="rId24"/>
+    <p:sldId id="1239" r:id="rId25"/>
+    <p:sldId id="1252" r:id="rId26"/>
   </p:sldIdLst>
   <p:sldSz cx="9144000" cy="6858000" type="screen4x3"/>
   <p:notesSz cx="7099300" cy="10234613"/>
@@ -3835,7 +3839,7 @@
           <p:nvPr>
             <p:extLst>
               <p:ext uri="{D42A27DB-BD31-4B8C-83A1-F6EECF244321}">
-                <p14:modId xmlns:p14="http://schemas.microsoft.com/office/powerpoint/2010/main" val="108746737"/>
+                <p14:modId xmlns:p14="http://schemas.microsoft.com/office/powerpoint/2010/main" val="1601161357"/>
               </p:ext>
             </p:extLst>
           </p:nvPr>
@@ -4019,7 +4023,7 @@
                     <a:p>
                       <a:r>
                         <a:rPr lang="en-GB" dirty="0"/>
-                        <a:t>Four-bar</a:t>
+                        <a:t>Four-bar,</a:t>
                       </a:r>
                     </a:p>
                     <a:p>
@@ -7075,31 +7079,648 @@
           </a:p>
         </p:txBody>
       </p:sp>
-      <p:sp>
-        <p:nvSpPr>
-          <p:cNvPr id="3" name="Inhaltsplatzhalter 2">
+      <p:graphicFrame>
+        <p:nvGraphicFramePr>
+          <p:cNvPr id="4" name="Inhaltsplatzhalter 3">
             <a:extLst>
               <a:ext uri="{FF2B5EF4-FFF2-40B4-BE49-F238E27FC236}">
-                <a16:creationId xmlns:a16="http://schemas.microsoft.com/office/drawing/2014/main" id="{F6DA090D-1F9F-4E26-9CEC-E663B6C7F5CA}"/>
+                <a16:creationId xmlns:a16="http://schemas.microsoft.com/office/drawing/2014/main" id="{4DDAF065-5FB2-42DA-82D6-A76F6D03A59E}"/>
               </a:ext>
             </a:extLst>
           </p:cNvPr>
-          <p:cNvSpPr>
-            <a:spLocks noGrp="1"/>
-          </p:cNvSpPr>
+          <p:cNvGraphicFramePr>
+            <a:graphicFrameLocks noGrp="1"/>
+          </p:cNvGraphicFramePr>
           <p:nvPr>
             <p:ph idx="1"/>
+            <p:extLst>
+              <p:ext uri="{D42A27DB-BD31-4B8C-83A1-F6EECF244321}">
+                <p14:modId xmlns:p14="http://schemas.microsoft.com/office/powerpoint/2010/main" val="2300454602"/>
+              </p:ext>
+            </p:extLst>
           </p:nvPr>
-        </p:nvSpPr>
-        <p:spPr/>
-        <p:txBody>
-          <a:bodyPr/>
-          <a:lstStyle/>
-          <a:p>
-            <a:endParaRPr lang="en-GB"/>
-          </a:p>
-        </p:txBody>
-      </p:sp>
+        </p:nvGraphicFramePr>
+        <p:xfrm>
+          <a:off x="934740" y="1268760"/>
+          <a:ext cx="7274520" cy="4714240"/>
+        </p:xfrm>
+        <a:graphic>
+          <a:graphicData uri="http://schemas.openxmlformats.org/drawingml/2006/table">
+            <a:tbl>
+              <a:tblPr firstRow="1" bandRow="1">
+                <a:tableStyleId>{5C22544A-7EE6-4342-B048-85BDC9FD1C3A}</a:tableStyleId>
+              </a:tblPr>
+              <a:tblGrid>
+                <a:gridCol w="2449984">
+                  <a:extLst>
+                    <a:ext uri="{9D8B030D-6E8A-4147-A177-3AD203B41FA5}">
+                      <a16:colId xmlns:a16="http://schemas.microsoft.com/office/drawing/2014/main" val="4238522776"/>
+                    </a:ext>
+                  </a:extLst>
+                </a:gridCol>
+                <a:gridCol w="1324809">
+                  <a:extLst>
+                    <a:ext uri="{9D8B030D-6E8A-4147-A177-3AD203B41FA5}">
+                      <a16:colId xmlns:a16="http://schemas.microsoft.com/office/drawing/2014/main" val="28156933"/>
+                    </a:ext>
+                  </a:extLst>
+                </a:gridCol>
+                <a:gridCol w="3499727">
+                  <a:extLst>
+                    <a:ext uri="{9D8B030D-6E8A-4147-A177-3AD203B41FA5}">
+                      <a16:colId xmlns:a16="http://schemas.microsoft.com/office/drawing/2014/main" val="2550622600"/>
+                    </a:ext>
+                  </a:extLst>
+                </a:gridCol>
+              </a:tblGrid>
+              <a:tr h="370840">
+                <a:tc>
+                  <a:txBody>
+                    <a:bodyPr/>
+                    <a:lstStyle/>
+                    <a:p>
+                      <a:r>
+                        <a:rPr lang="en-GB" dirty="0"/>
+                        <a:t>Name</a:t>
+                      </a:r>
+                    </a:p>
+                  </a:txBody>
+                  <a:tcPr/>
+                </a:tc>
+                <a:tc>
+                  <a:txBody>
+                    <a:bodyPr/>
+                    <a:lstStyle/>
+                    <a:p>
+                      <a:r>
+                        <a:rPr lang="en-GB" dirty="0"/>
+                        <a:t>Weight (g)</a:t>
+                      </a:r>
+                    </a:p>
+                  </a:txBody>
+                  <a:tcPr/>
+                </a:tc>
+                <a:tc>
+                  <a:txBody>
+                    <a:bodyPr/>
+                    <a:lstStyle/>
+                    <a:p>
+                      <a:r>
+                        <a:rPr lang="en-GB" dirty="0"/>
+                        <a:t>Size (length x width x thickness in mm)</a:t>
+                      </a:r>
+                    </a:p>
+                  </a:txBody>
+                  <a:tcPr/>
+                </a:tc>
+                <a:extLst>
+                  <a:ext uri="{0D108BD9-81ED-4DB2-BD59-A6C34878D82A}">
+                    <a16:rowId xmlns:a16="http://schemas.microsoft.com/office/drawing/2014/main" val="2841673430"/>
+                  </a:ext>
+                </a:extLst>
+              </a:tr>
+              <a:tr h="370840">
+                <a:tc>
+                  <a:txBody>
+                    <a:bodyPr/>
+                    <a:lstStyle/>
+                    <a:p>
+                      <a:r>
+                        <a:rPr lang="en-GB" dirty="0"/>
+                        <a:t>Tact</a:t>
+                      </a:r>
+                    </a:p>
+                  </a:txBody>
+                  <a:tcPr/>
+                </a:tc>
+                <a:tc>
+                  <a:txBody>
+                    <a:bodyPr/>
+                    <a:lstStyle/>
+                    <a:p>
+                      <a:pPr algn="ctr"/>
+                      <a:r>
+                        <a:rPr lang="en-GB" dirty="0"/>
+                        <a:t>350</a:t>
+                      </a:r>
+                    </a:p>
+                  </a:txBody>
+                  <a:tcPr/>
+                </a:tc>
+                <a:tc>
+                  <a:txBody>
+                    <a:bodyPr/>
+                    <a:lstStyle/>
+                    <a:p>
+                      <a:pPr algn="ctr"/>
+                      <a:r>
+                        <a:rPr lang="en-GB" dirty="0"/>
+                        <a:t>200 x 98 x 27</a:t>
+                      </a:r>
+                    </a:p>
+                  </a:txBody>
+                  <a:tcPr/>
+                </a:tc>
+                <a:extLst>
+                  <a:ext uri="{0D108BD9-81ED-4DB2-BD59-A6C34878D82A}">
+                    <a16:rowId xmlns:a16="http://schemas.microsoft.com/office/drawing/2014/main" val="3209993832"/>
+                  </a:ext>
+                </a:extLst>
+              </a:tr>
+              <a:tr h="370840">
+                <a:tc>
+                  <a:txBody>
+                    <a:bodyPr/>
+                    <a:lstStyle/>
+                    <a:p>
+                      <a:r>
+                        <a:rPr lang="en-GB" dirty="0"/>
+                        <a:t>Hand of Bennett et al.</a:t>
+                      </a:r>
+                    </a:p>
+                  </a:txBody>
+                  <a:tcPr/>
+                </a:tc>
+                <a:tc>
+                  <a:txBody>
+                    <a:bodyPr/>
+                    <a:lstStyle/>
+                    <a:p>
+                      <a:pPr algn="ctr"/>
+                      <a:r>
+                        <a:rPr lang="en-GB" dirty="0"/>
+                        <a:t>546</a:t>
+                      </a:r>
+                    </a:p>
+                  </a:txBody>
+                  <a:tcPr/>
+                </a:tc>
+                <a:tc>
+                  <a:txBody>
+                    <a:bodyPr/>
+                    <a:lstStyle/>
+                    <a:p>
+                      <a:pPr algn="ctr"/>
+                      <a:r>
+                        <a:rPr lang="en-GB" dirty="0"/>
+                        <a:t>200 x 89 x -</a:t>
+                      </a:r>
+                    </a:p>
+                  </a:txBody>
+                  <a:tcPr/>
+                </a:tc>
+                <a:extLst>
+                  <a:ext uri="{0D108BD9-81ED-4DB2-BD59-A6C34878D82A}">
+                    <a16:rowId xmlns:a16="http://schemas.microsoft.com/office/drawing/2014/main" val="4134227075"/>
+                  </a:ext>
+                </a:extLst>
+              </a:tr>
+              <a:tr h="370840">
+                <a:tc>
+                  <a:txBody>
+                    <a:bodyPr/>
+                    <a:lstStyle/>
+                    <a:p>
+                      <a:r>
+                        <a:rPr lang="en-GB" dirty="0"/>
+                        <a:t>Hand of Zhang et al.</a:t>
+                      </a:r>
+                    </a:p>
+                  </a:txBody>
+                  <a:tcPr/>
+                </a:tc>
+                <a:tc>
+                  <a:txBody>
+                    <a:bodyPr/>
+                    <a:lstStyle/>
+                    <a:p>
+                      <a:pPr algn="ctr"/>
+                      <a:r>
+                        <a:rPr lang="en-GB" dirty="0"/>
+                        <a:t>420</a:t>
+                      </a:r>
+                    </a:p>
+                  </a:txBody>
+                  <a:tcPr/>
+                </a:tc>
+                <a:tc>
+                  <a:txBody>
+                    <a:bodyPr/>
+                    <a:lstStyle/>
+                    <a:p>
+                      <a:pPr algn="ctr"/>
+                      <a:r>
+                        <a:rPr lang="en-GB" dirty="0"/>
+                        <a:t>159 x 79 x 21</a:t>
+                      </a:r>
+                    </a:p>
+                  </a:txBody>
+                  <a:tcPr/>
+                </a:tc>
+                <a:extLst>
+                  <a:ext uri="{0D108BD9-81ED-4DB2-BD59-A6C34878D82A}">
+                    <a16:rowId xmlns:a16="http://schemas.microsoft.com/office/drawing/2014/main" val="432926193"/>
+                  </a:ext>
+                </a:extLst>
+              </a:tr>
+              <a:tr h="370840">
+                <a:tc>
+                  <a:txBody>
+                    <a:bodyPr/>
+                    <a:lstStyle/>
+                    <a:p>
+                      <a:r>
+                        <a:rPr lang="en-GB" dirty="0" err="1"/>
+                        <a:t>MyHand</a:t>
+                      </a:r>
+                      <a:endParaRPr lang="en-GB" dirty="0"/>
+                    </a:p>
+                  </a:txBody>
+                  <a:tcPr/>
+                </a:tc>
+                <a:tc>
+                  <a:txBody>
+                    <a:bodyPr/>
+                    <a:lstStyle/>
+                    <a:p>
+                      <a:pPr algn="ctr"/>
+                      <a:r>
+                        <a:rPr lang="en-GB" dirty="0"/>
+                        <a:t>478</a:t>
+                      </a:r>
+                    </a:p>
+                  </a:txBody>
+                  <a:tcPr/>
+                </a:tc>
+                <a:tc>
+                  <a:txBody>
+                    <a:bodyPr/>
+                    <a:lstStyle/>
+                    <a:p>
+                      <a:pPr algn="ctr"/>
+                      <a:r>
+                        <a:rPr lang="en-GB" dirty="0"/>
+                        <a:t>200 x 84 x 56</a:t>
+                      </a:r>
+                    </a:p>
+                  </a:txBody>
+                  <a:tcPr/>
+                </a:tc>
+                <a:extLst>
+                  <a:ext uri="{0D108BD9-81ED-4DB2-BD59-A6C34878D82A}">
+                    <a16:rowId xmlns:a16="http://schemas.microsoft.com/office/drawing/2014/main" val="2973563320"/>
+                  </a:ext>
+                </a:extLst>
+              </a:tr>
+              <a:tr h="370840">
+                <a:tc>
+                  <a:txBody>
+                    <a:bodyPr/>
+                    <a:lstStyle/>
+                    <a:p>
+                      <a:r>
+                        <a:rPr lang="en-GB" dirty="0" err="1"/>
+                        <a:t>AstoHand</a:t>
+                      </a:r>
+                      <a:r>
+                        <a:rPr lang="en-GB" dirty="0"/>
+                        <a:t> v.1</a:t>
+                      </a:r>
+                    </a:p>
+                  </a:txBody>
+                  <a:tcPr/>
+                </a:tc>
+                <a:tc>
+                  <a:txBody>
+                    <a:bodyPr/>
+                    <a:lstStyle/>
+                    <a:p>
+                      <a:pPr algn="ctr"/>
+                      <a:r>
+                        <a:rPr lang="en-GB" dirty="0"/>
+                        <a:t>261</a:t>
+                      </a:r>
+                    </a:p>
+                  </a:txBody>
+                  <a:tcPr/>
+                </a:tc>
+                <a:tc>
+                  <a:txBody>
+                    <a:bodyPr/>
+                    <a:lstStyle/>
+                    <a:p>
+                      <a:pPr algn="ctr"/>
+                      <a:r>
+                        <a:rPr lang="en-GB" dirty="0"/>
+                        <a:t>180 x 85 x 50</a:t>
+                      </a:r>
+                    </a:p>
+                  </a:txBody>
+                  <a:tcPr/>
+                </a:tc>
+                <a:extLst>
+                  <a:ext uri="{0D108BD9-81ED-4DB2-BD59-A6C34878D82A}">
+                    <a16:rowId xmlns:a16="http://schemas.microsoft.com/office/drawing/2014/main" val="676932251"/>
+                  </a:ext>
+                </a:extLst>
+              </a:tr>
+              <a:tr h="370840">
+                <a:tc>
+                  <a:txBody>
+                    <a:bodyPr/>
+                    <a:lstStyle/>
+                    <a:p>
+                      <a:r>
+                        <a:rPr lang="en-GB" dirty="0"/>
+                        <a:t>X-Hand</a:t>
+                      </a:r>
+                    </a:p>
+                  </a:txBody>
+                  <a:tcPr/>
+                </a:tc>
+                <a:tc>
+                  <a:txBody>
+                    <a:bodyPr/>
+                    <a:lstStyle/>
+                    <a:p>
+                      <a:pPr algn="ctr"/>
+                      <a:r>
+                        <a:rPr lang="en-GB" dirty="0"/>
+                        <a:t>-</a:t>
+                      </a:r>
+                    </a:p>
+                  </a:txBody>
+                  <a:tcPr/>
+                </a:tc>
+                <a:tc>
+                  <a:txBody>
+                    <a:bodyPr/>
+                    <a:lstStyle/>
+                    <a:p>
+                      <a:pPr algn="ctr"/>
+                      <a:r>
+                        <a:rPr lang="en-GB" dirty="0"/>
+                        <a:t>Human hand size</a:t>
+                      </a:r>
+                    </a:p>
+                  </a:txBody>
+                  <a:tcPr/>
+                </a:tc>
+                <a:extLst>
+                  <a:ext uri="{0D108BD9-81ED-4DB2-BD59-A6C34878D82A}">
+                    <a16:rowId xmlns:a16="http://schemas.microsoft.com/office/drawing/2014/main" val="858884556"/>
+                  </a:ext>
+                </a:extLst>
+              </a:tr>
+              <a:tr h="370840">
+                <a:tc>
+                  <a:txBody>
+                    <a:bodyPr/>
+                    <a:lstStyle/>
+                    <a:p>
+                      <a:r>
+                        <a:rPr lang="en-GB" dirty="0"/>
+                        <a:t>Six-DOF-Hand</a:t>
+                      </a:r>
+                    </a:p>
+                  </a:txBody>
+                  <a:tcPr/>
+                </a:tc>
+                <a:tc>
+                  <a:txBody>
+                    <a:bodyPr/>
+                    <a:lstStyle/>
+                    <a:p>
+                      <a:pPr algn="ctr"/>
+                      <a:r>
+                        <a:rPr lang="en-GB" dirty="0"/>
+                        <a:t>584</a:t>
+                      </a:r>
+                    </a:p>
+                  </a:txBody>
+                  <a:tcPr/>
+                </a:tc>
+                <a:tc>
+                  <a:txBody>
+                    <a:bodyPr/>
+                    <a:lstStyle/>
+                    <a:p>
+                      <a:pPr algn="ctr"/>
+                      <a:r>
+                        <a:rPr lang="en-GB" dirty="0"/>
+                        <a:t>202 x 99 x 61</a:t>
+                      </a:r>
+                    </a:p>
+                  </a:txBody>
+                  <a:tcPr/>
+                </a:tc>
+                <a:extLst>
+                  <a:ext uri="{0D108BD9-81ED-4DB2-BD59-A6C34878D82A}">
+                    <a16:rowId xmlns:a16="http://schemas.microsoft.com/office/drawing/2014/main" val="4180278244"/>
+                  </a:ext>
+                </a:extLst>
+              </a:tr>
+              <a:tr h="370840">
+                <a:tc>
+                  <a:txBody>
+                    <a:bodyPr/>
+                    <a:lstStyle/>
+                    <a:p>
+                      <a:r>
+                        <a:rPr lang="en-GB" dirty="0"/>
+                        <a:t>Bionic Hand</a:t>
+                      </a:r>
+                    </a:p>
+                  </a:txBody>
+                  <a:tcPr/>
+                </a:tc>
+                <a:tc>
+                  <a:txBody>
+                    <a:bodyPr/>
+                    <a:lstStyle/>
+                    <a:p>
+                      <a:pPr algn="ctr"/>
+                      <a:r>
+                        <a:rPr lang="en-GB" dirty="0"/>
+                        <a:t>-</a:t>
+                      </a:r>
+                    </a:p>
+                  </a:txBody>
+                  <a:tcPr/>
+                </a:tc>
+                <a:tc>
+                  <a:txBody>
+                    <a:bodyPr/>
+                    <a:lstStyle/>
+                    <a:p>
+                      <a:pPr algn="ctr"/>
+                      <a:r>
+                        <a:rPr lang="en-GB" dirty="0"/>
+                        <a:t>-</a:t>
+                      </a:r>
+                    </a:p>
+                  </a:txBody>
+                  <a:tcPr/>
+                </a:tc>
+                <a:extLst>
+                  <a:ext uri="{0D108BD9-81ED-4DB2-BD59-A6C34878D82A}">
+                    <a16:rowId xmlns:a16="http://schemas.microsoft.com/office/drawing/2014/main" val="1230304133"/>
+                  </a:ext>
+                </a:extLst>
+              </a:tr>
+              <a:tr h="370840">
+                <a:tc>
+                  <a:txBody>
+                    <a:bodyPr/>
+                    <a:lstStyle/>
+                    <a:p>
+                      <a:r>
+                        <a:rPr lang="en-GB" dirty="0" err="1"/>
+                        <a:t>SoftHand</a:t>
+                      </a:r>
+                      <a:r>
+                        <a:rPr lang="en-GB" dirty="0"/>
+                        <a:t> Pro-D</a:t>
+                      </a:r>
+                    </a:p>
+                  </a:txBody>
+                  <a:tcPr/>
+                </a:tc>
+                <a:tc>
+                  <a:txBody>
+                    <a:bodyPr/>
+                    <a:lstStyle/>
+                    <a:p>
+                      <a:pPr algn="ctr"/>
+                      <a:r>
+                        <a:rPr lang="en-GB" dirty="0"/>
+                        <a:t>-</a:t>
+                      </a:r>
+                    </a:p>
+                  </a:txBody>
+                  <a:tcPr/>
+                </a:tc>
+                <a:tc>
+                  <a:txBody>
+                    <a:bodyPr/>
+                    <a:lstStyle/>
+                    <a:p>
+                      <a:pPr algn="ctr"/>
+                      <a:r>
+                        <a:rPr lang="en-GB" dirty="0"/>
+                        <a:t>-</a:t>
+                      </a:r>
+                    </a:p>
+                  </a:txBody>
+                  <a:tcPr/>
+                </a:tc>
+                <a:extLst>
+                  <a:ext uri="{0D108BD9-81ED-4DB2-BD59-A6C34878D82A}">
+                    <a16:rowId xmlns:a16="http://schemas.microsoft.com/office/drawing/2014/main" val="2767966240"/>
+                  </a:ext>
+                </a:extLst>
+              </a:tr>
+              <a:tr h="370840">
+                <a:tc>
+                  <a:txBody>
+                    <a:bodyPr/>
+                    <a:lstStyle/>
+                    <a:p>
+                      <a:r>
+                        <a:rPr lang="en-GB" dirty="0" err="1"/>
+                        <a:t>UOMPro</a:t>
+                      </a:r>
+                      <a:endParaRPr lang="en-GB" dirty="0"/>
+                    </a:p>
+                  </a:txBody>
+                  <a:tcPr/>
+                </a:tc>
+                <a:tc>
+                  <a:txBody>
+                    <a:bodyPr/>
+                    <a:lstStyle/>
+                    <a:p>
+                      <a:pPr algn="ctr"/>
+                      <a:r>
+                        <a:rPr lang="en-GB" dirty="0"/>
+                        <a:t>432</a:t>
+                      </a:r>
+                    </a:p>
+                  </a:txBody>
+                  <a:tcPr/>
+                </a:tc>
+                <a:tc>
+                  <a:txBody>
+                    <a:bodyPr/>
+                    <a:lstStyle/>
+                    <a:p>
+                      <a:pPr algn="ctr"/>
+                      <a:r>
+                        <a:rPr lang="en-GB" dirty="0"/>
+                        <a:t>189 x 88 x -</a:t>
+                      </a:r>
+                    </a:p>
+                  </a:txBody>
+                  <a:tcPr/>
+                </a:tc>
+                <a:extLst>
+                  <a:ext uri="{0D108BD9-81ED-4DB2-BD59-A6C34878D82A}">
+                    <a16:rowId xmlns:a16="http://schemas.microsoft.com/office/drawing/2014/main" val="3496087278"/>
+                  </a:ext>
+                </a:extLst>
+              </a:tr>
+              <a:tr h="134808">
+                <a:tc>
+                  <a:txBody>
+                    <a:bodyPr/>
+                    <a:lstStyle/>
+                    <a:p>
+                      <a:r>
+                        <a:rPr lang="en-GB" dirty="0"/>
+                        <a:t>MORA Hap-2</a:t>
+                      </a:r>
+                    </a:p>
+                  </a:txBody>
+                  <a:tcPr/>
+                </a:tc>
+                <a:tc>
+                  <a:txBody>
+                    <a:bodyPr/>
+                    <a:lstStyle/>
+                    <a:p>
+                      <a:pPr algn="ctr"/>
+                      <a:r>
+                        <a:rPr lang="en-GB" dirty="0"/>
+                        <a:t>250</a:t>
+                      </a:r>
+                    </a:p>
+                  </a:txBody>
+                  <a:tcPr/>
+                </a:tc>
+                <a:tc>
+                  <a:txBody>
+                    <a:bodyPr/>
+                    <a:lstStyle/>
+                    <a:p>
+                      <a:pPr algn="ctr"/>
+                      <a:r>
+                        <a:rPr lang="en-GB" dirty="0"/>
+                        <a:t>95 (fingers) x 83 x 25</a:t>
+                      </a:r>
+                    </a:p>
+                  </a:txBody>
+                  <a:tcPr/>
+                </a:tc>
+                <a:extLst>
+                  <a:ext uri="{0D108BD9-81ED-4DB2-BD59-A6C34878D82A}">
+                    <a16:rowId xmlns:a16="http://schemas.microsoft.com/office/drawing/2014/main" val="959013871"/>
+                  </a:ext>
+                </a:extLst>
+              </a:tr>
+            </a:tbl>
+          </a:graphicData>
+        </a:graphic>
+      </p:graphicFrame>
     </p:spTree>
     <p:extLst>
       <p:ext uri="{BB962C8B-B14F-4D97-AF65-F5344CB8AC3E}">
@@ -7438,6 +8059,2031 @@
           <p:cNvPr id="2" name="Titel 1">
             <a:extLst>
               <a:ext uri="{FF2B5EF4-FFF2-40B4-BE49-F238E27FC236}">
+                <a16:creationId xmlns:a16="http://schemas.microsoft.com/office/drawing/2014/main" id="{19974FEB-3D07-4205-B27B-D6B1A11402FE}"/>
+              </a:ext>
+            </a:extLst>
+          </p:cNvPr>
+          <p:cNvSpPr>
+            <a:spLocks noGrp="1"/>
+          </p:cNvSpPr>
+          <p:nvPr>
+            <p:ph type="title"/>
+          </p:nvPr>
+        </p:nvSpPr>
+        <p:spPr/>
+        <p:txBody>
+          <a:bodyPr/>
+          <a:lstStyle/>
+          <a:p>
+            <a:r>
+              <a:rPr lang="en-GB" dirty="0"/>
+              <a:t>Finger Kinematics</a:t>
+            </a:r>
+          </a:p>
+        </p:txBody>
+      </p:sp>
+      <p:graphicFrame>
+        <p:nvGraphicFramePr>
+          <p:cNvPr id="4" name="Inhaltsplatzhalter 3">
+            <a:extLst>
+              <a:ext uri="{FF2B5EF4-FFF2-40B4-BE49-F238E27FC236}">
+                <a16:creationId xmlns:a16="http://schemas.microsoft.com/office/drawing/2014/main" id="{15F79B5C-0BBB-4CCF-BD28-09E56758D8AC}"/>
+              </a:ext>
+            </a:extLst>
+          </p:cNvPr>
+          <p:cNvGraphicFramePr>
+            <a:graphicFrameLocks/>
+          </p:cNvGraphicFramePr>
+          <p:nvPr>
+            <p:extLst>
+              <p:ext uri="{D42A27DB-BD31-4B8C-83A1-F6EECF244321}">
+                <p14:modId xmlns:p14="http://schemas.microsoft.com/office/powerpoint/2010/main" val="3834557597"/>
+              </p:ext>
+            </p:extLst>
+          </p:nvPr>
+        </p:nvGraphicFramePr>
+        <p:xfrm>
+          <a:off x="827584" y="1196752"/>
+          <a:ext cx="7488832" cy="4820920"/>
+        </p:xfrm>
+        <a:graphic>
+          <a:graphicData uri="http://schemas.openxmlformats.org/drawingml/2006/table">
+            <a:tbl>
+              <a:tblPr firstRow="1" bandRow="1">
+                <a:tableStyleId>{5C22544A-7EE6-4342-B048-85BDC9FD1C3A}</a:tableStyleId>
+              </a:tblPr>
+              <a:tblGrid>
+                <a:gridCol w="2621442">
+                  <a:extLst>
+                    <a:ext uri="{9D8B030D-6E8A-4147-A177-3AD203B41FA5}">
+                      <a16:colId xmlns:a16="http://schemas.microsoft.com/office/drawing/2014/main" val="4238522776"/>
+                    </a:ext>
+                  </a:extLst>
+                </a:gridCol>
+                <a:gridCol w="2311421">
+                  <a:extLst>
+                    <a:ext uri="{9D8B030D-6E8A-4147-A177-3AD203B41FA5}">
+                      <a16:colId xmlns:a16="http://schemas.microsoft.com/office/drawing/2014/main" val="2511789211"/>
+                    </a:ext>
+                  </a:extLst>
+                </a:gridCol>
+                <a:gridCol w="921588">
+                  <a:extLst>
+                    <a:ext uri="{9D8B030D-6E8A-4147-A177-3AD203B41FA5}">
+                      <a16:colId xmlns:a16="http://schemas.microsoft.com/office/drawing/2014/main" val="28156933"/>
+                    </a:ext>
+                  </a:extLst>
+                </a:gridCol>
+                <a:gridCol w="759989">
+                  <a:extLst>
+                    <a:ext uri="{9D8B030D-6E8A-4147-A177-3AD203B41FA5}">
+                      <a16:colId xmlns:a16="http://schemas.microsoft.com/office/drawing/2014/main" val="2141231665"/>
+                    </a:ext>
+                  </a:extLst>
+                </a:gridCol>
+                <a:gridCol w="874392">
+                  <a:extLst>
+                    <a:ext uri="{9D8B030D-6E8A-4147-A177-3AD203B41FA5}">
+                      <a16:colId xmlns:a16="http://schemas.microsoft.com/office/drawing/2014/main" val="1336784958"/>
+                    </a:ext>
+                  </a:extLst>
+                </a:gridCol>
+              </a:tblGrid>
+              <a:tr h="370840">
+                <a:tc>
+                  <a:txBody>
+                    <a:bodyPr/>
+                    <a:lstStyle/>
+                    <a:p>
+                      <a:r>
+                        <a:rPr lang="en-GB" dirty="0"/>
+                        <a:t>Name</a:t>
+                      </a:r>
+                    </a:p>
+                  </a:txBody>
+                  <a:tcPr/>
+                </a:tc>
+                <a:tc>
+                  <a:txBody>
+                    <a:bodyPr/>
+                    <a:lstStyle/>
+                    <a:p>
+                      <a:r>
+                        <a:rPr lang="en-GB" dirty="0"/>
+                        <a:t>Number of Joints</a:t>
+                      </a:r>
+                    </a:p>
+                  </a:txBody>
+                  <a:tcPr/>
+                </a:tc>
+                <a:tc gridSpan="3">
+                  <a:txBody>
+                    <a:bodyPr/>
+                    <a:lstStyle/>
+                    <a:p>
+                      <a:r>
+                        <a:rPr lang="en-GB" dirty="0"/>
+                        <a:t>Joints per Finger</a:t>
+                      </a:r>
+                    </a:p>
+                  </a:txBody>
+                  <a:tcPr/>
+                </a:tc>
+                <a:tc hMerge="1">
+                  <a:txBody>
+                    <a:bodyPr/>
+                    <a:lstStyle/>
+                    <a:p>
+                      <a:endParaRPr lang="en-GB"/>
+                    </a:p>
+                  </a:txBody>
+                  <a:tcPr/>
+                </a:tc>
+                <a:tc hMerge="1">
+                  <a:txBody>
+                    <a:bodyPr/>
+                    <a:lstStyle/>
+                    <a:p>
+                      <a:endParaRPr lang="en-GB"/>
+                    </a:p>
+                  </a:txBody>
+                  <a:tcPr/>
+                </a:tc>
+                <a:extLst>
+                  <a:ext uri="{0D108BD9-81ED-4DB2-BD59-A6C34878D82A}">
+                    <a16:rowId xmlns:a16="http://schemas.microsoft.com/office/drawing/2014/main" val="2841673430"/>
+                  </a:ext>
+                </a:extLst>
+              </a:tr>
+              <a:tr h="370840">
+                <a:tc>
+                  <a:txBody>
+                    <a:bodyPr/>
+                    <a:lstStyle/>
+                    <a:p>
+                      <a:endParaRPr lang="en-GB" dirty="0"/>
+                    </a:p>
+                  </a:txBody>
+                  <a:tcPr/>
+                </a:tc>
+                <a:tc>
+                  <a:txBody>
+                    <a:bodyPr/>
+                    <a:lstStyle/>
+                    <a:p>
+                      <a:endParaRPr lang="en-GB" dirty="0"/>
+                    </a:p>
+                  </a:txBody>
+                  <a:tcPr/>
+                </a:tc>
+                <a:tc>
+                  <a:txBody>
+                    <a:bodyPr/>
+                    <a:lstStyle/>
+                    <a:p>
+                      <a:r>
+                        <a:rPr lang="en-GB" dirty="0"/>
+                        <a:t>Thumb</a:t>
+                      </a:r>
+                    </a:p>
+                  </a:txBody>
+                  <a:tcPr/>
+                </a:tc>
+                <a:tc>
+                  <a:txBody>
+                    <a:bodyPr/>
+                    <a:lstStyle/>
+                    <a:p>
+                      <a:r>
+                        <a:rPr lang="en-GB" dirty="0"/>
+                        <a:t>Index</a:t>
+                      </a:r>
+                    </a:p>
+                  </a:txBody>
+                  <a:tcPr/>
+                </a:tc>
+                <a:tc>
+                  <a:txBody>
+                    <a:bodyPr/>
+                    <a:lstStyle/>
+                    <a:p>
+                      <a:r>
+                        <a:rPr lang="en-GB" dirty="0"/>
+                        <a:t>Others</a:t>
+                      </a:r>
+                    </a:p>
+                  </a:txBody>
+                  <a:tcPr/>
+                </a:tc>
+                <a:extLst>
+                  <a:ext uri="{0D108BD9-81ED-4DB2-BD59-A6C34878D82A}">
+                    <a16:rowId xmlns:a16="http://schemas.microsoft.com/office/drawing/2014/main" val="3209993832"/>
+                  </a:ext>
+                </a:extLst>
+              </a:tr>
+              <a:tr h="370840">
+                <a:tc>
+                  <a:txBody>
+                    <a:bodyPr/>
+                    <a:lstStyle/>
+                    <a:p>
+                      <a:r>
+                        <a:rPr lang="en-GB" dirty="0"/>
+                        <a:t>Tact</a:t>
+                      </a:r>
+                    </a:p>
+                  </a:txBody>
+                  <a:tcPr/>
+                </a:tc>
+                <a:tc>
+                  <a:txBody>
+                    <a:bodyPr/>
+                    <a:lstStyle/>
+                    <a:p>
+                      <a:pPr algn="ctr"/>
+                      <a:r>
+                        <a:rPr lang="en-GB" dirty="0"/>
+                        <a:t>11</a:t>
+                      </a:r>
+                    </a:p>
+                  </a:txBody>
+                  <a:tcPr/>
+                </a:tc>
+                <a:tc>
+                  <a:txBody>
+                    <a:bodyPr/>
+                    <a:lstStyle/>
+                    <a:p>
+                      <a:pPr algn="ctr"/>
+                      <a:r>
+                        <a:rPr lang="en-GB"/>
+                        <a:t>3</a:t>
+                      </a:r>
+                      <a:endParaRPr lang="en-GB" dirty="0"/>
+                    </a:p>
+                  </a:txBody>
+                  <a:tcPr/>
+                </a:tc>
+                <a:tc>
+                  <a:txBody>
+                    <a:bodyPr/>
+                    <a:lstStyle/>
+                    <a:p>
+                      <a:pPr algn="ctr"/>
+                      <a:r>
+                        <a:rPr lang="en-GB" dirty="0"/>
+                        <a:t>2</a:t>
+                      </a:r>
+                    </a:p>
+                  </a:txBody>
+                  <a:tcPr/>
+                </a:tc>
+                <a:tc>
+                  <a:txBody>
+                    <a:bodyPr/>
+                    <a:lstStyle/>
+                    <a:p>
+                      <a:pPr algn="ctr"/>
+                      <a:r>
+                        <a:rPr lang="en-GB" dirty="0"/>
+                        <a:t>2</a:t>
+                      </a:r>
+                    </a:p>
+                  </a:txBody>
+                  <a:tcPr/>
+                </a:tc>
+                <a:extLst>
+                  <a:ext uri="{0D108BD9-81ED-4DB2-BD59-A6C34878D82A}">
+                    <a16:rowId xmlns:a16="http://schemas.microsoft.com/office/drawing/2014/main" val="1395043103"/>
+                  </a:ext>
+                </a:extLst>
+              </a:tr>
+              <a:tr h="370840">
+                <a:tc>
+                  <a:txBody>
+                    <a:bodyPr/>
+                    <a:lstStyle/>
+                    <a:p>
+                      <a:r>
+                        <a:rPr lang="en-GB" dirty="0"/>
+                        <a:t>Hand of Bennett et al.</a:t>
+                      </a:r>
+                    </a:p>
+                  </a:txBody>
+                  <a:tcPr/>
+                </a:tc>
+                <a:tc>
+                  <a:txBody>
+                    <a:bodyPr/>
+                    <a:lstStyle/>
+                    <a:p>
+                      <a:pPr algn="ctr"/>
+                      <a:r>
+                        <a:rPr lang="en-GB" dirty="0"/>
+                        <a:t>12</a:t>
+                      </a:r>
+                    </a:p>
+                  </a:txBody>
+                  <a:tcPr/>
+                </a:tc>
+                <a:tc>
+                  <a:txBody>
+                    <a:bodyPr/>
+                    <a:lstStyle/>
+                    <a:p>
+                      <a:pPr algn="ctr"/>
+                      <a:r>
+                        <a:rPr lang="en-GB" dirty="0"/>
+                        <a:t>3</a:t>
+                      </a:r>
+                    </a:p>
+                  </a:txBody>
+                  <a:tcPr/>
+                </a:tc>
+                <a:tc>
+                  <a:txBody>
+                    <a:bodyPr/>
+                    <a:lstStyle/>
+                    <a:p>
+                      <a:pPr algn="ctr"/>
+                      <a:r>
+                        <a:rPr lang="en-GB" dirty="0"/>
+                        <a:t>3</a:t>
+                      </a:r>
+                    </a:p>
+                  </a:txBody>
+                  <a:tcPr/>
+                </a:tc>
+                <a:tc>
+                  <a:txBody>
+                    <a:bodyPr/>
+                    <a:lstStyle/>
+                    <a:p>
+                      <a:pPr algn="ctr"/>
+                      <a:r>
+                        <a:rPr lang="en-GB" dirty="0"/>
+                        <a:t>2</a:t>
+                      </a:r>
+                    </a:p>
+                  </a:txBody>
+                  <a:tcPr/>
+                </a:tc>
+                <a:extLst>
+                  <a:ext uri="{0D108BD9-81ED-4DB2-BD59-A6C34878D82A}">
+                    <a16:rowId xmlns:a16="http://schemas.microsoft.com/office/drawing/2014/main" val="4134227075"/>
+                  </a:ext>
+                </a:extLst>
+              </a:tr>
+              <a:tr h="370840">
+                <a:tc>
+                  <a:txBody>
+                    <a:bodyPr/>
+                    <a:lstStyle/>
+                    <a:p>
+                      <a:r>
+                        <a:rPr lang="en-GB" dirty="0"/>
+                        <a:t>Hand of Zhang et al.</a:t>
+                      </a:r>
+                    </a:p>
+                  </a:txBody>
+                  <a:tcPr/>
+                </a:tc>
+                <a:tc>
+                  <a:txBody>
+                    <a:bodyPr/>
+                    <a:lstStyle/>
+                    <a:p>
+                      <a:pPr algn="ctr"/>
+                      <a:r>
+                        <a:rPr lang="en-GB" dirty="0"/>
+                        <a:t>15</a:t>
+                      </a:r>
+                    </a:p>
+                  </a:txBody>
+                  <a:tcPr/>
+                </a:tc>
+                <a:tc>
+                  <a:txBody>
+                    <a:bodyPr/>
+                    <a:lstStyle/>
+                    <a:p>
+                      <a:pPr algn="ctr"/>
+                      <a:r>
+                        <a:rPr lang="en-GB" dirty="0"/>
+                        <a:t>3</a:t>
+                      </a:r>
+                    </a:p>
+                  </a:txBody>
+                  <a:tcPr/>
+                </a:tc>
+                <a:tc>
+                  <a:txBody>
+                    <a:bodyPr/>
+                    <a:lstStyle/>
+                    <a:p>
+                      <a:pPr algn="ctr"/>
+                      <a:r>
+                        <a:rPr lang="en-GB" dirty="0"/>
+                        <a:t>3</a:t>
+                      </a:r>
+                    </a:p>
+                  </a:txBody>
+                  <a:tcPr/>
+                </a:tc>
+                <a:tc>
+                  <a:txBody>
+                    <a:bodyPr/>
+                    <a:lstStyle/>
+                    <a:p>
+                      <a:pPr algn="ctr"/>
+                      <a:r>
+                        <a:rPr lang="en-GB" dirty="0"/>
+                        <a:t>3</a:t>
+                      </a:r>
+                    </a:p>
+                  </a:txBody>
+                  <a:tcPr/>
+                </a:tc>
+                <a:extLst>
+                  <a:ext uri="{0D108BD9-81ED-4DB2-BD59-A6C34878D82A}">
+                    <a16:rowId xmlns:a16="http://schemas.microsoft.com/office/drawing/2014/main" val="432926193"/>
+                  </a:ext>
+                </a:extLst>
+              </a:tr>
+              <a:tr h="370840">
+                <a:tc>
+                  <a:txBody>
+                    <a:bodyPr/>
+                    <a:lstStyle/>
+                    <a:p>
+                      <a:r>
+                        <a:rPr lang="en-GB" dirty="0" err="1"/>
+                        <a:t>MyHand</a:t>
+                      </a:r>
+                      <a:endParaRPr lang="en-GB" dirty="0"/>
+                    </a:p>
+                  </a:txBody>
+                  <a:tcPr/>
+                </a:tc>
+                <a:tc>
+                  <a:txBody>
+                    <a:bodyPr/>
+                    <a:lstStyle/>
+                    <a:p>
+                      <a:pPr algn="ctr"/>
+                      <a:r>
+                        <a:rPr lang="en-GB" dirty="0"/>
+                        <a:t>10</a:t>
+                      </a:r>
+                    </a:p>
+                  </a:txBody>
+                  <a:tcPr/>
+                </a:tc>
+                <a:tc>
+                  <a:txBody>
+                    <a:bodyPr/>
+                    <a:lstStyle/>
+                    <a:p>
+                      <a:pPr algn="ctr"/>
+                      <a:r>
+                        <a:rPr lang="en-GB" dirty="0"/>
+                        <a:t>2</a:t>
+                      </a:r>
+                    </a:p>
+                  </a:txBody>
+                  <a:tcPr/>
+                </a:tc>
+                <a:tc>
+                  <a:txBody>
+                    <a:bodyPr/>
+                    <a:lstStyle/>
+                    <a:p>
+                      <a:pPr algn="ctr"/>
+                      <a:r>
+                        <a:rPr lang="en-GB" dirty="0"/>
+                        <a:t>2</a:t>
+                      </a:r>
+                    </a:p>
+                  </a:txBody>
+                  <a:tcPr/>
+                </a:tc>
+                <a:tc>
+                  <a:txBody>
+                    <a:bodyPr/>
+                    <a:lstStyle/>
+                    <a:p>
+                      <a:pPr algn="ctr"/>
+                      <a:r>
+                        <a:rPr lang="en-GB" dirty="0"/>
+                        <a:t>2</a:t>
+                      </a:r>
+                    </a:p>
+                  </a:txBody>
+                  <a:tcPr/>
+                </a:tc>
+                <a:extLst>
+                  <a:ext uri="{0D108BD9-81ED-4DB2-BD59-A6C34878D82A}">
+                    <a16:rowId xmlns:a16="http://schemas.microsoft.com/office/drawing/2014/main" val="2973563320"/>
+                  </a:ext>
+                </a:extLst>
+              </a:tr>
+              <a:tr h="370840">
+                <a:tc>
+                  <a:txBody>
+                    <a:bodyPr/>
+                    <a:lstStyle/>
+                    <a:p>
+                      <a:r>
+                        <a:rPr lang="en-GB" dirty="0" err="1"/>
+                        <a:t>AstoHand</a:t>
+                      </a:r>
+                      <a:r>
+                        <a:rPr lang="en-GB" dirty="0"/>
+                        <a:t> v.1</a:t>
+                      </a:r>
+                    </a:p>
+                  </a:txBody>
+                  <a:tcPr/>
+                </a:tc>
+                <a:tc>
+                  <a:txBody>
+                    <a:bodyPr/>
+                    <a:lstStyle/>
+                    <a:p>
+                      <a:pPr algn="ctr"/>
+                      <a:r>
+                        <a:rPr lang="en-GB" dirty="0"/>
+                        <a:t>10</a:t>
+                      </a:r>
+                    </a:p>
+                  </a:txBody>
+                  <a:tcPr/>
+                </a:tc>
+                <a:tc>
+                  <a:txBody>
+                    <a:bodyPr/>
+                    <a:lstStyle/>
+                    <a:p>
+                      <a:pPr algn="ctr"/>
+                      <a:r>
+                        <a:rPr lang="en-GB" dirty="0"/>
+                        <a:t>2</a:t>
+                      </a:r>
+                    </a:p>
+                  </a:txBody>
+                  <a:tcPr/>
+                </a:tc>
+                <a:tc>
+                  <a:txBody>
+                    <a:bodyPr/>
+                    <a:lstStyle/>
+                    <a:p>
+                      <a:pPr algn="ctr"/>
+                      <a:r>
+                        <a:rPr lang="en-GB" dirty="0"/>
+                        <a:t>2</a:t>
+                      </a:r>
+                    </a:p>
+                  </a:txBody>
+                  <a:tcPr/>
+                </a:tc>
+                <a:tc>
+                  <a:txBody>
+                    <a:bodyPr/>
+                    <a:lstStyle/>
+                    <a:p>
+                      <a:pPr algn="ctr"/>
+                      <a:r>
+                        <a:rPr lang="en-GB" dirty="0"/>
+                        <a:t>2</a:t>
+                      </a:r>
+                    </a:p>
+                  </a:txBody>
+                  <a:tcPr/>
+                </a:tc>
+                <a:extLst>
+                  <a:ext uri="{0D108BD9-81ED-4DB2-BD59-A6C34878D82A}">
+                    <a16:rowId xmlns:a16="http://schemas.microsoft.com/office/drawing/2014/main" val="676932251"/>
+                  </a:ext>
+                </a:extLst>
+              </a:tr>
+              <a:tr h="370840">
+                <a:tc>
+                  <a:txBody>
+                    <a:bodyPr/>
+                    <a:lstStyle/>
+                    <a:p>
+                      <a:r>
+                        <a:rPr lang="en-GB" dirty="0"/>
+                        <a:t>X-Hand</a:t>
+                      </a:r>
+                    </a:p>
+                  </a:txBody>
+                  <a:tcPr/>
+                </a:tc>
+                <a:tc>
+                  <a:txBody>
+                    <a:bodyPr/>
+                    <a:lstStyle/>
+                    <a:p>
+                      <a:pPr algn="ctr"/>
+                      <a:r>
+                        <a:rPr lang="en-GB" dirty="0"/>
+                        <a:t>16</a:t>
+                      </a:r>
+                    </a:p>
+                  </a:txBody>
+                  <a:tcPr/>
+                </a:tc>
+                <a:tc>
+                  <a:txBody>
+                    <a:bodyPr/>
+                    <a:lstStyle/>
+                    <a:p>
+                      <a:pPr algn="ctr"/>
+                      <a:r>
+                        <a:rPr lang="en-GB" dirty="0"/>
+                        <a:t>4</a:t>
+                      </a:r>
+                    </a:p>
+                  </a:txBody>
+                  <a:tcPr/>
+                </a:tc>
+                <a:tc>
+                  <a:txBody>
+                    <a:bodyPr/>
+                    <a:lstStyle/>
+                    <a:p>
+                      <a:pPr algn="ctr"/>
+                      <a:r>
+                        <a:rPr lang="en-GB" dirty="0"/>
+                        <a:t>3</a:t>
+                      </a:r>
+                    </a:p>
+                  </a:txBody>
+                  <a:tcPr/>
+                </a:tc>
+                <a:tc>
+                  <a:txBody>
+                    <a:bodyPr/>
+                    <a:lstStyle/>
+                    <a:p>
+                      <a:pPr algn="ctr"/>
+                      <a:r>
+                        <a:rPr lang="en-GB" dirty="0"/>
+                        <a:t>3</a:t>
+                      </a:r>
+                    </a:p>
+                  </a:txBody>
+                  <a:tcPr/>
+                </a:tc>
+                <a:extLst>
+                  <a:ext uri="{0D108BD9-81ED-4DB2-BD59-A6C34878D82A}">
+                    <a16:rowId xmlns:a16="http://schemas.microsoft.com/office/drawing/2014/main" val="858884556"/>
+                  </a:ext>
+                </a:extLst>
+              </a:tr>
+              <a:tr h="370840">
+                <a:tc>
+                  <a:txBody>
+                    <a:bodyPr/>
+                    <a:lstStyle/>
+                    <a:p>
+                      <a:r>
+                        <a:rPr lang="en-GB" dirty="0"/>
+                        <a:t>Six-DOF-Hand</a:t>
+                      </a:r>
+                    </a:p>
+                  </a:txBody>
+                  <a:tcPr/>
+                </a:tc>
+                <a:tc>
+                  <a:txBody>
+                    <a:bodyPr/>
+                    <a:lstStyle/>
+                    <a:p>
+                      <a:pPr algn="ctr"/>
+                      <a:r>
+                        <a:rPr lang="en-GB" dirty="0"/>
+                        <a:t>10</a:t>
+                      </a:r>
+                    </a:p>
+                  </a:txBody>
+                  <a:tcPr/>
+                </a:tc>
+                <a:tc>
+                  <a:txBody>
+                    <a:bodyPr/>
+                    <a:lstStyle/>
+                    <a:p>
+                      <a:pPr algn="ctr"/>
+                      <a:r>
+                        <a:rPr lang="en-GB" dirty="0"/>
+                        <a:t>2</a:t>
+                      </a:r>
+                    </a:p>
+                  </a:txBody>
+                  <a:tcPr/>
+                </a:tc>
+                <a:tc>
+                  <a:txBody>
+                    <a:bodyPr/>
+                    <a:lstStyle/>
+                    <a:p>
+                      <a:pPr algn="ctr"/>
+                      <a:r>
+                        <a:rPr lang="en-GB" dirty="0"/>
+                        <a:t>2</a:t>
+                      </a:r>
+                    </a:p>
+                  </a:txBody>
+                  <a:tcPr/>
+                </a:tc>
+                <a:tc>
+                  <a:txBody>
+                    <a:bodyPr/>
+                    <a:lstStyle/>
+                    <a:p>
+                      <a:pPr algn="ctr"/>
+                      <a:r>
+                        <a:rPr lang="en-GB" dirty="0"/>
+                        <a:t>2</a:t>
+                      </a:r>
+                    </a:p>
+                  </a:txBody>
+                  <a:tcPr/>
+                </a:tc>
+                <a:extLst>
+                  <a:ext uri="{0D108BD9-81ED-4DB2-BD59-A6C34878D82A}">
+                    <a16:rowId xmlns:a16="http://schemas.microsoft.com/office/drawing/2014/main" val="4180278244"/>
+                  </a:ext>
+                </a:extLst>
+              </a:tr>
+              <a:tr h="370840">
+                <a:tc>
+                  <a:txBody>
+                    <a:bodyPr/>
+                    <a:lstStyle/>
+                    <a:p>
+                      <a:r>
+                        <a:rPr lang="en-GB" dirty="0"/>
+                        <a:t>Bionic Hand</a:t>
+                      </a:r>
+                    </a:p>
+                  </a:txBody>
+                  <a:tcPr/>
+                </a:tc>
+                <a:tc>
+                  <a:txBody>
+                    <a:bodyPr/>
+                    <a:lstStyle/>
+                    <a:p>
+                      <a:pPr algn="ctr"/>
+                      <a:r>
+                        <a:rPr lang="en-GB" dirty="0"/>
+                        <a:t>19</a:t>
+                      </a:r>
+                    </a:p>
+                  </a:txBody>
+                  <a:tcPr/>
+                </a:tc>
+                <a:tc>
+                  <a:txBody>
+                    <a:bodyPr/>
+                    <a:lstStyle/>
+                    <a:p>
+                      <a:pPr algn="ctr"/>
+                      <a:r>
+                        <a:rPr lang="en-GB" dirty="0"/>
+                        <a:t>3</a:t>
+                      </a:r>
+                    </a:p>
+                  </a:txBody>
+                  <a:tcPr/>
+                </a:tc>
+                <a:tc>
+                  <a:txBody>
+                    <a:bodyPr/>
+                    <a:lstStyle/>
+                    <a:p>
+                      <a:pPr algn="ctr"/>
+                      <a:r>
+                        <a:rPr lang="en-GB" dirty="0"/>
+                        <a:t>4</a:t>
+                      </a:r>
+                    </a:p>
+                  </a:txBody>
+                  <a:tcPr/>
+                </a:tc>
+                <a:tc>
+                  <a:txBody>
+                    <a:bodyPr/>
+                    <a:lstStyle/>
+                    <a:p>
+                      <a:pPr algn="ctr"/>
+                      <a:r>
+                        <a:rPr lang="en-GB" dirty="0"/>
+                        <a:t>4</a:t>
+                      </a:r>
+                    </a:p>
+                  </a:txBody>
+                  <a:tcPr/>
+                </a:tc>
+                <a:extLst>
+                  <a:ext uri="{0D108BD9-81ED-4DB2-BD59-A6C34878D82A}">
+                    <a16:rowId xmlns:a16="http://schemas.microsoft.com/office/drawing/2014/main" val="1230304133"/>
+                  </a:ext>
+                </a:extLst>
+              </a:tr>
+              <a:tr h="370840">
+                <a:tc>
+                  <a:txBody>
+                    <a:bodyPr/>
+                    <a:lstStyle/>
+                    <a:p>
+                      <a:r>
+                        <a:rPr lang="en-GB" dirty="0" err="1"/>
+                        <a:t>SoftHand</a:t>
+                      </a:r>
+                      <a:r>
+                        <a:rPr lang="en-GB" dirty="0"/>
+                        <a:t> Pro-D</a:t>
+                      </a:r>
+                    </a:p>
+                  </a:txBody>
+                  <a:tcPr/>
+                </a:tc>
+                <a:tc>
+                  <a:txBody>
+                    <a:bodyPr/>
+                    <a:lstStyle/>
+                    <a:p>
+                      <a:pPr algn="ctr"/>
+                      <a:r>
+                        <a:rPr lang="en-GB" dirty="0"/>
+                        <a:t>19</a:t>
+                      </a:r>
+                    </a:p>
+                  </a:txBody>
+                  <a:tcPr/>
+                </a:tc>
+                <a:tc>
+                  <a:txBody>
+                    <a:bodyPr/>
+                    <a:lstStyle/>
+                    <a:p>
+                      <a:pPr algn="ctr"/>
+                      <a:r>
+                        <a:rPr lang="en-GB" dirty="0"/>
+                        <a:t>3</a:t>
+                      </a:r>
+                    </a:p>
+                  </a:txBody>
+                  <a:tcPr/>
+                </a:tc>
+                <a:tc>
+                  <a:txBody>
+                    <a:bodyPr/>
+                    <a:lstStyle/>
+                    <a:p>
+                      <a:pPr algn="ctr"/>
+                      <a:r>
+                        <a:rPr lang="en-GB" dirty="0"/>
+                        <a:t>4</a:t>
+                      </a:r>
+                    </a:p>
+                  </a:txBody>
+                  <a:tcPr/>
+                </a:tc>
+                <a:tc>
+                  <a:txBody>
+                    <a:bodyPr/>
+                    <a:lstStyle/>
+                    <a:p>
+                      <a:pPr algn="ctr"/>
+                      <a:r>
+                        <a:rPr lang="en-GB" dirty="0"/>
+                        <a:t>4</a:t>
+                      </a:r>
+                    </a:p>
+                  </a:txBody>
+                  <a:tcPr/>
+                </a:tc>
+                <a:extLst>
+                  <a:ext uri="{0D108BD9-81ED-4DB2-BD59-A6C34878D82A}">
+                    <a16:rowId xmlns:a16="http://schemas.microsoft.com/office/drawing/2014/main" val="2767966240"/>
+                  </a:ext>
+                </a:extLst>
+              </a:tr>
+              <a:tr h="370840">
+                <a:tc>
+                  <a:txBody>
+                    <a:bodyPr/>
+                    <a:lstStyle/>
+                    <a:p>
+                      <a:r>
+                        <a:rPr lang="en-GB" dirty="0" err="1"/>
+                        <a:t>UOMPro</a:t>
+                      </a:r>
+                      <a:endParaRPr lang="en-GB" dirty="0"/>
+                    </a:p>
+                  </a:txBody>
+                  <a:tcPr/>
+                </a:tc>
+                <a:tc>
+                  <a:txBody>
+                    <a:bodyPr/>
+                    <a:lstStyle/>
+                    <a:p>
+                      <a:pPr algn="ctr"/>
+                      <a:r>
+                        <a:rPr lang="en-GB" dirty="0"/>
+                        <a:t>10</a:t>
+                      </a:r>
+                    </a:p>
+                  </a:txBody>
+                  <a:tcPr/>
+                </a:tc>
+                <a:tc>
+                  <a:txBody>
+                    <a:bodyPr/>
+                    <a:lstStyle/>
+                    <a:p>
+                      <a:pPr algn="ctr"/>
+                      <a:r>
+                        <a:rPr lang="en-GB" dirty="0"/>
+                        <a:t>2</a:t>
+                      </a:r>
+                    </a:p>
+                  </a:txBody>
+                  <a:tcPr/>
+                </a:tc>
+                <a:tc>
+                  <a:txBody>
+                    <a:bodyPr/>
+                    <a:lstStyle/>
+                    <a:p>
+                      <a:pPr algn="ctr"/>
+                      <a:r>
+                        <a:rPr lang="en-GB" dirty="0"/>
+                        <a:t>2</a:t>
+                      </a:r>
+                    </a:p>
+                  </a:txBody>
+                  <a:tcPr/>
+                </a:tc>
+                <a:tc>
+                  <a:txBody>
+                    <a:bodyPr/>
+                    <a:lstStyle/>
+                    <a:p>
+                      <a:pPr algn="ctr"/>
+                      <a:r>
+                        <a:rPr lang="en-GB" dirty="0"/>
+                        <a:t>2</a:t>
+                      </a:r>
+                    </a:p>
+                  </a:txBody>
+                  <a:tcPr/>
+                </a:tc>
+                <a:extLst>
+                  <a:ext uri="{0D108BD9-81ED-4DB2-BD59-A6C34878D82A}">
+                    <a16:rowId xmlns:a16="http://schemas.microsoft.com/office/drawing/2014/main" val="3496087278"/>
+                  </a:ext>
+                </a:extLst>
+              </a:tr>
+              <a:tr h="370840">
+                <a:tc>
+                  <a:txBody>
+                    <a:bodyPr/>
+                    <a:lstStyle/>
+                    <a:p>
+                      <a:r>
+                        <a:rPr lang="en-GB" dirty="0"/>
+                        <a:t>MORA Hap-2</a:t>
+                      </a:r>
+                    </a:p>
+                  </a:txBody>
+                  <a:tcPr/>
+                </a:tc>
+                <a:tc>
+                  <a:txBody>
+                    <a:bodyPr/>
+                    <a:lstStyle/>
+                    <a:p>
+                      <a:pPr algn="ctr"/>
+                      <a:r>
+                        <a:rPr lang="en-GB" dirty="0"/>
+                        <a:t>14</a:t>
+                      </a:r>
+                    </a:p>
+                  </a:txBody>
+                  <a:tcPr/>
+                </a:tc>
+                <a:tc>
+                  <a:txBody>
+                    <a:bodyPr/>
+                    <a:lstStyle/>
+                    <a:p>
+                      <a:pPr algn="ctr"/>
+                      <a:r>
+                        <a:rPr lang="en-GB" dirty="0"/>
+                        <a:t>2</a:t>
+                      </a:r>
+                    </a:p>
+                  </a:txBody>
+                  <a:tcPr/>
+                </a:tc>
+                <a:tc>
+                  <a:txBody>
+                    <a:bodyPr/>
+                    <a:lstStyle/>
+                    <a:p>
+                      <a:pPr algn="ctr"/>
+                      <a:r>
+                        <a:rPr lang="en-GB" dirty="0"/>
+                        <a:t>3</a:t>
+                      </a:r>
+                    </a:p>
+                  </a:txBody>
+                  <a:tcPr/>
+                </a:tc>
+                <a:tc>
+                  <a:txBody>
+                    <a:bodyPr/>
+                    <a:lstStyle/>
+                    <a:p>
+                      <a:pPr algn="ctr"/>
+                      <a:r>
+                        <a:rPr lang="en-GB" dirty="0"/>
+                        <a:t>3</a:t>
+                      </a:r>
+                    </a:p>
+                  </a:txBody>
+                  <a:tcPr/>
+                </a:tc>
+                <a:extLst>
+                  <a:ext uri="{0D108BD9-81ED-4DB2-BD59-A6C34878D82A}">
+                    <a16:rowId xmlns:a16="http://schemas.microsoft.com/office/drawing/2014/main" val="959013871"/>
+                  </a:ext>
+                </a:extLst>
+              </a:tr>
+            </a:tbl>
+          </a:graphicData>
+        </a:graphic>
+      </p:graphicFrame>
+    </p:spTree>
+    <p:extLst>
+      <p:ext uri="{BB962C8B-B14F-4D97-AF65-F5344CB8AC3E}">
+        <p14:creationId xmlns:p14="http://schemas.microsoft.com/office/powerpoint/2010/main" val="2875855209"/>
+      </p:ext>
+    </p:extLst>
+  </p:cSld>
+  <p:clrMapOvr>
+    <a:masterClrMapping/>
+  </p:clrMapOvr>
+</p:sld>
+</file>
+
+<file path=ppt/slides/slide21.xml><?xml version="1.0" encoding="utf-8"?>
+<p:sld xmlns:a="http://schemas.openxmlformats.org/drawingml/2006/main" xmlns:r="http://schemas.openxmlformats.org/officeDocument/2006/relationships" xmlns:p="http://schemas.openxmlformats.org/presentationml/2006/main">
+  <p:cSld>
+    <p:spTree>
+      <p:nvGrpSpPr>
+        <p:cNvPr id="1" name=""/>
+        <p:cNvGrpSpPr/>
+        <p:nvPr/>
+      </p:nvGrpSpPr>
+      <p:grpSpPr>
+        <a:xfrm>
+          <a:off x="0" y="0"/>
+          <a:ext cx="0" cy="0"/>
+          <a:chOff x="0" y="0"/>
+          <a:chExt cx="0" cy="0"/>
+        </a:xfrm>
+      </p:grpSpPr>
+      <p:sp>
+        <p:nvSpPr>
+          <p:cNvPr id="2" name="Titel 1">
+            <a:extLst>
+              <a:ext uri="{FF2B5EF4-FFF2-40B4-BE49-F238E27FC236}">
+                <a16:creationId xmlns:a16="http://schemas.microsoft.com/office/drawing/2014/main" id="{8E8C97E0-457E-4288-B362-C6B51BB8DC36}"/>
+              </a:ext>
+            </a:extLst>
+          </p:cNvPr>
+          <p:cNvSpPr>
+            <a:spLocks noGrp="1"/>
+          </p:cNvSpPr>
+          <p:nvPr>
+            <p:ph type="title"/>
+          </p:nvPr>
+        </p:nvSpPr>
+        <p:spPr/>
+        <p:txBody>
+          <a:bodyPr/>
+          <a:lstStyle/>
+          <a:p>
+            <a:r>
+              <a:rPr lang="en-GB" dirty="0"/>
+              <a:t>Actuation and Transmission</a:t>
+            </a:r>
+          </a:p>
+        </p:txBody>
+      </p:sp>
+      <p:graphicFrame>
+        <p:nvGraphicFramePr>
+          <p:cNvPr id="4" name="Inhaltsplatzhalter 3">
+            <a:extLst>
+              <a:ext uri="{FF2B5EF4-FFF2-40B4-BE49-F238E27FC236}">
+                <a16:creationId xmlns:a16="http://schemas.microsoft.com/office/drawing/2014/main" id="{AA47D58F-76F4-4B4B-9273-42DAFD2E60DA}"/>
+              </a:ext>
+            </a:extLst>
+          </p:cNvPr>
+          <p:cNvGraphicFramePr>
+            <a:graphicFrameLocks/>
+          </p:cNvGraphicFramePr>
+          <p:nvPr>
+            <p:extLst>
+              <p:ext uri="{D42A27DB-BD31-4B8C-83A1-F6EECF244321}">
+                <p14:modId xmlns:p14="http://schemas.microsoft.com/office/powerpoint/2010/main" val="305131186"/>
+              </p:ext>
+            </p:extLst>
+          </p:nvPr>
+        </p:nvGraphicFramePr>
+        <p:xfrm>
+          <a:off x="1511660" y="1124744"/>
+          <a:ext cx="6120680" cy="4988560"/>
+        </p:xfrm>
+        <a:graphic>
+          <a:graphicData uri="http://schemas.openxmlformats.org/drawingml/2006/table">
+            <a:tbl>
+              <a:tblPr firstRow="1" bandRow="1">
+                <a:tableStyleId>{5C22544A-7EE6-4342-B048-85BDC9FD1C3A}</a:tableStyleId>
+              </a:tblPr>
+              <a:tblGrid>
+                <a:gridCol w="2545789">
+                  <a:extLst>
+                    <a:ext uri="{9D8B030D-6E8A-4147-A177-3AD203B41FA5}">
+                      <a16:colId xmlns:a16="http://schemas.microsoft.com/office/drawing/2014/main" val="4238522776"/>
+                    </a:ext>
+                  </a:extLst>
+                </a:gridCol>
+                <a:gridCol w="1347300">
+                  <a:extLst>
+                    <a:ext uri="{9D8B030D-6E8A-4147-A177-3AD203B41FA5}">
+                      <a16:colId xmlns:a16="http://schemas.microsoft.com/office/drawing/2014/main" val="2550622600"/>
+                    </a:ext>
+                  </a:extLst>
+                </a:gridCol>
+                <a:gridCol w="2227591">
+                  <a:extLst>
+                    <a:ext uri="{9D8B030D-6E8A-4147-A177-3AD203B41FA5}">
+                      <a16:colId xmlns:a16="http://schemas.microsoft.com/office/drawing/2014/main" val="4180666892"/>
+                    </a:ext>
+                  </a:extLst>
+                </a:gridCol>
+              </a:tblGrid>
+              <a:tr h="370840">
+                <a:tc>
+                  <a:txBody>
+                    <a:bodyPr/>
+                    <a:lstStyle/>
+                    <a:p>
+                      <a:r>
+                        <a:rPr lang="en-GB" dirty="0"/>
+                        <a:t>Name</a:t>
+                      </a:r>
+                    </a:p>
+                  </a:txBody>
+                  <a:tcPr/>
+                </a:tc>
+                <a:tc>
+                  <a:txBody>
+                    <a:bodyPr/>
+                    <a:lstStyle/>
+                    <a:p>
+                      <a:r>
+                        <a:rPr lang="en-GB" dirty="0"/>
+                        <a:t>Actuators</a:t>
+                      </a:r>
+                    </a:p>
+                  </a:txBody>
+                  <a:tcPr/>
+                </a:tc>
+                <a:tc>
+                  <a:txBody>
+                    <a:bodyPr/>
+                    <a:lstStyle/>
+                    <a:p>
+                      <a:r>
+                        <a:rPr lang="en-GB" dirty="0"/>
+                        <a:t>Transmission system</a:t>
+                      </a:r>
+                    </a:p>
+                  </a:txBody>
+                  <a:tcPr/>
+                </a:tc>
+                <a:extLst>
+                  <a:ext uri="{0D108BD9-81ED-4DB2-BD59-A6C34878D82A}">
+                    <a16:rowId xmlns:a16="http://schemas.microsoft.com/office/drawing/2014/main" val="2841673430"/>
+                  </a:ext>
+                </a:extLst>
+              </a:tr>
+              <a:tr h="370840">
+                <a:tc>
+                  <a:txBody>
+                    <a:bodyPr/>
+                    <a:lstStyle/>
+                    <a:p>
+                      <a:r>
+                        <a:rPr lang="en-GB" dirty="0"/>
+                        <a:t>Tact</a:t>
+                      </a:r>
+                    </a:p>
+                  </a:txBody>
+                  <a:tcPr/>
+                </a:tc>
+                <a:tc>
+                  <a:txBody>
+                    <a:bodyPr/>
+                    <a:lstStyle/>
+                    <a:p>
+                      <a:pPr algn="ctr"/>
+                      <a:r>
+                        <a:rPr lang="en-GB" dirty="0"/>
+                        <a:t>6</a:t>
+                      </a:r>
+                    </a:p>
+                  </a:txBody>
+                  <a:tcPr/>
+                </a:tc>
+                <a:tc>
+                  <a:txBody>
+                    <a:bodyPr/>
+                    <a:lstStyle/>
+                    <a:p>
+                      <a:r>
+                        <a:rPr lang="en-GB" dirty="0"/>
+                        <a:t>Four-bar linkage,</a:t>
+                      </a:r>
+                    </a:p>
+                    <a:p>
+                      <a:r>
+                        <a:rPr lang="en-GB" dirty="0"/>
+                        <a:t>Geneva drive</a:t>
+                      </a:r>
+                    </a:p>
+                  </a:txBody>
+                  <a:tcPr/>
+                </a:tc>
+                <a:extLst>
+                  <a:ext uri="{0D108BD9-81ED-4DB2-BD59-A6C34878D82A}">
+                    <a16:rowId xmlns:a16="http://schemas.microsoft.com/office/drawing/2014/main" val="1395043103"/>
+                  </a:ext>
+                </a:extLst>
+              </a:tr>
+              <a:tr h="370840">
+                <a:tc>
+                  <a:txBody>
+                    <a:bodyPr/>
+                    <a:lstStyle/>
+                    <a:p>
+                      <a:r>
+                        <a:rPr lang="en-GB" dirty="0"/>
+                        <a:t>Hand of Bennett et al.</a:t>
+                      </a:r>
+                    </a:p>
+                  </a:txBody>
+                  <a:tcPr/>
+                </a:tc>
+                <a:tc>
+                  <a:txBody>
+                    <a:bodyPr/>
+                    <a:lstStyle/>
+                    <a:p>
+                      <a:pPr algn="ctr"/>
+                      <a:r>
+                        <a:rPr lang="en-GB" dirty="0"/>
+                        <a:t>4</a:t>
+                      </a:r>
+                    </a:p>
+                  </a:txBody>
+                  <a:tcPr/>
+                </a:tc>
+                <a:tc>
+                  <a:txBody>
+                    <a:bodyPr/>
+                    <a:lstStyle/>
+                    <a:p>
+                      <a:r>
+                        <a:rPr lang="en-GB" dirty="0"/>
+                        <a:t>Tendons</a:t>
+                      </a:r>
+                    </a:p>
+                  </a:txBody>
+                  <a:tcPr/>
+                </a:tc>
+                <a:extLst>
+                  <a:ext uri="{0D108BD9-81ED-4DB2-BD59-A6C34878D82A}">
+                    <a16:rowId xmlns:a16="http://schemas.microsoft.com/office/drawing/2014/main" val="4134227075"/>
+                  </a:ext>
+                </a:extLst>
+              </a:tr>
+              <a:tr h="370840">
+                <a:tc>
+                  <a:txBody>
+                    <a:bodyPr/>
+                    <a:lstStyle/>
+                    <a:p>
+                      <a:r>
+                        <a:rPr lang="en-GB" dirty="0"/>
+                        <a:t>Hand of Zhang et al.</a:t>
+                      </a:r>
+                    </a:p>
+                  </a:txBody>
+                  <a:tcPr/>
+                </a:tc>
+                <a:tc>
+                  <a:txBody>
+                    <a:bodyPr/>
+                    <a:lstStyle/>
+                    <a:p>
+                      <a:pPr algn="ctr"/>
+                      <a:r>
+                        <a:rPr lang="en-GB" dirty="0"/>
+                        <a:t>5</a:t>
+                      </a:r>
+                    </a:p>
+                  </a:txBody>
+                  <a:tcPr/>
+                </a:tc>
+                <a:tc>
+                  <a:txBody>
+                    <a:bodyPr/>
+                    <a:lstStyle/>
+                    <a:p>
+                      <a:r>
+                        <a:rPr lang="en-GB" dirty="0"/>
+                        <a:t>Tendons</a:t>
+                      </a:r>
+                    </a:p>
+                  </a:txBody>
+                  <a:tcPr/>
+                </a:tc>
+                <a:extLst>
+                  <a:ext uri="{0D108BD9-81ED-4DB2-BD59-A6C34878D82A}">
+                    <a16:rowId xmlns:a16="http://schemas.microsoft.com/office/drawing/2014/main" val="432926193"/>
+                  </a:ext>
+                </a:extLst>
+              </a:tr>
+              <a:tr h="370840">
+                <a:tc>
+                  <a:txBody>
+                    <a:bodyPr/>
+                    <a:lstStyle/>
+                    <a:p>
+                      <a:r>
+                        <a:rPr lang="en-GB" dirty="0" err="1"/>
+                        <a:t>MyHand</a:t>
+                      </a:r>
+                      <a:endParaRPr lang="en-GB" dirty="0"/>
+                    </a:p>
+                  </a:txBody>
+                  <a:tcPr/>
+                </a:tc>
+                <a:tc>
+                  <a:txBody>
+                    <a:bodyPr/>
+                    <a:lstStyle/>
+                    <a:p>
+                      <a:pPr algn="ctr"/>
+                      <a:r>
+                        <a:rPr lang="en-GB" dirty="0"/>
+                        <a:t>3</a:t>
+                      </a:r>
+                    </a:p>
+                  </a:txBody>
+                  <a:tcPr/>
+                </a:tc>
+                <a:tc>
+                  <a:txBody>
+                    <a:bodyPr/>
+                    <a:lstStyle/>
+                    <a:p>
+                      <a:r>
+                        <a:rPr lang="en-GB" dirty="0"/>
+                        <a:t>Tendons</a:t>
+                      </a:r>
+                    </a:p>
+                  </a:txBody>
+                  <a:tcPr/>
+                </a:tc>
+                <a:extLst>
+                  <a:ext uri="{0D108BD9-81ED-4DB2-BD59-A6C34878D82A}">
+                    <a16:rowId xmlns:a16="http://schemas.microsoft.com/office/drawing/2014/main" val="2973563320"/>
+                  </a:ext>
+                </a:extLst>
+              </a:tr>
+              <a:tr h="370840">
+                <a:tc>
+                  <a:txBody>
+                    <a:bodyPr/>
+                    <a:lstStyle/>
+                    <a:p>
+                      <a:r>
+                        <a:rPr lang="en-GB" dirty="0" err="1"/>
+                        <a:t>AstoHand</a:t>
+                      </a:r>
+                      <a:r>
+                        <a:rPr lang="en-GB" dirty="0"/>
+                        <a:t> v.1</a:t>
+                      </a:r>
+                    </a:p>
+                  </a:txBody>
+                  <a:tcPr/>
+                </a:tc>
+                <a:tc>
+                  <a:txBody>
+                    <a:bodyPr/>
+                    <a:lstStyle/>
+                    <a:p>
+                      <a:pPr algn="ctr"/>
+                      <a:r>
+                        <a:rPr lang="en-GB" dirty="0"/>
+                        <a:t>5</a:t>
+                      </a:r>
+                    </a:p>
+                  </a:txBody>
+                  <a:tcPr/>
+                </a:tc>
+                <a:tc>
+                  <a:txBody>
+                    <a:bodyPr/>
+                    <a:lstStyle/>
+                    <a:p>
+                      <a:r>
+                        <a:rPr lang="en-GB" dirty="0"/>
+                        <a:t>Tendons</a:t>
+                      </a:r>
+                    </a:p>
+                  </a:txBody>
+                  <a:tcPr/>
+                </a:tc>
+                <a:extLst>
+                  <a:ext uri="{0D108BD9-81ED-4DB2-BD59-A6C34878D82A}">
+                    <a16:rowId xmlns:a16="http://schemas.microsoft.com/office/drawing/2014/main" val="676932251"/>
+                  </a:ext>
+                </a:extLst>
+              </a:tr>
+              <a:tr h="370840">
+                <a:tc>
+                  <a:txBody>
+                    <a:bodyPr/>
+                    <a:lstStyle/>
+                    <a:p>
+                      <a:r>
+                        <a:rPr lang="en-GB" dirty="0"/>
+                        <a:t>X-Hand</a:t>
+                      </a:r>
+                    </a:p>
+                  </a:txBody>
+                  <a:tcPr/>
+                </a:tc>
+                <a:tc>
+                  <a:txBody>
+                    <a:bodyPr/>
+                    <a:lstStyle/>
+                    <a:p>
+                      <a:pPr algn="ctr"/>
+                      <a:r>
+                        <a:rPr lang="en-GB" dirty="0"/>
+                        <a:t>4</a:t>
+                      </a:r>
+                    </a:p>
+                  </a:txBody>
+                  <a:tcPr/>
+                </a:tc>
+                <a:tc>
+                  <a:txBody>
+                    <a:bodyPr/>
+                    <a:lstStyle/>
+                    <a:p>
+                      <a:r>
+                        <a:rPr lang="en-GB" dirty="0"/>
+                        <a:t>Tendons</a:t>
+                      </a:r>
+                    </a:p>
+                  </a:txBody>
+                  <a:tcPr/>
+                </a:tc>
+                <a:extLst>
+                  <a:ext uri="{0D108BD9-81ED-4DB2-BD59-A6C34878D82A}">
+                    <a16:rowId xmlns:a16="http://schemas.microsoft.com/office/drawing/2014/main" val="858884556"/>
+                  </a:ext>
+                </a:extLst>
+              </a:tr>
+              <a:tr h="370840">
+                <a:tc>
+                  <a:txBody>
+                    <a:bodyPr/>
+                    <a:lstStyle/>
+                    <a:p>
+                      <a:r>
+                        <a:rPr lang="en-GB" dirty="0"/>
+                        <a:t>Six-DOF-Hand</a:t>
+                      </a:r>
+                    </a:p>
+                  </a:txBody>
+                  <a:tcPr/>
+                </a:tc>
+                <a:tc>
+                  <a:txBody>
+                    <a:bodyPr/>
+                    <a:lstStyle/>
+                    <a:p>
+                      <a:pPr algn="ctr"/>
+                      <a:r>
+                        <a:rPr lang="en-GB" dirty="0"/>
+                        <a:t>6</a:t>
+                      </a:r>
+                    </a:p>
+                  </a:txBody>
+                  <a:tcPr/>
+                </a:tc>
+                <a:tc>
+                  <a:txBody>
+                    <a:bodyPr/>
+                    <a:lstStyle/>
+                    <a:p>
+                      <a:r>
+                        <a:rPr lang="en-GB" dirty="0"/>
+                        <a:t>Gears / Belts</a:t>
+                      </a:r>
+                    </a:p>
+                  </a:txBody>
+                  <a:tcPr/>
+                </a:tc>
+                <a:extLst>
+                  <a:ext uri="{0D108BD9-81ED-4DB2-BD59-A6C34878D82A}">
+                    <a16:rowId xmlns:a16="http://schemas.microsoft.com/office/drawing/2014/main" val="4180278244"/>
+                  </a:ext>
+                </a:extLst>
+              </a:tr>
+              <a:tr h="370840">
+                <a:tc>
+                  <a:txBody>
+                    <a:bodyPr/>
+                    <a:lstStyle/>
+                    <a:p>
+                      <a:r>
+                        <a:rPr lang="en-GB" dirty="0"/>
+                        <a:t>Bionic Hand</a:t>
+                      </a:r>
+                    </a:p>
+                  </a:txBody>
+                  <a:tcPr/>
+                </a:tc>
+                <a:tc>
+                  <a:txBody>
+                    <a:bodyPr/>
+                    <a:lstStyle/>
+                    <a:p>
+                      <a:pPr algn="ctr"/>
+                      <a:r>
+                        <a:rPr lang="en-GB" dirty="0"/>
+                        <a:t>13</a:t>
+                      </a:r>
+                    </a:p>
+                  </a:txBody>
+                  <a:tcPr/>
+                </a:tc>
+                <a:tc>
+                  <a:txBody>
+                    <a:bodyPr/>
+                    <a:lstStyle/>
+                    <a:p>
+                      <a:r>
+                        <a:rPr lang="en-GB" dirty="0"/>
+                        <a:t>Tendons</a:t>
+                      </a:r>
+                    </a:p>
+                  </a:txBody>
+                  <a:tcPr/>
+                </a:tc>
+                <a:extLst>
+                  <a:ext uri="{0D108BD9-81ED-4DB2-BD59-A6C34878D82A}">
+                    <a16:rowId xmlns:a16="http://schemas.microsoft.com/office/drawing/2014/main" val="1230304133"/>
+                  </a:ext>
+                </a:extLst>
+              </a:tr>
+              <a:tr h="370840">
+                <a:tc>
+                  <a:txBody>
+                    <a:bodyPr/>
+                    <a:lstStyle/>
+                    <a:p>
+                      <a:r>
+                        <a:rPr lang="en-GB" dirty="0" err="1"/>
+                        <a:t>SoftHand</a:t>
+                      </a:r>
+                      <a:r>
+                        <a:rPr lang="en-GB" dirty="0"/>
+                        <a:t> Pro-D</a:t>
+                      </a:r>
+                    </a:p>
+                  </a:txBody>
+                  <a:tcPr/>
+                </a:tc>
+                <a:tc>
+                  <a:txBody>
+                    <a:bodyPr/>
+                    <a:lstStyle/>
+                    <a:p>
+                      <a:pPr algn="ctr"/>
+                      <a:r>
+                        <a:rPr lang="en-GB" dirty="0"/>
+                        <a:t>1</a:t>
+                      </a:r>
+                    </a:p>
+                  </a:txBody>
+                  <a:tcPr/>
+                </a:tc>
+                <a:tc>
+                  <a:txBody>
+                    <a:bodyPr/>
+                    <a:lstStyle/>
+                    <a:p>
+                      <a:r>
+                        <a:rPr lang="en-GB" dirty="0"/>
+                        <a:t>Tendons</a:t>
+                      </a:r>
+                    </a:p>
+                  </a:txBody>
+                  <a:tcPr/>
+                </a:tc>
+                <a:extLst>
+                  <a:ext uri="{0D108BD9-81ED-4DB2-BD59-A6C34878D82A}">
+                    <a16:rowId xmlns:a16="http://schemas.microsoft.com/office/drawing/2014/main" val="2767966240"/>
+                  </a:ext>
+                </a:extLst>
+              </a:tr>
+              <a:tr h="370840">
+                <a:tc>
+                  <a:txBody>
+                    <a:bodyPr/>
+                    <a:lstStyle/>
+                    <a:p>
+                      <a:r>
+                        <a:rPr lang="en-GB" dirty="0" err="1"/>
+                        <a:t>UOMPro</a:t>
+                      </a:r>
+                      <a:endParaRPr lang="en-GB" dirty="0"/>
+                    </a:p>
+                  </a:txBody>
+                  <a:tcPr/>
+                </a:tc>
+                <a:tc>
+                  <a:txBody>
+                    <a:bodyPr/>
+                    <a:lstStyle/>
+                    <a:p>
+                      <a:pPr algn="ctr"/>
+                      <a:r>
+                        <a:rPr lang="en-GB" dirty="0"/>
+                        <a:t>6</a:t>
+                      </a:r>
+                    </a:p>
+                  </a:txBody>
+                  <a:tcPr/>
+                </a:tc>
+                <a:tc>
+                  <a:txBody>
+                    <a:bodyPr/>
+                    <a:lstStyle/>
+                    <a:p>
+                      <a:r>
+                        <a:rPr lang="en-GB" dirty="0"/>
+                        <a:t>Four-bar linkage</a:t>
+                      </a:r>
+                    </a:p>
+                  </a:txBody>
+                  <a:tcPr/>
+                </a:tc>
+                <a:extLst>
+                  <a:ext uri="{0D108BD9-81ED-4DB2-BD59-A6C34878D82A}">
+                    <a16:rowId xmlns:a16="http://schemas.microsoft.com/office/drawing/2014/main" val="3496087278"/>
+                  </a:ext>
+                </a:extLst>
+              </a:tr>
+              <a:tr h="370840">
+                <a:tc>
+                  <a:txBody>
+                    <a:bodyPr/>
+                    <a:lstStyle/>
+                    <a:p>
+                      <a:r>
+                        <a:rPr lang="en-GB" dirty="0"/>
+                        <a:t>MORA Hap-2</a:t>
+                      </a:r>
+                    </a:p>
+                  </a:txBody>
+                  <a:tcPr/>
+                </a:tc>
+                <a:tc>
+                  <a:txBody>
+                    <a:bodyPr/>
+                    <a:lstStyle/>
+                    <a:p>
+                      <a:pPr algn="ctr"/>
+                      <a:r>
+                        <a:rPr lang="en-GB" dirty="0"/>
+                        <a:t>4</a:t>
+                      </a:r>
+                    </a:p>
+                  </a:txBody>
+                  <a:tcPr/>
+                </a:tc>
+                <a:tc>
+                  <a:txBody>
+                    <a:bodyPr/>
+                    <a:lstStyle/>
+                    <a:p>
+                      <a:r>
+                        <a:rPr lang="en-GB" dirty="0"/>
+                        <a:t>Four-bar linkage</a:t>
+                      </a:r>
+                    </a:p>
+                  </a:txBody>
+                  <a:tcPr/>
+                </a:tc>
+                <a:extLst>
+                  <a:ext uri="{0D108BD9-81ED-4DB2-BD59-A6C34878D82A}">
+                    <a16:rowId xmlns:a16="http://schemas.microsoft.com/office/drawing/2014/main" val="959013871"/>
+                  </a:ext>
+                </a:extLst>
+              </a:tr>
+            </a:tbl>
+          </a:graphicData>
+        </a:graphic>
+      </p:graphicFrame>
+    </p:spTree>
+    <p:extLst>
+      <p:ext uri="{BB962C8B-B14F-4D97-AF65-F5344CB8AC3E}">
+        <p14:creationId xmlns:p14="http://schemas.microsoft.com/office/powerpoint/2010/main" val="3168067777"/>
+      </p:ext>
+    </p:extLst>
+  </p:cSld>
+  <p:clrMapOvr>
+    <a:masterClrMapping/>
+  </p:clrMapOvr>
+</p:sld>
+</file>
+
+<file path=ppt/slides/slide22.xml><?xml version="1.0" encoding="utf-8"?>
+<p:sld xmlns:a="http://schemas.openxmlformats.org/drawingml/2006/main" xmlns:r="http://schemas.openxmlformats.org/officeDocument/2006/relationships" xmlns:p="http://schemas.openxmlformats.org/presentationml/2006/main">
+  <p:cSld>
+    <p:spTree>
+      <p:nvGrpSpPr>
+        <p:cNvPr id="1" name=""/>
+        <p:cNvGrpSpPr/>
+        <p:nvPr/>
+      </p:nvGrpSpPr>
+      <p:grpSpPr>
+        <a:xfrm>
+          <a:off x="0" y="0"/>
+          <a:ext cx="0" cy="0"/>
+          <a:chOff x="0" y="0"/>
+          <a:chExt cx="0" cy="0"/>
+        </a:xfrm>
+      </p:grpSpPr>
+      <p:sp>
+        <p:nvSpPr>
+          <p:cNvPr id="2" name="Titel 1">
+            <a:extLst>
+              <a:ext uri="{FF2B5EF4-FFF2-40B4-BE49-F238E27FC236}">
+                <a16:creationId xmlns:a16="http://schemas.microsoft.com/office/drawing/2014/main" id="{B1CBD68D-E392-47D5-A4FE-6923BFEC523D}"/>
+              </a:ext>
+            </a:extLst>
+          </p:cNvPr>
+          <p:cNvSpPr>
+            <a:spLocks noGrp="1"/>
+          </p:cNvSpPr>
+          <p:nvPr>
+            <p:ph type="title"/>
+          </p:nvPr>
+        </p:nvSpPr>
+        <p:spPr/>
+        <p:txBody>
+          <a:bodyPr/>
+          <a:lstStyle/>
+          <a:p>
+            <a:r>
+              <a:rPr lang="en-GB" dirty="0"/>
+              <a:t>Grasping</a:t>
+            </a:r>
+          </a:p>
+        </p:txBody>
+      </p:sp>
+      <p:sp>
+        <p:nvSpPr>
+          <p:cNvPr id="3" name="Inhaltsplatzhalter 2">
+            <a:extLst>
+              <a:ext uri="{FF2B5EF4-FFF2-40B4-BE49-F238E27FC236}">
+                <a16:creationId xmlns:a16="http://schemas.microsoft.com/office/drawing/2014/main" id="{46A624E4-45E9-48F9-9FB5-139D5B883B41}"/>
+              </a:ext>
+            </a:extLst>
+          </p:cNvPr>
+          <p:cNvSpPr>
+            <a:spLocks noGrp="1"/>
+          </p:cNvSpPr>
+          <p:nvPr>
+            <p:ph idx="1"/>
+          </p:nvPr>
+        </p:nvSpPr>
+        <p:spPr/>
+        <p:txBody>
+          <a:bodyPr/>
+          <a:lstStyle/>
+          <a:p>
+            <a:endParaRPr lang="en-GB" dirty="0"/>
+          </a:p>
+          <a:p>
+            <a:r>
+              <a:rPr lang="en-GB" dirty="0"/>
+              <a:t>Most of the hands are capable of performing the known grasping patterns:</a:t>
+            </a:r>
+          </a:p>
+          <a:p>
+            <a:pPr lvl="1"/>
+            <a:r>
+              <a:rPr lang="en-GB" dirty="0"/>
+              <a:t>Power grasp (Cylindrical grasp)</a:t>
+            </a:r>
+          </a:p>
+          <a:p>
+            <a:pPr lvl="1"/>
+            <a:r>
+              <a:rPr lang="en-GB" dirty="0"/>
+              <a:t>Precision grasp (Pinch grasp)</a:t>
+            </a:r>
+          </a:p>
+          <a:p>
+            <a:pPr lvl="1"/>
+            <a:r>
+              <a:rPr lang="en-GB" dirty="0"/>
+              <a:t>Lateral grasp</a:t>
+            </a:r>
+          </a:p>
+          <a:p>
+            <a:pPr lvl="1"/>
+            <a:r>
+              <a:rPr lang="en-GB" dirty="0"/>
+              <a:t>Hook grasp</a:t>
+            </a:r>
+          </a:p>
+          <a:p>
+            <a:endParaRPr lang="en-GB" dirty="0"/>
+          </a:p>
+          <a:p>
+            <a:r>
+              <a:rPr lang="en-GB" dirty="0"/>
+              <a:t>The MORA Hap-2 is mainly developed for power and hook grasp</a:t>
+            </a:r>
+          </a:p>
+          <a:p>
+            <a:r>
+              <a:rPr lang="en-GB" dirty="0"/>
+              <a:t>The </a:t>
+            </a:r>
+            <a:r>
+              <a:rPr lang="en-GB" dirty="0" err="1"/>
+              <a:t>SoftHand</a:t>
+            </a:r>
+            <a:r>
+              <a:rPr lang="en-GB" dirty="0"/>
+              <a:t> Pro-D with its single actuator can perform power and precision grasps</a:t>
+            </a:r>
+          </a:p>
+        </p:txBody>
+      </p:sp>
+    </p:spTree>
+    <p:extLst>
+      <p:ext uri="{BB962C8B-B14F-4D97-AF65-F5344CB8AC3E}">
+        <p14:creationId xmlns:p14="http://schemas.microsoft.com/office/powerpoint/2010/main" val="3119618059"/>
+      </p:ext>
+    </p:extLst>
+  </p:cSld>
+  <p:clrMapOvr>
+    <a:masterClrMapping/>
+  </p:clrMapOvr>
+</p:sld>
+</file>
+
+<file path=ppt/slides/slide23.xml><?xml version="1.0" encoding="utf-8"?>
+<p:sld xmlns:a="http://schemas.openxmlformats.org/drawingml/2006/main" xmlns:r="http://schemas.openxmlformats.org/officeDocument/2006/relationships" xmlns:p="http://schemas.openxmlformats.org/presentationml/2006/main">
+  <p:cSld>
+    <p:spTree>
+      <p:nvGrpSpPr>
+        <p:cNvPr id="1" name=""/>
+        <p:cNvGrpSpPr/>
+        <p:nvPr/>
+      </p:nvGrpSpPr>
+      <p:grpSpPr>
+        <a:xfrm>
+          <a:off x="0" y="0"/>
+          <a:ext cx="0" cy="0"/>
+          <a:chOff x="0" y="0"/>
+          <a:chExt cx="0" cy="0"/>
+        </a:xfrm>
+      </p:grpSpPr>
+      <p:sp>
+        <p:nvSpPr>
+          <p:cNvPr id="2" name="Titel 1">
+            <a:extLst>
+              <a:ext uri="{FF2B5EF4-FFF2-40B4-BE49-F238E27FC236}">
+                <a16:creationId xmlns:a16="http://schemas.microsoft.com/office/drawing/2014/main" id="{91867CAA-1DCA-4FE1-827D-34619D059BEB}"/>
+              </a:ext>
+            </a:extLst>
+          </p:cNvPr>
+          <p:cNvSpPr>
+            <a:spLocks noGrp="1"/>
+          </p:cNvSpPr>
+          <p:nvPr>
+            <p:ph type="title"/>
+          </p:nvPr>
+        </p:nvSpPr>
+        <p:spPr/>
+        <p:txBody>
+          <a:bodyPr/>
+          <a:lstStyle/>
+          <a:p>
+            <a:r>
+              <a:rPr lang="en-GB"/>
+              <a:t>Dynamics</a:t>
+            </a:r>
+          </a:p>
+        </p:txBody>
+      </p:sp>
+      <p:sp>
+        <p:nvSpPr>
+          <p:cNvPr id="3" name="Inhaltsplatzhalter 2">
+            <a:extLst>
+              <a:ext uri="{FF2B5EF4-FFF2-40B4-BE49-F238E27FC236}">
+                <a16:creationId xmlns:a16="http://schemas.microsoft.com/office/drawing/2014/main" id="{88C55973-EFAF-44A2-8DCB-F2962B32E027}"/>
+              </a:ext>
+            </a:extLst>
+          </p:cNvPr>
+          <p:cNvSpPr>
+            <a:spLocks noGrp="1"/>
+          </p:cNvSpPr>
+          <p:nvPr>
+            <p:ph idx="1"/>
+          </p:nvPr>
+        </p:nvSpPr>
+        <p:spPr/>
+        <p:txBody>
+          <a:bodyPr/>
+          <a:lstStyle/>
+          <a:p>
+            <a:endParaRPr lang="en-GB"/>
+          </a:p>
+        </p:txBody>
+      </p:sp>
+    </p:spTree>
+    <p:extLst>
+      <p:ext uri="{BB962C8B-B14F-4D97-AF65-F5344CB8AC3E}">
+        <p14:creationId xmlns:p14="http://schemas.microsoft.com/office/powerpoint/2010/main" val="3782836278"/>
+      </p:ext>
+    </p:extLst>
+  </p:cSld>
+  <p:clrMapOvr>
+    <a:masterClrMapping/>
+  </p:clrMapOvr>
+</p:sld>
+</file>
+
+<file path=ppt/slides/slide24.xml><?xml version="1.0" encoding="utf-8"?>
+<p:sld xmlns:a="http://schemas.openxmlformats.org/drawingml/2006/main" xmlns:r="http://schemas.openxmlformats.org/officeDocument/2006/relationships" xmlns:p="http://schemas.openxmlformats.org/presentationml/2006/main">
+  <p:cSld>
+    <p:spTree>
+      <p:nvGrpSpPr>
+        <p:cNvPr id="1" name=""/>
+        <p:cNvGrpSpPr/>
+        <p:nvPr/>
+      </p:nvGrpSpPr>
+      <p:grpSpPr>
+        <a:xfrm>
+          <a:off x="0" y="0"/>
+          <a:ext cx="0" cy="0"/>
+          <a:chOff x="0" y="0"/>
+          <a:chExt cx="0" cy="0"/>
+        </a:xfrm>
+      </p:grpSpPr>
+      <p:sp>
+        <p:nvSpPr>
+          <p:cNvPr id="2" name="Titel 1">
+            <a:extLst>
+              <a:ext uri="{FF2B5EF4-FFF2-40B4-BE49-F238E27FC236}">
                 <a16:creationId xmlns:a16="http://schemas.microsoft.com/office/drawing/2014/main" id="{3699351C-6952-4BE7-8508-0B1E30FA3294}"/>
               </a:ext>
             </a:extLst>
@@ -7701,7 +10347,7 @@
 </p:sld>
 </file>
 
-<file path=ppt/slides/slide21.xml><?xml version="1.0" encoding="utf-8"?>
+<file path=ppt/slides/slide25.xml><?xml version="1.0" encoding="utf-8"?>
 <p:sld xmlns:a="http://schemas.openxmlformats.org/drawingml/2006/main" xmlns:r="http://schemas.openxmlformats.org/officeDocument/2006/relationships" xmlns:p="http://schemas.openxmlformats.org/presentationml/2006/main">
   <p:cSld>
     <p:spTree>

--- a/Vortrag/Vortrag.pptx
+++ b/Vortrag/Vortrag.pptx
@@ -5,10 +5,10 @@
     <p:sldMasterId id="2147483648" r:id="rId1"/>
   </p:sldMasterIdLst>
   <p:notesMasterIdLst>
-    <p:notesMasterId r:id="rId33"/>
+    <p:notesMasterId r:id="rId34"/>
   </p:notesMasterIdLst>
   <p:handoutMasterIdLst>
-    <p:handoutMasterId r:id="rId34"/>
+    <p:handoutMasterId r:id="rId35"/>
   </p:handoutMasterIdLst>
   <p:sldIdLst>
     <p:sldId id="1231" r:id="rId2"/>
@@ -37,11 +37,12 @@
     <p:sldId id="1250" r:id="rId25"/>
     <p:sldId id="1253" r:id="rId26"/>
     <p:sldId id="1254" r:id="rId27"/>
-    <p:sldId id="1255" r:id="rId28"/>
-    <p:sldId id="1256" r:id="rId29"/>
-    <p:sldId id="1239" r:id="rId30"/>
-    <p:sldId id="1252" r:id="rId31"/>
-    <p:sldId id="1262" r:id="rId32"/>
+    <p:sldId id="1263" r:id="rId28"/>
+    <p:sldId id="1255" r:id="rId29"/>
+    <p:sldId id="1256" r:id="rId30"/>
+    <p:sldId id="1239" r:id="rId31"/>
+    <p:sldId id="1252" r:id="rId32"/>
+    <p:sldId id="1262" r:id="rId33"/>
   </p:sldIdLst>
   <p:sldSz cx="9144000" cy="6858000" type="screen4x3"/>
   <p:notesSz cx="7099300" cy="10234613"/>
@@ -5193,12 +5194,6 @@
           <a:bodyPr/>
           <a:lstStyle/>
           <a:p>
-            <a:endParaRPr lang="en-GB" dirty="0"/>
-          </a:p>
-          <a:p>
-            <a:endParaRPr lang="en-GB" dirty="0"/>
-          </a:p>
-          <a:p>
             <a:r>
               <a:rPr lang="en-GB" dirty="0"/>
               <a:t>Special feature:</a:t>
@@ -5517,6 +5512,42 @@
           </a:graphicData>
         </a:graphic>
       </p:graphicFrame>
+      <p:pic>
+        <p:nvPicPr>
+          <p:cNvPr id="9" name="Grafik 8">
+            <a:extLst>
+              <a:ext uri="{FF2B5EF4-FFF2-40B4-BE49-F238E27FC236}">
+                <a16:creationId xmlns:a16="http://schemas.microsoft.com/office/drawing/2014/main" id="{D66C1D67-7096-4BB1-B5F8-FC2D1BFE85E1}"/>
+              </a:ext>
+            </a:extLst>
+          </p:cNvPr>
+          <p:cNvPicPr>
+            <a:picLocks noChangeAspect="1"/>
+          </p:cNvPicPr>
+          <p:nvPr/>
+        </p:nvPicPr>
+        <p:blipFill>
+          <a:blip r:embed="rId3">
+            <a:extLst>
+              <a:ext uri="{28A0092B-C50C-407E-A947-70E740481C1C}">
+                <a14:useLocalDpi xmlns:a14="http://schemas.microsoft.com/office/drawing/2010/main" val="0"/>
+              </a:ext>
+            </a:extLst>
+          </a:blip>
+          <a:stretch>
+            <a:fillRect/>
+          </a:stretch>
+        </p:blipFill>
+        <p:spPr>
+          <a:xfrm>
+            <a:off x="2555776" y="4473115"/>
+            <a:ext cx="2448272" cy="1836205"/>
+          </a:xfrm>
+          <a:prstGeom prst="rect">
+            <a:avLst/>
+          </a:prstGeom>
+        </p:spPr>
+      </p:pic>
     </p:spTree>
     <p:extLst>
       <p:ext uri="{BB962C8B-B14F-4D97-AF65-F5344CB8AC3E}">
@@ -5848,10 +5879,6 @@
             <a:endParaRPr lang="en-GB" kern="0" dirty="0"/>
           </a:p>
           <a:p>
-            <a:pPr lvl="1"/>
-            <a:endParaRPr lang="en-GB" kern="0" dirty="0"/>
-          </a:p>
-          <a:p>
             <a:pPr marL="476250" lvl="1" indent="0">
               <a:buNone/>
             </a:pPr>
@@ -5893,12 +5920,10 @@
             <a:endParaRPr lang="en-GB" sz="2400" kern="0" dirty="0"/>
           </a:p>
           <a:p>
-            <a:pPr lvl="2"/>
-            <a:endParaRPr lang="en-GB" sz="1800" kern="0" dirty="0"/>
-          </a:p>
-          <a:p>
-            <a:pPr lvl="2"/>
-            <a:endParaRPr lang="en-GB" kern="0" dirty="0"/>
+            <a:pPr marL="933450" lvl="2" indent="0">
+              <a:buNone/>
+            </a:pPr>
+            <a:endParaRPr lang="en-GB" sz="3200" kern="0" dirty="0"/>
           </a:p>
           <a:p>
             <a:pPr lvl="2"/>
@@ -12294,6 +12319,136 @@
           <p:cNvPr id="2" name="Titel 1">
             <a:extLst>
               <a:ext uri="{FF2B5EF4-FFF2-40B4-BE49-F238E27FC236}">
+                <a16:creationId xmlns:a16="http://schemas.microsoft.com/office/drawing/2014/main" id="{4D1E9E42-A3B8-4C48-8382-15A1A2F574AB}"/>
+              </a:ext>
+            </a:extLst>
+          </p:cNvPr>
+          <p:cNvSpPr>
+            <a:spLocks noGrp="1"/>
+          </p:cNvSpPr>
+          <p:nvPr>
+            <p:ph type="title"/>
+          </p:nvPr>
+        </p:nvSpPr>
+        <p:spPr/>
+        <p:txBody>
+          <a:bodyPr/>
+          <a:lstStyle/>
+          <a:p>
+            <a:r>
+              <a:rPr lang="en-GB" dirty="0"/>
+              <a:t>Comparison</a:t>
+            </a:r>
+          </a:p>
+        </p:txBody>
+      </p:sp>
+      <p:pic>
+        <p:nvPicPr>
+          <p:cNvPr id="23" name="Grafik 22">
+            <a:extLst>
+              <a:ext uri="{FF2B5EF4-FFF2-40B4-BE49-F238E27FC236}">
+                <a16:creationId xmlns:a16="http://schemas.microsoft.com/office/drawing/2014/main" id="{4B6B69CD-3EE3-4A2D-9D54-4152B8455466}"/>
+              </a:ext>
+            </a:extLst>
+          </p:cNvPr>
+          <p:cNvPicPr>
+            <a:picLocks noChangeAspect="1"/>
+          </p:cNvPicPr>
+          <p:nvPr/>
+        </p:nvPicPr>
+        <p:blipFill>
+          <a:blip r:embed="rId2">
+            <a:extLst>
+              <a:ext uri="{28A0092B-C50C-407E-A947-70E740481C1C}">
+                <a14:useLocalDpi xmlns:a14="http://schemas.microsoft.com/office/drawing/2010/main" val="0"/>
+              </a:ext>
+            </a:extLst>
+          </a:blip>
+          <a:stretch>
+            <a:fillRect/>
+          </a:stretch>
+        </p:blipFill>
+        <p:spPr>
+          <a:xfrm>
+            <a:off x="251522" y="1376772"/>
+            <a:ext cx="4243459" cy="4243459"/>
+          </a:xfrm>
+          <a:prstGeom prst="rect">
+            <a:avLst/>
+          </a:prstGeom>
+        </p:spPr>
+      </p:pic>
+      <p:pic>
+        <p:nvPicPr>
+          <p:cNvPr id="25" name="Grafik 24">
+            <a:extLst>
+              <a:ext uri="{FF2B5EF4-FFF2-40B4-BE49-F238E27FC236}">
+                <a16:creationId xmlns:a16="http://schemas.microsoft.com/office/drawing/2014/main" id="{BE276C40-81B7-4DAE-A668-CA89641AE4EE}"/>
+              </a:ext>
+            </a:extLst>
+          </p:cNvPr>
+          <p:cNvPicPr>
+            <a:picLocks noChangeAspect="1"/>
+          </p:cNvPicPr>
+          <p:nvPr/>
+        </p:nvPicPr>
+        <p:blipFill>
+          <a:blip r:embed="rId3">
+            <a:extLst>
+              <a:ext uri="{28A0092B-C50C-407E-A947-70E740481C1C}">
+                <a14:useLocalDpi xmlns:a14="http://schemas.microsoft.com/office/drawing/2010/main" val="0"/>
+              </a:ext>
+            </a:extLst>
+          </a:blip>
+          <a:stretch>
+            <a:fillRect/>
+          </a:stretch>
+        </p:blipFill>
+        <p:spPr>
+          <a:xfrm>
+            <a:off x="4649019" y="1376772"/>
+            <a:ext cx="4243459" cy="4243459"/>
+          </a:xfrm>
+          <a:prstGeom prst="rect">
+            <a:avLst/>
+          </a:prstGeom>
+        </p:spPr>
+      </p:pic>
+    </p:spTree>
+    <p:extLst>
+      <p:ext uri="{BB962C8B-B14F-4D97-AF65-F5344CB8AC3E}">
+        <p14:creationId xmlns:p14="http://schemas.microsoft.com/office/powerpoint/2010/main" val="4057608858"/>
+      </p:ext>
+    </p:extLst>
+  </p:cSld>
+  <p:clrMapOvr>
+    <a:masterClrMapping/>
+  </p:clrMapOvr>
+</p:sld>
+</file>
+
+<file path=ppt/slides/slide28.xml><?xml version="1.0" encoding="utf-8"?>
+<p:sld xmlns:a="http://schemas.openxmlformats.org/drawingml/2006/main" xmlns:r="http://schemas.openxmlformats.org/officeDocument/2006/relationships" xmlns:p="http://schemas.openxmlformats.org/presentationml/2006/main">
+  <p:cSld>
+    <p:spTree>
+      <p:nvGrpSpPr>
+        <p:cNvPr id="1" name=""/>
+        <p:cNvGrpSpPr/>
+        <p:nvPr/>
+      </p:nvGrpSpPr>
+      <p:grpSpPr>
+        <a:xfrm>
+          <a:off x="0" y="0"/>
+          <a:ext cx="0" cy="0"/>
+          <a:chOff x="0" y="0"/>
+          <a:chExt cx="0" cy="0"/>
+        </a:xfrm>
+      </p:grpSpPr>
+      <p:sp>
+        <p:nvSpPr>
+          <p:cNvPr id="2" name="Titel 1">
+            <a:extLst>
+              <a:ext uri="{FF2B5EF4-FFF2-40B4-BE49-F238E27FC236}">
                 <a16:creationId xmlns:a16="http://schemas.microsoft.com/office/drawing/2014/main" id="{B1CBD68D-E392-47D5-A4FE-6923BFEC523D}"/>
               </a:ext>
             </a:extLst>
@@ -12412,7 +12567,7 @@
 </p:sld>
 </file>
 
-<file path=ppt/slides/slide28.xml><?xml version="1.0" encoding="utf-8"?>
+<file path=ppt/slides/slide29.xml><?xml version="1.0" encoding="utf-8"?>
 <p:sld xmlns:a="http://schemas.openxmlformats.org/drawingml/2006/main" xmlns:r="http://schemas.openxmlformats.org/officeDocument/2006/relationships" xmlns:p="http://schemas.openxmlformats.org/presentationml/2006/main">
   <p:cSld>
     <p:spTree>
@@ -13125,7 +13280,173 @@
 </p:sld>
 </file>
 
-<file path=ppt/slides/slide29.xml><?xml version="1.0" encoding="utf-8"?>
+<file path=ppt/slides/slide3.xml><?xml version="1.0" encoding="utf-8"?>
+<p:sld xmlns:a="http://schemas.openxmlformats.org/drawingml/2006/main" xmlns:r="http://schemas.openxmlformats.org/officeDocument/2006/relationships" xmlns:p="http://schemas.openxmlformats.org/presentationml/2006/main">
+  <p:cSld>
+    <p:spTree>
+      <p:nvGrpSpPr>
+        <p:cNvPr id="1" name=""/>
+        <p:cNvGrpSpPr/>
+        <p:nvPr/>
+      </p:nvGrpSpPr>
+      <p:grpSpPr>
+        <a:xfrm>
+          <a:off x="0" y="0"/>
+          <a:ext cx="0" cy="0"/>
+          <a:chOff x="0" y="0"/>
+          <a:chExt cx="0" cy="0"/>
+        </a:xfrm>
+      </p:grpSpPr>
+      <p:sp>
+        <p:nvSpPr>
+          <p:cNvPr id="2" name="Titel 1"/>
+          <p:cNvSpPr>
+            <a:spLocks noGrp="1"/>
+          </p:cNvSpPr>
+          <p:nvPr>
+            <p:ph type="title"/>
+          </p:nvPr>
+        </p:nvSpPr>
+        <p:spPr/>
+        <p:txBody>
+          <a:bodyPr/>
+          <a:lstStyle/>
+          <a:p>
+            <a:r>
+              <a:rPr lang="de-DE" dirty="0"/>
+              <a:t>Motivation</a:t>
+            </a:r>
+            <a:endParaRPr lang="en-GB" dirty="0"/>
+          </a:p>
+        </p:txBody>
+      </p:sp>
+      <p:sp>
+        <p:nvSpPr>
+          <p:cNvPr id="3" name="Inhaltsplatzhalter 2"/>
+          <p:cNvSpPr>
+            <a:spLocks noGrp="1"/>
+          </p:cNvSpPr>
+          <p:nvPr>
+            <p:ph idx="1"/>
+          </p:nvPr>
+        </p:nvSpPr>
+        <p:spPr/>
+        <p:txBody>
+          <a:bodyPr/>
+          <a:lstStyle/>
+          <a:p>
+            <a:endParaRPr lang="de-DE" dirty="0"/>
+          </a:p>
+          <a:p>
+            <a:r>
+              <a:rPr lang="en-GB" dirty="0"/>
+              <a:t>Why myoelectric hand prostheses?</a:t>
+            </a:r>
+          </a:p>
+          <a:p>
+            <a:pPr lvl="1"/>
+            <a:r>
+              <a:rPr lang="en-GB" dirty="0"/>
+              <a:t>Make a normal life possible for amputees</a:t>
+            </a:r>
+          </a:p>
+          <a:p>
+            <a:pPr lvl="1"/>
+            <a:r>
+              <a:rPr lang="en-GB" dirty="0"/>
+              <a:t>Enable users to perform different grasps </a:t>
+            </a:r>
+          </a:p>
+          <a:p>
+            <a:pPr marL="476250" lvl="1" indent="0">
+              <a:buNone/>
+            </a:pPr>
+            <a:r>
+              <a:rPr lang="en-GB" dirty="0"/>
+              <a:t>      for activities of daily living (ADLs)</a:t>
+            </a:r>
+          </a:p>
+          <a:p>
+            <a:pPr lvl="1"/>
+            <a:r>
+              <a:rPr lang="en-GB" dirty="0"/>
+              <a:t>Allow the user to control the hand through muscle contraction (with EMG)</a:t>
+            </a:r>
+          </a:p>
+          <a:p>
+            <a:pPr lvl="1"/>
+            <a:r>
+              <a:rPr lang="en-GB" dirty="0"/>
+              <a:t>Electric actuators are rather small, quiet and </a:t>
+            </a:r>
+          </a:p>
+          <a:p>
+            <a:pPr marL="476250" lvl="1" indent="0">
+              <a:buNone/>
+            </a:pPr>
+            <a:r>
+              <a:rPr lang="en-GB" dirty="0"/>
+              <a:t>      have good precision and controllability </a:t>
+            </a:r>
+          </a:p>
+          <a:p>
+            <a:pPr marL="476250" lvl="1" indent="0">
+              <a:buNone/>
+            </a:pPr>
+            <a:endParaRPr lang="de-DE" dirty="0"/>
+          </a:p>
+        </p:txBody>
+      </p:sp>
+      <p:pic>
+        <p:nvPicPr>
+          <p:cNvPr id="5" name="Grafik 4">
+            <a:extLst>
+              <a:ext uri="{FF2B5EF4-FFF2-40B4-BE49-F238E27FC236}">
+                <a16:creationId xmlns:a16="http://schemas.microsoft.com/office/drawing/2014/main" id="{CF37541F-40AB-44C7-B051-DD325D717609}"/>
+              </a:ext>
+            </a:extLst>
+          </p:cNvPr>
+          <p:cNvPicPr>
+            <a:picLocks noChangeAspect="1"/>
+          </p:cNvPicPr>
+          <p:nvPr/>
+        </p:nvPicPr>
+        <p:blipFill>
+          <a:blip r:embed="rId2">
+            <a:extLst>
+              <a:ext uri="{28A0092B-C50C-407E-A947-70E740481C1C}">
+                <a14:useLocalDpi xmlns:a14="http://schemas.microsoft.com/office/drawing/2010/main" val="0"/>
+              </a:ext>
+            </a:extLst>
+          </a:blip>
+          <a:stretch>
+            <a:fillRect/>
+          </a:stretch>
+        </p:blipFill>
+        <p:spPr>
+          <a:xfrm>
+            <a:off x="665163" y="4077072"/>
+            <a:ext cx="7810500" cy="2114550"/>
+          </a:xfrm>
+          <a:prstGeom prst="rect">
+            <a:avLst/>
+          </a:prstGeom>
+        </p:spPr>
+      </p:pic>
+    </p:spTree>
+    <p:extLst>
+      <p:ext uri="{BB962C8B-B14F-4D97-AF65-F5344CB8AC3E}">
+        <p14:creationId xmlns:p14="http://schemas.microsoft.com/office/powerpoint/2010/main" val="2987950360"/>
+      </p:ext>
+    </p:extLst>
+  </p:cSld>
+  <p:clrMapOvr>
+    <a:masterClrMapping/>
+  </p:clrMapOvr>
+</p:sld>
+</file>
+
+<file path=ppt/slides/slide30.xml><?xml version="1.0" encoding="utf-8"?>
 <p:sld xmlns:a="http://schemas.openxmlformats.org/drawingml/2006/main" xmlns:r="http://schemas.openxmlformats.org/officeDocument/2006/relationships" xmlns:p="http://schemas.openxmlformats.org/presentationml/2006/main">
   <p:cSld>
     <p:spTree>
@@ -13410,173 +13731,7 @@
 </p:sld>
 </file>
 
-<file path=ppt/slides/slide3.xml><?xml version="1.0" encoding="utf-8"?>
-<p:sld xmlns:a="http://schemas.openxmlformats.org/drawingml/2006/main" xmlns:r="http://schemas.openxmlformats.org/officeDocument/2006/relationships" xmlns:p="http://schemas.openxmlformats.org/presentationml/2006/main">
-  <p:cSld>
-    <p:spTree>
-      <p:nvGrpSpPr>
-        <p:cNvPr id="1" name=""/>
-        <p:cNvGrpSpPr/>
-        <p:nvPr/>
-      </p:nvGrpSpPr>
-      <p:grpSpPr>
-        <a:xfrm>
-          <a:off x="0" y="0"/>
-          <a:ext cx="0" cy="0"/>
-          <a:chOff x="0" y="0"/>
-          <a:chExt cx="0" cy="0"/>
-        </a:xfrm>
-      </p:grpSpPr>
-      <p:sp>
-        <p:nvSpPr>
-          <p:cNvPr id="2" name="Titel 1"/>
-          <p:cNvSpPr>
-            <a:spLocks noGrp="1"/>
-          </p:cNvSpPr>
-          <p:nvPr>
-            <p:ph type="title"/>
-          </p:nvPr>
-        </p:nvSpPr>
-        <p:spPr/>
-        <p:txBody>
-          <a:bodyPr/>
-          <a:lstStyle/>
-          <a:p>
-            <a:r>
-              <a:rPr lang="de-DE" dirty="0"/>
-              <a:t>Motivation</a:t>
-            </a:r>
-            <a:endParaRPr lang="en-GB" dirty="0"/>
-          </a:p>
-        </p:txBody>
-      </p:sp>
-      <p:sp>
-        <p:nvSpPr>
-          <p:cNvPr id="3" name="Inhaltsplatzhalter 2"/>
-          <p:cNvSpPr>
-            <a:spLocks noGrp="1"/>
-          </p:cNvSpPr>
-          <p:nvPr>
-            <p:ph idx="1"/>
-          </p:nvPr>
-        </p:nvSpPr>
-        <p:spPr/>
-        <p:txBody>
-          <a:bodyPr/>
-          <a:lstStyle/>
-          <a:p>
-            <a:endParaRPr lang="de-DE" dirty="0"/>
-          </a:p>
-          <a:p>
-            <a:r>
-              <a:rPr lang="en-GB" dirty="0"/>
-              <a:t>Why myoelectric hand prostheses?</a:t>
-            </a:r>
-          </a:p>
-          <a:p>
-            <a:pPr lvl="1"/>
-            <a:r>
-              <a:rPr lang="en-GB" dirty="0"/>
-              <a:t>Make a normal life possible for amputees</a:t>
-            </a:r>
-          </a:p>
-          <a:p>
-            <a:pPr lvl="1"/>
-            <a:r>
-              <a:rPr lang="en-GB" dirty="0"/>
-              <a:t>Enable users to perform different grasps </a:t>
-            </a:r>
-          </a:p>
-          <a:p>
-            <a:pPr marL="476250" lvl="1" indent="0">
-              <a:buNone/>
-            </a:pPr>
-            <a:r>
-              <a:rPr lang="en-GB" dirty="0"/>
-              <a:t>      for activities of daily living (ADLs)</a:t>
-            </a:r>
-          </a:p>
-          <a:p>
-            <a:pPr lvl="1"/>
-            <a:r>
-              <a:rPr lang="en-GB" dirty="0"/>
-              <a:t>Allow the user to control the hand through muscle contraction (with EMG)</a:t>
-            </a:r>
-          </a:p>
-          <a:p>
-            <a:pPr lvl="1"/>
-            <a:r>
-              <a:rPr lang="en-GB" dirty="0"/>
-              <a:t>Electric actuators are rather small, quiet and </a:t>
-            </a:r>
-          </a:p>
-          <a:p>
-            <a:pPr marL="476250" lvl="1" indent="0">
-              <a:buNone/>
-            </a:pPr>
-            <a:r>
-              <a:rPr lang="en-GB" dirty="0"/>
-              <a:t>      have good precision and controllability </a:t>
-            </a:r>
-          </a:p>
-          <a:p>
-            <a:pPr marL="476250" lvl="1" indent="0">
-              <a:buNone/>
-            </a:pPr>
-            <a:endParaRPr lang="de-DE" dirty="0"/>
-          </a:p>
-        </p:txBody>
-      </p:sp>
-      <p:pic>
-        <p:nvPicPr>
-          <p:cNvPr id="5" name="Grafik 4">
-            <a:extLst>
-              <a:ext uri="{FF2B5EF4-FFF2-40B4-BE49-F238E27FC236}">
-                <a16:creationId xmlns:a16="http://schemas.microsoft.com/office/drawing/2014/main" id="{CF37541F-40AB-44C7-B051-DD325D717609}"/>
-              </a:ext>
-            </a:extLst>
-          </p:cNvPr>
-          <p:cNvPicPr>
-            <a:picLocks noChangeAspect="1"/>
-          </p:cNvPicPr>
-          <p:nvPr/>
-        </p:nvPicPr>
-        <p:blipFill>
-          <a:blip r:embed="rId2">
-            <a:extLst>
-              <a:ext uri="{28A0092B-C50C-407E-A947-70E740481C1C}">
-                <a14:useLocalDpi xmlns:a14="http://schemas.microsoft.com/office/drawing/2010/main" val="0"/>
-              </a:ext>
-            </a:extLst>
-          </a:blip>
-          <a:stretch>
-            <a:fillRect/>
-          </a:stretch>
-        </p:blipFill>
-        <p:spPr>
-          <a:xfrm>
-            <a:off x="665163" y="4077072"/>
-            <a:ext cx="7810500" cy="2114550"/>
-          </a:xfrm>
-          <a:prstGeom prst="rect">
-            <a:avLst/>
-          </a:prstGeom>
-        </p:spPr>
-      </p:pic>
-    </p:spTree>
-    <p:extLst>
-      <p:ext uri="{BB962C8B-B14F-4D97-AF65-F5344CB8AC3E}">
-        <p14:creationId xmlns:p14="http://schemas.microsoft.com/office/powerpoint/2010/main" val="2987950360"/>
-      </p:ext>
-    </p:extLst>
-  </p:cSld>
-  <p:clrMapOvr>
-    <a:masterClrMapping/>
-  </p:clrMapOvr>
-</p:sld>
-</file>
-
-<file path=ppt/slides/slide30.xml><?xml version="1.0" encoding="utf-8"?>
+<file path=ppt/slides/slide31.xml><?xml version="1.0" encoding="utf-8"?>
 <p:sld xmlns:a="http://schemas.openxmlformats.org/drawingml/2006/main" xmlns:r="http://schemas.openxmlformats.org/officeDocument/2006/relationships" xmlns:p="http://schemas.openxmlformats.org/presentationml/2006/main">
   <p:cSld>
     <p:spTree>
@@ -13712,7 +13867,7 @@
 </p:sld>
 </file>
 
-<file path=ppt/slides/slide31.xml><?xml version="1.0" encoding="utf-8"?>
+<file path=ppt/slides/slide32.xml><?xml version="1.0" encoding="utf-8"?>
 <p:sld xmlns:a="http://schemas.openxmlformats.org/drawingml/2006/main" xmlns:r="http://schemas.openxmlformats.org/officeDocument/2006/relationships" xmlns:p="http://schemas.openxmlformats.org/presentationml/2006/main">
   <p:cSld>
     <p:spTree>
